--- a/doc/gao_ai_proposal.pptx
+++ b/doc/gao_ai_proposal.pptx
@@ -14,10 +14,10 @@
     <p:sldId id="294" r:id="rId5"/>
     <p:sldId id="293" r:id="rId6"/>
     <p:sldId id="295" r:id="rId7"/>
-    <p:sldId id="297" r:id="rId8"/>
-    <p:sldId id="296" r:id="rId9"/>
-    <p:sldId id="298" r:id="rId10"/>
-    <p:sldId id="300" r:id="rId11"/>
+    <p:sldId id="302" r:id="rId8"/>
+    <p:sldId id="297" r:id="rId9"/>
+    <p:sldId id="304" r:id="rId10"/>
+    <p:sldId id="296" r:id="rId11"/>
     <p:sldId id="301" r:id="rId12"/>
   </p:sldIdLst>
   <p:sldSz cx="9144000" cy="5143500" type="screen16x9"/>
@@ -1032,7 +1032,7 @@
         <a:p>
           <a:r>
             <a:rPr lang="en-US" dirty="0"/>
-            <a:t>Monitoring</a:t>
+            <a:t>Performance</a:t>
           </a:r>
         </a:p>
       </dgm:t>
@@ -1068,7 +1068,7 @@
         <a:p>
           <a:r>
             <a:rPr lang="en-US" dirty="0"/>
-            <a:t>Performance</a:t>
+            <a:t>Monitoring</a:t>
           </a:r>
         </a:p>
       </dgm:t>
@@ -1458,7 +1458,7 @@
           </a:pPr>
           <a:r>
             <a:rPr lang="en-US" sz="3800" kern="1200" dirty="0"/>
-            <a:t>Monitoring</a:t>
+            <a:t>Performance</a:t>
           </a:r>
         </a:p>
       </dsp:txBody>
@@ -1552,7 +1552,7 @@
           </a:pPr>
           <a:r>
             <a:rPr lang="en-US" sz="3800" kern="1200" dirty="0"/>
-            <a:t>Performance</a:t>
+            <a:t>Monitoring</a:t>
           </a:r>
         </a:p>
       </dsp:txBody>
@@ -2828,7 +2828,7 @@
           <a:p>
             <a:fld id="{9C5B416F-12F7-8245-B7D4-D65FCD72D8E0}" type="datetimeFigureOut">
               <a:rPr lang="en-US" smtClean="0"/>
-              <a:t>7/24/23</a:t>
+              <a:t>7/26/23</a:t>
             </a:fld>
             <a:endParaRPr lang="en-US"/>
           </a:p>
@@ -2994,7 +2994,7 @@
           <a:p>
             <a:fld id="{24EA5F54-FBF3-1447-ACC7-2EF23A9C40CC}" type="datetimeFigureOut">
               <a:rPr lang="en-US" smtClean="0"/>
-              <a:t>7/24/23</a:t>
+              <a:t>7/26/23</a:t>
             </a:fld>
             <a:endParaRPr lang="en-US"/>
           </a:p>
@@ -3326,6 +3326,34 @@
             </a:r>
           </a:p>
           <a:p>
+            <a:pPr marL="0" marR="0" lvl="0" indent="0" algn="l" defTabSz="457200" rtl="0" eaLnBrk="1" fontAlgn="auto" latinLnBrk="0" hangingPunct="1">
+              <a:lnSpc>
+                <a:spcPct val="100000"/>
+              </a:lnSpc>
+              <a:spcBef>
+                <a:spcPts val="0"/>
+              </a:spcBef>
+              <a:spcAft>
+                <a:spcPts val="0"/>
+              </a:spcAft>
+              <a:buClrTx/>
+              <a:buSzTx/>
+              <a:buFontTx/>
+              <a:buNone/>
+              <a:tabLst/>
+              <a:defRPr/>
+            </a:pPr>
+            <a:r>
+              <a:rPr lang="en-US" b="1" dirty="0"/>
+              <a:t>Performance: </a:t>
+            </a:r>
+            <a:r>
+              <a:rPr lang="en-US" b="0" dirty="0"/>
+              <a:t>Produce results that are consistent with program objectives</a:t>
+            </a:r>
+            <a:endParaRPr lang="en-US" dirty="0"/>
+          </a:p>
+          <a:p>
             <a:r>
               <a:rPr lang="en-US" b="1" dirty="0"/>
               <a:t>Monitoring: </a:t>
@@ -3334,17 +3362,6 @@
               <a:rPr lang="en-US" b="0" dirty="0"/>
               <a:t>Ensure reliability and relevance over time</a:t>
             </a:r>
-          </a:p>
-          <a:p>
-            <a:r>
-              <a:rPr lang="en-US" b="1" dirty="0"/>
-              <a:t>Performance: </a:t>
-            </a:r>
-            <a:r>
-              <a:rPr lang="en-US" b="0" dirty="0"/>
-              <a:t>Produce results that are consistent with program objectives</a:t>
-            </a:r>
-            <a:endParaRPr lang="en-US" b="1" dirty="0"/>
           </a:p>
         </p:txBody>
       </p:sp>
@@ -3517,11 +3534,8 @@
           <a:p>
             <a:r>
               <a:rPr lang="en-US" dirty="0"/>
-              <a:t>Why neural networks? Why can’t we just use a function?</a:t>
+              <a:t>Describe the problem. Why is it a problem? Who does it affect? What is the proposed solution? How will the solution help?</a:t>
             </a:r>
-          </a:p>
-          <a:p>
-            <a:endParaRPr lang="en-US" dirty="0"/>
           </a:p>
         </p:txBody>
       </p:sp>
@@ -3551,7 +3565,207 @@
     </p:spTree>
     <p:extLst>
       <p:ext uri="{BB962C8B-B14F-4D97-AF65-F5344CB8AC3E}">
+        <p14:creationId xmlns:p14="http://schemas.microsoft.com/office/powerpoint/2010/main" val="736557669"/>
+      </p:ext>
+    </p:extLst>
+  </p:cSld>
+  <p:clrMapOvr>
+    <a:masterClrMapping/>
+  </p:clrMapOvr>
+</p:notes>
+</file>
+
+<file path=ppt/notesSlides/notesSlide4.xml><?xml version="1.0" encoding="utf-8"?>
+<p:notes xmlns:a="http://schemas.openxmlformats.org/drawingml/2006/main" xmlns:r="http://schemas.openxmlformats.org/officeDocument/2006/relationships" xmlns:p="http://schemas.openxmlformats.org/presentationml/2006/main">
+  <p:cSld>
+    <p:spTree>
+      <p:nvGrpSpPr>
+        <p:cNvPr id="1" name=""/>
+        <p:cNvGrpSpPr/>
+        <p:nvPr/>
+      </p:nvGrpSpPr>
+      <p:grpSpPr>
+        <a:xfrm>
+          <a:off x="0" y="0"/>
+          <a:ext cx="0" cy="0"/>
+          <a:chOff x="0" y="0"/>
+          <a:chExt cx="0" cy="0"/>
+        </a:xfrm>
+      </p:grpSpPr>
+      <p:sp>
+        <p:nvSpPr>
+          <p:cNvPr id="2" name="Slide Image Placeholder 1"/>
+          <p:cNvSpPr>
+            <a:spLocks noGrp="1" noRot="1" noChangeAspect="1"/>
+          </p:cNvSpPr>
+          <p:nvPr>
+            <p:ph type="sldImg"/>
+          </p:nvPr>
+        </p:nvSpPr>
+        <p:spPr/>
+      </p:sp>
+      <p:sp>
+        <p:nvSpPr>
+          <p:cNvPr id="3" name="Notes Placeholder 2"/>
+          <p:cNvSpPr>
+            <a:spLocks noGrp="1"/>
+          </p:cNvSpPr>
+          <p:nvPr>
+            <p:ph type="body" idx="1"/>
+          </p:nvPr>
+        </p:nvSpPr>
+        <p:spPr/>
+        <p:txBody>
+          <a:bodyPr/>
+          <a:lstStyle/>
+          <a:p>
+            <a:r>
+              <a:rPr lang="en-US" dirty="0"/>
+              <a:t>Why neural networks? Why can’t we just use a function?</a:t>
+            </a:r>
+          </a:p>
+          <a:p>
+            <a:pPr marL="0" marR="0" lvl="0" indent="0" algn="l" defTabSz="457200" rtl="0" eaLnBrk="1" fontAlgn="auto" latinLnBrk="0" hangingPunct="1">
+              <a:lnSpc>
+                <a:spcPct val="100000"/>
+              </a:lnSpc>
+              <a:spcBef>
+                <a:spcPts val="0"/>
+              </a:spcBef>
+              <a:spcAft>
+                <a:spcPts val="0"/>
+              </a:spcAft>
+              <a:buClrTx/>
+              <a:buSzTx/>
+              <a:buFontTx/>
+              <a:buNone/>
+              <a:tabLst/>
+              <a:defRPr/>
+            </a:pPr>
+            <a:r>
+              <a:rPr lang="en-US" dirty="0">
+                <a:effectLst/>
+                <a:latin typeface="Helvetica Neue" panose="02000503000000020004" pitchFamily="2" charset="0"/>
+              </a:rPr>
+              <a:t>No guidelines on scoring; there’s variability in how this is currently done (which will throw off numbers)</a:t>
+            </a:r>
+          </a:p>
+          <a:p>
+            <a:endParaRPr lang="en-US" dirty="0"/>
+          </a:p>
+        </p:txBody>
+      </p:sp>
+      <p:sp>
+        <p:nvSpPr>
+          <p:cNvPr id="4" name="Slide Number Placeholder 3"/>
+          <p:cNvSpPr>
+            <a:spLocks noGrp="1"/>
+          </p:cNvSpPr>
+          <p:nvPr>
+            <p:ph type="sldNum" sz="quarter" idx="5"/>
+          </p:nvPr>
+        </p:nvSpPr>
+        <p:spPr/>
+        <p:txBody>
+          <a:bodyPr/>
+          <a:lstStyle/>
+          <a:p>
+            <a:fld id="{33EBC398-93A2-8D47-92A2-63F46BBDFFD2}" type="slidenum">
+              <a:rPr lang="en-US" smtClean="0"/>
+              <a:t>5</a:t>
+            </a:fld>
+            <a:endParaRPr lang="en-US"/>
+          </a:p>
+        </p:txBody>
+      </p:sp>
+    </p:spTree>
+    <p:extLst>
+      <p:ext uri="{BB962C8B-B14F-4D97-AF65-F5344CB8AC3E}">
         <p14:creationId xmlns:p14="http://schemas.microsoft.com/office/powerpoint/2010/main" val="1575608483"/>
+      </p:ext>
+    </p:extLst>
+  </p:cSld>
+  <p:clrMapOvr>
+    <a:masterClrMapping/>
+  </p:clrMapOvr>
+</p:notes>
+</file>
+
+<file path=ppt/notesSlides/notesSlide5.xml><?xml version="1.0" encoding="utf-8"?>
+<p:notes xmlns:a="http://schemas.openxmlformats.org/drawingml/2006/main" xmlns:r="http://schemas.openxmlformats.org/officeDocument/2006/relationships" xmlns:p="http://schemas.openxmlformats.org/presentationml/2006/main">
+  <p:cSld>
+    <p:spTree>
+      <p:nvGrpSpPr>
+        <p:cNvPr id="1" name=""/>
+        <p:cNvGrpSpPr/>
+        <p:nvPr/>
+      </p:nvGrpSpPr>
+      <p:grpSpPr>
+        <a:xfrm>
+          <a:off x="0" y="0"/>
+          <a:ext cx="0" cy="0"/>
+          <a:chOff x="0" y="0"/>
+          <a:chExt cx="0" cy="0"/>
+        </a:xfrm>
+      </p:grpSpPr>
+      <p:sp>
+        <p:nvSpPr>
+          <p:cNvPr id="2" name="Slide Image Placeholder 1"/>
+          <p:cNvSpPr>
+            <a:spLocks noGrp="1" noRot="1" noChangeAspect="1"/>
+          </p:cNvSpPr>
+          <p:nvPr>
+            <p:ph type="sldImg"/>
+          </p:nvPr>
+        </p:nvSpPr>
+        <p:spPr/>
+      </p:sp>
+      <p:sp>
+        <p:nvSpPr>
+          <p:cNvPr id="3" name="Notes Placeholder 2"/>
+          <p:cNvSpPr>
+            <a:spLocks noGrp="1"/>
+          </p:cNvSpPr>
+          <p:nvPr>
+            <p:ph type="body" idx="1"/>
+          </p:nvPr>
+        </p:nvSpPr>
+        <p:spPr/>
+        <p:txBody>
+          <a:bodyPr/>
+          <a:lstStyle/>
+          <a:p>
+            <a:endParaRPr lang="en-US" dirty="0"/>
+          </a:p>
+        </p:txBody>
+      </p:sp>
+      <p:sp>
+        <p:nvSpPr>
+          <p:cNvPr id="4" name="Slide Number Placeholder 3"/>
+          <p:cNvSpPr>
+            <a:spLocks noGrp="1"/>
+          </p:cNvSpPr>
+          <p:nvPr>
+            <p:ph type="sldNum" sz="quarter" idx="5"/>
+          </p:nvPr>
+        </p:nvSpPr>
+        <p:spPr/>
+        <p:txBody>
+          <a:bodyPr/>
+          <a:lstStyle/>
+          <a:p>
+            <a:fld id="{33EBC398-93A2-8D47-92A2-63F46BBDFFD2}" type="slidenum">
+              <a:rPr lang="en-US" smtClean="0"/>
+              <a:t>6</a:t>
+            </a:fld>
+            <a:endParaRPr lang="en-US"/>
+          </a:p>
+        </p:txBody>
+      </p:sp>
+    </p:spTree>
+    <p:extLst>
+      <p:ext uri="{BB962C8B-B14F-4D97-AF65-F5344CB8AC3E}">
+        <p14:creationId xmlns:p14="http://schemas.microsoft.com/office/powerpoint/2010/main" val="3124520235"/>
       </p:ext>
     </p:extLst>
   </p:cSld>
@@ -5677,7 +5891,7 @@
                 <a:ea typeface="+mn-ea"/>
                 <a:cs typeface="+mn-cs"/>
               </a:rPr>
-              <a:t>Month XX, 2023</a:t>
+              <a:t>July 28, 2023</a:t>
             </a:r>
           </a:p>
         </p:txBody>
@@ -5792,7 +6006,7 @@
           <p:nvPr>
             <p:extLst>
               <p:ext uri="{D42A27DB-BD31-4B8C-83A1-F6EECF244321}">
-                <p14:modId xmlns:p14="http://schemas.microsoft.com/office/powerpoint/2010/main" val="1240667044"/>
+                <p14:modId xmlns:p14="http://schemas.microsoft.com/office/powerpoint/2010/main" val="1421702641"/>
               </p:ext>
             </p:extLst>
           </p:nvPr>
@@ -6512,6 +6726,132 @@
                   <a:schemeClr val="bg1"/>
                 </a:solidFill>
               </a:rPr>
+              <a:t>Framework Standardization</a:t>
+            </a:r>
+          </a:p>
+        </p:txBody>
+      </p:sp>
+      <p:pic>
+        <p:nvPicPr>
+          <p:cNvPr id="8" name="Picture 7" descr="A white table with numbers&#10;&#10;Description automatically generated">
+            <a:extLst>
+              <a:ext uri="{FF2B5EF4-FFF2-40B4-BE49-F238E27FC236}">
+                <a16:creationId xmlns:a16="http://schemas.microsoft.com/office/drawing/2014/main" id="{145C2D8A-FB9B-16C8-9D71-430C65EC61F5}"/>
+              </a:ext>
+            </a:extLst>
+          </p:cNvPr>
+          <p:cNvPicPr>
+            <a:picLocks noChangeAspect="1"/>
+          </p:cNvPicPr>
+          <p:nvPr/>
+        </p:nvPicPr>
+        <p:blipFill rotWithShape="1">
+          <a:blip r:embed="rId3"/>
+          <a:srcRect b="2843"/>
+          <a:stretch/>
+        </p:blipFill>
+        <p:spPr>
+          <a:xfrm>
+            <a:off x="1" y="1862418"/>
+            <a:ext cx="9118704" cy="1378324"/>
+          </a:xfrm>
+          <a:prstGeom prst="rect">
+            <a:avLst/>
+          </a:prstGeom>
+        </p:spPr>
+      </p:pic>
+    </p:spTree>
+    <p:extLst>
+      <p:ext uri="{BB962C8B-B14F-4D97-AF65-F5344CB8AC3E}">
+        <p14:creationId xmlns:p14="http://schemas.microsoft.com/office/powerpoint/2010/main" val="2746291621"/>
+      </p:ext>
+    </p:extLst>
+  </p:cSld>
+  <p:clrMapOvr>
+    <a:masterClrMapping/>
+  </p:clrMapOvr>
+</p:sld>
+</file>
+
+<file path=ppt/slides/slide5.xml><?xml version="1.0" encoding="utf-8"?>
+<p:sld xmlns:a="http://schemas.openxmlformats.org/drawingml/2006/main" xmlns:r="http://schemas.openxmlformats.org/officeDocument/2006/relationships" xmlns:p="http://schemas.openxmlformats.org/presentationml/2006/main">
+  <p:cSld>
+    <p:spTree>
+      <p:nvGrpSpPr>
+        <p:cNvPr id="1" name=""/>
+        <p:cNvGrpSpPr/>
+        <p:nvPr/>
+      </p:nvGrpSpPr>
+      <p:grpSpPr>
+        <a:xfrm>
+          <a:off x="0" y="0"/>
+          <a:ext cx="0" cy="0"/>
+          <a:chOff x="0" y="0"/>
+          <a:chExt cx="0" cy="0"/>
+        </a:xfrm>
+      </p:grpSpPr>
+      <p:sp>
+        <p:nvSpPr>
+          <p:cNvPr id="2" name="Slide Number Placeholder 1">
+            <a:extLst>
+              <a:ext uri="{FF2B5EF4-FFF2-40B4-BE49-F238E27FC236}">
+                <a16:creationId xmlns:a16="http://schemas.microsoft.com/office/drawing/2014/main" id="{C3876B54-91C7-4CA0-981B-0280BE7EB7E4}"/>
+              </a:ext>
+            </a:extLst>
+          </p:cNvPr>
+          <p:cNvSpPr>
+            <a:spLocks noGrp="1"/>
+          </p:cNvSpPr>
+          <p:nvPr>
+            <p:ph type="sldNum" sz="quarter" idx="4"/>
+          </p:nvPr>
+        </p:nvSpPr>
+        <p:spPr/>
+        <p:txBody>
+          <a:bodyPr/>
+          <a:lstStyle/>
+          <a:p>
+            <a:r>
+              <a:rPr lang="en-US"/>
+              <a:t>Presented by DHS | </a:t>
+            </a:r>
+            <a:fld id="{8997B844-ACA2-A34A-B180-F01E98B0D70C}" type="slidenum">
+              <a:rPr lang="en-US" smtClean="0"/>
+              <a:pPr/>
+              <a:t>5</a:t>
+            </a:fld>
+            <a:endParaRPr lang="en-US" dirty="0"/>
+          </a:p>
+        </p:txBody>
+      </p:sp>
+      <p:sp>
+        <p:nvSpPr>
+          <p:cNvPr id="3" name="Title 2">
+            <a:extLst>
+              <a:ext uri="{FF2B5EF4-FFF2-40B4-BE49-F238E27FC236}">
+                <a16:creationId xmlns:a16="http://schemas.microsoft.com/office/drawing/2014/main" id="{9D6973F2-923D-4F4F-8A40-6D33454876B0}"/>
+              </a:ext>
+            </a:extLst>
+          </p:cNvPr>
+          <p:cNvSpPr>
+            <a:spLocks noGrp="1"/>
+          </p:cNvSpPr>
+          <p:nvPr>
+            <p:ph type="title"/>
+          </p:nvPr>
+        </p:nvSpPr>
+        <p:spPr/>
+        <p:txBody>
+          <a:bodyPr/>
+          <a:lstStyle/>
+          <a:p>
+            <a:pPr algn="l"/>
+            <a:r>
+              <a:rPr lang="en-US" dirty="0">
+                <a:solidFill>
+                  <a:schemeClr val="bg1"/>
+                </a:solidFill>
+              </a:rPr>
               <a:t>Neural Network Approach</a:t>
             </a:r>
           </a:p>
@@ -7980,7 +8320,7 @@
         <p:spPr>
           <a:xfrm>
             <a:off x="6101644" y="2545727"/>
-            <a:ext cx="2049233" cy="246221"/>
+            <a:ext cx="2262427" cy="246221"/>
           </a:xfrm>
           <a:prstGeom prst="rect">
             <a:avLst/>
@@ -8008,7 +8348,7 @@
                 <a:latin typeface="Calibri" panose="020F0502020204030204" pitchFamily="34" charset="0"/>
                 <a:cs typeface="Calibri" panose="020F0502020204030204" pitchFamily="34" charset="0"/>
               </a:rPr>
-              <a:t>0-69 = No</a:t>
+              <a:t>0-69% = No</a:t>
             </a:r>
             <a:r>
               <a:rPr lang="en-US" sz="1000" dirty="0">
@@ -8025,7 +8365,7 @@
                 <a:latin typeface="Calibri" panose="020F0502020204030204" pitchFamily="34" charset="0"/>
                 <a:cs typeface="Calibri" panose="020F0502020204030204" pitchFamily="34" charset="0"/>
               </a:rPr>
-              <a:t>70-100 = Yes</a:t>
+              <a:t>70-100% = Yes</a:t>
             </a:r>
           </a:p>
         </p:txBody>
@@ -8518,150 +8858,6 @@
 </p:sld>
 </file>
 
-<file path=ppt/slides/slide5.xml><?xml version="1.0" encoding="utf-8"?>
-<p:sld xmlns:a="http://schemas.openxmlformats.org/drawingml/2006/main" xmlns:r="http://schemas.openxmlformats.org/officeDocument/2006/relationships" xmlns:p="http://schemas.openxmlformats.org/presentationml/2006/main">
-  <p:cSld>
-    <p:spTree>
-      <p:nvGrpSpPr>
-        <p:cNvPr id="1" name=""/>
-        <p:cNvGrpSpPr/>
-        <p:nvPr/>
-      </p:nvGrpSpPr>
-      <p:grpSpPr>
-        <a:xfrm>
-          <a:off x="0" y="0"/>
-          <a:ext cx="0" cy="0"/>
-          <a:chOff x="0" y="0"/>
-          <a:chExt cx="0" cy="0"/>
-        </a:xfrm>
-      </p:grpSpPr>
-      <p:sp>
-        <p:nvSpPr>
-          <p:cNvPr id="2" name="Slide Number Placeholder 1">
-            <a:extLst>
-              <a:ext uri="{FF2B5EF4-FFF2-40B4-BE49-F238E27FC236}">
-                <a16:creationId xmlns:a16="http://schemas.microsoft.com/office/drawing/2014/main" id="{C3876B54-91C7-4CA0-981B-0280BE7EB7E4}"/>
-              </a:ext>
-            </a:extLst>
-          </p:cNvPr>
-          <p:cNvSpPr>
-            <a:spLocks noGrp="1"/>
-          </p:cNvSpPr>
-          <p:nvPr>
-            <p:ph type="sldNum" sz="quarter" idx="4"/>
-          </p:nvPr>
-        </p:nvSpPr>
-        <p:spPr/>
-        <p:txBody>
-          <a:bodyPr/>
-          <a:lstStyle/>
-          <a:p>
-            <a:r>
-              <a:rPr lang="en-US"/>
-              <a:t>Presented by DHS | </a:t>
-            </a:r>
-            <a:fld id="{8997B844-ACA2-A34A-B180-F01E98B0D70C}" type="slidenum">
-              <a:rPr lang="en-US" smtClean="0"/>
-              <a:pPr/>
-              <a:t>5</a:t>
-            </a:fld>
-            <a:endParaRPr lang="en-US" dirty="0"/>
-          </a:p>
-        </p:txBody>
-      </p:sp>
-      <p:sp>
-        <p:nvSpPr>
-          <p:cNvPr id="3" name="Title 2">
-            <a:extLst>
-              <a:ext uri="{FF2B5EF4-FFF2-40B4-BE49-F238E27FC236}">
-                <a16:creationId xmlns:a16="http://schemas.microsoft.com/office/drawing/2014/main" id="{9D6973F2-923D-4F4F-8A40-6D33454876B0}"/>
-              </a:ext>
-            </a:extLst>
-          </p:cNvPr>
-          <p:cNvSpPr>
-            <a:spLocks noGrp="1"/>
-          </p:cNvSpPr>
-          <p:nvPr>
-            <p:ph type="title"/>
-          </p:nvPr>
-        </p:nvSpPr>
-        <p:spPr/>
-        <p:txBody>
-          <a:bodyPr/>
-          <a:lstStyle/>
-          <a:p>
-            <a:pPr algn="l"/>
-            <a:r>
-              <a:rPr lang="en-US" dirty="0">
-                <a:solidFill>
-                  <a:schemeClr val="bg1"/>
-                </a:solidFill>
-              </a:rPr>
-              <a:t>Proposed Solution</a:t>
-            </a:r>
-          </a:p>
-        </p:txBody>
-      </p:sp>
-      <p:sp>
-        <p:nvSpPr>
-          <p:cNvPr id="4" name="TextBox 3">
-            <a:extLst>
-              <a:ext uri="{FF2B5EF4-FFF2-40B4-BE49-F238E27FC236}">
-                <a16:creationId xmlns:a16="http://schemas.microsoft.com/office/drawing/2014/main" id="{1954E349-71A7-4F07-BE46-5220998D5B87}"/>
-              </a:ext>
-            </a:extLst>
-          </p:cNvPr>
-          <p:cNvSpPr txBox="1"/>
-          <p:nvPr/>
-        </p:nvSpPr>
-        <p:spPr>
-          <a:xfrm>
-            <a:off x="1790055" y="1782305"/>
-            <a:ext cx="5594888" cy="1477328"/>
-          </a:xfrm>
-          <a:prstGeom prst="rect">
-            <a:avLst/>
-          </a:prstGeom>
-          <a:noFill/>
-        </p:spPr>
-        <p:txBody>
-          <a:bodyPr wrap="square" rtlCol="0">
-            <a:spAutoFit/>
-          </a:bodyPr>
-          <a:lstStyle/>
-          <a:p>
-            <a:r>
-              <a:rPr lang="en-US" dirty="0"/>
-              <a:t>High-level overview of solution</a:t>
-            </a:r>
-          </a:p>
-          <a:p>
-            <a:r>
-              <a:rPr lang="en-US" dirty="0"/>
-              <a:t>Provide simple diagram of solution of user submitting a CSV file to the hypothetical solution</a:t>
-            </a:r>
-          </a:p>
-          <a:p>
-            <a:r>
-              <a:rPr lang="en-US" dirty="0"/>
-              <a:t>Note that the system could be used/developed by GSA, AI system owners</a:t>
-            </a:r>
-          </a:p>
-        </p:txBody>
-      </p:sp>
-    </p:spTree>
-    <p:extLst>
-      <p:ext uri="{BB962C8B-B14F-4D97-AF65-F5344CB8AC3E}">
-        <p14:creationId xmlns:p14="http://schemas.microsoft.com/office/powerpoint/2010/main" val="1315636942"/>
-      </p:ext>
-    </p:extLst>
-  </p:cSld>
-  <p:clrMapOvr>
-    <a:masterClrMapping/>
-  </p:clrMapOvr>
-</p:sld>
-</file>
-
 <file path=ppt/slides/slide6.xml><?xml version="1.0" encoding="utf-8"?>
 <p:sld xmlns:a="http://schemas.openxmlformats.org/drawingml/2006/main" xmlns:r="http://schemas.openxmlformats.org/officeDocument/2006/relationships" xmlns:p="http://schemas.openxmlformats.org/presentationml/2006/main">
   <p:cSld>
@@ -8731,9 +8927,7 @@
         </p:nvSpPr>
         <p:spPr/>
         <p:txBody>
-          <a:bodyPr>
-            <a:normAutofit/>
-          </a:bodyPr>
+          <a:bodyPr/>
           <a:lstStyle/>
           <a:p>
             <a:pPr algn="l"/>
@@ -8743,15 +8937,135 @@
                   <a:schemeClr val="bg1"/>
                 </a:solidFill>
               </a:rPr>
-              <a:t>Determining Compliance with Results</a:t>
+              <a:t>Model Performance (Accuracy)</a:t>
             </a:r>
           </a:p>
         </p:txBody>
       </p:sp>
+      <p:pic>
+        <p:nvPicPr>
+          <p:cNvPr id="6" name="Picture 5" descr="A graph with blue and orange lines&#10;&#10;Description automatically generated">
+            <a:extLst>
+              <a:ext uri="{FF2B5EF4-FFF2-40B4-BE49-F238E27FC236}">
+                <a16:creationId xmlns:a16="http://schemas.microsoft.com/office/drawing/2014/main" id="{62DEF4AD-AFF4-81C1-6629-2A64A04B8B4C}"/>
+              </a:ext>
+            </a:extLst>
+          </p:cNvPr>
+          <p:cNvPicPr>
+            <a:picLocks noChangeAspect="1"/>
+          </p:cNvPicPr>
+          <p:nvPr/>
+        </p:nvPicPr>
+        <p:blipFill>
+          <a:blip r:embed="rId3"/>
+          <a:stretch>
+            <a:fillRect/>
+          </a:stretch>
+        </p:blipFill>
+        <p:spPr>
+          <a:xfrm>
+            <a:off x="590468" y="2857382"/>
+            <a:ext cx="2994901" cy="1821073"/>
+          </a:xfrm>
+          <a:prstGeom prst="rect">
+            <a:avLst/>
+          </a:prstGeom>
+        </p:spPr>
+      </p:pic>
+      <p:pic>
+        <p:nvPicPr>
+          <p:cNvPr id="11" name="Picture 10" descr="A graph with blue lines and orange lines&#10;&#10;Description automatically generated">
+            <a:extLst>
+              <a:ext uri="{FF2B5EF4-FFF2-40B4-BE49-F238E27FC236}">
+                <a16:creationId xmlns:a16="http://schemas.microsoft.com/office/drawing/2014/main" id="{65F67A0E-C35E-3AF9-EFC5-387A3F9F907E}"/>
+              </a:ext>
+            </a:extLst>
+          </p:cNvPr>
+          <p:cNvPicPr>
+            <a:picLocks noChangeAspect="1"/>
+          </p:cNvPicPr>
+          <p:nvPr/>
+        </p:nvPicPr>
+        <p:blipFill>
+          <a:blip r:embed="rId4"/>
+          <a:stretch>
+            <a:fillRect/>
+          </a:stretch>
+        </p:blipFill>
+        <p:spPr>
+          <a:xfrm>
+            <a:off x="5347521" y="2934617"/>
+            <a:ext cx="2557948" cy="1743839"/>
+          </a:xfrm>
+          <a:prstGeom prst="rect">
+            <a:avLst/>
+          </a:prstGeom>
+        </p:spPr>
+      </p:pic>
+      <p:pic>
+        <p:nvPicPr>
+          <p:cNvPr id="13" name="Picture 12" descr="A graph with blue and orange lines&#10;&#10;Description automatically generated">
+            <a:extLst>
+              <a:ext uri="{FF2B5EF4-FFF2-40B4-BE49-F238E27FC236}">
+                <a16:creationId xmlns:a16="http://schemas.microsoft.com/office/drawing/2014/main" id="{8AB8B9A6-B0A1-3353-FC85-01398E93AA83}"/>
+              </a:ext>
+            </a:extLst>
+          </p:cNvPr>
+          <p:cNvPicPr>
+            <a:picLocks noChangeAspect="1"/>
+          </p:cNvPicPr>
+          <p:nvPr/>
+        </p:nvPicPr>
+        <p:blipFill>
+          <a:blip r:embed="rId5"/>
+          <a:stretch>
+            <a:fillRect/>
+          </a:stretch>
+        </p:blipFill>
+        <p:spPr>
+          <a:xfrm>
+            <a:off x="590467" y="715057"/>
+            <a:ext cx="2994901" cy="2142326"/>
+          </a:xfrm>
+          <a:prstGeom prst="rect">
+            <a:avLst/>
+          </a:prstGeom>
+        </p:spPr>
+      </p:pic>
+      <p:pic>
+        <p:nvPicPr>
+          <p:cNvPr id="15" name="Picture 14" descr="A graph with blue and orange lines&#10;&#10;Description automatically generated">
+            <a:extLst>
+              <a:ext uri="{FF2B5EF4-FFF2-40B4-BE49-F238E27FC236}">
+                <a16:creationId xmlns:a16="http://schemas.microsoft.com/office/drawing/2014/main" id="{5BB9DD5D-A4F9-F662-FF40-A40C9457B778}"/>
+              </a:ext>
+            </a:extLst>
+          </p:cNvPr>
+          <p:cNvPicPr>
+            <a:picLocks noChangeAspect="1"/>
+          </p:cNvPicPr>
+          <p:nvPr/>
+        </p:nvPicPr>
+        <p:blipFill>
+          <a:blip r:embed="rId6"/>
+          <a:stretch>
+            <a:fillRect/>
+          </a:stretch>
+        </p:blipFill>
+        <p:spPr>
+          <a:xfrm>
+            <a:off x="5047871" y="715057"/>
+            <a:ext cx="2857598" cy="2219560"/>
+          </a:xfrm>
+          <a:prstGeom prst="rect">
+            <a:avLst/>
+          </a:prstGeom>
+        </p:spPr>
+      </p:pic>
     </p:spTree>
     <p:extLst>
       <p:ext uri="{BB962C8B-B14F-4D97-AF65-F5344CB8AC3E}">
-        <p14:creationId xmlns:p14="http://schemas.microsoft.com/office/powerpoint/2010/main" val="1298156160"/>
+        <p14:creationId xmlns:p14="http://schemas.microsoft.com/office/powerpoint/2010/main" val="2703077859"/>
       </p:ext>
     </p:extLst>
   </p:cSld>
@@ -8840,15 +9154,44 @@
                   <a:schemeClr val="bg1"/>
                 </a:solidFill>
               </a:rPr>
-              <a:t>Example</a:t>
+              <a:t>User Submission</a:t>
             </a:r>
           </a:p>
         </p:txBody>
       </p:sp>
+      <p:pic>
+        <p:nvPicPr>
+          <p:cNvPr id="6" name="Picture 5" descr="A screenshot of a computer&#10;&#10;Description automatically generated">
+            <a:extLst>
+              <a:ext uri="{FF2B5EF4-FFF2-40B4-BE49-F238E27FC236}">
+                <a16:creationId xmlns:a16="http://schemas.microsoft.com/office/drawing/2014/main" id="{1DE84FB6-9D43-A269-048A-6B150AB18FCB}"/>
+              </a:ext>
+            </a:extLst>
+          </p:cNvPr>
+          <p:cNvPicPr>
+            <a:picLocks noChangeAspect="1"/>
+          </p:cNvPicPr>
+          <p:nvPr/>
+        </p:nvPicPr>
+        <p:blipFill rotWithShape="1">
+          <a:blip r:embed="rId2"/>
+          <a:srcRect t="7582" r="5668"/>
+          <a:stretch/>
+        </p:blipFill>
+        <p:spPr>
+          <a:xfrm>
+            <a:off x="2486516" y="712694"/>
+            <a:ext cx="4162843" cy="3984104"/>
+          </a:xfrm>
+          <a:prstGeom prst="rect">
+            <a:avLst/>
+          </a:prstGeom>
+        </p:spPr>
+      </p:pic>
     </p:spTree>
     <p:extLst>
       <p:ext uri="{BB962C8B-B14F-4D97-AF65-F5344CB8AC3E}">
-        <p14:creationId xmlns:p14="http://schemas.microsoft.com/office/powerpoint/2010/main" val="1445793840"/>
+        <p14:creationId xmlns:p14="http://schemas.microsoft.com/office/powerpoint/2010/main" val="1315636942"/>
       </p:ext>
     </p:extLst>
   </p:cSld>
@@ -8932,18 +9275,122 @@
           <a:p>
             <a:pPr algn="l"/>
             <a:r>
-              <a:rPr lang="en-US">
+              <a:rPr lang="en-US" dirty="0">
                 <a:solidFill>
                   <a:schemeClr val="bg1"/>
                 </a:solidFill>
               </a:rPr>
-              <a:t>Next Steps</a:t>
+              <a:t>Going Forward</a:t>
             </a:r>
-            <a:endParaRPr lang="en-US" dirty="0">
-              <a:solidFill>
-                <a:schemeClr val="bg1"/>
-              </a:solidFill>
-            </a:endParaRPr>
+          </a:p>
+        </p:txBody>
+      </p:sp>
+      <p:sp>
+        <p:nvSpPr>
+          <p:cNvPr id="6" name="TextBox 5">
+            <a:extLst>
+              <a:ext uri="{FF2B5EF4-FFF2-40B4-BE49-F238E27FC236}">
+                <a16:creationId xmlns:a16="http://schemas.microsoft.com/office/drawing/2014/main" id="{06A3DF41-1875-CFCE-B358-C57008E730C8}"/>
+              </a:ext>
+            </a:extLst>
+          </p:cNvPr>
+          <p:cNvSpPr txBox="1"/>
+          <p:nvPr/>
+        </p:nvSpPr>
+        <p:spPr>
+          <a:xfrm>
+            <a:off x="342900" y="860612"/>
+            <a:ext cx="8377518" cy="2352952"/>
+          </a:xfrm>
+          <a:prstGeom prst="rect">
+            <a:avLst/>
+          </a:prstGeom>
+          <a:noFill/>
+        </p:spPr>
+        <p:txBody>
+          <a:bodyPr wrap="square" rtlCol="0">
+            <a:spAutoFit/>
+          </a:bodyPr>
+          <a:lstStyle/>
+          <a:p>
+            <a:pPr marL="285750" indent="-285750">
+              <a:lnSpc>
+                <a:spcPct val="150000"/>
+              </a:lnSpc>
+              <a:buFont typeface="Arial" panose="020B0604020202020204" pitchFamily="34" charset="0"/>
+              <a:buChar char="•"/>
+            </a:pPr>
+            <a:r>
+              <a:rPr lang="en-US" sz="2000" dirty="0">
+                <a:latin typeface="Calibri" panose="020F0502020204030204" pitchFamily="34" charset="0"/>
+                <a:cs typeface="Calibri" panose="020F0502020204030204" pitchFamily="34" charset="0"/>
+              </a:rPr>
+              <a:t>Fine-tune training data &amp; parameters</a:t>
+            </a:r>
+          </a:p>
+          <a:p>
+            <a:pPr marL="285750" indent="-285750">
+              <a:lnSpc>
+                <a:spcPct val="150000"/>
+              </a:lnSpc>
+              <a:buFont typeface="Arial" panose="020B0604020202020204" pitchFamily="34" charset="0"/>
+              <a:buChar char="•"/>
+            </a:pPr>
+            <a:r>
+              <a:rPr lang="en-US" sz="2000" dirty="0">
+                <a:latin typeface="Calibri" panose="020F0502020204030204" pitchFamily="34" charset="0"/>
+                <a:cs typeface="Calibri" panose="020F0502020204030204" pitchFamily="34" charset="0"/>
+              </a:rPr>
+              <a:t>Further guidance on scoring from GAO</a:t>
+            </a:r>
+          </a:p>
+          <a:p>
+            <a:pPr marL="742950" lvl="1" indent="-285750">
+              <a:lnSpc>
+                <a:spcPct val="150000"/>
+              </a:lnSpc>
+              <a:buFont typeface="Arial" panose="020B0604020202020204" pitchFamily="34" charset="0"/>
+              <a:buChar char="•"/>
+            </a:pPr>
+            <a:r>
+              <a:rPr lang="en-US" sz="2000" dirty="0">
+                <a:latin typeface="Calibri" panose="020F0502020204030204" pitchFamily="34" charset="0"/>
+                <a:cs typeface="Calibri" panose="020F0502020204030204" pitchFamily="34" charset="0"/>
+              </a:rPr>
+              <a:t>Possibility of rules instituted to handle edge cases?</a:t>
+            </a:r>
+          </a:p>
+          <a:p>
+            <a:pPr marL="285750" indent="-285750">
+              <a:lnSpc>
+                <a:spcPct val="150000"/>
+              </a:lnSpc>
+              <a:buFont typeface="Arial" panose="020B0604020202020204" pitchFamily="34" charset="0"/>
+              <a:buChar char="•"/>
+            </a:pPr>
+            <a:r>
+              <a:rPr lang="en-US" sz="2000" dirty="0">
+                <a:latin typeface="Calibri" panose="020F0502020204030204" pitchFamily="34" charset="0"/>
+                <a:cs typeface="Calibri" panose="020F0502020204030204" pitchFamily="34" charset="0"/>
+              </a:rPr>
+              <a:t>Collaboration on stand-up service with GAO</a:t>
+            </a:r>
+          </a:p>
+          <a:p>
+            <a:pPr marL="285750" indent="-285750">
+              <a:lnSpc>
+                <a:spcPct val="150000"/>
+              </a:lnSpc>
+              <a:buFont typeface="Arial" panose="020B0604020202020204" pitchFamily="34" charset="0"/>
+              <a:buChar char="•"/>
+            </a:pPr>
+            <a:r>
+              <a:rPr lang="en-US" sz="2000" dirty="0">
+                <a:latin typeface="Calibri" panose="020F0502020204030204" pitchFamily="34" charset="0"/>
+                <a:cs typeface="Calibri" panose="020F0502020204030204" pitchFamily="34" charset="0"/>
+              </a:rPr>
+              <a:t>Enhance/expand upon guidance for GAO framework (AI principles)</a:t>
+            </a:r>
           </a:p>
         </p:txBody>
       </p:sp>
@@ -9936,6 +10383,12 @@
 </file>
 
 <file path=customXml/item1.xml><?xml version="1.0" encoding="utf-8"?>
+<p:properties xmlns:p="http://schemas.microsoft.com/office/2006/metadata/properties" xmlns:xsi="http://www.w3.org/2001/XMLSchema-instance" xmlns:pc="http://schemas.microsoft.com/office/infopath/2007/PartnerControls">
+  <documentManagement/>
+</p:properties>
+</file>
+
+<file path=customXml/item2.xml><?xml version="1.0" encoding="utf-8"?>
 <ct:contentTypeSchema xmlns:ct="http://schemas.microsoft.com/office/2006/metadata/contentType" xmlns:ma="http://schemas.microsoft.com/office/2006/metadata/properties/metaAttributes" ct:_="" ma:_="" ma:contentTypeName="Document" ma:contentTypeID="0x010100C11066598DA2094897C17F025BEB5C33" ma:contentTypeVersion="11" ma:contentTypeDescription="Create a new document." ma:contentTypeScope="" ma:versionID="c132620416a636482ab79dc02cb4beda">
   <xsd:schema xmlns:xsd="http://www.w3.org/2001/XMLSchema" xmlns:xs="http://www.w3.org/2001/XMLSchema" xmlns:p="http://schemas.microsoft.com/office/2006/metadata/properties" xmlns:ns2="cc02a9f5-0e8f-478d-ae46-fce6cd025606" xmlns:ns3="5ed103a9-c213-4e89-b04a-978a9c9d0ecb" targetNamespace="http://schemas.microsoft.com/office/2006/metadata/properties" ma:root="true" ma:fieldsID="25d1ba42b03243f6fad1194b6d2737ac" ns2:_="" ns3:_="">
     <xsd:import namespace="cc02a9f5-0e8f-478d-ae46-fce6cd025606"/>
@@ -10144,12 +10597,6 @@
 </ct:contentTypeSchema>
 </file>
 
-<file path=customXml/item2.xml><?xml version="1.0" encoding="utf-8"?>
-<p:properties xmlns:p="http://schemas.microsoft.com/office/2006/metadata/properties" xmlns:xsi="http://www.w3.org/2001/XMLSchema-instance" xmlns:pc="http://schemas.microsoft.com/office/infopath/2007/PartnerControls">
-  <documentManagement/>
-</p:properties>
-</file>
-
 <file path=customXml/item3.xml><?xml version="1.0" encoding="utf-8"?>
 <?mso-contentType ?>
 <FormTemplates xmlns="http://schemas.microsoft.com/sharepoint/v3/contenttype/forms">
@@ -10160,6 +10607,23 @@
 </file>
 
 <file path=customXml/itemProps1.xml><?xml version="1.0" encoding="utf-8"?>
+<ds:datastoreItem xmlns:ds="http://schemas.openxmlformats.org/officeDocument/2006/customXml" ds:itemID="{10D81E0D-2C63-4EA5-9F60-BC113953F389}">
+  <ds:schemaRefs>
+    <ds:schemaRef ds:uri="http://www.w3.org/XML/1998/namespace"/>
+    <ds:schemaRef ds:uri="http://schemas.microsoft.com/office/infopath/2007/PartnerControls"/>
+    <ds:schemaRef ds:uri="http://schemas.microsoft.com/office/2006/documentManagement/types"/>
+    <ds:schemaRef ds:uri="http://purl.org/dc/dcmitype/"/>
+    <ds:schemaRef ds:uri="cc02a9f5-0e8f-478d-ae46-fce6cd025606"/>
+    <ds:schemaRef ds:uri="http://schemas.openxmlformats.org/package/2006/metadata/core-properties"/>
+    <ds:schemaRef ds:uri="http://schemas.microsoft.com/office/2006/metadata/properties"/>
+    <ds:schemaRef ds:uri="5ed103a9-c213-4e89-b04a-978a9c9d0ecb"/>
+    <ds:schemaRef ds:uri="http://purl.org/dc/terms/"/>
+    <ds:schemaRef ds:uri="http://purl.org/dc/elements/1.1/"/>
+  </ds:schemaRefs>
+</ds:datastoreItem>
+</file>
+
+<file path=customXml/itemProps2.xml><?xml version="1.0" encoding="utf-8"?>
 <ds:datastoreItem xmlns:ds="http://schemas.openxmlformats.org/officeDocument/2006/customXml" ds:itemID="{048D89ED-6A25-4B9D-BC75-65054FB7685E}">
   <ds:schemaRefs>
     <ds:schemaRef ds:uri="http://schemas.microsoft.com/office/2006/metadata/contentType"/>
@@ -10178,23 +10642,6 @@
 </ds:datastoreItem>
 </file>
 
-<file path=customXml/itemProps2.xml><?xml version="1.0" encoding="utf-8"?>
-<ds:datastoreItem xmlns:ds="http://schemas.openxmlformats.org/officeDocument/2006/customXml" ds:itemID="{10D81E0D-2C63-4EA5-9F60-BC113953F389}">
-  <ds:schemaRefs>
-    <ds:schemaRef ds:uri="http://www.w3.org/XML/1998/namespace"/>
-    <ds:schemaRef ds:uri="http://schemas.microsoft.com/office/infopath/2007/PartnerControls"/>
-    <ds:schemaRef ds:uri="http://schemas.microsoft.com/office/2006/documentManagement/types"/>
-    <ds:schemaRef ds:uri="http://purl.org/dc/dcmitype/"/>
-    <ds:schemaRef ds:uri="cc02a9f5-0e8f-478d-ae46-fce6cd025606"/>
-    <ds:schemaRef ds:uri="http://schemas.openxmlformats.org/package/2006/metadata/core-properties"/>
-    <ds:schemaRef ds:uri="http://schemas.microsoft.com/office/2006/metadata/properties"/>
-    <ds:schemaRef ds:uri="5ed103a9-c213-4e89-b04a-978a9c9d0ecb"/>
-    <ds:schemaRef ds:uri="http://purl.org/dc/terms/"/>
-    <ds:schemaRef ds:uri="http://purl.org/dc/elements/1.1/"/>
-  </ds:schemaRefs>
-</ds:datastoreItem>
-</file>
-
 <file path=customXml/itemProps3.xml><?xml version="1.0" encoding="utf-8"?>
 <ds:datastoreItem xmlns:ds="http://schemas.openxmlformats.org/officeDocument/2006/customXml" ds:itemID="{478A104F-5518-4387-A41C-C91F45F51F72}">
   <ds:schemaRefs>

--- a/doc/gao_ai_proposal.pptx
+++ b/doc/gao_ai_proposal.pptx
@@ -3447,7 +3447,7 @@
           <a:p>
             <a:r>
               <a:rPr lang="en-US" dirty="0"/>
-              <a:t>Describe the problem. Why is it a problem? Who does it affect? What is the proposed solution? How will the solution help?</a:t>
+              <a:t>Describe the problem. Why is it a problem? Who does it affect?</a:t>
             </a:r>
           </a:p>
         </p:txBody>
@@ -3621,6 +3621,18 @@
           <a:p>
             <a:r>
               <a:rPr lang="en-US" dirty="0"/>
+              <a:t>What is the proposed solution? How will the solution help?</a:t>
+            </a:r>
+          </a:p>
+          <a:p>
+            <a:r>
+              <a:rPr lang="en-US" dirty="0"/>
+              <a:t>NN: performs calculations using some (or all) of the neurons in the last layer of the neural network, which uses these values in the next layer of the neural network</a:t>
+            </a:r>
+          </a:p>
+          <a:p>
+            <a:r>
+              <a:rPr lang="en-US" dirty="0"/>
               <a:t>Why neural networks? Why can’t we just use a function?</a:t>
             </a:r>
           </a:p>
@@ -3647,7 +3659,7 @@
                 <a:effectLst/>
                 <a:latin typeface="Helvetica Neue" panose="02000503000000020004" pitchFamily="2" charset="0"/>
               </a:rPr>
-              <a:t>No guidelines on scoring; there’s variability in how this is currently done (which will throw off numbers)</a:t>
+              <a:t>No guidelines on scoring; there’s variability in how this is currently done (which will throw off numbers) </a:t>
             </a:r>
           </a:p>
           <a:p>
@@ -3735,7 +3747,10 @@
           <a:bodyPr/>
           <a:lstStyle/>
           <a:p>
-            <a:endParaRPr lang="en-US" dirty="0"/>
+            <a:r>
+              <a:rPr lang="en-US" dirty="0"/>
+              <a:t>Validation: allows for unbiased evaluation of a model fit on the training data set while tuning the hyperparameters (the number of hidden units in a neural network)</a:t>
+            </a:r>
           </a:p>
         </p:txBody>
       </p:sp>
@@ -9161,10 +9176,10 @@
       </p:sp>
       <p:pic>
         <p:nvPicPr>
-          <p:cNvPr id="6" name="Picture 5" descr="A screenshot of a computer&#10;&#10;Description automatically generated">
+          <p:cNvPr id="8" name="Picture 7" descr="A screenshot of a computer&#10;&#10;Description automatically generated">
             <a:extLst>
               <a:ext uri="{FF2B5EF4-FFF2-40B4-BE49-F238E27FC236}">
-                <a16:creationId xmlns:a16="http://schemas.microsoft.com/office/drawing/2014/main" id="{1DE84FB6-9D43-A269-048A-6B150AB18FCB}"/>
+                <a16:creationId xmlns:a16="http://schemas.microsoft.com/office/drawing/2014/main" id="{4B621998-2209-F170-E3C3-3AB4396BF541}"/>
               </a:ext>
             </a:extLst>
           </p:cNvPr>
@@ -9175,13 +9190,13 @@
         </p:nvPicPr>
         <p:blipFill rotWithShape="1">
           <a:blip r:embed="rId2"/>
-          <a:srcRect t="7582" r="5668"/>
+          <a:srcRect t="7724" r="4478"/>
           <a:stretch/>
         </p:blipFill>
         <p:spPr>
           <a:xfrm>
-            <a:off x="2486516" y="712694"/>
-            <a:ext cx="4162843" cy="3984104"/>
+            <a:off x="1960035" y="712695"/>
+            <a:ext cx="5215805" cy="3973606"/>
           </a:xfrm>
           <a:prstGeom prst="rect">
             <a:avLst/>
@@ -9313,12 +9328,12 @@
           </a:bodyPr>
           <a:lstStyle/>
           <a:p>
-            <a:pPr marL="285750" indent="-285750">
+            <a:pPr marL="457200" indent="-457200">
               <a:lnSpc>
                 <a:spcPct val="150000"/>
               </a:lnSpc>
-              <a:buFont typeface="Arial" panose="020B0604020202020204" pitchFamily="34" charset="0"/>
-              <a:buChar char="•"/>
+              <a:buFont typeface="+mj-lt"/>
+              <a:buAutoNum type="arabicPeriod"/>
             </a:pPr>
             <a:r>
               <a:rPr lang="en-US" sz="2000" dirty="0">
@@ -9329,12 +9344,12 @@
             </a:r>
           </a:p>
           <a:p>
-            <a:pPr marL="285750" indent="-285750">
+            <a:pPr marL="457200" indent="-457200">
               <a:lnSpc>
                 <a:spcPct val="150000"/>
               </a:lnSpc>
-              <a:buFont typeface="Arial" panose="020B0604020202020204" pitchFamily="34" charset="0"/>
-              <a:buChar char="•"/>
+              <a:buFont typeface="+mj-lt"/>
+              <a:buAutoNum type="arabicPeriod"/>
             </a:pPr>
             <a:r>
               <a:rPr lang="en-US" sz="2000" dirty="0">
@@ -9345,7 +9360,7 @@
             </a:r>
           </a:p>
           <a:p>
-            <a:pPr marL="742950" lvl="1" indent="-285750">
+            <a:pPr marL="914400" lvl="1" indent="-457200">
               <a:lnSpc>
                 <a:spcPct val="150000"/>
               </a:lnSpc>
@@ -9361,12 +9376,12 @@
             </a:r>
           </a:p>
           <a:p>
-            <a:pPr marL="285750" indent="-285750">
+            <a:pPr marL="457200" indent="-457200">
               <a:lnSpc>
                 <a:spcPct val="150000"/>
               </a:lnSpc>
-              <a:buFont typeface="Arial" panose="020B0604020202020204" pitchFamily="34" charset="0"/>
-              <a:buChar char="•"/>
+              <a:buFont typeface="+mj-lt"/>
+              <a:buAutoNum type="arabicPeriod"/>
             </a:pPr>
             <a:r>
               <a:rPr lang="en-US" sz="2000" dirty="0">
@@ -9377,19 +9392,19 @@
             </a:r>
           </a:p>
           <a:p>
-            <a:pPr marL="285750" indent="-285750">
+            <a:pPr marL="457200" indent="-457200">
               <a:lnSpc>
                 <a:spcPct val="150000"/>
               </a:lnSpc>
-              <a:buFont typeface="Arial" panose="020B0604020202020204" pitchFamily="34" charset="0"/>
-              <a:buChar char="•"/>
+              <a:buFont typeface="+mj-lt"/>
+              <a:buAutoNum type="arabicPeriod"/>
             </a:pPr>
             <a:r>
               <a:rPr lang="en-US" sz="2000" dirty="0">
                 <a:latin typeface="Calibri" panose="020F0502020204030204" pitchFamily="34" charset="0"/>
                 <a:cs typeface="Calibri" panose="020F0502020204030204" pitchFamily="34" charset="0"/>
               </a:rPr>
-              <a:t>Enhance/expand upon guidance for GAO framework (AI principles)</a:t>
+              <a:t>Enhance guidance for GAO framework (AI principles)</a:t>
             </a:r>
           </a:p>
         </p:txBody>

--- a/doc/gao_ai_proposal.pptx
+++ b/doc/gao_ai_proposal.pptx
@@ -5,24 +5,25 @@
     <p:sldMasterId id="2147483664" r:id="rId4"/>
   </p:sldMasterIdLst>
   <p:notesMasterIdLst>
-    <p:notesMasterId r:id="rId17"/>
+    <p:notesMasterId r:id="rId18"/>
   </p:notesMasterIdLst>
   <p:handoutMasterIdLst>
-    <p:handoutMasterId r:id="rId18"/>
+    <p:handoutMasterId r:id="rId19"/>
   </p:handoutMasterIdLst>
   <p:sldIdLst>
     <p:sldId id="294" r:id="rId5"/>
     <p:sldId id="305" r:id="rId6"/>
-    <p:sldId id="293" r:id="rId7"/>
-    <p:sldId id="295" r:id="rId8"/>
-    <p:sldId id="307" r:id="rId9"/>
-    <p:sldId id="310" r:id="rId10"/>
-    <p:sldId id="308" r:id="rId11"/>
-    <p:sldId id="297" r:id="rId12"/>
-    <p:sldId id="304" r:id="rId13"/>
-    <p:sldId id="309" r:id="rId14"/>
-    <p:sldId id="296" r:id="rId15"/>
-    <p:sldId id="301" r:id="rId16"/>
+    <p:sldId id="311" r:id="rId7"/>
+    <p:sldId id="293" r:id="rId8"/>
+    <p:sldId id="295" r:id="rId9"/>
+    <p:sldId id="307" r:id="rId10"/>
+    <p:sldId id="310" r:id="rId11"/>
+    <p:sldId id="308" r:id="rId12"/>
+    <p:sldId id="297" r:id="rId13"/>
+    <p:sldId id="304" r:id="rId14"/>
+    <p:sldId id="309" r:id="rId15"/>
+    <p:sldId id="296" r:id="rId16"/>
+    <p:sldId id="301" r:id="rId17"/>
   </p:sldIdLst>
   <p:sldSz cx="9144000" cy="5143500" type="screen16x9"/>
   <p:notesSz cx="7010400" cy="9296400"/>
@@ -272,7 +273,7 @@
           <a:p>
             <a:fld id="{9C5B416F-12F7-8245-B7D4-D65FCD72D8E0}" type="datetimeFigureOut">
               <a:rPr lang="en-US" smtClean="0"/>
-              <a:t>8/1/2023</a:t>
+              <a:t>8/2/23</a:t>
             </a:fld>
             <a:endParaRPr lang="en-US"/>
           </a:p>
@@ -438,7 +439,7 @@
           <a:p>
             <a:fld id="{24EA5F54-FBF3-1447-ACC7-2EF23A9C40CC}" type="datetimeFigureOut">
               <a:rPr lang="en-US" smtClean="0"/>
-              <a:t>8/1/2023</a:t>
+              <a:t>8/2/23</a:t>
             </a:fld>
             <a:endParaRPr lang="en-US"/>
           </a:p>
@@ -750,62 +751,7 @@
           <a:bodyPr/>
           <a:lstStyle/>
           <a:p>
-            <a:r>
-              <a:rPr lang="en-US" b="1" dirty="0"/>
-              <a:t>Governance: </a:t>
-            </a:r>
-            <a:r>
-              <a:rPr lang="en-US" dirty="0"/>
-              <a:t>Promote accountability by establishing processes to manage, operate, and oversee implementation</a:t>
-            </a:r>
-          </a:p>
-          <a:p>
-            <a:r>
-              <a:rPr lang="en-US" b="1" dirty="0"/>
-              <a:t>Data: </a:t>
-            </a:r>
-            <a:r>
-              <a:rPr lang="en-US" dirty="0"/>
-              <a:t>Ensure quality, reliability, and representativeness of data sources and processing</a:t>
-            </a:r>
-          </a:p>
-          <a:p>
-            <a:pPr marL="0" marR="0" lvl="0" indent="0" algn="l" defTabSz="457200" rtl="0" eaLnBrk="1" fontAlgn="auto" latinLnBrk="0" hangingPunct="1">
-              <a:lnSpc>
-                <a:spcPct val="100000"/>
-              </a:lnSpc>
-              <a:spcBef>
-                <a:spcPts val="0"/>
-              </a:spcBef>
-              <a:spcAft>
-                <a:spcPts val="0"/>
-              </a:spcAft>
-              <a:buClrTx/>
-              <a:buSzTx/>
-              <a:buFontTx/>
-              <a:buNone/>
-              <a:tabLst/>
-              <a:defRPr/>
-            </a:pPr>
-            <a:r>
-              <a:rPr lang="en-US" b="1" dirty="0"/>
-              <a:t>Performance: </a:t>
-            </a:r>
-            <a:r>
-              <a:rPr lang="en-US" b="0" dirty="0"/>
-              <a:t>Produce results that are consistent with program objectives</a:t>
-            </a:r>
-            <a:endParaRPr lang="en-US" dirty="0"/>
-          </a:p>
-          <a:p>
-            <a:r>
-              <a:rPr lang="en-US" b="1" dirty="0"/>
-              <a:t>Monitoring: </a:t>
-            </a:r>
-            <a:r>
-              <a:rPr lang="en-US" b="0" dirty="0"/>
-              <a:t>Ensure reliability and relevance over time</a:t>
-            </a:r>
+            <a:endParaRPr lang="en-US" b="0" dirty="0"/>
           </a:p>
         </p:txBody>
       </p:sp>
@@ -836,6 +782,90 @@
     <p:extLst>
       <p:ext uri="{BB962C8B-B14F-4D97-AF65-F5344CB8AC3E}">
         <p14:creationId xmlns:p14="http://schemas.microsoft.com/office/powerpoint/2010/main" val="1798658606"/>
+      </p:ext>
+    </p:extLst>
+  </p:cSld>
+  <p:clrMapOvr>
+    <a:masterClrMapping/>
+  </p:clrMapOvr>
+</p:notes>
+</file>
+
+<file path=ppt/notesSlides/notesSlide10.xml><?xml version="1.0" encoding="utf-8"?>
+<p:notes xmlns:a="http://schemas.openxmlformats.org/drawingml/2006/main" xmlns:r="http://schemas.openxmlformats.org/officeDocument/2006/relationships" xmlns:p="http://schemas.openxmlformats.org/presentationml/2006/main">
+  <p:cSld>
+    <p:spTree>
+      <p:nvGrpSpPr>
+        <p:cNvPr id="1" name=""/>
+        <p:cNvGrpSpPr/>
+        <p:nvPr/>
+      </p:nvGrpSpPr>
+      <p:grpSpPr>
+        <a:xfrm>
+          <a:off x="0" y="0"/>
+          <a:ext cx="0" cy="0"/>
+          <a:chOff x="0" y="0"/>
+          <a:chExt cx="0" cy="0"/>
+        </a:xfrm>
+      </p:grpSpPr>
+      <p:sp>
+        <p:nvSpPr>
+          <p:cNvPr id="2" name="Slide Image Placeholder 1"/>
+          <p:cNvSpPr>
+            <a:spLocks noGrp="1" noRot="1" noChangeAspect="1"/>
+          </p:cNvSpPr>
+          <p:nvPr>
+            <p:ph type="sldImg"/>
+          </p:nvPr>
+        </p:nvSpPr>
+        <p:spPr/>
+      </p:sp>
+      <p:sp>
+        <p:nvSpPr>
+          <p:cNvPr id="3" name="Notes Placeholder 2"/>
+          <p:cNvSpPr>
+            <a:spLocks noGrp="1"/>
+          </p:cNvSpPr>
+          <p:nvPr>
+            <p:ph type="body" idx="1"/>
+          </p:nvPr>
+        </p:nvSpPr>
+        <p:spPr/>
+        <p:txBody>
+          <a:bodyPr/>
+          <a:lstStyle/>
+          <a:p>
+            <a:endParaRPr lang="en-US" dirty="0"/>
+          </a:p>
+        </p:txBody>
+      </p:sp>
+      <p:sp>
+        <p:nvSpPr>
+          <p:cNvPr id="4" name="Slide Number Placeholder 3"/>
+          <p:cNvSpPr>
+            <a:spLocks noGrp="1"/>
+          </p:cNvSpPr>
+          <p:nvPr>
+            <p:ph type="sldNum" sz="quarter" idx="5"/>
+          </p:nvPr>
+        </p:nvSpPr>
+        <p:spPr/>
+        <p:txBody>
+          <a:bodyPr/>
+          <a:lstStyle/>
+          <a:p>
+            <a:fld id="{33EBC398-93A2-8D47-92A2-63F46BBDFFD2}" type="slidenum">
+              <a:rPr lang="en-US" smtClean="0"/>
+              <a:t>11</a:t>
+            </a:fld>
+            <a:endParaRPr lang="en-US"/>
+          </a:p>
+        </p:txBody>
+      </p:sp>
+    </p:spTree>
+    <p:extLst>
+      <p:ext uri="{BB962C8B-B14F-4D97-AF65-F5344CB8AC3E}">
+        <p14:creationId xmlns:p14="http://schemas.microsoft.com/office/powerpoint/2010/main" val="3558223331"/>
       </p:ext>
     </p:extLst>
   </p:cSld>
@@ -889,70 +919,7 @@
           <a:bodyPr/>
           <a:lstStyle/>
           <a:p>
-            <a:r>
-              <a:rPr lang="en-US" b="1" dirty="0"/>
-              <a:t>Governance: </a:t>
-            </a:r>
-            <a:r>
-              <a:rPr lang="en-US" b="0" dirty="0"/>
-              <a:t>The Governance Principle Framework promotes </a:t>
-            </a:r>
-            <a:r>
-              <a:rPr lang="en-US" dirty="0"/>
-              <a:t>accountability by establishing processes to manage, operate, and oversee implementation</a:t>
-            </a:r>
-          </a:p>
-          <a:p>
-            <a:r>
-              <a:rPr lang="en-US" b="1" dirty="0"/>
-              <a:t>Data:  </a:t>
-            </a:r>
-            <a:r>
-              <a:rPr lang="en-US" b="0" dirty="0"/>
-              <a:t>The Data Principle Framework ensures </a:t>
-            </a:r>
-            <a:r>
-              <a:rPr lang="en-US" dirty="0"/>
-              <a:t>quality, reliability, and representativeness of data sources and processing</a:t>
-            </a:r>
-          </a:p>
-          <a:p>
-            <a:pPr marL="0" marR="0" lvl="0" indent="0" algn="l" defTabSz="457200" rtl="0" eaLnBrk="1" fontAlgn="auto" latinLnBrk="0" hangingPunct="1">
-              <a:lnSpc>
-                <a:spcPct val="100000"/>
-              </a:lnSpc>
-              <a:spcBef>
-                <a:spcPts val="0"/>
-              </a:spcBef>
-              <a:spcAft>
-                <a:spcPts val="0"/>
-              </a:spcAft>
-              <a:buClrTx/>
-              <a:buSzTx/>
-              <a:buFontTx/>
-              <a:buNone/>
-              <a:tabLst/>
-              <a:defRPr/>
-            </a:pPr>
-            <a:r>
-              <a:rPr lang="en-US" b="1" dirty="0"/>
-              <a:t>Performance:  </a:t>
-            </a:r>
-            <a:r>
-              <a:rPr lang="en-US" b="0" dirty="0"/>
-              <a:t>The Performance Principle Framework produces results that are consistent with program objectives</a:t>
-            </a:r>
-            <a:endParaRPr lang="en-US" dirty="0"/>
-          </a:p>
-          <a:p>
-            <a:r>
-              <a:rPr lang="en-US" b="1" dirty="0"/>
-              <a:t>Monitoring: </a:t>
-            </a:r>
-            <a:r>
-              <a:rPr lang="en-US" b="0" dirty="0"/>
-              <a:t>The Monitoring Principle Framework ensures reliability and relevance over time</a:t>
-            </a:r>
+            <a:endParaRPr lang="en-US" b="0" dirty="0"/>
           </a:p>
         </p:txBody>
       </p:sp>
@@ -982,7 +949,7 @@
     </p:spTree>
     <p:extLst>
       <p:ext uri="{BB962C8B-B14F-4D97-AF65-F5344CB8AC3E}">
-        <p14:creationId xmlns:p14="http://schemas.microsoft.com/office/powerpoint/2010/main" val="2925478240"/>
+        <p14:creationId xmlns:p14="http://schemas.microsoft.com/office/powerpoint/2010/main" val="1525950077"/>
       </p:ext>
     </p:extLst>
   </p:cSld>
@@ -1037,8 +1004,68 @@
           <a:lstStyle/>
           <a:p>
             <a:r>
+              <a:rPr lang="en-US" b="1" dirty="0"/>
+              <a:t>Governance: </a:t>
+            </a:r>
+            <a:r>
+              <a:rPr lang="en-US" b="0" dirty="0"/>
+              <a:t>The Governance Principle Framework promotes </a:t>
+            </a:r>
+            <a:r>
               <a:rPr lang="en-US" dirty="0"/>
-              <a:t>Describe the problem. Why is it a problem? Who does it affect?</a:t>
+              <a:t>accountability by establishing processes to manage, operate, and oversee implementation</a:t>
+            </a:r>
+          </a:p>
+          <a:p>
+            <a:r>
+              <a:rPr lang="en-US" b="1" dirty="0"/>
+              <a:t>Data:  </a:t>
+            </a:r>
+            <a:r>
+              <a:rPr lang="en-US" b="0" dirty="0"/>
+              <a:t>The Data Principle Framework ensures </a:t>
+            </a:r>
+            <a:r>
+              <a:rPr lang="en-US" dirty="0"/>
+              <a:t>quality, reliability, and representativeness of data sources and processing</a:t>
+            </a:r>
+          </a:p>
+          <a:p>
+            <a:pPr marL="0" marR="0" lvl="0" indent="0" algn="l" defTabSz="457200" rtl="0" eaLnBrk="1" fontAlgn="auto" latinLnBrk="0" hangingPunct="1">
+              <a:lnSpc>
+                <a:spcPct val="100000"/>
+              </a:lnSpc>
+              <a:spcBef>
+                <a:spcPts val="0"/>
+              </a:spcBef>
+              <a:spcAft>
+                <a:spcPts val="0"/>
+              </a:spcAft>
+              <a:buClrTx/>
+              <a:buSzTx/>
+              <a:buFontTx/>
+              <a:buNone/>
+              <a:tabLst/>
+              <a:defRPr/>
+            </a:pPr>
+            <a:r>
+              <a:rPr lang="en-US" b="1" dirty="0"/>
+              <a:t>Performance:  </a:t>
+            </a:r>
+            <a:r>
+              <a:rPr lang="en-US" b="0" dirty="0"/>
+              <a:t>The Performance Principle Framework produces results that are consistent with program objectives</a:t>
+            </a:r>
+            <a:endParaRPr lang="en-US" dirty="0"/>
+          </a:p>
+          <a:p>
+            <a:r>
+              <a:rPr lang="en-US" b="1" dirty="0"/>
+              <a:t>Monitoring: </a:t>
+            </a:r>
+            <a:r>
+              <a:rPr lang="en-US" b="0" dirty="0"/>
+              <a:t>The Monitoring Principle Framework ensures reliability and relevance over time</a:t>
             </a:r>
           </a:p>
         </p:txBody>
@@ -1069,7 +1096,7 @@
     </p:spTree>
     <p:extLst>
       <p:ext uri="{BB962C8B-B14F-4D97-AF65-F5344CB8AC3E}">
-        <p14:creationId xmlns:p14="http://schemas.microsoft.com/office/powerpoint/2010/main" val="728776142"/>
+        <p14:creationId xmlns:p14="http://schemas.microsoft.com/office/powerpoint/2010/main" val="2925478240"/>
       </p:ext>
     </p:extLst>
   </p:cSld>
@@ -1123,10 +1150,7 @@
           <a:bodyPr/>
           <a:lstStyle/>
           <a:p>
-            <a:r>
-              <a:rPr lang="en-US" dirty="0"/>
-              <a:t>Describe the problem. Why is it a problem? Who does it affect? What is the proposed solution? How will the solution help?</a:t>
-            </a:r>
+            <a:endParaRPr lang="en-US" dirty="0"/>
           </a:p>
         </p:txBody>
       </p:sp>
@@ -1156,7 +1180,7 @@
     </p:spTree>
     <p:extLst>
       <p:ext uri="{BB962C8B-B14F-4D97-AF65-F5344CB8AC3E}">
-        <p14:creationId xmlns:p14="http://schemas.microsoft.com/office/powerpoint/2010/main" val="3831815249"/>
+        <p14:creationId xmlns:p14="http://schemas.microsoft.com/office/powerpoint/2010/main" val="728776142"/>
       </p:ext>
     </p:extLst>
   </p:cSld>
@@ -1210,10 +1234,7 @@
           <a:bodyPr/>
           <a:lstStyle/>
           <a:p>
-            <a:r>
-              <a:rPr lang="en-US" dirty="0"/>
-              <a:t>Describe the problem. Why is it a problem? Who does it affect? What is the proposed solution? How will the solution help?</a:t>
-            </a:r>
+            <a:endParaRPr lang="en-US" dirty="0"/>
           </a:p>
         </p:txBody>
       </p:sp>
@@ -1243,7 +1264,7 @@
     </p:spTree>
     <p:extLst>
       <p:ext uri="{BB962C8B-B14F-4D97-AF65-F5344CB8AC3E}">
-        <p14:creationId xmlns:p14="http://schemas.microsoft.com/office/powerpoint/2010/main" val="2626035200"/>
+        <p14:creationId xmlns:p14="http://schemas.microsoft.com/office/powerpoint/2010/main" val="3831815249"/>
       </p:ext>
     </p:extLst>
   </p:cSld>
@@ -1297,10 +1318,7 @@
           <a:bodyPr/>
           <a:lstStyle/>
           <a:p>
-            <a:r>
-              <a:rPr lang="en-US" dirty="0"/>
-              <a:t>Describe the problem. Why is it a problem? Who does it affect? What is the proposed solution? How will the solution help?</a:t>
-            </a:r>
+            <a:endParaRPr lang="en-US" dirty="0"/>
           </a:p>
         </p:txBody>
       </p:sp>
@@ -1330,7 +1348,7 @@
     </p:spTree>
     <p:extLst>
       <p:ext uri="{BB962C8B-B14F-4D97-AF65-F5344CB8AC3E}">
-        <p14:creationId xmlns:p14="http://schemas.microsoft.com/office/powerpoint/2010/main" val="2348178394"/>
+        <p14:creationId xmlns:p14="http://schemas.microsoft.com/office/powerpoint/2010/main" val="2626035200"/>
       </p:ext>
     </p:extLst>
   </p:cSld>
@@ -1384,50 +1402,6 @@
           <a:bodyPr/>
           <a:lstStyle/>
           <a:p>
-            <a:r>
-              <a:rPr lang="en-US" dirty="0"/>
-              <a:t>What is the proposed solution? How will the solution help?</a:t>
-            </a:r>
-          </a:p>
-          <a:p>
-            <a:r>
-              <a:rPr lang="en-US" dirty="0"/>
-              <a:t>NN: performs calculations using some (or all) of the neurons in the last layer of the neural network, which uses these values in the next layer of the neural network</a:t>
-            </a:r>
-          </a:p>
-          <a:p>
-            <a:r>
-              <a:rPr lang="en-US" dirty="0"/>
-              <a:t>Why neural networks? Why can’t we just use a function?</a:t>
-            </a:r>
-          </a:p>
-          <a:p>
-            <a:pPr marL="0" marR="0" lvl="0" indent="0" algn="l" defTabSz="457200" rtl="0" eaLnBrk="1" fontAlgn="auto" latinLnBrk="0" hangingPunct="1">
-              <a:lnSpc>
-                <a:spcPct val="100000"/>
-              </a:lnSpc>
-              <a:spcBef>
-                <a:spcPts val="0"/>
-              </a:spcBef>
-              <a:spcAft>
-                <a:spcPts val="0"/>
-              </a:spcAft>
-              <a:buClrTx/>
-              <a:buSzTx/>
-              <a:buFontTx/>
-              <a:buNone/>
-              <a:tabLst/>
-              <a:defRPr/>
-            </a:pPr>
-            <a:r>
-              <a:rPr lang="en-US" dirty="0">
-                <a:effectLst/>
-                <a:latin typeface="Helvetica Neue" panose="02000503000000020004" pitchFamily="2" charset="0"/>
-              </a:rPr>
-              <a:t>No guidelines on scoring; there’s variability in how this is currently done (which will throw off numbers) </a:t>
-            </a:r>
-          </a:p>
-          <a:p>
             <a:endParaRPr lang="en-US" dirty="0"/>
           </a:p>
         </p:txBody>
@@ -1458,7 +1432,7 @@
     </p:spTree>
     <p:extLst>
       <p:ext uri="{BB962C8B-B14F-4D97-AF65-F5344CB8AC3E}">
-        <p14:creationId xmlns:p14="http://schemas.microsoft.com/office/powerpoint/2010/main" val="1575608483"/>
+        <p14:creationId xmlns:p14="http://schemas.microsoft.com/office/powerpoint/2010/main" val="2348178394"/>
       </p:ext>
     </p:extLst>
   </p:cSld>
@@ -1514,8 +1488,49 @@
           <a:p>
             <a:r>
               <a:rPr lang="en-US" dirty="0"/>
-              <a:t>Validation: allows for unbiased evaluation of a model fit on the training data set while tuning the hyperparameters (the number of hidden units in a neural network)</a:t>
-            </a:r>
+              <a:t>What is the proposed solution? How will the solution help?</a:t>
+            </a:r>
+          </a:p>
+          <a:p>
+            <a:r>
+              <a:rPr lang="en-US" dirty="0"/>
+              <a:t>NN: performs calculations using some (or all) of the neurons in the last layer of the neural network, which uses these values in the next layer of the neural network</a:t>
+            </a:r>
+          </a:p>
+          <a:p>
+            <a:r>
+              <a:rPr lang="en-US" dirty="0"/>
+              <a:t>Why neural networks? Why can’t we just use a function?</a:t>
+            </a:r>
+          </a:p>
+          <a:p>
+            <a:pPr marL="0" marR="0" lvl="0" indent="0" algn="l" defTabSz="457200" rtl="0" eaLnBrk="1" fontAlgn="auto" latinLnBrk="0" hangingPunct="1">
+              <a:lnSpc>
+                <a:spcPct val="100000"/>
+              </a:lnSpc>
+              <a:spcBef>
+                <a:spcPts val="0"/>
+              </a:spcBef>
+              <a:spcAft>
+                <a:spcPts val="0"/>
+              </a:spcAft>
+              <a:buClrTx/>
+              <a:buSzTx/>
+              <a:buFontTx/>
+              <a:buNone/>
+              <a:tabLst/>
+              <a:defRPr/>
+            </a:pPr>
+            <a:r>
+              <a:rPr lang="en-US" dirty="0">
+                <a:effectLst/>
+                <a:latin typeface="Helvetica Neue" panose="02000503000000020004" pitchFamily="2" charset="0"/>
+              </a:rPr>
+              <a:t>No guidelines on scoring; there’s variability in how this is currently done (which will throw off numbers) </a:t>
+            </a:r>
+          </a:p>
+          <a:p>
+            <a:endParaRPr lang="en-US" dirty="0"/>
           </a:p>
         </p:txBody>
       </p:sp>
@@ -1545,7 +1560,7 @@
     </p:spTree>
     <p:extLst>
       <p:ext uri="{BB962C8B-B14F-4D97-AF65-F5344CB8AC3E}">
-        <p14:creationId xmlns:p14="http://schemas.microsoft.com/office/powerpoint/2010/main" val="3124520235"/>
+        <p14:creationId xmlns:p14="http://schemas.microsoft.com/office/powerpoint/2010/main" val="1575608483"/>
       </p:ext>
     </p:extLst>
   </p:cSld>
@@ -1601,7 +1616,7 @@
           <a:p>
             <a:r>
               <a:rPr lang="en-US" dirty="0"/>
-              <a:t>Describe the problem. Why is it a problem? Who does it affect? What is the proposed solution? How will the solution help?</a:t>
+              <a:t>Validation: allows for unbiased evaluation of a model fit on the training data set while tuning the hyperparameters (the number of hidden units in a neural network)</a:t>
             </a:r>
           </a:p>
         </p:txBody>
@@ -1632,7 +1647,7 @@
     </p:spTree>
     <p:extLst>
       <p:ext uri="{BB962C8B-B14F-4D97-AF65-F5344CB8AC3E}">
-        <p14:creationId xmlns:p14="http://schemas.microsoft.com/office/powerpoint/2010/main" val="3558223331"/>
+        <p14:creationId xmlns:p14="http://schemas.microsoft.com/office/powerpoint/2010/main" val="3124520235"/>
       </p:ext>
     </p:extLst>
   </p:cSld>
@@ -3758,7 +3773,7 @@
                 <a:ea typeface="+mn-ea"/>
                 <a:cs typeface="+mn-cs"/>
               </a:rPr>
-              <a:t>July 28, 2023</a:t>
+              <a:t>August 3, 2023</a:t>
             </a:r>
           </a:p>
         </p:txBody>
@@ -3822,6 +3837,222 @@
               <a:rPr lang="en-US" smtClean="0"/>
               <a:pPr/>
               <a:t>10</a:t>
+            </a:fld>
+            <a:endParaRPr lang="en-US" dirty="0"/>
+          </a:p>
+        </p:txBody>
+      </p:sp>
+      <p:sp>
+        <p:nvSpPr>
+          <p:cNvPr id="3" name="Title 2">
+            <a:extLst>
+              <a:ext uri="{FF2B5EF4-FFF2-40B4-BE49-F238E27FC236}">
+                <a16:creationId xmlns:a16="http://schemas.microsoft.com/office/drawing/2014/main" id="{9D6973F2-923D-4F4F-8A40-6D33454876B0}"/>
+              </a:ext>
+            </a:extLst>
+          </p:cNvPr>
+          <p:cNvSpPr>
+            <a:spLocks noGrp="1"/>
+          </p:cNvSpPr>
+          <p:nvPr>
+            <p:ph type="title"/>
+          </p:nvPr>
+        </p:nvSpPr>
+        <p:spPr/>
+        <p:txBody>
+          <a:bodyPr/>
+          <a:lstStyle/>
+          <a:p>
+            <a:r>
+              <a:rPr lang="en-US" dirty="0">
+                <a:solidFill>
+                  <a:schemeClr val="bg1"/>
+                </a:solidFill>
+              </a:rPr>
+              <a:t>Model Performance (Accuracy)</a:t>
+            </a:r>
+          </a:p>
+        </p:txBody>
+      </p:sp>
+      <p:pic>
+        <p:nvPicPr>
+          <p:cNvPr id="6" name="Picture 5" descr="A graph with blue and orange lines&#10;&#10;Description automatically generated">
+            <a:extLst>
+              <a:ext uri="{FF2B5EF4-FFF2-40B4-BE49-F238E27FC236}">
+                <a16:creationId xmlns:a16="http://schemas.microsoft.com/office/drawing/2014/main" id="{62DEF4AD-AFF4-81C1-6629-2A64A04B8B4C}"/>
+              </a:ext>
+            </a:extLst>
+          </p:cNvPr>
+          <p:cNvPicPr>
+            <a:picLocks noChangeAspect="1"/>
+          </p:cNvPicPr>
+          <p:nvPr/>
+        </p:nvPicPr>
+        <p:blipFill>
+          <a:blip r:embed="rId3"/>
+          <a:stretch>
+            <a:fillRect/>
+          </a:stretch>
+        </p:blipFill>
+        <p:spPr>
+          <a:xfrm>
+            <a:off x="590468" y="2857382"/>
+            <a:ext cx="2994901" cy="1821073"/>
+          </a:xfrm>
+          <a:prstGeom prst="rect">
+            <a:avLst/>
+          </a:prstGeom>
+        </p:spPr>
+      </p:pic>
+      <p:pic>
+        <p:nvPicPr>
+          <p:cNvPr id="11" name="Picture 10" descr="A graph with blue lines and orange lines&#10;&#10;Description automatically generated">
+            <a:extLst>
+              <a:ext uri="{FF2B5EF4-FFF2-40B4-BE49-F238E27FC236}">
+                <a16:creationId xmlns:a16="http://schemas.microsoft.com/office/drawing/2014/main" id="{65F67A0E-C35E-3AF9-EFC5-387A3F9F907E}"/>
+              </a:ext>
+            </a:extLst>
+          </p:cNvPr>
+          <p:cNvPicPr>
+            <a:picLocks noChangeAspect="1"/>
+          </p:cNvPicPr>
+          <p:nvPr/>
+        </p:nvPicPr>
+        <p:blipFill>
+          <a:blip r:embed="rId4"/>
+          <a:stretch>
+            <a:fillRect/>
+          </a:stretch>
+        </p:blipFill>
+        <p:spPr>
+          <a:xfrm>
+            <a:off x="5347521" y="2934617"/>
+            <a:ext cx="2557948" cy="1743839"/>
+          </a:xfrm>
+          <a:prstGeom prst="rect">
+            <a:avLst/>
+          </a:prstGeom>
+        </p:spPr>
+      </p:pic>
+      <p:pic>
+        <p:nvPicPr>
+          <p:cNvPr id="13" name="Picture 12" descr="A graph with blue and orange lines&#10;&#10;Description automatically generated">
+            <a:extLst>
+              <a:ext uri="{FF2B5EF4-FFF2-40B4-BE49-F238E27FC236}">
+                <a16:creationId xmlns:a16="http://schemas.microsoft.com/office/drawing/2014/main" id="{8AB8B9A6-B0A1-3353-FC85-01398E93AA83}"/>
+              </a:ext>
+            </a:extLst>
+          </p:cNvPr>
+          <p:cNvPicPr>
+            <a:picLocks noChangeAspect="1"/>
+          </p:cNvPicPr>
+          <p:nvPr/>
+        </p:nvPicPr>
+        <p:blipFill>
+          <a:blip r:embed="rId5"/>
+          <a:stretch>
+            <a:fillRect/>
+          </a:stretch>
+        </p:blipFill>
+        <p:spPr>
+          <a:xfrm>
+            <a:off x="590467" y="715057"/>
+            <a:ext cx="2994901" cy="2142326"/>
+          </a:xfrm>
+          <a:prstGeom prst="rect">
+            <a:avLst/>
+          </a:prstGeom>
+        </p:spPr>
+      </p:pic>
+      <p:pic>
+        <p:nvPicPr>
+          <p:cNvPr id="15" name="Picture 14" descr="A graph with blue and orange lines&#10;&#10;Description automatically generated">
+            <a:extLst>
+              <a:ext uri="{FF2B5EF4-FFF2-40B4-BE49-F238E27FC236}">
+                <a16:creationId xmlns:a16="http://schemas.microsoft.com/office/drawing/2014/main" id="{5BB9DD5D-A4F9-F662-FF40-A40C9457B778}"/>
+              </a:ext>
+            </a:extLst>
+          </p:cNvPr>
+          <p:cNvPicPr>
+            <a:picLocks noChangeAspect="1"/>
+          </p:cNvPicPr>
+          <p:nvPr/>
+        </p:nvPicPr>
+        <p:blipFill>
+          <a:blip r:embed="rId6"/>
+          <a:stretch>
+            <a:fillRect/>
+          </a:stretch>
+        </p:blipFill>
+        <p:spPr>
+          <a:xfrm>
+            <a:off x="5047871" y="715057"/>
+            <a:ext cx="2857598" cy="2219560"/>
+          </a:xfrm>
+          <a:prstGeom prst="rect">
+            <a:avLst/>
+          </a:prstGeom>
+        </p:spPr>
+      </p:pic>
+    </p:spTree>
+    <p:extLst>
+      <p:ext uri="{BB962C8B-B14F-4D97-AF65-F5344CB8AC3E}">
+        <p14:creationId xmlns:p14="http://schemas.microsoft.com/office/powerpoint/2010/main" val="2703077859"/>
+      </p:ext>
+    </p:extLst>
+  </p:cSld>
+  <p:clrMapOvr>
+    <a:masterClrMapping/>
+  </p:clrMapOvr>
+</p:sld>
+</file>
+
+<file path=ppt/slides/slide11.xml><?xml version="1.0" encoding="utf-8"?>
+<p:sld xmlns:a="http://schemas.openxmlformats.org/drawingml/2006/main" xmlns:r="http://schemas.openxmlformats.org/officeDocument/2006/relationships" xmlns:p="http://schemas.openxmlformats.org/presentationml/2006/main">
+  <p:cSld>
+    <p:spTree>
+      <p:nvGrpSpPr>
+        <p:cNvPr id="1" name=""/>
+        <p:cNvGrpSpPr/>
+        <p:nvPr/>
+      </p:nvGrpSpPr>
+      <p:grpSpPr>
+        <a:xfrm>
+          <a:off x="0" y="0"/>
+          <a:ext cx="0" cy="0"/>
+          <a:chOff x="0" y="0"/>
+          <a:chExt cx="0" cy="0"/>
+        </a:xfrm>
+      </p:grpSpPr>
+      <p:sp>
+        <p:nvSpPr>
+          <p:cNvPr id="2" name="Slide Number Placeholder 1">
+            <a:extLst>
+              <a:ext uri="{FF2B5EF4-FFF2-40B4-BE49-F238E27FC236}">
+                <a16:creationId xmlns:a16="http://schemas.microsoft.com/office/drawing/2014/main" id="{C3876B54-91C7-4CA0-981B-0280BE7EB7E4}"/>
+              </a:ext>
+            </a:extLst>
+          </p:cNvPr>
+          <p:cNvSpPr>
+            <a:spLocks noGrp="1"/>
+          </p:cNvSpPr>
+          <p:nvPr>
+            <p:ph type="sldNum" sz="quarter" idx="4"/>
+          </p:nvPr>
+        </p:nvSpPr>
+        <p:spPr/>
+        <p:txBody>
+          <a:bodyPr/>
+          <a:lstStyle/>
+          <a:p>
+            <a:r>
+              <a:rPr lang="en-US"/>
+              <a:t>Presented by DHS | </a:t>
+            </a:r>
+            <a:fld id="{8997B844-ACA2-A34A-B180-F01E98B0D70C}" type="slidenum">
+              <a:rPr lang="en-US" smtClean="0"/>
+              <a:pPr/>
+              <a:t>11</a:t>
             </a:fld>
             <a:endParaRPr lang="en-US" dirty="0"/>
           </a:p>
@@ -4008,12 +4239,12 @@
           <a:graphicData uri="http://schemas.openxmlformats.org/presentationml/2006/ole">
             <mc:AlternateContent xmlns:mc="http://schemas.openxmlformats.org/markup-compatibility/2006">
               <mc:Choice xmlns:v="urn:schemas-microsoft-com:vml" Requires="v">
-                <p:oleObj spid="_x0000_s4170" name="Bitmap Image" r:id="rId4" imgW="7728120" imgH="9226440" progId="Paint.Picture.1">
+                <p:oleObj name="Bitmap Image" r:id="rId3" imgW="7728120" imgH="9226440" progId="Paint.Picture.1">
                   <p:embed/>
                 </p:oleObj>
               </mc:Choice>
               <mc:Fallback>
-                <p:oleObj name="Bitmap Image" r:id="rId4" imgW="7728120" imgH="9226440" progId="Paint.Picture.1">
+                <p:oleObj name="Bitmap Image" r:id="rId3" imgW="7728120" imgH="9226440" progId="Paint.Picture.1">
                   <p:embed/>
                   <p:pic>
                     <p:nvPicPr>
@@ -4028,7 +4259,7 @@
                       <p:nvPr/>
                     </p:nvPicPr>
                     <p:blipFill>
-                      <a:blip r:embed="rId5">
+                      <a:blip r:embed="rId4">
                         <a:alphaModFix amt="10000"/>
                       </a:blip>
                       <a:stretch>
@@ -4073,12 +4304,12 @@
           <a:graphicData uri="http://schemas.openxmlformats.org/presentationml/2006/ole">
             <mc:AlternateContent xmlns:mc="http://schemas.openxmlformats.org/markup-compatibility/2006">
               <mc:Choice xmlns:v="urn:schemas-microsoft-com:vml" Requires="v">
-                <p:oleObj spid="_x0000_s4171" name="Bitmap Image" r:id="rId6" imgW="6921360" imgH="3054240" progId="Paint.Picture.1">
+                <p:oleObj name="Bitmap Image" r:id="rId5" imgW="6921360" imgH="3054240" progId="Paint.Picture.1">
                   <p:embed/>
                 </p:oleObj>
               </mc:Choice>
               <mc:Fallback>
-                <p:oleObj name="Bitmap Image" r:id="rId6" imgW="6921360" imgH="3054240" progId="Paint.Picture.1">
+                <p:oleObj name="Bitmap Image" r:id="rId5" imgW="6921360" imgH="3054240" progId="Paint.Picture.1">
                   <p:embed/>
                   <p:pic>
                     <p:nvPicPr>
@@ -4093,7 +4324,7 @@
                       <p:nvPr/>
                     </p:nvPicPr>
                     <p:blipFill>
-                      <a:blip r:embed="rId7">
+                      <a:blip r:embed="rId6">
                         <a:alphaModFix amt="20000"/>
                       </a:blip>
                       <a:stretch>
@@ -4298,12 +4529,12 @@
           <a:graphicData uri="http://schemas.openxmlformats.org/presentationml/2006/ole">
             <mc:AlternateContent xmlns:mc="http://schemas.openxmlformats.org/markup-compatibility/2006">
               <mc:Choice xmlns:v="urn:schemas-microsoft-com:vml" Requires="v">
-                <p:oleObj spid="_x0000_s4172" name="Bitmap Image" r:id="rId8" imgW="7677000" imgH="3397320" progId="Paint.Picture.1">
+                <p:oleObj name="Bitmap Image" r:id="rId7" imgW="7677000" imgH="3397320" progId="Paint.Picture.1">
                   <p:embed/>
                 </p:oleObj>
               </mc:Choice>
               <mc:Fallback>
-                <p:oleObj name="Bitmap Image" r:id="rId8" imgW="7677000" imgH="3397320" progId="Paint.Picture.1">
+                <p:oleObj name="Bitmap Image" r:id="rId7" imgW="7677000" imgH="3397320" progId="Paint.Picture.1">
                   <p:embed/>
                   <p:pic>
                     <p:nvPicPr>
@@ -4318,7 +4549,7 @@
                       <p:nvPr/>
                     </p:nvPicPr>
                     <p:blipFill>
-                      <a:blip r:embed="rId9">
+                      <a:blip r:embed="rId8">
                         <a:alphaModFix amt="20000"/>
                       </a:blip>
                       <a:stretch>
@@ -4537,7 +4768,7 @@
           <p:nvPr/>
         </p:nvPicPr>
         <p:blipFill rotWithShape="1">
-          <a:blip r:embed="rId10"/>
+          <a:blip r:embed="rId9"/>
           <a:srcRect t="7724" r="4478"/>
           <a:stretch/>
         </p:blipFill>
@@ -4653,7 +4884,7 @@
 </p:sld>
 </file>
 
-<file path=ppt/slides/slide11.xml><?xml version="1.0" encoding="utf-8"?>
+<file path=ppt/slides/slide12.xml><?xml version="1.0" encoding="utf-8"?>
 <p:sld xmlns:a="http://schemas.openxmlformats.org/drawingml/2006/main" xmlns:r="http://schemas.openxmlformats.org/officeDocument/2006/relationships" xmlns:p="http://schemas.openxmlformats.org/presentationml/2006/main">
   <p:cSld>
     <p:spTree>
@@ -4698,7 +4929,7 @@
             <a:fld id="{8997B844-ACA2-A34A-B180-F01E98B0D70C}" type="slidenum">
               <a:rPr lang="en-US" smtClean="0"/>
               <a:pPr/>
-              <a:t>11</a:t>
+              <a:t>12</a:t>
             </a:fld>
             <a:endParaRPr lang="en-US" dirty="0"/>
           </a:p>
@@ -4765,6 +4996,347 @@
           </a:prstGeom>
         </p:spPr>
       </p:pic>
+      <p:cxnSp>
+        <p:nvCxnSpPr>
+          <p:cNvPr id="5" name="Straight Arrow Connector 4">
+            <a:extLst>
+              <a:ext uri="{FF2B5EF4-FFF2-40B4-BE49-F238E27FC236}">
+                <a16:creationId xmlns:a16="http://schemas.microsoft.com/office/drawing/2014/main" id="{9DF90FC0-7152-1904-3C76-7397656848D4}"/>
+              </a:ext>
+            </a:extLst>
+          </p:cNvPr>
+          <p:cNvCxnSpPr>
+            <a:cxnSpLocks/>
+          </p:cNvCxnSpPr>
+          <p:nvPr/>
+        </p:nvCxnSpPr>
+        <p:spPr>
+          <a:xfrm>
+            <a:off x="2983832" y="1350829"/>
+            <a:ext cx="733268" cy="0"/>
+          </a:xfrm>
+          <a:prstGeom prst="straightConnector1">
+            <a:avLst/>
+          </a:prstGeom>
+          <a:ln>
+            <a:solidFill>
+              <a:srgbClr val="0070C0"/>
+            </a:solidFill>
+            <a:tailEnd type="triangle"/>
+          </a:ln>
+        </p:spPr>
+        <p:style>
+          <a:lnRef idx="2">
+            <a:schemeClr val="accent1"/>
+          </a:lnRef>
+          <a:fillRef idx="0">
+            <a:schemeClr val="accent1"/>
+          </a:fillRef>
+          <a:effectRef idx="1">
+            <a:schemeClr val="accent1"/>
+          </a:effectRef>
+          <a:fontRef idx="minor">
+            <a:schemeClr val="tx1"/>
+          </a:fontRef>
+        </p:style>
+      </p:cxnSp>
+      <p:sp>
+        <p:nvSpPr>
+          <p:cNvPr id="9" name="TextBox 8">
+            <a:extLst>
+              <a:ext uri="{FF2B5EF4-FFF2-40B4-BE49-F238E27FC236}">
+                <a16:creationId xmlns:a16="http://schemas.microsoft.com/office/drawing/2014/main" id="{F7EEFAA5-AB96-BD70-D600-FC399C99CC6D}"/>
+              </a:ext>
+            </a:extLst>
+          </p:cNvPr>
+          <p:cNvSpPr txBox="1"/>
+          <p:nvPr/>
+        </p:nvSpPr>
+        <p:spPr>
+          <a:xfrm>
+            <a:off x="792869" y="1196940"/>
+            <a:ext cx="1204978" cy="307777"/>
+          </a:xfrm>
+          <a:prstGeom prst="rect">
+            <a:avLst/>
+          </a:prstGeom>
+          <a:noFill/>
+        </p:spPr>
+        <p:txBody>
+          <a:bodyPr wrap="square">
+            <a:spAutoFit/>
+          </a:bodyPr>
+          <a:lstStyle/>
+          <a:p>
+            <a:r>
+              <a:rPr lang="en-US" sz="1400" dirty="0">
+                <a:solidFill>
+                  <a:schemeClr val="tx1">
+                    <a:lumMod val="50000"/>
+                  </a:schemeClr>
+                </a:solidFill>
+                <a:latin typeface="Calibri" panose="020F0502020204030204" pitchFamily="34" charset="0"/>
+                <a:cs typeface="Calibri" panose="020F0502020204030204" pitchFamily="34" charset="0"/>
+              </a:rPr>
+              <a:t>1. Submit CSV</a:t>
+            </a:r>
+          </a:p>
+        </p:txBody>
+      </p:sp>
+      <p:sp>
+        <p:nvSpPr>
+          <p:cNvPr id="11" name="TextBox 10">
+            <a:extLst>
+              <a:ext uri="{FF2B5EF4-FFF2-40B4-BE49-F238E27FC236}">
+                <a16:creationId xmlns:a16="http://schemas.microsoft.com/office/drawing/2014/main" id="{265F9618-F059-6A60-DE28-032D2CF2BCA0}"/>
+              </a:ext>
+            </a:extLst>
+          </p:cNvPr>
+          <p:cNvSpPr txBox="1"/>
+          <p:nvPr/>
+        </p:nvSpPr>
+        <p:spPr>
+          <a:xfrm>
+            <a:off x="311570" y="1686565"/>
+            <a:ext cx="1686277" cy="307777"/>
+          </a:xfrm>
+          <a:prstGeom prst="rect">
+            <a:avLst/>
+          </a:prstGeom>
+          <a:noFill/>
+        </p:spPr>
+        <p:txBody>
+          <a:bodyPr wrap="square">
+            <a:spAutoFit/>
+          </a:bodyPr>
+          <a:lstStyle/>
+          <a:p>
+            <a:r>
+              <a:rPr lang="en-US" sz="1400" dirty="0">
+                <a:solidFill>
+                  <a:schemeClr val="tx1">
+                    <a:lumMod val="50000"/>
+                  </a:schemeClr>
+                </a:solidFill>
+                <a:latin typeface="Calibri" panose="020F0502020204030204" pitchFamily="34" charset="0"/>
+                <a:cs typeface="Calibri" panose="020F0502020204030204" pitchFamily="34" charset="0"/>
+              </a:rPr>
+              <a:t>2. Check data format</a:t>
+            </a:r>
+          </a:p>
+        </p:txBody>
+      </p:sp>
+      <p:sp>
+        <p:nvSpPr>
+          <p:cNvPr id="12" name="TextBox 11">
+            <a:extLst>
+              <a:ext uri="{FF2B5EF4-FFF2-40B4-BE49-F238E27FC236}">
+                <a16:creationId xmlns:a16="http://schemas.microsoft.com/office/drawing/2014/main" id="{8D59AE76-8357-11BF-EA3B-E49FAC394E0B}"/>
+              </a:ext>
+            </a:extLst>
+          </p:cNvPr>
+          <p:cNvSpPr txBox="1"/>
+          <p:nvPr/>
+        </p:nvSpPr>
+        <p:spPr>
+          <a:xfrm>
+            <a:off x="281882" y="2545609"/>
+            <a:ext cx="1745654" cy="307777"/>
+          </a:xfrm>
+          <a:prstGeom prst="rect">
+            <a:avLst/>
+          </a:prstGeom>
+          <a:noFill/>
+        </p:spPr>
+        <p:txBody>
+          <a:bodyPr wrap="square">
+            <a:spAutoFit/>
+          </a:bodyPr>
+          <a:lstStyle/>
+          <a:p>
+            <a:r>
+              <a:rPr lang="en-US" sz="1400" dirty="0">
+                <a:solidFill>
+                  <a:schemeClr val="tx1">
+                    <a:lumMod val="50000"/>
+                  </a:schemeClr>
+                </a:solidFill>
+                <a:latin typeface="Calibri" panose="020F0502020204030204" pitchFamily="34" charset="0"/>
+                <a:cs typeface="Calibri" panose="020F0502020204030204" pitchFamily="34" charset="0"/>
+              </a:rPr>
+              <a:t>3. Assess compliance</a:t>
+            </a:r>
+          </a:p>
+        </p:txBody>
+      </p:sp>
+      <p:sp>
+        <p:nvSpPr>
+          <p:cNvPr id="13" name="TextBox 12">
+            <a:extLst>
+              <a:ext uri="{FF2B5EF4-FFF2-40B4-BE49-F238E27FC236}">
+                <a16:creationId xmlns:a16="http://schemas.microsoft.com/office/drawing/2014/main" id="{6D4ED97E-999D-F742-6447-76FA89F03F11}"/>
+              </a:ext>
+            </a:extLst>
+          </p:cNvPr>
+          <p:cNvSpPr txBox="1"/>
+          <p:nvPr/>
+        </p:nvSpPr>
+        <p:spPr>
+          <a:xfrm>
+            <a:off x="7183965" y="2268610"/>
+            <a:ext cx="1856907" cy="1169551"/>
+          </a:xfrm>
+          <a:prstGeom prst="rect">
+            <a:avLst/>
+          </a:prstGeom>
+          <a:noFill/>
+        </p:spPr>
+        <p:txBody>
+          <a:bodyPr wrap="square">
+            <a:spAutoFit/>
+          </a:bodyPr>
+          <a:lstStyle/>
+          <a:p>
+            <a:r>
+              <a:rPr lang="en-US" sz="1400" dirty="0">
+                <a:latin typeface="Calibri" panose="020F0502020204030204" pitchFamily="34" charset="0"/>
+                <a:cs typeface="Calibri" panose="020F0502020204030204" pitchFamily="34" charset="0"/>
+              </a:rPr>
+              <a:t>(</a:t>
+            </a:r>
+            <a:r>
+              <a:rPr lang="en-US" sz="1400" dirty="0">
+                <a:solidFill>
+                  <a:schemeClr val="accent3"/>
+                </a:solidFill>
+                <a:latin typeface="Calibri" panose="020F0502020204030204" pitchFamily="34" charset="0"/>
+                <a:cs typeface="Calibri" panose="020F0502020204030204" pitchFamily="34" charset="0"/>
+              </a:rPr>
+              <a:t>0.9879</a:t>
+            </a:r>
+            <a:r>
+              <a:rPr lang="en-US" sz="1400" dirty="0">
+                <a:latin typeface="Calibri" panose="020F0502020204030204" pitchFamily="34" charset="0"/>
+                <a:cs typeface="Calibri" panose="020F0502020204030204" pitchFamily="34" charset="0"/>
+              </a:rPr>
+              <a:t> + </a:t>
+            </a:r>
+            <a:r>
+              <a:rPr lang="en-US" sz="1400" dirty="0">
+                <a:solidFill>
+                  <a:schemeClr val="accent3"/>
+                </a:solidFill>
+                <a:latin typeface="Calibri" panose="020F0502020204030204" pitchFamily="34" charset="0"/>
+                <a:cs typeface="Calibri" panose="020F0502020204030204" pitchFamily="34" charset="0"/>
+              </a:rPr>
+              <a:t>0.98572</a:t>
+            </a:r>
+            <a:r>
+              <a:rPr lang="en-US" sz="1400" dirty="0">
+                <a:latin typeface="Calibri" panose="020F0502020204030204" pitchFamily="34" charset="0"/>
+                <a:cs typeface="Calibri" panose="020F0502020204030204" pitchFamily="34" charset="0"/>
+              </a:rPr>
+              <a:t> + </a:t>
+            </a:r>
+            <a:r>
+              <a:rPr lang="en-US" sz="1400" dirty="0">
+                <a:solidFill>
+                  <a:schemeClr val="accent3"/>
+                </a:solidFill>
+                <a:latin typeface="Calibri" panose="020F0502020204030204" pitchFamily="34" charset="0"/>
+                <a:cs typeface="Calibri" panose="020F0502020204030204" pitchFamily="34" charset="0"/>
+              </a:rPr>
+              <a:t>0.97502</a:t>
+            </a:r>
+            <a:r>
+              <a:rPr lang="en-US" sz="1400" dirty="0">
+                <a:latin typeface="Calibri" panose="020F0502020204030204" pitchFamily="34" charset="0"/>
+                <a:cs typeface="Calibri" panose="020F0502020204030204" pitchFamily="34" charset="0"/>
+              </a:rPr>
+              <a:t> + </a:t>
+            </a:r>
+            <a:r>
+              <a:rPr lang="en-US" sz="1400" dirty="0">
+                <a:solidFill>
+                  <a:schemeClr val="accent3"/>
+                </a:solidFill>
+                <a:latin typeface="Calibri" panose="020F0502020204030204" pitchFamily="34" charset="0"/>
+                <a:cs typeface="Calibri" panose="020F0502020204030204" pitchFamily="34" charset="0"/>
+              </a:rPr>
+              <a:t>0.96188</a:t>
+            </a:r>
+            <a:r>
+              <a:rPr lang="en-US" sz="1400" dirty="0">
+                <a:latin typeface="Calibri" panose="020F0502020204030204" pitchFamily="34" charset="0"/>
+                <a:cs typeface="Calibri" panose="020F0502020204030204" pitchFamily="34" charset="0"/>
+              </a:rPr>
+              <a:t>) / 4</a:t>
+            </a:r>
+          </a:p>
+          <a:p>
+            <a:endParaRPr lang="en-US" sz="1400" i="1" dirty="0">
+              <a:solidFill>
+                <a:schemeClr val="accent3"/>
+              </a:solidFill>
+              <a:latin typeface="Calibri" panose="020F0502020204030204" pitchFamily="34" charset="0"/>
+              <a:cs typeface="Calibri" panose="020F0502020204030204" pitchFamily="34" charset="0"/>
+            </a:endParaRPr>
+          </a:p>
+          <a:p>
+            <a:r>
+              <a:rPr lang="en-US" sz="1400" i="1" dirty="0">
+                <a:solidFill>
+                  <a:schemeClr val="accent3"/>
+                </a:solidFill>
+                <a:latin typeface="Calibri" panose="020F0502020204030204" pitchFamily="34" charset="0"/>
+                <a:cs typeface="Calibri" panose="020F0502020204030204" pitchFamily="34" charset="0"/>
+              </a:rPr>
+              <a:t>0.97763</a:t>
+            </a:r>
+            <a:r>
+              <a:rPr lang="en-US" sz="1400" i="1" dirty="0">
+                <a:latin typeface="Calibri" panose="020F0502020204030204" pitchFamily="34" charset="0"/>
+                <a:cs typeface="Calibri" panose="020F0502020204030204" pitchFamily="34" charset="0"/>
+              </a:rPr>
+              <a:t> &gt; </a:t>
+            </a:r>
+            <a:r>
+              <a:rPr lang="en-US" sz="1400" i="1" dirty="0">
+                <a:solidFill>
+                  <a:schemeClr val="accent2"/>
+                </a:solidFill>
+                <a:latin typeface="Calibri" panose="020F0502020204030204" pitchFamily="34" charset="0"/>
+                <a:cs typeface="Calibri" panose="020F0502020204030204" pitchFamily="34" charset="0"/>
+              </a:rPr>
+              <a:t>0.70</a:t>
+            </a:r>
+            <a:r>
+              <a:rPr lang="en-US" sz="1400" i="1" dirty="0">
+                <a:latin typeface="Calibri" panose="020F0502020204030204" pitchFamily="34" charset="0"/>
+                <a:cs typeface="Calibri" panose="020F0502020204030204" pitchFamily="34" charset="0"/>
+              </a:rPr>
+              <a:t> </a:t>
+            </a:r>
+            <a:r>
+              <a:rPr lang="en-US" sz="1400" dirty="0">
+                <a:latin typeface="Calibri" panose="020F0502020204030204" pitchFamily="34" charset="0"/>
+                <a:cs typeface="Calibri" panose="020F0502020204030204" pitchFamily="34" charset="0"/>
+              </a:rPr>
+              <a:t>= </a:t>
+            </a:r>
+            <a:r>
+              <a:rPr lang="en-US" sz="1400" dirty="0">
+                <a:solidFill>
+                  <a:schemeClr val="accent3"/>
+                </a:solidFill>
+                <a:latin typeface="Calibri" panose="020F0502020204030204" pitchFamily="34" charset="0"/>
+                <a:cs typeface="Calibri" panose="020F0502020204030204" pitchFamily="34" charset="0"/>
+              </a:rPr>
+              <a:t>Compliant</a:t>
+            </a:r>
+          </a:p>
+        </p:txBody>
+      </p:sp>
     </p:spTree>
     <p:extLst>
       <p:ext uri="{BB962C8B-B14F-4D97-AF65-F5344CB8AC3E}">
@@ -4778,7 +5350,7 @@
 </p:sld>
 </file>
 
-<file path=ppt/slides/slide12.xml><?xml version="1.0" encoding="utf-8"?>
+<file path=ppt/slides/slide13.xml><?xml version="1.0" encoding="utf-8"?>
 <p:sld xmlns:a="http://schemas.openxmlformats.org/drawingml/2006/main" xmlns:r="http://schemas.openxmlformats.org/officeDocument/2006/relationships" xmlns:p="http://schemas.openxmlformats.org/presentationml/2006/main">
   <p:cSld>
     <p:spTree>
@@ -4823,7 +5395,7 @@
             <a:fld id="{8997B844-ACA2-A34A-B180-F01E98B0D70C}" type="slidenum">
               <a:rPr lang="en-US" smtClean="0"/>
               <a:pPr/>
-              <a:t>12</a:t>
+              <a:t>13</a:t>
             </a:fld>
             <a:endParaRPr lang="en-US" dirty="0"/>
           </a:p>
@@ -4953,12 +5525,12 @@
             </a:r>
           </a:p>
           <a:p>
-            <a:pPr marL="457200" indent="-457200">
+            <a:pPr marL="914400" lvl="1" indent="-457200">
               <a:lnSpc>
                 <a:spcPct val="150000"/>
               </a:lnSpc>
-              <a:buFont typeface="+mj-lt"/>
-              <a:buAutoNum type="arabicPeriod"/>
+              <a:buFont typeface="Arial" panose="020B0604020202020204" pitchFamily="34" charset="0"/>
+              <a:buChar char="•"/>
             </a:pPr>
             <a:r>
               <a:rPr lang="en-US" sz="2000" dirty="0">
@@ -5097,7 +5669,7 @@
         <p:spPr>
           <a:xfrm>
             <a:off x="71376" y="870384"/>
-            <a:ext cx="8906369" cy="3724096"/>
+            <a:ext cx="8906369" cy="2999283"/>
           </a:xfrm>
           <a:prstGeom prst="rect">
             <a:avLst/>
@@ -5111,6 +5683,9 @@
           <a:lstStyle/>
           <a:p>
             <a:pPr marL="342900" indent="-342900">
+              <a:lnSpc>
+                <a:spcPct val="150000"/>
+              </a:lnSpc>
               <a:buFont typeface="Arial" panose="020B0604020202020204" pitchFamily="34" charset="0"/>
               <a:buChar char="•"/>
             </a:pPr>
@@ -5119,44 +5694,43 @@
                 <a:solidFill>
                   <a:srgbClr val="0070C0"/>
                 </a:solidFill>
-                <a:latin typeface="Arial" panose="020B0604020202020204" pitchFamily="34" charset="0"/>
-                <a:cs typeface="Arial" panose="020B0604020202020204" pitchFamily="34" charset="0"/>
+                <a:latin typeface="Calibri" panose="020F0502020204030204" pitchFamily="34" charset="0"/>
+                <a:cs typeface="Calibri" panose="020F0502020204030204" pitchFamily="34" charset="0"/>
               </a:rPr>
               <a:t>What is the problem? </a:t>
             </a:r>
-            <a:r>
-              <a:rPr lang="en-US" dirty="0">
-                <a:latin typeface="Arial" panose="020B0604020202020204" pitchFamily="34" charset="0"/>
-                <a:cs typeface="Arial" panose="020B0604020202020204" pitchFamily="34" charset="0"/>
-              </a:rPr>
-              <a:t>No mechanisms exists for documenting, scoring, or determining compliance of AI/ML use-cases against the GAO AI Accountability Framework</a:t>
-            </a:r>
-          </a:p>
-          <a:p>
-            <a:pPr marL="342900" indent="-342900">
+          </a:p>
+          <a:p>
+            <a:pPr marL="742950" lvl="1" indent="-285750">
+              <a:lnSpc>
+                <a:spcPct val="150000"/>
+              </a:lnSpc>
               <a:buFont typeface="Arial" panose="020B0604020202020204" pitchFamily="34" charset="0"/>
               <a:buChar char="•"/>
             </a:pPr>
+            <a:r>
+              <a:rPr lang="en-US" dirty="0">
+                <a:latin typeface="Calibri" panose="020F0502020204030204" pitchFamily="34" charset="0"/>
+                <a:cs typeface="Calibri" panose="020F0502020204030204" pitchFamily="34" charset="0"/>
+              </a:rPr>
+              <a:t>GAO audits DHS AI/ML use-cases based on the GAO AI Accountability Framework –– but how is this done?</a:t>
+            </a:r>
             <a:r>
               <a:rPr lang="en-US" b="1" dirty="0">
                 <a:solidFill>
                   <a:srgbClr val="0070C0"/>
                 </a:solidFill>
-                <a:latin typeface="Arial" panose="020B0604020202020204" pitchFamily="34" charset="0"/>
-                <a:cs typeface="Arial" panose="020B0604020202020204" pitchFamily="34" charset="0"/>
+                <a:latin typeface="Calibri" panose="020F0502020204030204" pitchFamily="34" charset="0"/>
+                <a:cs typeface="Calibri" panose="020F0502020204030204" pitchFamily="34" charset="0"/>
               </a:rPr>
-              <a:t>Why is this problem important? </a:t>
-            </a:r>
-            <a:r>
-              <a:rPr lang="en-US" dirty="0">
-                <a:latin typeface="Arial" panose="020B0604020202020204" pitchFamily="34" charset="0"/>
-                <a:cs typeface="Arial" panose="020B0604020202020204" pitchFamily="34" charset="0"/>
-              </a:rPr>
-              <a:t>GAO conducts audits of DHS AI/ML use-cases based on the GAO AI Accountability Framework</a:t>
-            </a:r>
-          </a:p>
-          <a:p>
-            <a:pPr marL="342900" indent="-342900">
+              <a:t> </a:t>
+            </a:r>
+          </a:p>
+          <a:p>
+            <a:pPr marL="285750" indent="-285750">
+              <a:lnSpc>
+                <a:spcPct val="150000"/>
+              </a:lnSpc>
               <a:buFont typeface="Arial" panose="020B0604020202020204" pitchFamily="34" charset="0"/>
               <a:buChar char="•"/>
             </a:pPr>
@@ -5165,100 +5739,42 @@
                 <a:solidFill>
                   <a:srgbClr val="0070C0"/>
                 </a:solidFill>
-                <a:latin typeface="Arial" panose="020B0604020202020204" pitchFamily="34" charset="0"/>
-                <a:cs typeface="Arial" panose="020B0604020202020204" pitchFamily="34" charset="0"/>
+                <a:latin typeface="Calibri" panose="020F0502020204030204" pitchFamily="34" charset="0"/>
+                <a:cs typeface="Calibri" panose="020F0502020204030204" pitchFamily="34" charset="0"/>
               </a:rPr>
-              <a:t>What is the proposed solution?</a:t>
-            </a:r>
-            <a:r>
-              <a:rPr lang="en-US" dirty="0">
-                <a:solidFill>
-                  <a:srgbClr val="0070C0"/>
-                </a:solidFill>
-                <a:latin typeface="Arial" panose="020B0604020202020204" pitchFamily="34" charset="0"/>
-                <a:cs typeface="Arial" panose="020B0604020202020204" pitchFamily="34" charset="0"/>
-              </a:rPr>
-              <a:t> </a:t>
-            </a:r>
-            <a:r>
-              <a:rPr lang="en-US" dirty="0">
-                <a:latin typeface="Arial" panose="020B0604020202020204" pitchFamily="34" charset="0"/>
-                <a:cs typeface="Arial" panose="020B0604020202020204" pitchFamily="34" charset="0"/>
-              </a:rPr>
-              <a:t>Develop a tool that (1) allows AI/ML use-case owners to submit their self-defined GAO principles scores and (2) computes an overall compliance score for an AI/ML use-case. </a:t>
-            </a:r>
-            <a:endParaRPr lang="en-US" b="1" dirty="0">
-              <a:latin typeface="Arial" panose="020B0604020202020204" pitchFamily="34" charset="0"/>
-              <a:cs typeface="Arial" panose="020B0604020202020204" pitchFamily="34" charset="0"/>
+              <a:t>Why is this problem important? </a:t>
+            </a:r>
+            <a:endParaRPr lang="en-US" dirty="0">
+              <a:latin typeface="Calibri" panose="020F0502020204030204" pitchFamily="34" charset="0"/>
+              <a:cs typeface="Calibri" panose="020F0502020204030204" pitchFamily="34" charset="0"/>
             </a:endParaRPr>
           </a:p>
           <a:p>
-            <a:pPr marL="342900" indent="-342900">
+            <a:pPr marL="742950" lvl="1" indent="-285750">
+              <a:lnSpc>
+                <a:spcPct val="150000"/>
+              </a:lnSpc>
               <a:buFont typeface="Arial" panose="020B0604020202020204" pitchFamily="34" charset="0"/>
               <a:buChar char="•"/>
             </a:pPr>
             <a:r>
-              <a:rPr lang="en-US" b="1" dirty="0">
-                <a:solidFill>
-                  <a:srgbClr val="0070C0"/>
-                </a:solidFill>
-                <a:latin typeface="Arial" panose="020B0604020202020204" pitchFamily="34" charset="0"/>
-                <a:cs typeface="Arial" panose="020B0604020202020204" pitchFamily="34" charset="0"/>
+              <a:rPr lang="en-US" dirty="0">
+                <a:latin typeface="Calibri" panose="020F0502020204030204" pitchFamily="34" charset="0"/>
+                <a:cs typeface="Calibri" panose="020F0502020204030204" pitchFamily="34" charset="0"/>
               </a:rPr>
-              <a:t>What is the potential impact of the solution?</a:t>
-            </a:r>
-          </a:p>
-          <a:p>
-            <a:pPr marL="800100" lvl="1" indent="-342900">
-              <a:buFont typeface="Arial" panose="020B0604020202020204" pitchFamily="34" charset="0"/>
-              <a:buChar char="•"/>
+              <a:t>No mechanisms exist for documenting, scoring, or determining compliance of AI/ML use-cases against the GAO AI Accountability Framework</a:t>
+            </a:r>
+          </a:p>
+          <a:p>
+            <a:pPr>
+              <a:lnSpc>
+                <a:spcPct val="150000"/>
+              </a:lnSpc>
             </a:pPr>
-            <a:r>
-              <a:rPr lang="en-US" dirty="0">
-                <a:latin typeface="Arial" panose="020B0604020202020204" pitchFamily="34" charset="0"/>
-                <a:cs typeface="Arial" panose="020B0604020202020204" pitchFamily="34" charset="0"/>
-              </a:rPr>
-              <a:t>Quick determination of GAO Framework compliance</a:t>
-            </a:r>
-          </a:p>
-          <a:p>
-            <a:pPr marL="800100" lvl="1" indent="-342900">
-              <a:buFont typeface="Arial" panose="020B0604020202020204" pitchFamily="34" charset="0"/>
-              <a:buChar char="•"/>
-            </a:pPr>
-            <a:r>
-              <a:rPr lang="en-US" dirty="0">
-                <a:latin typeface="Arial" panose="020B0604020202020204" pitchFamily="34" charset="0"/>
-                <a:cs typeface="Arial" panose="020B0604020202020204" pitchFamily="34" charset="0"/>
-              </a:rPr>
-              <a:t>Streamline the scoring and compliance process for use-case owners</a:t>
-            </a:r>
-          </a:p>
-          <a:p>
-            <a:pPr marL="800100" lvl="1" indent="-342900">
-              <a:buFont typeface="Arial" panose="020B0604020202020204" pitchFamily="34" charset="0"/>
-              <a:buChar char="•"/>
-            </a:pPr>
-            <a:r>
-              <a:rPr lang="en-US" dirty="0">
-                <a:latin typeface="Arial" panose="020B0604020202020204" pitchFamily="34" charset="0"/>
-                <a:cs typeface="Arial" panose="020B0604020202020204" pitchFamily="34" charset="0"/>
-              </a:rPr>
-              <a:t>Surfaces issues with the GAO AI Accountability Framework</a:t>
-            </a:r>
-          </a:p>
-          <a:p>
-            <a:pPr marL="800100" lvl="1" indent="-342900">
-              <a:buFont typeface="Arial" panose="020B0604020202020204" pitchFamily="34" charset="0"/>
-              <a:buChar char="•"/>
-            </a:pPr>
-            <a:r>
-              <a:rPr lang="en-US" sz="2000" dirty="0">
-                <a:latin typeface="Arial" panose="020B0604020202020204" pitchFamily="34" charset="0"/>
-                <a:cs typeface="Arial" panose="020B0604020202020204" pitchFamily="34" charset="0"/>
-              </a:rPr>
-              <a:t>Foster scoring/compliance standardization across federal government</a:t>
-            </a:r>
+            <a:endParaRPr lang="en-US" sz="2000" dirty="0">
+              <a:latin typeface="Calibri" panose="020F0502020204030204" pitchFamily="34" charset="0"/>
+              <a:cs typeface="Calibri" panose="020F0502020204030204" pitchFamily="34" charset="0"/>
+            </a:endParaRPr>
           </a:p>
         </p:txBody>
       </p:sp>
@@ -5314,13 +5830,293 @@
           <a:lstStyle/>
           <a:p>
             <a:r>
-              <a:rPr lang="en-US"/>
+              <a:rPr lang="en-US" dirty="0"/>
               <a:t>Presented by DHS | </a:t>
             </a:r>
             <a:fld id="{8997B844-ACA2-A34A-B180-F01E98B0D70C}" type="slidenum">
               <a:rPr lang="en-US" smtClean="0"/>
               <a:pPr/>
               <a:t>3</a:t>
+            </a:fld>
+            <a:endParaRPr lang="en-US" dirty="0"/>
+          </a:p>
+        </p:txBody>
+      </p:sp>
+      <p:sp>
+        <p:nvSpPr>
+          <p:cNvPr id="3" name="Title 2">
+            <a:extLst>
+              <a:ext uri="{FF2B5EF4-FFF2-40B4-BE49-F238E27FC236}">
+                <a16:creationId xmlns:a16="http://schemas.microsoft.com/office/drawing/2014/main" id="{9D6973F2-923D-4F4F-8A40-6D33454876B0}"/>
+              </a:ext>
+            </a:extLst>
+          </p:cNvPr>
+          <p:cNvSpPr>
+            <a:spLocks noGrp="1"/>
+          </p:cNvSpPr>
+          <p:nvPr>
+            <p:ph type="title"/>
+          </p:nvPr>
+        </p:nvSpPr>
+        <p:spPr/>
+        <p:txBody>
+          <a:bodyPr/>
+          <a:lstStyle/>
+          <a:p>
+            <a:r>
+              <a:rPr lang="en-US" dirty="0">
+                <a:solidFill>
+                  <a:schemeClr val="bg1"/>
+                </a:solidFill>
+              </a:rPr>
+              <a:t>Project Overview</a:t>
+            </a:r>
+          </a:p>
+        </p:txBody>
+      </p:sp>
+      <p:sp>
+        <p:nvSpPr>
+          <p:cNvPr id="11" name="TextBox 10">
+            <a:extLst>
+              <a:ext uri="{FF2B5EF4-FFF2-40B4-BE49-F238E27FC236}">
+                <a16:creationId xmlns:a16="http://schemas.microsoft.com/office/drawing/2014/main" id="{26DE8F54-E1A9-42A5-A756-24013CC28500}"/>
+              </a:ext>
+            </a:extLst>
+          </p:cNvPr>
+          <p:cNvSpPr txBox="1"/>
+          <p:nvPr/>
+        </p:nvSpPr>
+        <p:spPr>
+          <a:xfrm>
+            <a:off x="71376" y="870384"/>
+            <a:ext cx="8906369" cy="3365024"/>
+          </a:xfrm>
+          <a:prstGeom prst="rect">
+            <a:avLst/>
+          </a:prstGeom>
+          <a:noFill/>
+        </p:spPr>
+        <p:txBody>
+          <a:bodyPr wrap="square" rtlCol="0">
+            <a:spAutoFit/>
+          </a:bodyPr>
+          <a:lstStyle/>
+          <a:p>
+            <a:pPr marL="342900" indent="-342900">
+              <a:lnSpc>
+                <a:spcPct val="150000"/>
+              </a:lnSpc>
+              <a:buFont typeface="Arial" panose="020B0604020202020204" pitchFamily="34" charset="0"/>
+              <a:buChar char="•"/>
+            </a:pPr>
+            <a:r>
+              <a:rPr lang="en-US" b="1" dirty="0">
+                <a:solidFill>
+                  <a:srgbClr val="0070C0"/>
+                </a:solidFill>
+                <a:latin typeface="Calibri" panose="020F0502020204030204" pitchFamily="34" charset="0"/>
+                <a:cs typeface="Calibri" panose="020F0502020204030204" pitchFamily="34" charset="0"/>
+              </a:rPr>
+              <a:t>What is the proposed solution?</a:t>
+            </a:r>
+            <a:r>
+              <a:rPr lang="en-US" dirty="0">
+                <a:solidFill>
+                  <a:srgbClr val="0070C0"/>
+                </a:solidFill>
+                <a:latin typeface="Calibri" panose="020F0502020204030204" pitchFamily="34" charset="0"/>
+                <a:cs typeface="Calibri" panose="020F0502020204030204" pitchFamily="34" charset="0"/>
+              </a:rPr>
+              <a:t> </a:t>
+            </a:r>
+            <a:r>
+              <a:rPr lang="en-US" dirty="0">
+                <a:latin typeface="Calibri" panose="020F0502020204030204" pitchFamily="34" charset="0"/>
+                <a:cs typeface="Calibri" panose="020F0502020204030204" pitchFamily="34" charset="0"/>
+              </a:rPr>
+              <a:t>A tool that:</a:t>
+            </a:r>
+          </a:p>
+          <a:p>
+            <a:pPr marL="800100" lvl="1" indent="-342900">
+              <a:lnSpc>
+                <a:spcPct val="150000"/>
+              </a:lnSpc>
+              <a:buFont typeface="+mj-lt"/>
+              <a:buAutoNum type="arabicPeriod"/>
+            </a:pPr>
+            <a:r>
+              <a:rPr lang="en-US" dirty="0">
+                <a:latin typeface="Calibri" panose="020F0502020204030204" pitchFamily="34" charset="0"/>
+                <a:cs typeface="Calibri" panose="020F0502020204030204" pitchFamily="34" charset="0"/>
+              </a:rPr>
+              <a:t>Allows AI/ML use-case owners to submit self-defined GAO principles scores</a:t>
+            </a:r>
+          </a:p>
+          <a:p>
+            <a:pPr marL="800100" lvl="1" indent="-342900">
+              <a:lnSpc>
+                <a:spcPct val="150000"/>
+              </a:lnSpc>
+              <a:buFont typeface="+mj-lt"/>
+              <a:buAutoNum type="arabicPeriod"/>
+            </a:pPr>
+            <a:r>
+              <a:rPr lang="en-US" dirty="0">
+                <a:latin typeface="Calibri" panose="020F0502020204030204" pitchFamily="34" charset="0"/>
+                <a:cs typeface="Calibri" panose="020F0502020204030204" pitchFamily="34" charset="0"/>
+              </a:rPr>
+              <a:t>Computes an overall compliance score for an AI/ML use-case</a:t>
+            </a:r>
+            <a:endParaRPr lang="en-US" b="1" dirty="0">
+              <a:latin typeface="Calibri" panose="020F0502020204030204" pitchFamily="34" charset="0"/>
+              <a:cs typeface="Calibri" panose="020F0502020204030204" pitchFamily="34" charset="0"/>
+            </a:endParaRPr>
+          </a:p>
+          <a:p>
+            <a:pPr marL="342900" indent="-342900">
+              <a:lnSpc>
+                <a:spcPct val="150000"/>
+              </a:lnSpc>
+              <a:buFont typeface="Arial" panose="020B0604020202020204" pitchFamily="34" charset="0"/>
+              <a:buChar char="•"/>
+            </a:pPr>
+            <a:r>
+              <a:rPr lang="en-US" b="1" dirty="0">
+                <a:solidFill>
+                  <a:srgbClr val="0070C0"/>
+                </a:solidFill>
+                <a:latin typeface="Calibri" panose="020F0502020204030204" pitchFamily="34" charset="0"/>
+                <a:cs typeface="Calibri" panose="020F0502020204030204" pitchFamily="34" charset="0"/>
+              </a:rPr>
+              <a:t>What is the potential impact of the solution?</a:t>
+            </a:r>
+          </a:p>
+          <a:p>
+            <a:pPr marL="800100" lvl="1" indent="-342900">
+              <a:lnSpc>
+                <a:spcPct val="150000"/>
+              </a:lnSpc>
+              <a:buFont typeface="+mj-lt"/>
+              <a:buAutoNum type="arabicPeriod"/>
+            </a:pPr>
+            <a:r>
+              <a:rPr lang="en-US" dirty="0">
+                <a:latin typeface="Calibri" panose="020F0502020204030204" pitchFamily="34" charset="0"/>
+                <a:cs typeface="Calibri" panose="020F0502020204030204" pitchFamily="34" charset="0"/>
+              </a:rPr>
+              <a:t>Quick, more objective determination of GAO Framework compliance</a:t>
+            </a:r>
+          </a:p>
+          <a:p>
+            <a:pPr marL="800100" lvl="1" indent="-342900">
+              <a:lnSpc>
+                <a:spcPct val="150000"/>
+              </a:lnSpc>
+              <a:buFont typeface="+mj-lt"/>
+              <a:buAutoNum type="arabicPeriod"/>
+            </a:pPr>
+            <a:r>
+              <a:rPr lang="en-US" dirty="0">
+                <a:latin typeface="Calibri" panose="020F0502020204030204" pitchFamily="34" charset="0"/>
+                <a:cs typeface="Calibri" panose="020F0502020204030204" pitchFamily="34" charset="0"/>
+              </a:rPr>
+              <a:t>Streamline the scoring and compliance process for use-case owners</a:t>
+            </a:r>
+          </a:p>
+          <a:p>
+            <a:pPr marL="800100" lvl="1" indent="-342900">
+              <a:lnSpc>
+                <a:spcPct val="150000"/>
+              </a:lnSpc>
+              <a:buFont typeface="+mj-lt"/>
+              <a:buAutoNum type="arabicPeriod"/>
+            </a:pPr>
+            <a:r>
+              <a:rPr lang="en-US" dirty="0">
+                <a:latin typeface="Calibri" panose="020F0502020204030204" pitchFamily="34" charset="0"/>
+                <a:cs typeface="Calibri" panose="020F0502020204030204" pitchFamily="34" charset="0"/>
+              </a:rPr>
+              <a:t>Surfaces issues with the GAO AI Accountability Framework</a:t>
+            </a:r>
+          </a:p>
+          <a:p>
+            <a:pPr marL="800100" lvl="1" indent="-342900">
+              <a:lnSpc>
+                <a:spcPct val="150000"/>
+              </a:lnSpc>
+              <a:buFont typeface="+mj-lt"/>
+              <a:buAutoNum type="arabicPeriod"/>
+            </a:pPr>
+            <a:r>
+              <a:rPr lang="en-US" dirty="0">
+                <a:latin typeface="Calibri" panose="020F0502020204030204" pitchFamily="34" charset="0"/>
+                <a:cs typeface="Calibri" panose="020F0502020204030204" pitchFamily="34" charset="0"/>
+              </a:rPr>
+              <a:t>Foster scoring/compliance standardization across federal government</a:t>
+            </a:r>
+          </a:p>
+        </p:txBody>
+      </p:sp>
+    </p:spTree>
+    <p:extLst>
+      <p:ext uri="{BB962C8B-B14F-4D97-AF65-F5344CB8AC3E}">
+        <p14:creationId xmlns:p14="http://schemas.microsoft.com/office/powerpoint/2010/main" val="1015909237"/>
+      </p:ext>
+    </p:extLst>
+  </p:cSld>
+  <p:clrMapOvr>
+    <a:masterClrMapping/>
+  </p:clrMapOvr>
+</p:sld>
+</file>
+
+<file path=ppt/slides/slide4.xml><?xml version="1.0" encoding="utf-8"?>
+<p:sld xmlns:a="http://schemas.openxmlformats.org/drawingml/2006/main" xmlns:r="http://schemas.openxmlformats.org/officeDocument/2006/relationships" xmlns:p="http://schemas.openxmlformats.org/presentationml/2006/main">
+  <p:cSld>
+    <p:spTree>
+      <p:nvGrpSpPr>
+        <p:cNvPr id="1" name=""/>
+        <p:cNvGrpSpPr/>
+        <p:nvPr/>
+      </p:nvGrpSpPr>
+      <p:grpSpPr>
+        <a:xfrm>
+          <a:off x="0" y="0"/>
+          <a:ext cx="0" cy="0"/>
+          <a:chOff x="0" y="0"/>
+          <a:chExt cx="0" cy="0"/>
+        </a:xfrm>
+      </p:grpSpPr>
+      <p:sp>
+        <p:nvSpPr>
+          <p:cNvPr id="2" name="Slide Number Placeholder 1">
+            <a:extLst>
+              <a:ext uri="{FF2B5EF4-FFF2-40B4-BE49-F238E27FC236}">
+                <a16:creationId xmlns:a16="http://schemas.microsoft.com/office/drawing/2014/main" id="{C3876B54-91C7-4CA0-981B-0280BE7EB7E4}"/>
+              </a:ext>
+            </a:extLst>
+          </p:cNvPr>
+          <p:cNvSpPr>
+            <a:spLocks noGrp="1"/>
+          </p:cNvSpPr>
+          <p:nvPr>
+            <p:ph type="sldNum" sz="quarter" idx="4"/>
+          </p:nvPr>
+        </p:nvSpPr>
+        <p:spPr/>
+        <p:txBody>
+          <a:bodyPr/>
+          <a:lstStyle/>
+          <a:p>
+            <a:r>
+              <a:rPr lang="en-US"/>
+              <a:t>Presented by DHS | </a:t>
+            </a:r>
+            <a:fld id="{8997B844-ACA2-A34A-B180-F01E98B0D70C}" type="slidenum">
+              <a:rPr lang="en-US" smtClean="0"/>
+              <a:pPr/>
+              <a:t>4</a:t>
             </a:fld>
             <a:endParaRPr lang="en-US" dirty="0"/>
           </a:p>
@@ -5897,8 +6693,8 @@
                 <a:solidFill>
                   <a:srgbClr val="0070C0"/>
                 </a:solidFill>
-                <a:latin typeface="Arial" panose="020B0604020202020204" pitchFamily="34" charset="0"/>
-                <a:cs typeface="Arial" panose="020B0604020202020204" pitchFamily="34" charset="0"/>
+                <a:latin typeface="Calibri" panose="020F0502020204030204" pitchFamily="34" charset="0"/>
+                <a:cs typeface="Calibri" panose="020F0502020204030204" pitchFamily="34" charset="0"/>
               </a:rPr>
               <a:t>Comprises Four </a:t>
             </a:r>
@@ -5907,8 +6703,8 @@
                 <a:solidFill>
                   <a:srgbClr val="0070C0"/>
                 </a:solidFill>
-                <a:latin typeface="Arial" panose="020B0604020202020204" pitchFamily="34" charset="0"/>
-                <a:cs typeface="Arial" panose="020B0604020202020204" pitchFamily="34" charset="0"/>
+                <a:latin typeface="Calibri" panose="020F0502020204030204" pitchFamily="34" charset="0"/>
+                <a:cs typeface="Calibri" panose="020F0502020204030204" pitchFamily="34" charset="0"/>
               </a:rPr>
               <a:t>Principles</a:t>
             </a:r>
@@ -5917,8 +6713,8 @@
                 <a:solidFill>
                   <a:srgbClr val="0070C0"/>
                 </a:solidFill>
-                <a:latin typeface="Arial" panose="020B0604020202020204" pitchFamily="34" charset="0"/>
-                <a:cs typeface="Arial" panose="020B0604020202020204" pitchFamily="34" charset="0"/>
+                <a:latin typeface="Calibri" panose="020F0502020204030204" pitchFamily="34" charset="0"/>
+                <a:cs typeface="Calibri" panose="020F0502020204030204" pitchFamily="34" charset="0"/>
               </a:rPr>
               <a:t> Frameworks</a:t>
             </a:r>
@@ -5938,7 +6734,7 @@
 </p:sld>
 </file>
 
-<file path=ppt/slides/slide4.xml><?xml version="1.0" encoding="utf-8"?>
+<file path=ppt/slides/slide5.xml><?xml version="1.0" encoding="utf-8"?>
 <p:sld xmlns:a="http://schemas.openxmlformats.org/drawingml/2006/main" xmlns:r="http://schemas.openxmlformats.org/officeDocument/2006/relationships" xmlns:p="http://schemas.openxmlformats.org/presentationml/2006/main">
   <p:cSld>
     <p:spTree>
@@ -5983,7 +6779,7 @@
             <a:fld id="{8997B844-ACA2-A34A-B180-F01E98B0D70C}" type="slidenum">
               <a:rPr lang="en-US" smtClean="0"/>
               <a:pPr/>
-              <a:t>4</a:t>
+              <a:t>5</a:t>
             </a:fld>
             <a:endParaRPr lang="en-US" dirty="0"/>
           </a:p>
@@ -6391,7 +7187,7 @@
         </p:nvCxnSpPr>
         <p:spPr>
           <a:xfrm flipH="1">
-            <a:off x="6914062" y="1505803"/>
+            <a:off x="7063052" y="1519171"/>
             <a:ext cx="555813" cy="409433"/>
           </a:xfrm>
           <a:prstGeom prst="straightConnector1">
@@ -6434,7 +7230,7 @@
         <p:spPr>
           <a:xfrm>
             <a:off x="7469875" y="1042118"/>
-            <a:ext cx="1477188" cy="1169551"/>
+            <a:ext cx="1477188" cy="954107"/>
           </a:xfrm>
           <a:prstGeom prst="rect">
             <a:avLst/>
@@ -6447,6 +7243,7 @@
           </a:bodyPr>
           <a:lstStyle/>
           <a:p>
+            <a:pPr algn="ctr"/>
             <a:r>
               <a:rPr lang="en-US" sz="1400" dirty="0">
                 <a:solidFill>
@@ -6455,10 +7252,11 @@
                 <a:latin typeface="Calibri" panose="020F0502020204030204" pitchFamily="34" charset="0"/>
                 <a:cs typeface="Calibri" panose="020F0502020204030204" pitchFamily="34" charset="0"/>
               </a:rPr>
-              <a:t>These will need to be further broken down </a:t>
-            </a:r>
-          </a:p>
-          <a:p>
+              <a:t>These need to be broken down </a:t>
+            </a:r>
+          </a:p>
+          <a:p>
+            <a:pPr algn="ctr"/>
             <a:r>
               <a:rPr lang="en-US" sz="1400" dirty="0">
                 <a:solidFill>
@@ -6467,7 +7265,7 @@
                 <a:latin typeface="Calibri" panose="020F0502020204030204" pitchFamily="34" charset="0"/>
                 <a:cs typeface="Calibri" panose="020F0502020204030204" pitchFamily="34" charset="0"/>
               </a:rPr>
-              <a:t>into deeper subsections</a:t>
+              <a:t>into deeper subsections!</a:t>
             </a:r>
           </a:p>
         </p:txBody>
@@ -6656,6 +7454,105 @@
           </a:p>
         </p:txBody>
       </p:sp>
+      <p:cxnSp>
+        <p:nvCxnSpPr>
+          <p:cNvPr id="6" name="Straight Arrow Connector 5">
+            <a:extLst>
+              <a:ext uri="{FF2B5EF4-FFF2-40B4-BE49-F238E27FC236}">
+                <a16:creationId xmlns:a16="http://schemas.microsoft.com/office/drawing/2014/main" id="{5D39965E-09D8-EDFA-8BA1-9346EFA15873}"/>
+              </a:ext>
+            </a:extLst>
+          </p:cNvPr>
+          <p:cNvCxnSpPr>
+            <a:cxnSpLocks/>
+          </p:cNvCxnSpPr>
+          <p:nvPr/>
+        </p:nvCxnSpPr>
+        <p:spPr>
+          <a:xfrm>
+            <a:off x="1059918" y="2977559"/>
+            <a:ext cx="602783" cy="287359"/>
+          </a:xfrm>
+          <a:prstGeom prst="straightConnector1">
+            <a:avLst/>
+          </a:prstGeom>
+          <a:ln>
+            <a:solidFill>
+              <a:srgbClr val="0070C0"/>
+            </a:solidFill>
+            <a:tailEnd type="triangle"/>
+          </a:ln>
+        </p:spPr>
+        <p:style>
+          <a:lnRef idx="2">
+            <a:schemeClr val="accent1"/>
+          </a:lnRef>
+          <a:fillRef idx="0">
+            <a:schemeClr val="accent1"/>
+          </a:fillRef>
+          <a:effectRef idx="1">
+            <a:schemeClr val="accent1"/>
+          </a:effectRef>
+          <a:fontRef idx="minor">
+            <a:schemeClr val="tx1"/>
+          </a:fontRef>
+        </p:style>
+      </p:cxnSp>
+      <p:sp>
+        <p:nvSpPr>
+          <p:cNvPr id="17" name="TextBox 16">
+            <a:extLst>
+              <a:ext uri="{FF2B5EF4-FFF2-40B4-BE49-F238E27FC236}">
+                <a16:creationId xmlns:a16="http://schemas.microsoft.com/office/drawing/2014/main" id="{22B779BB-4E34-79E6-1668-8AEECD4806BB}"/>
+              </a:ext>
+            </a:extLst>
+          </p:cNvPr>
+          <p:cNvSpPr txBox="1"/>
+          <p:nvPr/>
+        </p:nvSpPr>
+        <p:spPr>
+          <a:xfrm>
+            <a:off x="196936" y="1418049"/>
+            <a:ext cx="1477188" cy="1600438"/>
+          </a:xfrm>
+          <a:prstGeom prst="rect">
+            <a:avLst/>
+          </a:prstGeom>
+          <a:noFill/>
+        </p:spPr>
+        <p:txBody>
+          <a:bodyPr wrap="square" rtlCol="0">
+            <a:spAutoFit/>
+          </a:bodyPr>
+          <a:lstStyle/>
+          <a:p>
+            <a:pPr algn="ctr"/>
+            <a:r>
+              <a:rPr lang="en-US" sz="1400" dirty="0">
+                <a:solidFill>
+                  <a:srgbClr val="0070C0"/>
+                </a:solidFill>
+                <a:latin typeface="Calibri" panose="020F0502020204030204" pitchFamily="34" charset="0"/>
+                <a:cs typeface="Calibri" panose="020F0502020204030204" pitchFamily="34" charset="0"/>
+              </a:rPr>
+              <a:t>Who is responsible for answering? </a:t>
+            </a:r>
+          </a:p>
+          <a:p>
+            <a:pPr algn="ctr"/>
+            <a:r>
+              <a:rPr lang="en-US" sz="1400" dirty="0">
+                <a:solidFill>
+                  <a:srgbClr val="0070C0"/>
+                </a:solidFill>
+                <a:latin typeface="Calibri" panose="020F0502020204030204" pitchFamily="34" charset="0"/>
+                <a:cs typeface="Calibri" panose="020F0502020204030204" pitchFamily="34" charset="0"/>
+              </a:rPr>
+              <a:t>How would the necessary perspectives be gathered?</a:t>
+            </a:r>
+          </a:p>
+        </p:txBody>
+      </p:sp>
     </p:spTree>
     <p:extLst>
       <p:ext uri="{BB962C8B-B14F-4D97-AF65-F5344CB8AC3E}">
@@ -6669,7 +7566,7 @@
 </p:sld>
 </file>
 
-<file path=ppt/slides/slide5.xml><?xml version="1.0" encoding="utf-8"?>
+<file path=ppt/slides/slide6.xml><?xml version="1.0" encoding="utf-8"?>
 <p:sld xmlns:a="http://schemas.openxmlformats.org/drawingml/2006/main" xmlns:r="http://schemas.openxmlformats.org/officeDocument/2006/relationships" xmlns:p="http://schemas.openxmlformats.org/presentationml/2006/main">
   <p:cSld>
     <p:spTree>
@@ -6714,7 +7611,7 @@
             <a:fld id="{8997B844-ACA2-A34A-B180-F01E98B0D70C}" type="slidenum">
               <a:rPr lang="en-US" smtClean="0"/>
               <a:pPr/>
-              <a:t>5</a:t>
+              <a:t>6</a:t>
             </a:fld>
             <a:endParaRPr lang="en-US" dirty="0"/>
           </a:p>
@@ -6864,7 +7761,7 @@
           <p:nvPr>
             <p:extLst>
               <p:ext uri="{D42A27DB-BD31-4B8C-83A1-F6EECF244321}">
-                <p14:modId xmlns:p14="http://schemas.microsoft.com/office/powerpoint/2010/main" val="825747237"/>
+                <p14:modId xmlns:p14="http://schemas.microsoft.com/office/powerpoint/2010/main" val="676178452"/>
               </p:ext>
             </p:extLst>
           </p:nvPr>
@@ -6877,12 +7774,12 @@
           <a:graphicData uri="http://schemas.openxmlformats.org/presentationml/2006/ole">
             <mc:AlternateContent xmlns:mc="http://schemas.openxmlformats.org/markup-compatibility/2006">
               <mc:Choice xmlns:v="urn:schemas-microsoft-com:vml" Requires="v">
-                <p:oleObj spid="_x0000_s2122" name="Bitmap Image" r:id="rId4" imgW="7728120" imgH="9226440" progId="Paint.Picture.1">
+                <p:oleObj name="Bitmap Image" r:id="rId3" imgW="7728120" imgH="9226440" progId="Paint.Picture.1">
                   <p:embed/>
                 </p:oleObj>
               </mc:Choice>
               <mc:Fallback>
-                <p:oleObj name="Bitmap Image" r:id="rId4" imgW="7728120" imgH="9226440" progId="Paint.Picture.1">
+                <p:oleObj name="Bitmap Image" r:id="rId3" imgW="7728120" imgH="9226440" progId="Paint.Picture.1">
                   <p:embed/>
                   <p:pic>
                     <p:nvPicPr>
@@ -6897,7 +7794,7 @@
                       <p:nvPr/>
                     </p:nvPicPr>
                     <p:blipFill>
-                      <a:blip r:embed="rId5">
+                      <a:blip r:embed="rId4">
                         <a:alphaModFix amt="50000"/>
                       </a:blip>
                       <a:stretch>
@@ -6932,7 +7829,13 @@
           <p:cNvGraphicFramePr>
             <a:graphicFrameLocks noChangeAspect="1"/>
           </p:cNvGraphicFramePr>
-          <p:nvPr/>
+          <p:nvPr>
+            <p:extLst>
+              <p:ext uri="{D42A27DB-BD31-4B8C-83A1-F6EECF244321}">
+                <p14:modId xmlns:p14="http://schemas.microsoft.com/office/powerpoint/2010/main" val="40870907"/>
+              </p:ext>
+            </p:extLst>
+          </p:nvPr>
         </p:nvGraphicFramePr>
         <p:xfrm>
           <a:off x="626193" y="3361295"/>
@@ -6942,12 +7845,12 @@
           <a:graphicData uri="http://schemas.openxmlformats.org/presentationml/2006/ole">
             <mc:AlternateContent xmlns:mc="http://schemas.openxmlformats.org/markup-compatibility/2006">
               <mc:Choice xmlns:v="urn:schemas-microsoft-com:vml" Requires="v">
-                <p:oleObj spid="_x0000_s2123" name="Bitmap Image" r:id="rId6" imgW="6921360" imgH="3054240" progId="Paint.Picture.1">
+                <p:oleObj name="Bitmap Image" r:id="rId5" imgW="6921360" imgH="3054240" progId="Paint.Picture.1">
                   <p:embed/>
                 </p:oleObj>
               </mc:Choice>
               <mc:Fallback>
-                <p:oleObj name="Bitmap Image" r:id="rId6" imgW="6921360" imgH="3054240" progId="Paint.Picture.1">
+                <p:oleObj name="Bitmap Image" r:id="rId5" imgW="6921360" imgH="3054240" progId="Paint.Picture.1">
                   <p:embed/>
                   <p:pic>
                     <p:nvPicPr>
@@ -6962,7 +7865,7 @@
                       <p:nvPr/>
                     </p:nvPicPr>
                     <p:blipFill>
-                      <a:blip r:embed="rId7"/>
+                      <a:blip r:embed="rId6"/>
                       <a:stretch>
                         <a:fillRect/>
                       </a:stretch>
@@ -7164,7 +8067,7 @@
 </p:sld>
 </file>
 
-<file path=ppt/slides/slide6.xml><?xml version="1.0" encoding="utf-8"?>
+<file path=ppt/slides/slide7.xml><?xml version="1.0" encoding="utf-8"?>
 <p:sld xmlns:a="http://schemas.openxmlformats.org/drawingml/2006/main" xmlns:r="http://schemas.openxmlformats.org/officeDocument/2006/relationships" xmlns:p="http://schemas.openxmlformats.org/presentationml/2006/main">
   <p:cSld>
     <p:spTree>
@@ -7181,72 +8084,6 @@
           <a:chExt cx="0" cy="0"/>
         </a:xfrm>
       </p:grpSpPr>
-      <p:sp>
-        <p:nvSpPr>
-          <p:cNvPr id="2" name="Slide Number Placeholder 1">
-            <a:extLst>
-              <a:ext uri="{FF2B5EF4-FFF2-40B4-BE49-F238E27FC236}">
-                <a16:creationId xmlns:a16="http://schemas.microsoft.com/office/drawing/2014/main" id="{C3876B54-91C7-4CA0-981B-0280BE7EB7E4}"/>
-              </a:ext>
-            </a:extLst>
-          </p:cNvPr>
-          <p:cNvSpPr>
-            <a:spLocks noGrp="1"/>
-          </p:cNvSpPr>
-          <p:nvPr>
-            <p:ph type="sldNum" sz="quarter" idx="4"/>
-          </p:nvPr>
-        </p:nvSpPr>
-        <p:spPr/>
-        <p:txBody>
-          <a:bodyPr/>
-          <a:lstStyle/>
-          <a:p>
-            <a:r>
-              <a:rPr lang="en-US"/>
-              <a:t>Presented by DHS | </a:t>
-            </a:r>
-            <a:fld id="{8997B844-ACA2-A34A-B180-F01E98B0D70C}" type="slidenum">
-              <a:rPr lang="en-US" smtClean="0"/>
-              <a:pPr/>
-              <a:t>6</a:t>
-            </a:fld>
-            <a:endParaRPr lang="en-US" dirty="0"/>
-          </a:p>
-        </p:txBody>
-      </p:sp>
-      <p:sp>
-        <p:nvSpPr>
-          <p:cNvPr id="3" name="Title 2">
-            <a:extLst>
-              <a:ext uri="{FF2B5EF4-FFF2-40B4-BE49-F238E27FC236}">
-                <a16:creationId xmlns:a16="http://schemas.microsoft.com/office/drawing/2014/main" id="{9D6973F2-923D-4F4F-8A40-6D33454876B0}"/>
-              </a:ext>
-            </a:extLst>
-          </p:cNvPr>
-          <p:cNvSpPr>
-            <a:spLocks noGrp="1"/>
-          </p:cNvSpPr>
-          <p:nvPr>
-            <p:ph type="title"/>
-          </p:nvPr>
-        </p:nvSpPr>
-        <p:spPr/>
-        <p:txBody>
-          <a:bodyPr/>
-          <a:lstStyle/>
-          <a:p>
-            <a:r>
-              <a:rPr lang="en-US" dirty="0">
-                <a:solidFill>
-                  <a:schemeClr val="bg1"/>
-                </a:solidFill>
-              </a:rPr>
-              <a:t>Concept of Operations (cont.)</a:t>
-            </a:r>
-          </a:p>
-        </p:txBody>
-      </p:sp>
       <p:graphicFrame>
         <p:nvGraphicFramePr>
           <p:cNvPr id="8" name="Object 7">
@@ -7262,7 +8099,7 @@
           <p:nvPr>
             <p:extLst>
               <p:ext uri="{D42A27DB-BD31-4B8C-83A1-F6EECF244321}">
-                <p14:modId xmlns:p14="http://schemas.microsoft.com/office/powerpoint/2010/main" val="3198971048"/>
+                <p14:modId xmlns:p14="http://schemas.microsoft.com/office/powerpoint/2010/main" val="2727817370"/>
               </p:ext>
             </p:extLst>
           </p:nvPr>
@@ -7275,12 +8112,12 @@
           <a:graphicData uri="http://schemas.openxmlformats.org/presentationml/2006/ole">
             <mc:AlternateContent xmlns:mc="http://schemas.openxmlformats.org/markup-compatibility/2006">
               <mc:Choice xmlns:v="urn:schemas-microsoft-com:vml" Requires="v">
-                <p:oleObj spid="_x0000_s5142" name="Bitmap Image" r:id="rId4" imgW="7162920" imgH="3187800" progId="Paint.Picture.1">
+                <p:oleObj name="Bitmap Image" r:id="rId3" imgW="7162920" imgH="3187800" progId="Paint.Picture.1">
                   <p:embed/>
                 </p:oleObj>
               </mc:Choice>
               <mc:Fallback>
-                <p:oleObj name="Bitmap Image" r:id="rId4" imgW="7162920" imgH="3187800" progId="Paint.Picture.1">
+                <p:oleObj name="Bitmap Image" r:id="rId3" imgW="7162920" imgH="3187800" progId="Paint.Picture.1">
                   <p:embed/>
                   <p:pic>
                     <p:nvPicPr>
@@ -7295,7 +8132,7 @@
                       <p:nvPr/>
                     </p:nvPicPr>
                     <p:blipFill>
-                      <a:blip r:embed="rId5"/>
+                      <a:blip r:embed="rId4"/>
                       <a:stretch>
                         <a:fillRect/>
                       </a:stretch>
@@ -7318,6 +8155,72 @@
       </p:graphicFrame>
       <p:sp>
         <p:nvSpPr>
+          <p:cNvPr id="2" name="Slide Number Placeholder 1">
+            <a:extLst>
+              <a:ext uri="{FF2B5EF4-FFF2-40B4-BE49-F238E27FC236}">
+                <a16:creationId xmlns:a16="http://schemas.microsoft.com/office/drawing/2014/main" id="{C3876B54-91C7-4CA0-981B-0280BE7EB7E4}"/>
+              </a:ext>
+            </a:extLst>
+          </p:cNvPr>
+          <p:cNvSpPr>
+            <a:spLocks noGrp="1"/>
+          </p:cNvSpPr>
+          <p:nvPr>
+            <p:ph type="sldNum" sz="quarter" idx="4"/>
+          </p:nvPr>
+        </p:nvSpPr>
+        <p:spPr/>
+        <p:txBody>
+          <a:bodyPr/>
+          <a:lstStyle/>
+          <a:p>
+            <a:r>
+              <a:rPr lang="en-US"/>
+              <a:t>Presented by DHS | </a:t>
+            </a:r>
+            <a:fld id="{8997B844-ACA2-A34A-B180-F01E98B0D70C}" type="slidenum">
+              <a:rPr lang="en-US" smtClean="0"/>
+              <a:pPr/>
+              <a:t>7</a:t>
+            </a:fld>
+            <a:endParaRPr lang="en-US" dirty="0"/>
+          </a:p>
+        </p:txBody>
+      </p:sp>
+      <p:sp>
+        <p:nvSpPr>
+          <p:cNvPr id="3" name="Title 2">
+            <a:extLst>
+              <a:ext uri="{FF2B5EF4-FFF2-40B4-BE49-F238E27FC236}">
+                <a16:creationId xmlns:a16="http://schemas.microsoft.com/office/drawing/2014/main" id="{9D6973F2-923D-4F4F-8A40-6D33454876B0}"/>
+              </a:ext>
+            </a:extLst>
+          </p:cNvPr>
+          <p:cNvSpPr>
+            <a:spLocks noGrp="1"/>
+          </p:cNvSpPr>
+          <p:nvPr>
+            <p:ph type="title"/>
+          </p:nvPr>
+        </p:nvSpPr>
+        <p:spPr/>
+        <p:txBody>
+          <a:bodyPr/>
+          <a:lstStyle/>
+          <a:p>
+            <a:r>
+              <a:rPr lang="en-US" dirty="0">
+                <a:solidFill>
+                  <a:schemeClr val="bg1"/>
+                </a:solidFill>
+              </a:rPr>
+              <a:t>Concept of Operations (cont.)</a:t>
+            </a:r>
+          </a:p>
+        </p:txBody>
+      </p:sp>
+      <p:sp>
+        <p:nvSpPr>
           <p:cNvPr id="13" name="TextBox 12">
             <a:extLst>
               <a:ext uri="{FF2B5EF4-FFF2-40B4-BE49-F238E27FC236}">
@@ -7350,8 +8253,8 @@
                 <a:solidFill>
                   <a:srgbClr val="0070C0"/>
                 </a:solidFill>
-                <a:latin typeface="Arial" panose="020B0604020202020204" pitchFamily="34" charset="0"/>
-                <a:cs typeface="Arial" panose="020B0604020202020204" pitchFamily="34" charset="0"/>
+                <a:latin typeface="Calibri" panose="020F0502020204030204" pitchFamily="34" charset="0"/>
+                <a:cs typeface="Calibri" panose="020F0502020204030204" pitchFamily="34" charset="0"/>
               </a:rPr>
               <a:t>Example Scores CSV Submission</a:t>
             </a:r>
@@ -7371,7 +8274,7 @@
 </p:sld>
 </file>
 
-<file path=ppt/slides/slide7.xml><?xml version="1.0" encoding="utf-8"?>
+<file path=ppt/slides/slide8.xml><?xml version="1.0" encoding="utf-8"?>
 <p:sld xmlns:a="http://schemas.openxmlformats.org/drawingml/2006/main" xmlns:r="http://schemas.openxmlformats.org/officeDocument/2006/relationships" xmlns:p="http://schemas.openxmlformats.org/presentationml/2006/main">
   <p:cSld>
     <p:spTree>
@@ -7416,7 +8319,7 @@
             <a:fld id="{8997B844-ACA2-A34A-B180-F01E98B0D70C}" type="slidenum">
               <a:rPr lang="en-US" smtClean="0"/>
               <a:pPr/>
-              <a:t>7</a:t>
+              <a:t>8</a:t>
             </a:fld>
             <a:endParaRPr lang="en-US" dirty="0"/>
           </a:p>
@@ -7599,12 +8502,12 @@
           <a:graphicData uri="http://schemas.openxmlformats.org/presentationml/2006/ole">
             <mc:AlternateContent xmlns:mc="http://schemas.openxmlformats.org/markup-compatibility/2006">
               <mc:Choice xmlns:v="urn:schemas-microsoft-com:vml" Requires="v">
-                <p:oleObj spid="_x0000_s3161" name="Bitmap Image" r:id="rId4" imgW="7728120" imgH="9226440" progId="Paint.Picture.1">
+                <p:oleObj name="Bitmap Image" r:id="rId3" imgW="7728120" imgH="9226440" progId="Paint.Picture.1">
                   <p:embed/>
                 </p:oleObj>
               </mc:Choice>
               <mc:Fallback>
-                <p:oleObj name="Bitmap Image" r:id="rId4" imgW="7728120" imgH="9226440" progId="Paint.Picture.1">
+                <p:oleObj name="Bitmap Image" r:id="rId3" imgW="7728120" imgH="9226440" progId="Paint.Picture.1">
                   <p:embed/>
                   <p:pic>
                     <p:nvPicPr>
@@ -7619,7 +8522,7 @@
                       <p:nvPr/>
                     </p:nvPicPr>
                     <p:blipFill>
-                      <a:blip r:embed="rId5">
+                      <a:blip r:embed="rId4">
                         <a:alphaModFix amt="10000"/>
                       </a:blip>
                       <a:stretch>
@@ -7670,12 +8573,12 @@
           <a:graphicData uri="http://schemas.openxmlformats.org/presentationml/2006/ole">
             <mc:AlternateContent xmlns:mc="http://schemas.openxmlformats.org/markup-compatibility/2006">
               <mc:Choice xmlns:v="urn:schemas-microsoft-com:vml" Requires="v">
-                <p:oleObj spid="_x0000_s3162" name="Bitmap Image" r:id="rId6" imgW="6921360" imgH="3054240" progId="Paint.Picture.1">
+                <p:oleObj name="Bitmap Image" r:id="rId5" imgW="6921360" imgH="3054240" progId="Paint.Picture.1">
                   <p:embed/>
                 </p:oleObj>
               </mc:Choice>
               <mc:Fallback>
-                <p:oleObj name="Bitmap Image" r:id="rId6" imgW="6921360" imgH="3054240" progId="Paint.Picture.1">
+                <p:oleObj name="Bitmap Image" r:id="rId5" imgW="6921360" imgH="3054240" progId="Paint.Picture.1">
                   <p:embed/>
                   <p:pic>
                     <p:nvPicPr>
@@ -7690,7 +8593,7 @@
                       <p:nvPr/>
                     </p:nvPicPr>
                     <p:blipFill>
-                      <a:blip r:embed="rId7">
+                      <a:blip r:embed="rId6">
                         <a:alphaModFix amt="20000"/>
                       </a:blip>
                       <a:stretch>
@@ -7891,12 +8794,12 @@
           <a:graphicData uri="http://schemas.openxmlformats.org/presentationml/2006/ole">
             <mc:AlternateContent xmlns:mc="http://schemas.openxmlformats.org/markup-compatibility/2006">
               <mc:Choice xmlns:v="urn:schemas-microsoft-com:vml" Requires="v">
-                <p:oleObj spid="_x0000_s3163" name="Bitmap Image" r:id="rId8" imgW="7677000" imgH="3397320" progId="Paint.Picture.1">
+                <p:oleObj name="Bitmap Image" r:id="rId7" imgW="7677000" imgH="3397320" progId="Paint.Picture.1">
                   <p:embed/>
                 </p:oleObj>
               </mc:Choice>
               <mc:Fallback>
-                <p:oleObj name="Bitmap Image" r:id="rId8" imgW="7677000" imgH="3397320" progId="Paint.Picture.1">
+                <p:oleObj name="Bitmap Image" r:id="rId7" imgW="7677000" imgH="3397320" progId="Paint.Picture.1">
                   <p:embed/>
                   <p:pic>
                     <p:nvPicPr>
@@ -7911,7 +8814,7 @@
                       <p:nvPr/>
                     </p:nvPicPr>
                     <p:blipFill>
-                      <a:blip r:embed="rId9"/>
+                      <a:blip r:embed="rId8"/>
                       <a:stretch>
                         <a:fillRect/>
                       </a:stretch>
@@ -8109,7 +9012,7 @@
 </p:sld>
 </file>
 
-<file path=ppt/slides/slide8.xml><?xml version="1.0" encoding="utf-8"?>
+<file path=ppt/slides/slide9.xml><?xml version="1.0" encoding="utf-8"?>
 <p:sld xmlns:a="http://schemas.openxmlformats.org/drawingml/2006/main" xmlns:r="http://schemas.openxmlformats.org/officeDocument/2006/relationships" xmlns:p="http://schemas.openxmlformats.org/presentationml/2006/main">
   <p:cSld>
     <p:spTree>
@@ -8154,7 +9057,7 @@
             <a:fld id="{8997B844-ACA2-A34A-B180-F01E98B0D70C}" type="slidenum">
               <a:rPr lang="en-US" smtClean="0"/>
               <a:pPr/>
-              <a:t>8</a:t>
+              <a:t>9</a:t>
             </a:fld>
             <a:endParaRPr lang="en-US" dirty="0"/>
           </a:p>
@@ -10269,8 +11172,8 @@
         </p:nvSpPr>
         <p:spPr>
           <a:xfrm>
-            <a:off x="58358" y="831607"/>
-            <a:ext cx="1898277" cy="2277547"/>
+            <a:off x="30216" y="834469"/>
+            <a:ext cx="1871025" cy="2192908"/>
           </a:xfrm>
           <a:prstGeom prst="rect">
             <a:avLst/>
@@ -10288,6 +11191,8 @@
                 <a:solidFill>
                   <a:schemeClr val="bg1"/>
                 </a:solidFill>
+                <a:latin typeface="Calibri" panose="020F0502020204030204" pitchFamily="34" charset="0"/>
+                <a:cs typeface="Calibri" panose="020F0502020204030204" pitchFamily="34" charset="0"/>
               </a:rPr>
               <a:t>Model Card</a:t>
             </a:r>
@@ -10297,24 +11202,40 @@
               <a:solidFill>
                 <a:schemeClr val="bg1"/>
               </a:solidFill>
+              <a:latin typeface="Calibri" panose="020F0502020204030204" pitchFamily="34" charset="0"/>
+              <a:cs typeface="Calibri" panose="020F0502020204030204" pitchFamily="34" charset="0"/>
             </a:endParaRPr>
           </a:p>
           <a:p>
+            <a:pPr>
+              <a:lnSpc>
+                <a:spcPct val="150000"/>
+              </a:lnSpc>
+            </a:pPr>
             <a:r>
               <a:rPr lang="en-US" sz="1100" b="1" dirty="0">
                 <a:solidFill>
                   <a:schemeClr val="bg1"/>
                 </a:solidFill>
+                <a:latin typeface="Calibri" panose="020F0502020204030204" pitchFamily="34" charset="0"/>
+                <a:cs typeface="Calibri" panose="020F0502020204030204" pitchFamily="34" charset="0"/>
               </a:rPr>
               <a:t>Arch: 3-layer, Sequential (FF)</a:t>
             </a:r>
           </a:p>
           <a:p>
+            <a:pPr>
+              <a:lnSpc>
+                <a:spcPct val="150000"/>
+              </a:lnSpc>
+            </a:pPr>
             <a:r>
               <a:rPr lang="en-US" sz="1100" b="1" dirty="0">
                 <a:solidFill>
                   <a:schemeClr val="bg1"/>
                 </a:solidFill>
+                <a:latin typeface="Calibri" panose="020F0502020204030204" pitchFamily="34" charset="0"/>
+                <a:cs typeface="Calibri" panose="020F0502020204030204" pitchFamily="34" charset="0"/>
               </a:rPr>
               <a:t>Package: </a:t>
             </a:r>
@@ -10323,6 +11244,8 @@
                 <a:solidFill>
                   <a:schemeClr val="bg1"/>
                 </a:solidFill>
+                <a:latin typeface="Calibri" panose="020F0502020204030204" pitchFamily="34" charset="0"/>
+                <a:cs typeface="Calibri" panose="020F0502020204030204" pitchFamily="34" charset="0"/>
               </a:rPr>
               <a:t>Keras</a:t>
             </a:r>
@@ -10331,66 +11254,68 @@
                 <a:solidFill>
                   <a:schemeClr val="bg1"/>
                 </a:solidFill>
+                <a:latin typeface="Calibri" panose="020F0502020204030204" pitchFamily="34" charset="0"/>
+                <a:cs typeface="Calibri" panose="020F0502020204030204" pitchFamily="34" charset="0"/>
               </a:rPr>
               <a:t>/TensorFlow</a:t>
             </a:r>
           </a:p>
           <a:p>
+            <a:pPr>
+              <a:lnSpc>
+                <a:spcPct val="150000"/>
+              </a:lnSpc>
+            </a:pPr>
             <a:r>
               <a:rPr lang="en-US" sz="1100" b="1" dirty="0">
                 <a:solidFill>
                   <a:schemeClr val="bg1"/>
                 </a:solidFill>
+                <a:latin typeface="Calibri" panose="020F0502020204030204" pitchFamily="34" charset="0"/>
+                <a:cs typeface="Calibri" panose="020F0502020204030204" pitchFamily="34" charset="0"/>
               </a:rPr>
               <a:t>Activation Function: Sigmoid</a:t>
             </a:r>
           </a:p>
           <a:p>
+            <a:pPr>
+              <a:lnSpc>
+                <a:spcPct val="150000"/>
+              </a:lnSpc>
+            </a:pPr>
             <a:r>
               <a:rPr lang="en-US" sz="1100" b="1" dirty="0">
                 <a:solidFill>
                   <a:schemeClr val="bg1"/>
                 </a:solidFill>
+                <a:latin typeface="Calibri" panose="020F0502020204030204" pitchFamily="34" charset="0"/>
+                <a:cs typeface="Calibri" panose="020F0502020204030204" pitchFamily="34" charset="0"/>
               </a:rPr>
               <a:t>Output: binary</a:t>
             </a:r>
           </a:p>
           <a:p>
-            <a:endParaRPr lang="en-US" sz="1100" b="1" dirty="0">
-              <a:solidFill>
-                <a:schemeClr val="bg1"/>
-              </a:solidFill>
-            </a:endParaRPr>
-          </a:p>
-          <a:p>
+            <a:pPr>
+              <a:lnSpc>
+                <a:spcPct val="150000"/>
+              </a:lnSpc>
+            </a:pPr>
             <a:r>
               <a:rPr lang="en-US" sz="1100" b="1" dirty="0">
                 <a:solidFill>
                   <a:schemeClr val="bg1"/>
                 </a:solidFill>
+                <a:latin typeface="Calibri" panose="020F0502020204030204" pitchFamily="34" charset="0"/>
+                <a:cs typeface="Calibri" panose="020F0502020204030204" pitchFamily="34" charset="0"/>
               </a:rPr>
               <a:t>Training: 100k synthetic</a:t>
             </a:r>
           </a:p>
           <a:p>
-            <a:r>
-              <a:rPr lang="en-US" sz="1100" b="1" dirty="0">
-                <a:solidFill>
-                  <a:schemeClr val="bg1"/>
-                </a:solidFill>
-              </a:rPr>
-              <a:t>Accuracy: TBD</a:t>
-            </a:r>
-          </a:p>
-          <a:p>
-            <a:endParaRPr lang="en-US" sz="1100" b="1" dirty="0">
-              <a:solidFill>
-                <a:schemeClr val="bg1"/>
-              </a:solidFill>
+            <a:endParaRPr lang="en-US" dirty="0">
+              <a:latin typeface="Calibri" panose="020F0502020204030204" pitchFamily="34" charset="0"/>
+              <a:cs typeface="Calibri" panose="020F0502020204030204" pitchFamily="34" charset="0"/>
             </a:endParaRPr>
-          </a:p>
-          <a:p>
-            <a:endParaRPr lang="en-US" dirty="0"/>
           </a:p>
         </p:txBody>
       </p:sp>
@@ -10398,222 +11323,6 @@
     <p:extLst>
       <p:ext uri="{BB962C8B-B14F-4D97-AF65-F5344CB8AC3E}">
         <p14:creationId xmlns:p14="http://schemas.microsoft.com/office/powerpoint/2010/main" val="4189912211"/>
-      </p:ext>
-    </p:extLst>
-  </p:cSld>
-  <p:clrMapOvr>
-    <a:masterClrMapping/>
-  </p:clrMapOvr>
-</p:sld>
-</file>
-
-<file path=ppt/slides/slide9.xml><?xml version="1.0" encoding="utf-8"?>
-<p:sld xmlns:a="http://schemas.openxmlformats.org/drawingml/2006/main" xmlns:r="http://schemas.openxmlformats.org/officeDocument/2006/relationships" xmlns:p="http://schemas.openxmlformats.org/presentationml/2006/main">
-  <p:cSld>
-    <p:spTree>
-      <p:nvGrpSpPr>
-        <p:cNvPr id="1" name=""/>
-        <p:cNvGrpSpPr/>
-        <p:nvPr/>
-      </p:nvGrpSpPr>
-      <p:grpSpPr>
-        <a:xfrm>
-          <a:off x="0" y="0"/>
-          <a:ext cx="0" cy="0"/>
-          <a:chOff x="0" y="0"/>
-          <a:chExt cx="0" cy="0"/>
-        </a:xfrm>
-      </p:grpSpPr>
-      <p:sp>
-        <p:nvSpPr>
-          <p:cNvPr id="2" name="Slide Number Placeholder 1">
-            <a:extLst>
-              <a:ext uri="{FF2B5EF4-FFF2-40B4-BE49-F238E27FC236}">
-                <a16:creationId xmlns:a16="http://schemas.microsoft.com/office/drawing/2014/main" id="{C3876B54-91C7-4CA0-981B-0280BE7EB7E4}"/>
-              </a:ext>
-            </a:extLst>
-          </p:cNvPr>
-          <p:cNvSpPr>
-            <a:spLocks noGrp="1"/>
-          </p:cNvSpPr>
-          <p:nvPr>
-            <p:ph type="sldNum" sz="quarter" idx="4"/>
-          </p:nvPr>
-        </p:nvSpPr>
-        <p:spPr/>
-        <p:txBody>
-          <a:bodyPr/>
-          <a:lstStyle/>
-          <a:p>
-            <a:r>
-              <a:rPr lang="en-US"/>
-              <a:t>Presented by DHS | </a:t>
-            </a:r>
-            <a:fld id="{8997B844-ACA2-A34A-B180-F01E98B0D70C}" type="slidenum">
-              <a:rPr lang="en-US" smtClean="0"/>
-              <a:pPr/>
-              <a:t>9</a:t>
-            </a:fld>
-            <a:endParaRPr lang="en-US" dirty="0"/>
-          </a:p>
-        </p:txBody>
-      </p:sp>
-      <p:sp>
-        <p:nvSpPr>
-          <p:cNvPr id="3" name="Title 2">
-            <a:extLst>
-              <a:ext uri="{FF2B5EF4-FFF2-40B4-BE49-F238E27FC236}">
-                <a16:creationId xmlns:a16="http://schemas.microsoft.com/office/drawing/2014/main" id="{9D6973F2-923D-4F4F-8A40-6D33454876B0}"/>
-              </a:ext>
-            </a:extLst>
-          </p:cNvPr>
-          <p:cNvSpPr>
-            <a:spLocks noGrp="1"/>
-          </p:cNvSpPr>
-          <p:nvPr>
-            <p:ph type="title"/>
-          </p:nvPr>
-        </p:nvSpPr>
-        <p:spPr/>
-        <p:txBody>
-          <a:bodyPr/>
-          <a:lstStyle/>
-          <a:p>
-            <a:r>
-              <a:rPr lang="en-US" dirty="0">
-                <a:solidFill>
-                  <a:schemeClr val="bg1"/>
-                </a:solidFill>
-              </a:rPr>
-              <a:t>Model Performance (Accuracy)</a:t>
-            </a:r>
-          </a:p>
-        </p:txBody>
-      </p:sp>
-      <p:pic>
-        <p:nvPicPr>
-          <p:cNvPr id="6" name="Picture 5" descr="A graph with blue and orange lines&#10;&#10;Description automatically generated">
-            <a:extLst>
-              <a:ext uri="{FF2B5EF4-FFF2-40B4-BE49-F238E27FC236}">
-                <a16:creationId xmlns:a16="http://schemas.microsoft.com/office/drawing/2014/main" id="{62DEF4AD-AFF4-81C1-6629-2A64A04B8B4C}"/>
-              </a:ext>
-            </a:extLst>
-          </p:cNvPr>
-          <p:cNvPicPr>
-            <a:picLocks noChangeAspect="1"/>
-          </p:cNvPicPr>
-          <p:nvPr/>
-        </p:nvPicPr>
-        <p:blipFill>
-          <a:blip r:embed="rId3"/>
-          <a:stretch>
-            <a:fillRect/>
-          </a:stretch>
-        </p:blipFill>
-        <p:spPr>
-          <a:xfrm>
-            <a:off x="590468" y="2857382"/>
-            <a:ext cx="2994901" cy="1821073"/>
-          </a:xfrm>
-          <a:prstGeom prst="rect">
-            <a:avLst/>
-          </a:prstGeom>
-        </p:spPr>
-      </p:pic>
-      <p:pic>
-        <p:nvPicPr>
-          <p:cNvPr id="11" name="Picture 10" descr="A graph with blue lines and orange lines&#10;&#10;Description automatically generated">
-            <a:extLst>
-              <a:ext uri="{FF2B5EF4-FFF2-40B4-BE49-F238E27FC236}">
-                <a16:creationId xmlns:a16="http://schemas.microsoft.com/office/drawing/2014/main" id="{65F67A0E-C35E-3AF9-EFC5-387A3F9F907E}"/>
-              </a:ext>
-            </a:extLst>
-          </p:cNvPr>
-          <p:cNvPicPr>
-            <a:picLocks noChangeAspect="1"/>
-          </p:cNvPicPr>
-          <p:nvPr/>
-        </p:nvPicPr>
-        <p:blipFill>
-          <a:blip r:embed="rId4"/>
-          <a:stretch>
-            <a:fillRect/>
-          </a:stretch>
-        </p:blipFill>
-        <p:spPr>
-          <a:xfrm>
-            <a:off x="5347521" y="2934617"/>
-            <a:ext cx="2557948" cy="1743839"/>
-          </a:xfrm>
-          <a:prstGeom prst="rect">
-            <a:avLst/>
-          </a:prstGeom>
-        </p:spPr>
-      </p:pic>
-      <p:pic>
-        <p:nvPicPr>
-          <p:cNvPr id="13" name="Picture 12" descr="A graph with blue and orange lines&#10;&#10;Description automatically generated">
-            <a:extLst>
-              <a:ext uri="{FF2B5EF4-FFF2-40B4-BE49-F238E27FC236}">
-                <a16:creationId xmlns:a16="http://schemas.microsoft.com/office/drawing/2014/main" id="{8AB8B9A6-B0A1-3353-FC85-01398E93AA83}"/>
-              </a:ext>
-            </a:extLst>
-          </p:cNvPr>
-          <p:cNvPicPr>
-            <a:picLocks noChangeAspect="1"/>
-          </p:cNvPicPr>
-          <p:nvPr/>
-        </p:nvPicPr>
-        <p:blipFill>
-          <a:blip r:embed="rId5"/>
-          <a:stretch>
-            <a:fillRect/>
-          </a:stretch>
-        </p:blipFill>
-        <p:spPr>
-          <a:xfrm>
-            <a:off x="590467" y="715057"/>
-            <a:ext cx="2994901" cy="2142326"/>
-          </a:xfrm>
-          <a:prstGeom prst="rect">
-            <a:avLst/>
-          </a:prstGeom>
-        </p:spPr>
-      </p:pic>
-      <p:pic>
-        <p:nvPicPr>
-          <p:cNvPr id="15" name="Picture 14" descr="A graph with blue and orange lines&#10;&#10;Description automatically generated">
-            <a:extLst>
-              <a:ext uri="{FF2B5EF4-FFF2-40B4-BE49-F238E27FC236}">
-                <a16:creationId xmlns:a16="http://schemas.microsoft.com/office/drawing/2014/main" id="{5BB9DD5D-A4F9-F662-FF40-A40C9457B778}"/>
-              </a:ext>
-            </a:extLst>
-          </p:cNvPr>
-          <p:cNvPicPr>
-            <a:picLocks noChangeAspect="1"/>
-          </p:cNvPicPr>
-          <p:nvPr/>
-        </p:nvPicPr>
-        <p:blipFill>
-          <a:blip r:embed="rId6"/>
-          <a:stretch>
-            <a:fillRect/>
-          </a:stretch>
-        </p:blipFill>
-        <p:spPr>
-          <a:xfrm>
-            <a:off x="5047871" y="715057"/>
-            <a:ext cx="2857598" cy="2219560"/>
-          </a:xfrm>
-          <a:prstGeom prst="rect">
-            <a:avLst/>
-          </a:prstGeom>
-        </p:spPr>
-      </p:pic>
-    </p:spTree>
-    <p:extLst>
-      <p:ext uri="{BB962C8B-B14F-4D97-AF65-F5344CB8AC3E}">
-        <p14:creationId xmlns:p14="http://schemas.microsoft.com/office/powerpoint/2010/main" val="2703077859"/>
       </p:ext>
     </p:extLst>
   </p:cSld>
@@ -11808,18 +12517,18 @@
 </file>
 
 <file path=customXml/item2.xml><?xml version="1.0" encoding="utf-8"?>
-<p:properties xmlns:p="http://schemas.microsoft.com/office/2006/metadata/properties" xmlns:xsi="http://www.w3.org/2001/XMLSchema-instance" xmlns:pc="http://schemas.microsoft.com/office/infopath/2007/PartnerControls">
-  <documentManagement/>
-</p:properties>
-</file>
-
-<file path=customXml/item3.xml><?xml version="1.0" encoding="utf-8"?>
 <?mso-contentType ?>
 <FormTemplates xmlns="http://schemas.microsoft.com/sharepoint/v3/contenttype/forms">
   <Display>DocumentLibraryForm</Display>
   <Edit>DocumentLibraryForm</Edit>
   <New>DocumentLibraryForm</New>
 </FormTemplates>
+</file>
+
+<file path=customXml/item3.xml><?xml version="1.0" encoding="utf-8"?>
+<p:properties xmlns:p="http://schemas.microsoft.com/office/2006/metadata/properties" xmlns:xsi="http://www.w3.org/2001/XMLSchema-instance" xmlns:pc="http://schemas.microsoft.com/office/infopath/2007/PartnerControls">
+  <documentManagement/>
+</p:properties>
 </file>
 
 <file path=customXml/itemProps1.xml><?xml version="1.0" encoding="utf-8"?>
@@ -11842,6 +12551,14 @@
 </file>
 
 <file path=customXml/itemProps2.xml><?xml version="1.0" encoding="utf-8"?>
+<ds:datastoreItem xmlns:ds="http://schemas.openxmlformats.org/officeDocument/2006/customXml" ds:itemID="{478A104F-5518-4387-A41C-C91F45F51F72}">
+  <ds:schemaRefs>
+    <ds:schemaRef ds:uri="http://schemas.microsoft.com/sharepoint/v3/contenttype/forms"/>
+  </ds:schemaRefs>
+</ds:datastoreItem>
+</file>
+
+<file path=customXml/itemProps3.xml><?xml version="1.0" encoding="utf-8"?>
 <ds:datastoreItem xmlns:ds="http://schemas.openxmlformats.org/officeDocument/2006/customXml" ds:itemID="{10D81E0D-2C63-4EA5-9F60-BC113953F389}">
   <ds:schemaRefs>
     <ds:schemaRef ds:uri="http://www.w3.org/XML/1998/namespace"/>
@@ -11856,12 +12573,4 @@
     <ds:schemaRef ds:uri="http://purl.org/dc/elements/1.1/"/>
   </ds:schemaRefs>
 </ds:datastoreItem>
-</file>
-
-<file path=customXml/itemProps3.xml><?xml version="1.0" encoding="utf-8"?>
-<ds:datastoreItem xmlns:ds="http://schemas.openxmlformats.org/officeDocument/2006/customXml" ds:itemID="{478A104F-5518-4387-A41C-C91F45F51F72}">
-  <ds:schemaRefs>
-    <ds:schemaRef ds:uri="http://schemas.microsoft.com/sharepoint/v3/contenttype/forms"/>
-  </ds:schemaRefs>
-</ds:datastoreItem>
 </file>
--- a/doc/gao_ai_proposal.pptx
+++ b/doc/gao_ai_proposal.pptx
@@ -1485,6 +1485,12 @@
         <p:txBody>
           <a:bodyPr/>
           <a:lstStyle/>
+          <a:p>
+            <a:r>
+              <a:rPr lang="en-US" dirty="0"/>
+              <a:t>93 TOTAL INPUTS</a:t>
+            </a:r>
+          </a:p>
           <a:p>
             <a:r>
               <a:rPr lang="en-US" dirty="0"/>
@@ -4176,44 +4182,31 @@
           <a:lstStyle/>
           <a:p>
             <a:r>
-              <a:rPr lang="en-US" sz="1400" dirty="0">
-                <a:solidFill>
-                  <a:schemeClr val="bg1">
-                    <a:lumMod val="85000"/>
-                  </a:schemeClr>
-                </a:solidFill>
-              </a:rPr>
-              <a:t>Owner self-scores use-case(s) for </a:t>
-            </a:r>
-          </a:p>
-          <a:p>
-            <a:r>
-              <a:rPr lang="en-US" sz="1400" dirty="0">
-                <a:solidFill>
-                  <a:schemeClr val="bg1">
-                    <a:lumMod val="85000"/>
-                  </a:schemeClr>
-                </a:solidFill>
-              </a:rPr>
-              <a:t>each principle</a:t>
-            </a:r>
-            <a:r>
               <a:rPr lang="en-US" sz="1400" b="1" dirty="0">
                 <a:solidFill>
                   <a:schemeClr val="bg1">
                     <a:lumMod val="85000"/>
                   </a:schemeClr>
                 </a:solidFill>
+                <a:latin typeface="Calibri" panose="020F0502020204030204" pitchFamily="34" charset="0"/>
+                <a:cs typeface="Calibri" panose="020F0502020204030204" pitchFamily="34" charset="0"/>
               </a:rPr>
-              <a:t>.</a:t>
-            </a:r>
-            <a:endParaRPr lang="en-US" sz="1400" dirty="0">
-              <a:solidFill>
-                <a:schemeClr val="bg1">
-                  <a:lumMod val="85000"/>
-                </a:schemeClr>
-              </a:solidFill>
-            </a:endParaRPr>
+              <a:t>Owner self-scores use-case(s) for </a:t>
+            </a:r>
+          </a:p>
+          <a:p>
+            <a:r>
+              <a:rPr lang="en-US" sz="1400" b="1" dirty="0">
+                <a:solidFill>
+                  <a:schemeClr val="bg1">
+                    <a:lumMod val="85000"/>
+                  </a:schemeClr>
+                </a:solidFill>
+                <a:latin typeface="Calibri" panose="020F0502020204030204" pitchFamily="34" charset="0"/>
+                <a:cs typeface="Calibri" panose="020F0502020204030204" pitchFamily="34" charset="0"/>
+              </a:rPr>
+              <a:t>each framework</a:t>
+            </a:r>
           </a:p>
         </p:txBody>
       </p:sp>
@@ -4418,8 +4411,8 @@
         </p:nvSpPr>
         <p:spPr>
           <a:xfrm>
-            <a:off x="3830641" y="1361513"/>
-            <a:ext cx="1832968" cy="954107"/>
+            <a:off x="3830640" y="1361513"/>
+            <a:ext cx="2014257" cy="738664"/>
           </a:xfrm>
           <a:prstGeom prst="rect">
             <a:avLst/>
@@ -4433,12 +4426,14 @@
           <a:lstStyle/>
           <a:p>
             <a:r>
-              <a:rPr lang="en-US" sz="1400" dirty="0">
+              <a:rPr lang="en-US" sz="1400" b="1" dirty="0">
                 <a:solidFill>
                   <a:schemeClr val="bg1">
                     <a:lumMod val="85000"/>
                   </a:schemeClr>
                 </a:solidFill>
+                <a:latin typeface="Calibri" panose="020F0502020204030204" pitchFamily="34" charset="0"/>
+                <a:cs typeface="Calibri" panose="020F0502020204030204" pitchFamily="34" charset="0"/>
               </a:rPr>
               <a:t>Ingest submission and compute compliance for each submitted use-case</a:t>
             </a:r>
@@ -4587,7 +4582,7 @@
         <p:spPr>
           <a:xfrm>
             <a:off x="2274990" y="3043323"/>
-            <a:ext cx="945067" cy="276999"/>
+            <a:ext cx="918841" cy="276999"/>
           </a:xfrm>
           <a:prstGeom prst="rect">
             <a:avLst/>
@@ -4601,12 +4596,14 @@
           <a:lstStyle/>
           <a:p>
             <a:r>
-              <a:rPr lang="en-US" sz="1200" dirty="0">
+              <a:rPr lang="en-US" sz="1200" b="1" dirty="0">
                 <a:solidFill>
                   <a:schemeClr val="bg1">
                     <a:lumMod val="85000"/>
                   </a:schemeClr>
                 </a:solidFill>
+                <a:latin typeface="Calibri" panose="020F0502020204030204" pitchFamily="34" charset="0"/>
+                <a:cs typeface="Calibri" panose="020F0502020204030204" pitchFamily="34" charset="0"/>
               </a:rPr>
               <a:t>Submit CSV</a:t>
             </a:r>
@@ -4747,6 +4744,8 @@
                     <a:lumMod val="75000"/>
                   </a:schemeClr>
                 </a:solidFill>
+                <a:latin typeface="Calibri" panose="020F0502020204030204" pitchFamily="34" charset="0"/>
+                <a:cs typeface="Calibri" panose="020F0502020204030204" pitchFamily="34" charset="0"/>
               </a:rPr>
               <a:t>Render interactive HTML display</a:t>
             </a:r>
@@ -4851,7 +4850,7 @@
         <p:spPr>
           <a:xfrm>
             <a:off x="5551562" y="3043322"/>
-            <a:ext cx="1131848" cy="276999"/>
+            <a:ext cx="1082219" cy="276999"/>
           </a:xfrm>
           <a:prstGeom prst="rect">
             <a:avLst/>
@@ -4865,7 +4864,10 @@
           <a:lstStyle/>
           <a:p>
             <a:r>
-              <a:rPr lang="en-US" sz="1200" dirty="0"/>
+              <a:rPr lang="en-US" sz="1200" dirty="0">
+                <a:latin typeface="Calibri" panose="020F0502020204030204" pitchFamily="34" charset="0"/>
+                <a:cs typeface="Calibri" panose="020F0502020204030204" pitchFamily="34" charset="0"/>
+              </a:rPr>
               <a:t>Display results</a:t>
             </a:r>
           </a:p>
@@ -5473,7 +5475,7 @@
                 <a:latin typeface="Calibri" panose="020F0502020204030204" pitchFamily="34" charset="0"/>
                 <a:cs typeface="Calibri" panose="020F0502020204030204" pitchFamily="34" charset="0"/>
               </a:rPr>
-              <a:t>Fine-tune training data &amp; parameters</a:t>
+              <a:t>Fine-tune training data, neural network architecture &amp; parameters</a:t>
             </a:r>
           </a:p>
           <a:p>
@@ -6005,7 +6007,7 @@
                 <a:latin typeface="Calibri" panose="020F0502020204030204" pitchFamily="34" charset="0"/>
                 <a:cs typeface="Calibri" panose="020F0502020204030204" pitchFamily="34" charset="0"/>
               </a:rPr>
-              <a:t>Quick, more objective determination of GAO Framework compliance</a:t>
+              <a:t>Quick and objective determination of GAO Framework compliance</a:t>
             </a:r>
           </a:p>
           <a:p>
@@ -6168,7 +6170,7 @@
         </p:nvSpPr>
         <p:spPr>
           <a:xfrm>
-            <a:off x="1299390" y="1516404"/>
+            <a:off x="1292515" y="1214640"/>
             <a:ext cx="3003214" cy="1214565"/>
           </a:xfrm>
           <a:custGeom>
@@ -6274,10 +6276,16 @@
               <a:buAutoNum type="arabicPeriod"/>
             </a:pPr>
             <a:r>
-              <a:rPr lang="en-US" sz="3100" kern="1200" dirty="0"/>
+              <a:rPr lang="en-US" sz="3100" kern="1200" dirty="0">
+                <a:latin typeface="Calibri" panose="020F0502020204030204" pitchFamily="34" charset="0"/>
+                <a:cs typeface="Calibri" panose="020F0502020204030204" pitchFamily="34" charset="0"/>
+              </a:rPr>
               <a:t>Governance</a:t>
             </a:r>
-            <a:endParaRPr lang="en-US" sz="3100" dirty="0"/>
+            <a:endParaRPr lang="en-US" sz="3100" dirty="0">
+              <a:latin typeface="Calibri" panose="020F0502020204030204" pitchFamily="34" charset="0"/>
+              <a:cs typeface="Calibri" panose="020F0502020204030204" pitchFamily="34" charset="0"/>
+            </a:endParaRPr>
           </a:p>
         </p:txBody>
       </p:sp>
@@ -6295,7 +6303,7 @@
         </p:nvSpPr>
         <p:spPr>
           <a:xfrm>
-            <a:off x="4709855" y="1516404"/>
+            <a:off x="4702980" y="1214640"/>
             <a:ext cx="3003214" cy="1214565"/>
           </a:xfrm>
           <a:custGeom>
@@ -6401,7 +6409,10 @@
               <a:buNone/>
             </a:pPr>
             <a:r>
-              <a:rPr lang="en-US" sz="3100" kern="1200" dirty="0"/>
+              <a:rPr lang="en-US" sz="3100" kern="1200" dirty="0">
+                <a:latin typeface="Calibri" panose="020F0502020204030204" pitchFamily="34" charset="0"/>
+                <a:cs typeface="Calibri" panose="020F0502020204030204" pitchFamily="34" charset="0"/>
+              </a:rPr>
               <a:t>2. Data</a:t>
             </a:r>
           </a:p>
@@ -6421,7 +6432,7 @@
         </p:nvSpPr>
         <p:spPr>
           <a:xfrm>
-            <a:off x="1299390" y="2933397"/>
+            <a:off x="1292515" y="2631633"/>
             <a:ext cx="3003214" cy="1214565"/>
           </a:xfrm>
           <a:custGeom>
@@ -6527,7 +6538,10 @@
               <a:buNone/>
             </a:pPr>
             <a:r>
-              <a:rPr lang="en-US" sz="3100" kern="1200" dirty="0"/>
+              <a:rPr lang="en-US" sz="3100" kern="1200" dirty="0">
+                <a:latin typeface="Calibri" panose="020F0502020204030204" pitchFamily="34" charset="0"/>
+                <a:cs typeface="Calibri" panose="020F0502020204030204" pitchFamily="34" charset="0"/>
+              </a:rPr>
               <a:t>3. Performance</a:t>
             </a:r>
           </a:p>
@@ -6547,7 +6561,7 @@
         </p:nvSpPr>
         <p:spPr>
           <a:xfrm>
-            <a:off x="4709855" y="2933396"/>
+            <a:off x="4702980" y="2631632"/>
             <a:ext cx="3003214" cy="1214565"/>
           </a:xfrm>
           <a:custGeom>
@@ -6653,70 +6667,11 @@
               <a:buNone/>
             </a:pPr>
             <a:r>
-              <a:rPr lang="en-US" sz="3100" kern="1200" dirty="0"/>
-              <a:t>4. Monitoring</a:t>
-            </a:r>
-          </a:p>
-        </p:txBody>
-      </p:sp>
-      <p:sp>
-        <p:nvSpPr>
-          <p:cNvPr id="11" name="TextBox 10">
-            <a:extLst>
-              <a:ext uri="{FF2B5EF4-FFF2-40B4-BE49-F238E27FC236}">
-                <a16:creationId xmlns:a16="http://schemas.microsoft.com/office/drawing/2014/main" id="{26DE8F54-E1A9-42A5-A756-24013CC28500}"/>
-              </a:ext>
-            </a:extLst>
-          </p:cNvPr>
-          <p:cNvSpPr txBox="1"/>
-          <p:nvPr/>
-        </p:nvSpPr>
-        <p:spPr>
-          <a:xfrm>
-            <a:off x="-2" y="815025"/>
-            <a:ext cx="9135879" cy="400110"/>
-          </a:xfrm>
-          <a:prstGeom prst="rect">
-            <a:avLst/>
-          </a:prstGeom>
-          <a:noFill/>
-        </p:spPr>
-        <p:txBody>
-          <a:bodyPr wrap="square" rtlCol="0">
-            <a:spAutoFit/>
-          </a:bodyPr>
-          <a:lstStyle/>
-          <a:p>
-            <a:pPr algn="ctr"/>
-            <a:r>
-              <a:rPr lang="en-US" sz="2000" b="1" dirty="0">
-                <a:solidFill>
-                  <a:srgbClr val="0070C0"/>
-                </a:solidFill>
+              <a:rPr lang="en-US" sz="3100" kern="1200" dirty="0">
                 <a:latin typeface="Calibri" panose="020F0502020204030204" pitchFamily="34" charset="0"/>
                 <a:cs typeface="Calibri" panose="020F0502020204030204" pitchFamily="34" charset="0"/>
               </a:rPr>
-              <a:t>Comprises Four </a:t>
-            </a:r>
-            <a:r>
-              <a:rPr lang="en-US" sz="2000" b="1" i="1" dirty="0">
-                <a:solidFill>
-                  <a:srgbClr val="0070C0"/>
-                </a:solidFill>
-                <a:latin typeface="Calibri" panose="020F0502020204030204" pitchFamily="34" charset="0"/>
-                <a:cs typeface="Calibri" panose="020F0502020204030204" pitchFamily="34" charset="0"/>
-              </a:rPr>
-              <a:t>Principles</a:t>
-            </a:r>
-            <a:r>
-              <a:rPr lang="en-US" sz="2000" b="1" dirty="0">
-                <a:solidFill>
-                  <a:srgbClr val="0070C0"/>
-                </a:solidFill>
-                <a:latin typeface="Calibri" panose="020F0502020204030204" pitchFamily="34" charset="0"/>
-                <a:cs typeface="Calibri" panose="020F0502020204030204" pitchFamily="34" charset="0"/>
-              </a:rPr>
-              <a:t> Frameworks</a:t>
+              <a:t>4. Monitoring</a:t>
             </a:r>
           </a:p>
         </p:txBody>
@@ -6812,7 +6767,7 @@
                   <a:schemeClr val="bg1"/>
                 </a:solidFill>
               </a:rPr>
-              <a:t>Example: Governance Principle Framework</a:t>
+              <a:t>Example: Governance Framework</a:t>
             </a:r>
           </a:p>
         </p:txBody>
@@ -7470,7 +7425,7 @@
         </p:nvCxnSpPr>
         <p:spPr>
           <a:xfrm>
-            <a:off x="1059918" y="2977559"/>
+            <a:off x="1107605" y="2657832"/>
             <a:ext cx="602783" cy="287359"/>
           </a:xfrm>
           <a:prstGeom prst="straightConnector1">
@@ -7512,7 +7467,7 @@
         </p:nvSpPr>
         <p:spPr>
           <a:xfrm>
-            <a:off x="196936" y="1418049"/>
+            <a:off x="187944" y="1057394"/>
             <a:ext cx="1477188" cy="1600438"/>
           </a:xfrm>
           <a:prstGeom prst="rect">
@@ -7733,16 +7688,25 @@
           <a:lstStyle/>
           <a:p>
             <a:r>
-              <a:rPr lang="en-US" sz="1400" b="1" dirty="0"/>
+              <a:rPr lang="en-US" sz="1400" b="1" dirty="0">
+                <a:latin typeface="Calibri" panose="020F0502020204030204" pitchFamily="34" charset="0"/>
+                <a:cs typeface="Calibri" panose="020F0502020204030204" pitchFamily="34" charset="0"/>
+              </a:rPr>
               <a:t>Owner self-scores use-case(s) for </a:t>
             </a:r>
           </a:p>
           <a:p>
             <a:r>
-              <a:rPr lang="en-US" sz="1400" b="1" dirty="0"/>
-              <a:t>each principle.</a:t>
-            </a:r>
-            <a:endParaRPr lang="en-US" sz="1400" dirty="0"/>
+              <a:rPr lang="en-US" sz="1400" b="1" dirty="0">
+                <a:latin typeface="Calibri" panose="020F0502020204030204" pitchFamily="34" charset="0"/>
+                <a:cs typeface="Calibri" panose="020F0502020204030204" pitchFamily="34" charset="0"/>
+              </a:rPr>
+              <a:t>each framework</a:t>
+            </a:r>
+            <a:endParaRPr lang="en-US" sz="1400" dirty="0">
+              <a:latin typeface="Calibri" panose="020F0502020204030204" pitchFamily="34" charset="0"/>
+              <a:cs typeface="Calibri" panose="020F0502020204030204" pitchFamily="34" charset="0"/>
+            </a:endParaRPr>
           </a:p>
         </p:txBody>
       </p:sp>
@@ -8049,7 +8013,7 @@
                 <a:latin typeface="Calibri" panose="020F0502020204030204" pitchFamily="34" charset="0"/>
                 <a:cs typeface="Calibri" panose="020F0502020204030204" pitchFamily="34" charset="0"/>
               </a:rPr>
-              <a:t>Owner will add scores for one or more use-cases to a CSV file.</a:t>
+              <a:t>Owner will add scores for one or more use-cases to a CSV file</a:t>
             </a:r>
           </a:p>
         </p:txBody>
@@ -8449,6 +8413,8 @@
                     <a:lumMod val="85000"/>
                   </a:schemeClr>
                 </a:solidFill>
+                <a:latin typeface="Calibri" panose="020F0502020204030204" pitchFamily="34" charset="0"/>
+                <a:cs typeface="Calibri" panose="020F0502020204030204" pitchFamily="34" charset="0"/>
               </a:rPr>
               <a:t>Owner self-scores use-case(s) for </a:t>
             </a:r>
@@ -8461,8 +8427,10 @@
                     <a:lumMod val="85000"/>
                   </a:schemeClr>
                 </a:solidFill>
+                <a:latin typeface="Calibri" panose="020F0502020204030204" pitchFamily="34" charset="0"/>
+                <a:cs typeface="Calibri" panose="020F0502020204030204" pitchFamily="34" charset="0"/>
               </a:rPr>
-              <a:t>each principle.</a:t>
+              <a:t>each framework</a:t>
             </a:r>
             <a:endParaRPr lang="en-US" sz="1400" dirty="0">
               <a:solidFill>
@@ -8470,6 +8438,8 @@
                   <a:lumMod val="85000"/>
                 </a:schemeClr>
               </a:solidFill>
+              <a:latin typeface="Calibri" panose="020F0502020204030204" pitchFamily="34" charset="0"/>
+              <a:cs typeface="Calibri" panose="020F0502020204030204" pitchFamily="34" charset="0"/>
             </a:endParaRPr>
           </a:p>
         </p:txBody>
@@ -8685,8 +8655,8 @@
         </p:nvSpPr>
         <p:spPr>
           <a:xfrm>
-            <a:off x="3830641" y="1361513"/>
-            <a:ext cx="1832968" cy="954107"/>
+            <a:off x="3800197" y="1361513"/>
+            <a:ext cx="1995586" cy="738664"/>
           </a:xfrm>
           <a:prstGeom prst="rect">
             <a:avLst/>
@@ -8706,8 +8676,10 @@
                     <a:lumMod val="75000"/>
                   </a:schemeClr>
                 </a:solidFill>
+                <a:latin typeface="Calibri" panose="020F0502020204030204" pitchFamily="34" charset="0"/>
+                <a:cs typeface="Calibri" panose="020F0502020204030204" pitchFamily="34" charset="0"/>
               </a:rPr>
-              <a:t>Ingest submission and predict  compliance for each submitted use-case</a:t>
+              <a:t>Ingest submission and predict compliance for each submitted use-case</a:t>
             </a:r>
           </a:p>
         </p:txBody>
@@ -8850,7 +8822,7 @@
         <p:spPr>
           <a:xfrm>
             <a:off x="2274990" y="3043323"/>
-            <a:ext cx="945067" cy="276999"/>
+            <a:ext cx="898579" cy="276999"/>
           </a:xfrm>
           <a:prstGeom prst="rect">
             <a:avLst/>
@@ -8864,7 +8836,10 @@
           <a:lstStyle/>
           <a:p>
             <a:r>
-              <a:rPr lang="en-US" sz="1200" dirty="0"/>
+              <a:rPr lang="en-US" sz="1200" dirty="0">
+                <a:latin typeface="Calibri" panose="020F0502020204030204" pitchFamily="34" charset="0"/>
+                <a:cs typeface="Calibri" panose="020F0502020204030204" pitchFamily="34" charset="0"/>
+              </a:rPr>
               <a:t>Submit CSV</a:t>
             </a:r>
           </a:p>
@@ -8930,8 +8905,8 @@
         </p:nvCxnSpPr>
         <p:spPr>
           <a:xfrm flipH="1">
-            <a:off x="5536019" y="1751170"/>
-            <a:ext cx="900223" cy="0"/>
+            <a:off x="5795783" y="1780226"/>
+            <a:ext cx="640895" cy="0"/>
           </a:xfrm>
           <a:prstGeom prst="straightConnector1">
             <a:avLst/>
@@ -8994,7 +8969,19 @@
                 <a:latin typeface="Calibri" panose="020F0502020204030204" pitchFamily="34" charset="0"/>
                 <a:cs typeface="Calibri" panose="020F0502020204030204" pitchFamily="34" charset="0"/>
               </a:rPr>
-              <a:t>Compliance predicted using neural networks (one for each Principle Framework)</a:t>
+              <a:t>Compliance predicted using neural networks </a:t>
+            </a:r>
+          </a:p>
+          <a:p>
+            <a:r>
+              <a:rPr lang="en-US" sz="1400" dirty="0">
+                <a:solidFill>
+                  <a:srgbClr val="0070C0"/>
+                </a:solidFill>
+                <a:latin typeface="Calibri" panose="020F0502020204030204" pitchFamily="34" charset="0"/>
+                <a:cs typeface="Calibri" panose="020F0502020204030204" pitchFamily="34" charset="0"/>
+              </a:rPr>
+              <a:t>(one for each framework)</a:t>
             </a:r>
           </a:p>
         </p:txBody>
@@ -9090,7 +9077,7 @@
                   <a:schemeClr val="bg1"/>
                 </a:solidFill>
               </a:rPr>
-              <a:t>Neural Network Architecture</a:t>
+              <a:t>Neural Network Architecture (Governance)</a:t>
             </a:r>
           </a:p>
         </p:txBody>
@@ -9109,10 +9096,10 @@
         </p:nvGrpSpPr>
         <p:grpSpPr>
           <a:xfrm>
-            <a:off x="1805261" y="996981"/>
-            <a:ext cx="7394413" cy="3499254"/>
-            <a:chOff x="969658" y="813221"/>
-            <a:chExt cx="7394413" cy="3499254"/>
+            <a:off x="1867337" y="856051"/>
+            <a:ext cx="7333075" cy="3316128"/>
+            <a:chOff x="1030997" y="658503"/>
+            <a:chExt cx="7333075" cy="3316128"/>
           </a:xfrm>
         </p:grpSpPr>
         <p:sp>
@@ -9129,7 +9116,7 @@
           </p:nvSpPr>
           <p:spPr>
             <a:xfrm>
-              <a:off x="2400305" y="1285800"/>
+              <a:off x="2444098" y="1167809"/>
               <a:ext cx="190748" cy="187869"/>
             </a:xfrm>
             <a:prstGeom prst="ellipse">
@@ -9183,8 +9170,8 @@
           </p:nvSpPr>
           <p:spPr>
             <a:xfrm>
-              <a:off x="969658" y="813221"/>
-              <a:ext cx="1532075" cy="400110"/>
+              <a:off x="1030997" y="658503"/>
+              <a:ext cx="1532075" cy="430887"/>
             </a:xfrm>
             <a:prstGeom prst="rect">
               <a:avLst/>
@@ -9199,92 +9186,11 @@
             <a:p>
               <a:pPr algn="ctr"/>
               <a:r>
-                <a:rPr lang="en-US" sz="1000" dirty="0">
+                <a:rPr lang="en-US" sz="1100" dirty="0">
                   <a:latin typeface="Calibri" panose="020F0502020204030204" pitchFamily="34" charset="0"/>
                   <a:cs typeface="Calibri" panose="020F0502020204030204" pitchFamily="34" charset="0"/>
                 </a:rPr>
                 <a:t>Compliance Scores for Audit Procedures</a:t>
-              </a:r>
-            </a:p>
-          </p:txBody>
-        </p:sp>
-        <p:sp>
-          <p:nvSpPr>
-            <p:cNvPr id="9" name="TextBox 8">
-              <a:extLst>
-                <a:ext uri="{FF2B5EF4-FFF2-40B4-BE49-F238E27FC236}">
-                  <a16:creationId xmlns:a16="http://schemas.microsoft.com/office/drawing/2014/main" id="{C6ECADDC-3B21-40DD-8874-9A06E833AF27}"/>
-                </a:ext>
-              </a:extLst>
-            </p:cNvPr>
-            <p:cNvSpPr txBox="1"/>
-            <p:nvPr/>
-          </p:nvSpPr>
-          <p:spPr>
-            <a:xfrm>
-              <a:off x="1290608" y="1162690"/>
-              <a:ext cx="1061250" cy="246221"/>
-            </a:xfrm>
-            <a:prstGeom prst="rect">
-              <a:avLst/>
-            </a:prstGeom>
-            <a:noFill/>
-          </p:spPr>
-          <p:txBody>
-            <a:bodyPr wrap="square" rtlCol="0">
-              <a:spAutoFit/>
-            </a:bodyPr>
-            <a:lstStyle/>
-            <a:p>
-              <a:pPr algn="r"/>
-              <a:r>
-                <a:rPr lang="en-US" sz="1000" dirty="0">
-                  <a:solidFill>
-                    <a:srgbClr val="0070C0"/>
-                  </a:solidFill>
-                  <a:latin typeface="Calibri" panose="020F0502020204030204" pitchFamily="34" charset="0"/>
-                  <a:cs typeface="Calibri" panose="020F0502020204030204" pitchFamily="34" charset="0"/>
-                </a:rPr>
-                <a:t>Governance</a:t>
-              </a:r>
-            </a:p>
-          </p:txBody>
-        </p:sp>
-        <p:sp>
-          <p:nvSpPr>
-            <p:cNvPr id="17" name="TextBox 16">
-              <a:extLst>
-                <a:ext uri="{FF2B5EF4-FFF2-40B4-BE49-F238E27FC236}">
-                  <a16:creationId xmlns:a16="http://schemas.microsoft.com/office/drawing/2014/main" id="{EBE2BA8E-DCF6-9626-CBCB-61EB9969CDDA}"/>
-                </a:ext>
-              </a:extLst>
-            </p:cNvPr>
-            <p:cNvSpPr txBox="1"/>
-            <p:nvPr/>
-          </p:nvSpPr>
-          <p:spPr>
-            <a:xfrm>
-              <a:off x="1210287" y="1910997"/>
-              <a:ext cx="1109697" cy="230832"/>
-            </a:xfrm>
-            <a:prstGeom prst="rect">
-              <a:avLst/>
-            </a:prstGeom>
-            <a:noFill/>
-          </p:spPr>
-          <p:txBody>
-            <a:bodyPr wrap="square" rtlCol="0">
-              <a:spAutoFit/>
-            </a:bodyPr>
-            <a:lstStyle/>
-            <a:p>
-              <a:pPr algn="r"/>
-              <a:r>
-                <a:rPr lang="en-US" sz="900" b="1" dirty="0">
-                  <a:latin typeface="Calibri" panose="020F0502020204030204" pitchFamily="34" charset="0"/>
-                  <a:cs typeface="Calibri" panose="020F0502020204030204" pitchFamily="34" charset="0"/>
-                </a:rPr>
-                <a:t>…</a:t>
               </a:r>
             </a:p>
           </p:txBody>
@@ -9303,8 +9209,8 @@
           </p:nvSpPr>
           <p:spPr>
             <a:xfrm>
-              <a:off x="1239623" y="2085648"/>
-              <a:ext cx="1109697" cy="215444"/>
+              <a:off x="1221950" y="2625299"/>
+              <a:ext cx="1169676" cy="215444"/>
             </a:xfrm>
             <a:prstGeom prst="rect">
               <a:avLst/>
@@ -9323,49 +9229,7 @@
                   <a:latin typeface="Calibri" panose="020F0502020204030204" pitchFamily="34" charset="0"/>
                   <a:cs typeface="Calibri" panose="020F0502020204030204" pitchFamily="34" charset="0"/>
                 </a:rPr>
-                <a:t>Section 1.9 = Score 75</a:t>
-              </a:r>
-            </a:p>
-          </p:txBody>
-        </p:sp>
-        <p:sp>
-          <p:nvSpPr>
-            <p:cNvPr id="19" name="TextBox 18">
-              <a:extLst>
-                <a:ext uri="{FF2B5EF4-FFF2-40B4-BE49-F238E27FC236}">
-                  <a16:creationId xmlns:a16="http://schemas.microsoft.com/office/drawing/2014/main" id="{ECC037D5-F3C9-92E5-9ADE-CD271AE3D136}"/>
-                </a:ext>
-              </a:extLst>
-            </p:cNvPr>
-            <p:cNvSpPr txBox="1"/>
-            <p:nvPr/>
-          </p:nvSpPr>
-          <p:spPr>
-            <a:xfrm>
-              <a:off x="1288070" y="2268238"/>
-              <a:ext cx="1061250" cy="246221"/>
-            </a:xfrm>
-            <a:prstGeom prst="rect">
-              <a:avLst/>
-            </a:prstGeom>
-            <a:noFill/>
-          </p:spPr>
-          <p:txBody>
-            <a:bodyPr wrap="square" rtlCol="0">
-              <a:spAutoFit/>
-            </a:bodyPr>
-            <a:lstStyle/>
-            <a:p>
-              <a:pPr algn="r"/>
-              <a:r>
-                <a:rPr lang="en-US" sz="1000" dirty="0">
-                  <a:solidFill>
-                    <a:srgbClr val="0070C0"/>
-                  </a:solidFill>
-                  <a:latin typeface="Calibri" panose="020F0502020204030204" pitchFamily="34" charset="0"/>
-                  <a:cs typeface="Calibri" panose="020F0502020204030204" pitchFamily="34" charset="0"/>
-                </a:rPr>
-                <a:t>Data</a:t>
+                <a:t>Section 1.2.1 = Score 83</a:t>
               </a:r>
             </a:p>
           </p:txBody>
@@ -9384,8 +9248,8 @@
           </p:nvSpPr>
           <p:spPr>
             <a:xfrm>
-              <a:off x="1236102" y="1768486"/>
-              <a:ext cx="1109697" cy="215444"/>
+              <a:off x="1215686" y="2151344"/>
+              <a:ext cx="1173197" cy="215444"/>
             </a:xfrm>
             <a:prstGeom prst="rect">
               <a:avLst/>
@@ -9404,7 +9268,7 @@
                   <a:latin typeface="Calibri" panose="020F0502020204030204" pitchFamily="34" charset="0"/>
                   <a:cs typeface="Calibri" panose="020F0502020204030204" pitchFamily="34" charset="0"/>
                 </a:rPr>
-                <a:t>Section 1.3 = Score 99</a:t>
+                <a:t>Section 1.1.3 = Score 64</a:t>
               </a:r>
             </a:p>
           </p:txBody>
@@ -9423,8 +9287,8 @@
           </p:nvSpPr>
           <p:spPr>
             <a:xfrm>
-              <a:off x="1242161" y="1580119"/>
-              <a:ext cx="1109697" cy="215444"/>
+              <a:off x="1208787" y="1613605"/>
+              <a:ext cx="1173197" cy="215444"/>
             </a:xfrm>
             <a:prstGeom prst="rect">
               <a:avLst/>
@@ -9443,7 +9307,7 @@
                   <a:latin typeface="Calibri" panose="020F0502020204030204" pitchFamily="34" charset="0"/>
                   <a:cs typeface="Calibri" panose="020F0502020204030204" pitchFamily="34" charset="0"/>
                 </a:rPr>
-                <a:t>Section 1.2 = Score 40</a:t>
+                <a:t>Section 1.1.2 = Score 96</a:t>
               </a:r>
             </a:p>
           </p:txBody>
@@ -9462,8 +9326,8 @@
           </p:nvSpPr>
           <p:spPr>
             <a:xfrm>
-              <a:off x="1242161" y="1373489"/>
-              <a:ext cx="1109697" cy="215444"/>
+              <a:off x="1213749" y="1154022"/>
+              <a:ext cx="1186078" cy="215444"/>
             </a:xfrm>
             <a:prstGeom prst="rect">
               <a:avLst/>
@@ -9482,442 +9346,7 @@
                   <a:latin typeface="Calibri" panose="020F0502020204030204" pitchFamily="34" charset="0"/>
                   <a:cs typeface="Calibri" panose="020F0502020204030204" pitchFamily="34" charset="0"/>
                 </a:rPr>
-                <a:t>Section 1.1 = Score 20</a:t>
-              </a:r>
-            </a:p>
-          </p:txBody>
-        </p:sp>
-        <p:sp>
-          <p:nvSpPr>
-            <p:cNvPr id="23" name="TextBox 22">
-              <a:extLst>
-                <a:ext uri="{FF2B5EF4-FFF2-40B4-BE49-F238E27FC236}">
-                  <a16:creationId xmlns:a16="http://schemas.microsoft.com/office/drawing/2014/main" id="{3768496B-57CE-1913-6A83-0F51623C9421}"/>
-                </a:ext>
-              </a:extLst>
-            </p:cNvPr>
-            <p:cNvSpPr txBox="1"/>
-            <p:nvPr/>
-          </p:nvSpPr>
-          <p:spPr>
-            <a:xfrm>
-              <a:off x="1239623" y="2460072"/>
-              <a:ext cx="1109697" cy="215444"/>
-            </a:xfrm>
-            <a:prstGeom prst="rect">
-              <a:avLst/>
-            </a:prstGeom>
-            <a:noFill/>
-          </p:spPr>
-          <p:txBody>
-            <a:bodyPr wrap="square" rtlCol="0">
-              <a:spAutoFit/>
-            </a:bodyPr>
-            <a:lstStyle/>
-            <a:p>
-              <a:pPr algn="ctr"/>
-              <a:r>
-                <a:rPr lang="en-US" sz="800" dirty="0">
-                  <a:latin typeface="Calibri" panose="020F0502020204030204" pitchFamily="34" charset="0"/>
-                  <a:cs typeface="Calibri" panose="020F0502020204030204" pitchFamily="34" charset="0"/>
-                </a:rPr>
-                <a:t>Section 2.1 = Score 27</a:t>
-              </a:r>
-            </a:p>
-          </p:txBody>
-        </p:sp>
-        <p:sp>
-          <p:nvSpPr>
-            <p:cNvPr id="24" name="TextBox 23">
-              <a:extLst>
-                <a:ext uri="{FF2B5EF4-FFF2-40B4-BE49-F238E27FC236}">
-                  <a16:creationId xmlns:a16="http://schemas.microsoft.com/office/drawing/2014/main" id="{522FA504-F497-3F0B-1DCD-ADCAEA93A7F3}"/>
-                </a:ext>
-              </a:extLst>
-            </p:cNvPr>
-            <p:cNvSpPr txBox="1"/>
-            <p:nvPr/>
-          </p:nvSpPr>
-          <p:spPr>
-            <a:xfrm>
-              <a:off x="1216994" y="2612785"/>
-              <a:ext cx="1109697" cy="230832"/>
-            </a:xfrm>
-            <a:prstGeom prst="rect">
-              <a:avLst/>
-            </a:prstGeom>
-            <a:noFill/>
-          </p:spPr>
-          <p:txBody>
-            <a:bodyPr wrap="square" rtlCol="0">
-              <a:spAutoFit/>
-            </a:bodyPr>
-            <a:lstStyle/>
-            <a:p>
-              <a:pPr algn="r"/>
-              <a:r>
-                <a:rPr lang="en-US" sz="900" b="1" dirty="0">
-                  <a:latin typeface="Calibri" panose="020F0502020204030204" pitchFamily="34" charset="0"/>
-                  <a:cs typeface="Calibri" panose="020F0502020204030204" pitchFamily="34" charset="0"/>
-                </a:rPr>
-                <a:t>…</a:t>
-              </a:r>
-            </a:p>
-          </p:txBody>
-        </p:sp>
-        <p:sp>
-          <p:nvSpPr>
-            <p:cNvPr id="25" name="TextBox 24">
-              <a:extLst>
-                <a:ext uri="{FF2B5EF4-FFF2-40B4-BE49-F238E27FC236}">
-                  <a16:creationId xmlns:a16="http://schemas.microsoft.com/office/drawing/2014/main" id="{5213CD26-283E-02FE-F516-18773DEFD8D0}"/>
-                </a:ext>
-              </a:extLst>
-            </p:cNvPr>
-            <p:cNvSpPr txBox="1"/>
-            <p:nvPr/>
-          </p:nvSpPr>
-          <p:spPr>
-            <a:xfrm>
-              <a:off x="1239622" y="2787060"/>
-              <a:ext cx="1109697" cy="215444"/>
-            </a:xfrm>
-            <a:prstGeom prst="rect">
-              <a:avLst/>
-            </a:prstGeom>
-            <a:noFill/>
-          </p:spPr>
-          <p:txBody>
-            <a:bodyPr wrap="square" rtlCol="0">
-              <a:spAutoFit/>
-            </a:bodyPr>
-            <a:lstStyle/>
-            <a:p>
-              <a:pPr algn="ctr"/>
-              <a:r>
-                <a:rPr lang="en-US" sz="800" dirty="0">
-                  <a:latin typeface="Calibri" panose="020F0502020204030204" pitchFamily="34" charset="0"/>
-                  <a:cs typeface="Calibri" panose="020F0502020204030204" pitchFamily="34" charset="0"/>
-                </a:rPr>
-                <a:t>Section 2.8 = Score 89</a:t>
-              </a:r>
-            </a:p>
-          </p:txBody>
-        </p:sp>
-        <p:sp>
-          <p:nvSpPr>
-            <p:cNvPr id="26" name="TextBox 25">
-              <a:extLst>
-                <a:ext uri="{FF2B5EF4-FFF2-40B4-BE49-F238E27FC236}">
-                  <a16:creationId xmlns:a16="http://schemas.microsoft.com/office/drawing/2014/main" id="{16B79E5C-CABE-AE6E-A667-4F6D6A01FA1C}"/>
-                </a:ext>
-              </a:extLst>
-            </p:cNvPr>
-            <p:cNvSpPr txBox="1"/>
-            <p:nvPr/>
-          </p:nvSpPr>
-          <p:spPr>
-            <a:xfrm>
-              <a:off x="1265010" y="2952811"/>
-              <a:ext cx="1061250" cy="246221"/>
-            </a:xfrm>
-            <a:prstGeom prst="rect">
-              <a:avLst/>
-            </a:prstGeom>
-            <a:noFill/>
-          </p:spPr>
-          <p:txBody>
-            <a:bodyPr wrap="square" rtlCol="0">
-              <a:spAutoFit/>
-            </a:bodyPr>
-            <a:lstStyle/>
-            <a:p>
-              <a:pPr algn="r"/>
-              <a:r>
-                <a:rPr lang="en-US" sz="1000" dirty="0">
-                  <a:solidFill>
-                    <a:srgbClr val="0070C0"/>
-                  </a:solidFill>
-                  <a:latin typeface="Calibri" panose="020F0502020204030204" pitchFamily="34" charset="0"/>
-                  <a:cs typeface="Calibri" panose="020F0502020204030204" pitchFamily="34" charset="0"/>
-                </a:rPr>
-                <a:t>Performance</a:t>
-              </a:r>
-            </a:p>
-          </p:txBody>
-        </p:sp>
-        <p:sp>
-          <p:nvSpPr>
-            <p:cNvPr id="27" name="TextBox 26">
-              <a:extLst>
-                <a:ext uri="{FF2B5EF4-FFF2-40B4-BE49-F238E27FC236}">
-                  <a16:creationId xmlns:a16="http://schemas.microsoft.com/office/drawing/2014/main" id="{7EF0C524-3C98-1EDF-2F77-0C2304C25344}"/>
-                </a:ext>
-              </a:extLst>
-            </p:cNvPr>
-            <p:cNvSpPr txBox="1"/>
-            <p:nvPr/>
-          </p:nvSpPr>
-          <p:spPr>
-            <a:xfrm>
-              <a:off x="1234509" y="3131643"/>
-              <a:ext cx="1109697" cy="215444"/>
-            </a:xfrm>
-            <a:prstGeom prst="rect">
-              <a:avLst/>
-            </a:prstGeom>
-            <a:noFill/>
-          </p:spPr>
-          <p:txBody>
-            <a:bodyPr wrap="square" rtlCol="0">
-              <a:spAutoFit/>
-            </a:bodyPr>
-            <a:lstStyle/>
-            <a:p>
-              <a:pPr algn="ctr"/>
-              <a:r>
-                <a:rPr lang="en-US" sz="800" dirty="0">
-                  <a:latin typeface="Calibri" panose="020F0502020204030204" pitchFamily="34" charset="0"/>
-                  <a:cs typeface="Calibri" panose="020F0502020204030204" pitchFamily="34" charset="0"/>
-                </a:rPr>
-                <a:t>Section 3.1 = Score 72</a:t>
-              </a:r>
-            </a:p>
-          </p:txBody>
-        </p:sp>
-        <p:sp>
-          <p:nvSpPr>
-            <p:cNvPr id="28" name="TextBox 27">
-              <a:extLst>
-                <a:ext uri="{FF2B5EF4-FFF2-40B4-BE49-F238E27FC236}">
-                  <a16:creationId xmlns:a16="http://schemas.microsoft.com/office/drawing/2014/main" id="{5952D634-1154-458C-10E4-E35560341C78}"/>
-                </a:ext>
-              </a:extLst>
-            </p:cNvPr>
-            <p:cNvSpPr txBox="1"/>
-            <p:nvPr/>
-          </p:nvSpPr>
-          <p:spPr>
-            <a:xfrm>
-              <a:off x="1203237" y="3274697"/>
-              <a:ext cx="1109697" cy="230832"/>
-            </a:xfrm>
-            <a:prstGeom prst="rect">
-              <a:avLst/>
-            </a:prstGeom>
-            <a:noFill/>
-          </p:spPr>
-          <p:txBody>
-            <a:bodyPr wrap="square" rtlCol="0">
-              <a:spAutoFit/>
-            </a:bodyPr>
-            <a:lstStyle/>
-            <a:p>
-              <a:pPr algn="r"/>
-              <a:r>
-                <a:rPr lang="en-US" sz="900" b="1" dirty="0">
-                  <a:latin typeface="Calibri" panose="020F0502020204030204" pitchFamily="34" charset="0"/>
-                  <a:cs typeface="Calibri" panose="020F0502020204030204" pitchFamily="34" charset="0"/>
-                </a:rPr>
-                <a:t>…</a:t>
-              </a:r>
-            </a:p>
-          </p:txBody>
-        </p:sp>
-        <p:sp>
-          <p:nvSpPr>
-            <p:cNvPr id="29" name="TextBox 28">
-              <a:extLst>
-                <a:ext uri="{FF2B5EF4-FFF2-40B4-BE49-F238E27FC236}">
-                  <a16:creationId xmlns:a16="http://schemas.microsoft.com/office/drawing/2014/main" id="{DA4652A5-4DE5-9B2D-B97A-A91B8322AC01}"/>
-                </a:ext>
-              </a:extLst>
-            </p:cNvPr>
-            <p:cNvSpPr txBox="1"/>
-            <p:nvPr/>
-          </p:nvSpPr>
-          <p:spPr>
-            <a:xfrm>
-              <a:off x="1242161" y="3450502"/>
-              <a:ext cx="1109697" cy="215444"/>
-            </a:xfrm>
-            <a:prstGeom prst="rect">
-              <a:avLst/>
-            </a:prstGeom>
-            <a:noFill/>
-          </p:spPr>
-          <p:txBody>
-            <a:bodyPr wrap="square" rtlCol="0">
-              <a:spAutoFit/>
-            </a:bodyPr>
-            <a:lstStyle/>
-            <a:p>
-              <a:pPr algn="ctr"/>
-              <a:r>
-                <a:rPr lang="en-US" sz="800" dirty="0">
-                  <a:latin typeface="Calibri" panose="020F0502020204030204" pitchFamily="34" charset="0"/>
-                  <a:cs typeface="Calibri" panose="020F0502020204030204" pitchFamily="34" charset="0"/>
-                </a:rPr>
-                <a:t>Section 3.9 = Score 55</a:t>
-              </a:r>
-            </a:p>
-          </p:txBody>
-        </p:sp>
-        <p:sp>
-          <p:nvSpPr>
-            <p:cNvPr id="30" name="TextBox 29">
-              <a:extLst>
-                <a:ext uri="{FF2B5EF4-FFF2-40B4-BE49-F238E27FC236}">
-                  <a16:creationId xmlns:a16="http://schemas.microsoft.com/office/drawing/2014/main" id="{21F5F451-E78E-81F3-A671-B5B233FF9E01}"/>
-                </a:ext>
-              </a:extLst>
-            </p:cNvPr>
-            <p:cNvSpPr txBox="1"/>
-            <p:nvPr/>
-          </p:nvSpPr>
-          <p:spPr>
-            <a:xfrm>
-              <a:off x="1282956" y="3605859"/>
-              <a:ext cx="1061250" cy="246221"/>
-            </a:xfrm>
-            <a:prstGeom prst="rect">
-              <a:avLst/>
-            </a:prstGeom>
-            <a:noFill/>
-          </p:spPr>
-          <p:txBody>
-            <a:bodyPr wrap="square" rtlCol="0">
-              <a:spAutoFit/>
-            </a:bodyPr>
-            <a:lstStyle/>
-            <a:p>
-              <a:pPr algn="r"/>
-              <a:r>
-                <a:rPr lang="en-US" sz="1000" dirty="0">
-                  <a:solidFill>
-                    <a:srgbClr val="0070C0"/>
-                  </a:solidFill>
-                  <a:latin typeface="Calibri" panose="020F0502020204030204" pitchFamily="34" charset="0"/>
-                  <a:cs typeface="Calibri" panose="020F0502020204030204" pitchFamily="34" charset="0"/>
-                </a:rPr>
-                <a:t>Monitoring</a:t>
-              </a:r>
-            </a:p>
-          </p:txBody>
-        </p:sp>
-        <p:sp>
-          <p:nvSpPr>
-            <p:cNvPr id="31" name="TextBox 30">
-              <a:extLst>
-                <a:ext uri="{FF2B5EF4-FFF2-40B4-BE49-F238E27FC236}">
-                  <a16:creationId xmlns:a16="http://schemas.microsoft.com/office/drawing/2014/main" id="{C1F00A9C-FE9D-2C2D-5E8E-6AA08D1FB9DE}"/>
-                </a:ext>
-              </a:extLst>
-            </p:cNvPr>
-            <p:cNvSpPr txBox="1"/>
-            <p:nvPr/>
-          </p:nvSpPr>
-          <p:spPr>
-            <a:xfrm>
-              <a:off x="1234509" y="3798441"/>
-              <a:ext cx="1109697" cy="215444"/>
-            </a:xfrm>
-            <a:prstGeom prst="rect">
-              <a:avLst/>
-            </a:prstGeom>
-            <a:noFill/>
-          </p:spPr>
-          <p:txBody>
-            <a:bodyPr wrap="square" rtlCol="0">
-              <a:spAutoFit/>
-            </a:bodyPr>
-            <a:lstStyle/>
-            <a:p>
-              <a:pPr algn="ctr"/>
-              <a:r>
-                <a:rPr lang="en-US" sz="800" dirty="0">
-                  <a:latin typeface="Calibri" panose="020F0502020204030204" pitchFamily="34" charset="0"/>
-                  <a:cs typeface="Calibri" panose="020F0502020204030204" pitchFamily="34" charset="0"/>
-                </a:rPr>
-                <a:t>Section 4.1 = Score 49</a:t>
-              </a:r>
-            </a:p>
-          </p:txBody>
-        </p:sp>
-        <p:sp>
-          <p:nvSpPr>
-            <p:cNvPr id="32" name="TextBox 31">
-              <a:extLst>
-                <a:ext uri="{FF2B5EF4-FFF2-40B4-BE49-F238E27FC236}">
-                  <a16:creationId xmlns:a16="http://schemas.microsoft.com/office/drawing/2014/main" id="{785E627E-02AF-7684-DAE9-42AA5BC2A301}"/>
-                </a:ext>
-              </a:extLst>
-            </p:cNvPr>
-            <p:cNvSpPr txBox="1"/>
-            <p:nvPr/>
-          </p:nvSpPr>
-          <p:spPr>
-            <a:xfrm>
-              <a:off x="1203237" y="3932912"/>
-              <a:ext cx="1109697" cy="230832"/>
-            </a:xfrm>
-            <a:prstGeom prst="rect">
-              <a:avLst/>
-            </a:prstGeom>
-            <a:noFill/>
-          </p:spPr>
-          <p:txBody>
-            <a:bodyPr wrap="square" rtlCol="0">
-              <a:spAutoFit/>
-            </a:bodyPr>
-            <a:lstStyle/>
-            <a:p>
-              <a:pPr algn="r"/>
-              <a:r>
-                <a:rPr lang="en-US" sz="900" b="1" dirty="0">
-                  <a:latin typeface="Calibri" panose="020F0502020204030204" pitchFamily="34" charset="0"/>
-                  <a:cs typeface="Calibri" panose="020F0502020204030204" pitchFamily="34" charset="0"/>
-                </a:rPr>
-                <a:t>…</a:t>
-              </a:r>
-            </a:p>
-          </p:txBody>
-        </p:sp>
-        <p:sp>
-          <p:nvSpPr>
-            <p:cNvPr id="33" name="TextBox 32">
-              <a:extLst>
-                <a:ext uri="{FF2B5EF4-FFF2-40B4-BE49-F238E27FC236}">
-                  <a16:creationId xmlns:a16="http://schemas.microsoft.com/office/drawing/2014/main" id="{8E44E8AF-EE72-4D32-5279-F0E4071A25D5}"/>
-                </a:ext>
-              </a:extLst>
-            </p:cNvPr>
-            <p:cNvSpPr txBox="1"/>
-            <p:nvPr/>
-          </p:nvSpPr>
-          <p:spPr>
-            <a:xfrm>
-              <a:off x="1242161" y="4097031"/>
-              <a:ext cx="1109697" cy="215444"/>
-            </a:xfrm>
-            <a:prstGeom prst="rect">
-              <a:avLst/>
-            </a:prstGeom>
-            <a:noFill/>
-          </p:spPr>
-          <p:txBody>
-            <a:bodyPr wrap="square" rtlCol="0">
-              <a:spAutoFit/>
-            </a:bodyPr>
-            <a:lstStyle/>
-            <a:p>
-              <a:pPr algn="ctr"/>
-              <a:r>
-                <a:rPr lang="en-US" sz="800" dirty="0">
-                  <a:latin typeface="Calibri" panose="020F0502020204030204" pitchFamily="34" charset="0"/>
-                  <a:cs typeface="Calibri" panose="020F0502020204030204" pitchFamily="34" charset="0"/>
-                </a:rPr>
-                <a:t>Section 4.5 = Score 92</a:t>
+                <a:t>Section 1.1.1 = Score 85</a:t>
               </a:r>
             </a:p>
           </p:txBody>
@@ -9936,7 +9365,7 @@
           </p:nvSpPr>
           <p:spPr>
             <a:xfrm>
-              <a:off x="3648354" y="1637696"/>
+              <a:off x="3356175" y="1167809"/>
               <a:ext cx="190748" cy="187869"/>
             </a:xfrm>
             <a:prstGeom prst="ellipse">
@@ -9990,7 +9419,7 @@
           </p:nvSpPr>
           <p:spPr>
             <a:xfrm>
-              <a:off x="2400305" y="1637696"/>
+              <a:off x="2448630" y="1639676"/>
               <a:ext cx="190748" cy="187869"/>
             </a:xfrm>
             <a:prstGeom prst="ellipse">
@@ -10044,7 +9473,7 @@
           </p:nvSpPr>
           <p:spPr>
             <a:xfrm>
-              <a:off x="2400305" y="1991713"/>
+              <a:off x="2441753" y="2165132"/>
               <a:ext cx="190748" cy="187869"/>
             </a:xfrm>
             <a:prstGeom prst="ellipse">
@@ -10098,7 +9527,7 @@
           </p:nvSpPr>
           <p:spPr>
             <a:xfrm>
-              <a:off x="2400305" y="2436521"/>
+              <a:off x="2434477" y="2641960"/>
               <a:ext cx="190748" cy="187869"/>
             </a:xfrm>
             <a:prstGeom prst="ellipse">
@@ -10152,7 +9581,7 @@
           </p:nvSpPr>
           <p:spPr>
             <a:xfrm>
-              <a:off x="2400305" y="2773367"/>
+              <a:off x="2445217" y="3099012"/>
               <a:ext cx="190748" cy="187869"/>
             </a:xfrm>
             <a:prstGeom prst="ellipse">
@@ -10194,107 +9623,6 @@
         </p:sp>
         <p:sp>
           <p:nvSpPr>
-            <p:cNvPr id="39" name="Oval 38">
-              <a:extLst>
-                <a:ext uri="{FF2B5EF4-FFF2-40B4-BE49-F238E27FC236}">
-                  <a16:creationId xmlns:a16="http://schemas.microsoft.com/office/drawing/2014/main" id="{5E3F91F6-ECBE-40BC-CC12-B61759678275}"/>
-                </a:ext>
-              </a:extLst>
-            </p:cNvPr>
-            <p:cNvSpPr/>
-            <p:nvPr/>
-          </p:nvSpPr>
-          <p:spPr>
-            <a:xfrm>
-              <a:off x="2400305" y="3110213"/>
-              <a:ext cx="190748" cy="187869"/>
-            </a:xfrm>
-            <a:prstGeom prst="ellipse">
-              <a:avLst/>
-            </a:prstGeom>
-            <a:solidFill>
-              <a:schemeClr val="accent2"/>
-            </a:solidFill>
-            <a:ln>
-              <a:noFill/>
-            </a:ln>
-          </p:spPr>
-          <p:style>
-            <a:lnRef idx="1">
-              <a:schemeClr val="accent1"/>
-            </a:lnRef>
-            <a:fillRef idx="3">
-              <a:schemeClr val="accent1"/>
-            </a:fillRef>
-            <a:effectRef idx="2">
-              <a:schemeClr val="accent1"/>
-            </a:effectRef>
-            <a:fontRef idx="minor">
-              <a:schemeClr val="lt1"/>
-            </a:fontRef>
-          </p:style>
-          <p:txBody>
-            <a:bodyPr rtlCol="0" anchor="ctr"/>
-            <a:lstStyle/>
-            <a:p>
-              <a:pPr algn="ctr"/>
-              <a:endParaRPr lang="en-US" b="1" dirty="0">
-                <a:solidFill>
-                  <a:srgbClr val="0E4F83"/>
-                </a:solidFill>
-              </a:endParaRPr>
-            </a:p>
-          </p:txBody>
-        </p:sp>
-        <p:sp>
-          <p:nvSpPr>
-            <p:cNvPr id="40" name="TextBox 39">
-              <a:extLst>
-                <a:ext uri="{FF2B5EF4-FFF2-40B4-BE49-F238E27FC236}">
-                  <a16:creationId xmlns:a16="http://schemas.microsoft.com/office/drawing/2014/main" id="{2DB2D161-0D91-C1AE-AD1D-C5F5AED33A37}"/>
-                </a:ext>
-              </a:extLst>
-            </p:cNvPr>
-            <p:cNvSpPr txBox="1"/>
-            <p:nvPr/>
-          </p:nvSpPr>
-          <p:spPr>
-            <a:xfrm>
-              <a:off x="2389542" y="3298082"/>
-              <a:ext cx="181669" cy="553998"/>
-            </a:xfrm>
-            <a:prstGeom prst="rect">
-              <a:avLst/>
-            </a:prstGeom>
-            <a:noFill/>
-          </p:spPr>
-          <p:txBody>
-            <a:bodyPr wrap="square" rtlCol="0">
-              <a:spAutoFit/>
-            </a:bodyPr>
-            <a:lstStyle/>
-            <a:p>
-              <a:r>
-                <a:rPr lang="en-US" sz="1000" b="1" dirty="0"/>
-                <a:t>.</a:t>
-              </a:r>
-            </a:p>
-            <a:p>
-              <a:r>
-                <a:rPr lang="en-US" sz="1000" b="1" dirty="0"/>
-                <a:t>.</a:t>
-              </a:r>
-            </a:p>
-            <a:p>
-              <a:r>
-                <a:rPr lang="en-US" sz="1000" b="1" dirty="0"/>
-                <a:t>.</a:t>
-              </a:r>
-            </a:p>
-          </p:txBody>
-        </p:sp>
-        <p:sp>
-          <p:nvSpPr>
             <p:cNvPr id="41" name="Oval 40">
               <a:extLst>
                 <a:ext uri="{FF2B5EF4-FFF2-40B4-BE49-F238E27FC236}">
@@ -10307,7 +9635,7 @@
           </p:nvSpPr>
           <p:spPr>
             <a:xfrm>
-              <a:off x="2400305" y="3890787"/>
+              <a:off x="2407727" y="3786762"/>
               <a:ext cx="190748" cy="187869"/>
             </a:xfrm>
             <a:prstGeom prst="ellipse">
@@ -10361,115 +9689,7 @@
           </p:nvSpPr>
           <p:spPr>
             <a:xfrm>
-              <a:off x="3648354" y="2248285"/>
-              <a:ext cx="190748" cy="187869"/>
-            </a:xfrm>
-            <a:prstGeom prst="ellipse">
-              <a:avLst/>
-            </a:prstGeom>
-            <a:solidFill>
-              <a:schemeClr val="accent2"/>
-            </a:solidFill>
-            <a:ln>
-              <a:noFill/>
-            </a:ln>
-          </p:spPr>
-          <p:style>
-            <a:lnRef idx="1">
-              <a:schemeClr val="accent1"/>
-            </a:lnRef>
-            <a:fillRef idx="3">
-              <a:schemeClr val="accent1"/>
-            </a:fillRef>
-            <a:effectRef idx="2">
-              <a:schemeClr val="accent1"/>
-            </a:effectRef>
-            <a:fontRef idx="minor">
-              <a:schemeClr val="lt1"/>
-            </a:fontRef>
-          </p:style>
-          <p:txBody>
-            <a:bodyPr rtlCol="0" anchor="ctr"/>
-            <a:lstStyle/>
-            <a:p>
-              <a:pPr algn="ctr"/>
-              <a:endParaRPr lang="en-US" b="1" dirty="0">
-                <a:solidFill>
-                  <a:srgbClr val="0E4F83"/>
-                </a:solidFill>
-              </a:endParaRPr>
-            </a:p>
-          </p:txBody>
-        </p:sp>
-        <p:sp>
-          <p:nvSpPr>
-            <p:cNvPr id="43" name="Oval 42">
-              <a:extLst>
-                <a:ext uri="{FF2B5EF4-FFF2-40B4-BE49-F238E27FC236}">
-                  <a16:creationId xmlns:a16="http://schemas.microsoft.com/office/drawing/2014/main" id="{0A1E4A43-6AF1-F2FF-AAD1-643F07C61E99}"/>
-                </a:ext>
-              </a:extLst>
-            </p:cNvPr>
-            <p:cNvSpPr/>
-            <p:nvPr/>
-          </p:nvSpPr>
-          <p:spPr>
-            <a:xfrm>
-              <a:off x="3648354" y="3505529"/>
-              <a:ext cx="190748" cy="187869"/>
-            </a:xfrm>
-            <a:prstGeom prst="ellipse">
-              <a:avLst/>
-            </a:prstGeom>
-            <a:solidFill>
-              <a:schemeClr val="accent2"/>
-            </a:solidFill>
-            <a:ln>
-              <a:noFill/>
-            </a:ln>
-          </p:spPr>
-          <p:style>
-            <a:lnRef idx="1">
-              <a:schemeClr val="accent1"/>
-            </a:lnRef>
-            <a:fillRef idx="3">
-              <a:schemeClr val="accent1"/>
-            </a:fillRef>
-            <a:effectRef idx="2">
-              <a:schemeClr val="accent1"/>
-            </a:effectRef>
-            <a:fontRef idx="minor">
-              <a:schemeClr val="lt1"/>
-            </a:fontRef>
-          </p:style>
-          <p:txBody>
-            <a:bodyPr rtlCol="0" anchor="ctr"/>
-            <a:lstStyle/>
-            <a:p>
-              <a:pPr algn="ctr"/>
-              <a:endParaRPr lang="en-US" b="1" dirty="0">
-                <a:solidFill>
-                  <a:srgbClr val="0E4F83"/>
-                </a:solidFill>
-              </a:endParaRPr>
-            </a:p>
-          </p:txBody>
-        </p:sp>
-        <p:sp>
-          <p:nvSpPr>
-            <p:cNvPr id="44" name="Oval 43">
-              <a:extLst>
-                <a:ext uri="{FF2B5EF4-FFF2-40B4-BE49-F238E27FC236}">
-                  <a16:creationId xmlns:a16="http://schemas.microsoft.com/office/drawing/2014/main" id="{C701BB61-91FD-F526-96EC-B27215E0E31C}"/>
-                </a:ext>
-              </a:extLst>
-            </p:cNvPr>
-            <p:cNvSpPr/>
-            <p:nvPr/>
-          </p:nvSpPr>
-          <p:spPr>
-            <a:xfrm>
-              <a:off x="3648354" y="2893140"/>
+              <a:off x="4183093" y="1063966"/>
               <a:ext cx="190748" cy="187869"/>
             </a:xfrm>
             <a:prstGeom prst="ellipse">
@@ -10523,7 +9743,7 @@
           </p:nvSpPr>
           <p:spPr>
             <a:xfrm>
-              <a:off x="5269477" y="2567794"/>
+              <a:off x="5116334" y="2342586"/>
               <a:ext cx="190748" cy="187869"/>
             </a:xfrm>
             <a:prstGeom prst="ellipse">
@@ -10577,8 +9797,8 @@
           </p:nvSpPr>
           <p:spPr>
             <a:xfrm>
-              <a:off x="6101644" y="2545727"/>
-              <a:ext cx="2262427" cy="246221"/>
+              <a:off x="5488159" y="2313409"/>
+              <a:ext cx="2875913" cy="246221"/>
             </a:xfrm>
             <a:prstGeom prst="rect">
               <a:avLst/>
@@ -10596,7 +9816,7 @@
                   <a:latin typeface="Calibri" panose="020F0502020204030204" pitchFamily="34" charset="0"/>
                   <a:cs typeface="Calibri" panose="020F0502020204030204" pitchFamily="34" charset="0"/>
                 </a:rPr>
-                <a:t>Compliant? </a:t>
+                <a:t>Framework Compliant? </a:t>
               </a:r>
               <a:r>
                 <a:rPr lang="en-US" sz="1000" dirty="0">
@@ -10640,14 +9860,14 @@
             <p:cNvCxnSpPr>
               <a:cxnSpLocks/>
               <a:stCxn id="5" idx="6"/>
-              <a:endCxn id="34" idx="1"/>
+              <a:endCxn id="34" idx="2"/>
             </p:cNvCxnSpPr>
             <p:nvPr/>
           </p:nvCxnSpPr>
           <p:spPr>
             <a:xfrm>
-              <a:off x="2591053" y="1379735"/>
-              <a:ext cx="1085235" cy="285474"/>
+              <a:off x="2634846" y="1261744"/>
+              <a:ext cx="721329" cy="0"/>
             </a:xfrm>
             <a:prstGeom prst="line">
               <a:avLst/>
@@ -10678,15 +9898,16 @@
               </a:extLst>
             </p:cNvPr>
             <p:cNvCxnSpPr>
+              <a:cxnSpLocks/>
               <a:stCxn id="35" idx="6"/>
-              <a:endCxn id="34" idx="2"/>
+              <a:endCxn id="126" idx="2"/>
             </p:cNvCxnSpPr>
             <p:nvPr/>
           </p:nvCxnSpPr>
           <p:spPr>
             <a:xfrm>
-              <a:off x="2591053" y="1731631"/>
-              <a:ext cx="1057301" cy="0"/>
+              <a:off x="2639378" y="1733611"/>
+              <a:ext cx="714418" cy="0"/>
             </a:xfrm>
             <a:prstGeom prst="line">
               <a:avLst/>
@@ -10719,14 +9940,14 @@
             <p:cNvCxnSpPr>
               <a:cxnSpLocks/>
               <a:stCxn id="36" idx="6"/>
-              <a:endCxn id="34" idx="3"/>
+              <a:endCxn id="141" idx="2"/>
             </p:cNvCxnSpPr>
             <p:nvPr/>
           </p:nvCxnSpPr>
           <p:spPr>
-            <a:xfrm flipV="1">
-              <a:off x="2591053" y="1798052"/>
-              <a:ext cx="1085235" cy="287596"/>
+            <a:xfrm>
+              <a:off x="2632501" y="2259067"/>
+              <a:ext cx="721295" cy="3292"/>
             </a:xfrm>
             <a:prstGeom prst="line">
               <a:avLst/>
@@ -10757,15 +9978,16 @@
               </a:extLst>
             </p:cNvPr>
             <p:cNvCxnSpPr>
-              <a:stCxn id="37" idx="7"/>
-              <a:endCxn id="34" idx="4"/>
+              <a:cxnSpLocks/>
+              <a:stCxn id="37" idx="6"/>
+              <a:endCxn id="105" idx="2"/>
             </p:cNvCxnSpPr>
             <p:nvPr/>
           </p:nvCxnSpPr>
           <p:spPr>
             <a:xfrm flipV="1">
-              <a:off x="2563119" y="1825565"/>
-              <a:ext cx="1180609" cy="638469"/>
+              <a:off x="2625225" y="2733021"/>
+              <a:ext cx="734404" cy="2874"/>
             </a:xfrm>
             <a:prstGeom prst="line">
               <a:avLst/>
@@ -10796,94 +10018,16 @@
               </a:extLst>
             </p:cNvPr>
             <p:cNvCxnSpPr>
-              <a:stCxn id="38" idx="7"/>
-              <a:endCxn id="34" idx="4"/>
+              <a:cxnSpLocks/>
+              <a:stCxn id="38" idx="6"/>
+              <a:endCxn id="127" idx="2"/>
             </p:cNvCxnSpPr>
             <p:nvPr/>
           </p:nvCxnSpPr>
           <p:spPr>
-            <a:xfrm flipV="1">
-              <a:off x="2563119" y="1825565"/>
-              <a:ext cx="1180609" cy="975315"/>
-            </a:xfrm>
-            <a:prstGeom prst="line">
-              <a:avLst/>
-            </a:prstGeom>
-          </p:spPr>
-          <p:style>
-            <a:lnRef idx="2">
-              <a:schemeClr val="dk1"/>
-            </a:lnRef>
-            <a:fillRef idx="0">
-              <a:schemeClr val="dk1"/>
-            </a:fillRef>
-            <a:effectRef idx="1">
-              <a:schemeClr val="dk1"/>
-            </a:effectRef>
-            <a:fontRef idx="minor">
-              <a:schemeClr val="tx1"/>
-            </a:fontRef>
-          </p:style>
-        </p:cxnSp>
-        <p:cxnSp>
-          <p:nvCxnSpPr>
-            <p:cNvPr id="66" name="Straight Connector 65">
-              <a:extLst>
-                <a:ext uri="{FF2B5EF4-FFF2-40B4-BE49-F238E27FC236}">
-                  <a16:creationId xmlns:a16="http://schemas.microsoft.com/office/drawing/2014/main" id="{F8387EFF-A435-2660-1ED6-799F7C9F1B02}"/>
-                </a:ext>
-              </a:extLst>
-            </p:cNvPr>
-            <p:cNvCxnSpPr>
-              <a:stCxn id="39" idx="7"/>
-              <a:endCxn id="34" idx="4"/>
-            </p:cNvCxnSpPr>
-            <p:nvPr/>
-          </p:nvCxnSpPr>
-          <p:spPr>
-            <a:xfrm flipV="1">
-              <a:off x="2563119" y="1825565"/>
-              <a:ext cx="1180609" cy="1312161"/>
-            </a:xfrm>
-            <a:prstGeom prst="line">
-              <a:avLst/>
-            </a:prstGeom>
-          </p:spPr>
-          <p:style>
-            <a:lnRef idx="2">
-              <a:schemeClr val="dk1"/>
-            </a:lnRef>
-            <a:fillRef idx="0">
-              <a:schemeClr val="dk1"/>
-            </a:fillRef>
-            <a:effectRef idx="1">
-              <a:schemeClr val="dk1"/>
-            </a:effectRef>
-            <a:fontRef idx="minor">
-              <a:schemeClr val="tx1"/>
-            </a:fontRef>
-          </p:style>
-        </p:cxnSp>
-        <p:cxnSp>
-          <p:nvCxnSpPr>
-            <p:cNvPr id="68" name="Straight Connector 67">
-              <a:extLst>
-                <a:ext uri="{FF2B5EF4-FFF2-40B4-BE49-F238E27FC236}">
-                  <a16:creationId xmlns:a16="http://schemas.microsoft.com/office/drawing/2014/main" id="{7AD40B38-24D4-8CD5-2381-55EA48083A9B}"/>
-                </a:ext>
-              </a:extLst>
-            </p:cNvPr>
-            <p:cNvCxnSpPr>
-              <a:cxnSpLocks/>
-              <a:stCxn id="41" idx="7"/>
-              <a:endCxn id="34" idx="4"/>
-            </p:cNvCxnSpPr>
-            <p:nvPr/>
-          </p:nvCxnSpPr>
-          <p:spPr>
-            <a:xfrm flipV="1">
-              <a:off x="2563119" y="1825565"/>
-              <a:ext cx="1180609" cy="2092735"/>
+            <a:xfrm>
+              <a:off x="2635965" y="3192947"/>
+              <a:ext cx="722449" cy="1"/>
             </a:xfrm>
             <a:prstGeom prst="line">
               <a:avLst/>
@@ -10916,54 +10060,14 @@
             <p:cNvCxnSpPr>
               <a:cxnSpLocks/>
               <a:stCxn id="42" idx="6"/>
-              <a:endCxn id="45" idx="1"/>
+              <a:endCxn id="45" idx="0"/>
             </p:cNvCxnSpPr>
             <p:nvPr/>
           </p:nvCxnSpPr>
           <p:spPr>
             <a:xfrm>
-              <a:off x="3839102" y="2342220"/>
-              <a:ext cx="1458309" cy="253087"/>
-            </a:xfrm>
-            <a:prstGeom prst="line">
-              <a:avLst/>
-            </a:prstGeom>
-          </p:spPr>
-          <p:style>
-            <a:lnRef idx="2">
-              <a:schemeClr val="dk1"/>
-            </a:lnRef>
-            <a:fillRef idx="0">
-              <a:schemeClr val="dk1"/>
-            </a:fillRef>
-            <a:effectRef idx="1">
-              <a:schemeClr val="dk1"/>
-            </a:effectRef>
-            <a:fontRef idx="minor">
-              <a:schemeClr val="tx1"/>
-            </a:fontRef>
-          </p:style>
-        </p:cxnSp>
-        <p:cxnSp>
-          <p:nvCxnSpPr>
-            <p:cNvPr id="73" name="Straight Connector 72">
-              <a:extLst>
-                <a:ext uri="{FF2B5EF4-FFF2-40B4-BE49-F238E27FC236}">
-                  <a16:creationId xmlns:a16="http://schemas.microsoft.com/office/drawing/2014/main" id="{F9DB2AAE-28FC-AD9F-460C-DA35A7612B3C}"/>
-                </a:ext>
-              </a:extLst>
-            </p:cNvPr>
-            <p:cNvCxnSpPr>
-              <a:cxnSpLocks/>
-              <a:stCxn id="44" idx="6"/>
-              <a:endCxn id="45" idx="3"/>
-            </p:cNvCxnSpPr>
-            <p:nvPr/>
-          </p:nvCxnSpPr>
-          <p:spPr>
-            <a:xfrm flipV="1">
-              <a:off x="3839102" y="2728150"/>
-              <a:ext cx="1458309" cy="258925"/>
+              <a:off x="4373841" y="1157901"/>
+              <a:ext cx="837867" cy="1184685"/>
             </a:xfrm>
             <a:prstGeom prst="line">
               <a:avLst/>
@@ -10995,15 +10099,15 @@
             </p:cNvPr>
             <p:cNvCxnSpPr>
               <a:cxnSpLocks/>
-              <a:stCxn id="43" idx="6"/>
+              <a:stCxn id="173" idx="6"/>
               <a:endCxn id="45" idx="4"/>
             </p:cNvCxnSpPr>
             <p:nvPr/>
           </p:nvCxnSpPr>
           <p:spPr>
             <a:xfrm flipV="1">
-              <a:off x="3839102" y="2755663"/>
-              <a:ext cx="1525749" cy="843801"/>
+              <a:off x="4382637" y="2530455"/>
+              <a:ext cx="829071" cy="1292792"/>
             </a:xfrm>
             <a:prstGeom prst="line">
               <a:avLst/>
@@ -11036,13 +10140,14 @@
             <p:cNvCxnSpPr>
               <a:cxnSpLocks/>
               <a:stCxn id="45" idx="6"/>
+              <a:endCxn id="46" idx="1"/>
             </p:cNvCxnSpPr>
             <p:nvPr/>
           </p:nvCxnSpPr>
           <p:spPr>
-            <a:xfrm>
-              <a:off x="5460225" y="2661729"/>
-              <a:ext cx="641419" cy="0"/>
+            <a:xfrm flipV="1">
+              <a:off x="5307082" y="2436520"/>
+              <a:ext cx="181077" cy="1"/>
             </a:xfrm>
             <a:prstGeom prst="line">
               <a:avLst/>
@@ -11075,14 +10180,14 @@
             <p:cNvCxnSpPr>
               <a:cxnSpLocks/>
               <a:stCxn id="34" idx="6"/>
-              <a:endCxn id="45" idx="0"/>
+              <a:endCxn id="42" idx="2"/>
             </p:cNvCxnSpPr>
             <p:nvPr/>
           </p:nvCxnSpPr>
           <p:spPr>
-            <a:xfrm>
-              <a:off x="3839102" y="1731631"/>
-              <a:ext cx="1525749" cy="836163"/>
+            <a:xfrm flipV="1">
+              <a:off x="3546923" y="1157901"/>
+              <a:ext cx="636170" cy="103843"/>
             </a:xfrm>
             <a:prstGeom prst="line">
               <a:avLst/>
@@ -11118,8 +10223,8 @@
         </p:nvSpPr>
         <p:spPr>
           <a:xfrm>
-            <a:off x="84759" y="812712"/>
-            <a:ext cx="1843809" cy="3771014"/>
+            <a:off x="84760" y="812712"/>
+            <a:ext cx="1863800" cy="3771014"/>
           </a:xfrm>
           <a:prstGeom prst="rect">
             <a:avLst/>
@@ -11319,6 +10424,2127 @@
           </a:p>
         </p:txBody>
       </p:sp>
+      <p:sp>
+        <p:nvSpPr>
+          <p:cNvPr id="4" name="TextBox 3">
+            <a:extLst>
+              <a:ext uri="{FF2B5EF4-FFF2-40B4-BE49-F238E27FC236}">
+                <a16:creationId xmlns:a16="http://schemas.microsoft.com/office/drawing/2014/main" id="{EED7B13F-ADBD-1787-0C9D-F3B75A296219}"/>
+              </a:ext>
+            </a:extLst>
+          </p:cNvPr>
+          <p:cNvSpPr txBox="1"/>
+          <p:nvPr/>
+        </p:nvSpPr>
+        <p:spPr>
+          <a:xfrm>
+            <a:off x="2064191" y="3291147"/>
+            <a:ext cx="1169676" cy="215444"/>
+          </a:xfrm>
+          <a:prstGeom prst="rect">
+            <a:avLst/>
+          </a:prstGeom>
+          <a:noFill/>
+        </p:spPr>
+        <p:txBody>
+          <a:bodyPr wrap="square" rtlCol="0">
+            <a:spAutoFit/>
+          </a:bodyPr>
+          <a:lstStyle/>
+          <a:p>
+            <a:pPr algn="ctr"/>
+            <a:r>
+              <a:rPr lang="en-US" sz="800" dirty="0">
+                <a:latin typeface="Calibri" panose="020F0502020204030204" pitchFamily="34" charset="0"/>
+                <a:cs typeface="Calibri" panose="020F0502020204030204" pitchFamily="34" charset="0"/>
+              </a:rPr>
+              <a:t>Section 1.2.2 = Score 60</a:t>
+            </a:r>
+          </a:p>
+        </p:txBody>
+      </p:sp>
+      <p:sp>
+        <p:nvSpPr>
+          <p:cNvPr id="13" name="TextBox 12">
+            <a:extLst>
+              <a:ext uri="{FF2B5EF4-FFF2-40B4-BE49-F238E27FC236}">
+                <a16:creationId xmlns:a16="http://schemas.microsoft.com/office/drawing/2014/main" id="{B0A551A0-5D78-3DF2-670B-B3302FF73877}"/>
+              </a:ext>
+            </a:extLst>
+          </p:cNvPr>
+          <p:cNvSpPr txBox="1"/>
+          <p:nvPr/>
+        </p:nvSpPr>
+        <p:spPr>
+          <a:xfrm>
+            <a:off x="2534933" y="3427234"/>
+            <a:ext cx="181669" cy="553998"/>
+          </a:xfrm>
+          <a:prstGeom prst="rect">
+            <a:avLst/>
+          </a:prstGeom>
+          <a:noFill/>
+        </p:spPr>
+        <p:txBody>
+          <a:bodyPr wrap="square" rtlCol="0">
+            <a:spAutoFit/>
+          </a:bodyPr>
+          <a:lstStyle/>
+          <a:p>
+            <a:r>
+              <a:rPr lang="en-US" sz="1000" b="1" dirty="0"/>
+              <a:t>.</a:t>
+            </a:r>
+          </a:p>
+          <a:p>
+            <a:r>
+              <a:rPr lang="en-US" sz="1000" b="1" dirty="0"/>
+              <a:t>.</a:t>
+            </a:r>
+          </a:p>
+          <a:p>
+            <a:r>
+              <a:rPr lang="en-US" sz="1000" b="1" dirty="0"/>
+              <a:t>.</a:t>
+            </a:r>
+          </a:p>
+        </p:txBody>
+      </p:sp>
+      <p:sp>
+        <p:nvSpPr>
+          <p:cNvPr id="54" name="TextBox 53">
+            <a:extLst>
+              <a:ext uri="{FF2B5EF4-FFF2-40B4-BE49-F238E27FC236}">
+                <a16:creationId xmlns:a16="http://schemas.microsoft.com/office/drawing/2014/main" id="{95C487BD-D40B-5DEA-A46A-267566448B3D}"/>
+              </a:ext>
+            </a:extLst>
+          </p:cNvPr>
+          <p:cNvSpPr txBox="1"/>
+          <p:nvPr/>
+        </p:nvSpPr>
+        <p:spPr>
+          <a:xfrm>
+            <a:off x="2065754" y="3956735"/>
+            <a:ext cx="1169676" cy="215444"/>
+          </a:xfrm>
+          <a:prstGeom prst="rect">
+            <a:avLst/>
+          </a:prstGeom>
+          <a:noFill/>
+        </p:spPr>
+        <p:txBody>
+          <a:bodyPr wrap="square" rtlCol="0">
+            <a:spAutoFit/>
+          </a:bodyPr>
+          <a:lstStyle/>
+          <a:p>
+            <a:pPr algn="ctr"/>
+            <a:r>
+              <a:rPr lang="en-US" sz="800" dirty="0">
+                <a:latin typeface="Calibri" panose="020F0502020204030204" pitchFamily="34" charset="0"/>
+                <a:cs typeface="Calibri" panose="020F0502020204030204" pitchFamily="34" charset="0"/>
+              </a:rPr>
+              <a:t>Section 1.9.3 = Score 75</a:t>
+            </a:r>
+          </a:p>
+        </p:txBody>
+      </p:sp>
+      <p:sp>
+        <p:nvSpPr>
+          <p:cNvPr id="96" name="TextBox 95">
+            <a:extLst>
+              <a:ext uri="{FF2B5EF4-FFF2-40B4-BE49-F238E27FC236}">
+                <a16:creationId xmlns:a16="http://schemas.microsoft.com/office/drawing/2014/main" id="{6605C709-CEA7-1028-9D90-8FB46061A7A4}"/>
+              </a:ext>
+            </a:extLst>
+          </p:cNvPr>
+          <p:cNvSpPr txBox="1"/>
+          <p:nvPr/>
+        </p:nvSpPr>
+        <p:spPr>
+          <a:xfrm>
+            <a:off x="3158506" y="1073315"/>
+            <a:ext cx="433137" cy="276999"/>
+          </a:xfrm>
+          <a:prstGeom prst="rect">
+            <a:avLst/>
+          </a:prstGeom>
+          <a:noFill/>
+        </p:spPr>
+        <p:txBody>
+          <a:bodyPr wrap="square" rtlCol="0">
+            <a:spAutoFit/>
+          </a:bodyPr>
+          <a:lstStyle/>
+          <a:p>
+            <a:r>
+              <a:rPr lang="en-US" sz="1200" dirty="0">
+                <a:solidFill>
+                  <a:schemeClr val="tx2"/>
+                </a:solidFill>
+                <a:latin typeface="Calibri" panose="020F0502020204030204" pitchFamily="34" charset="0"/>
+                <a:cs typeface="Calibri" panose="020F0502020204030204" pitchFamily="34" charset="0"/>
+              </a:rPr>
+              <a:t>[27]</a:t>
+            </a:r>
+          </a:p>
+        </p:txBody>
+      </p:sp>
+      <p:sp>
+        <p:nvSpPr>
+          <p:cNvPr id="105" name="Oval 104">
+            <a:extLst>
+              <a:ext uri="{FF2B5EF4-FFF2-40B4-BE49-F238E27FC236}">
+                <a16:creationId xmlns:a16="http://schemas.microsoft.com/office/drawing/2014/main" id="{90A6875D-3C4A-9E9D-09AC-7D3EDF78A282}"/>
+              </a:ext>
+            </a:extLst>
+          </p:cNvPr>
+          <p:cNvSpPr/>
+          <p:nvPr/>
+        </p:nvSpPr>
+        <p:spPr>
+          <a:xfrm>
+            <a:off x="4195969" y="2836634"/>
+            <a:ext cx="190748" cy="187869"/>
+          </a:xfrm>
+          <a:prstGeom prst="ellipse">
+            <a:avLst/>
+          </a:prstGeom>
+          <a:solidFill>
+            <a:schemeClr val="accent2"/>
+          </a:solidFill>
+          <a:ln>
+            <a:noFill/>
+          </a:ln>
+        </p:spPr>
+        <p:style>
+          <a:lnRef idx="1">
+            <a:schemeClr val="accent1"/>
+          </a:lnRef>
+          <a:fillRef idx="3">
+            <a:schemeClr val="accent1"/>
+          </a:fillRef>
+          <a:effectRef idx="2">
+            <a:schemeClr val="accent1"/>
+          </a:effectRef>
+          <a:fontRef idx="minor">
+            <a:schemeClr val="lt1"/>
+          </a:fontRef>
+        </p:style>
+        <p:txBody>
+          <a:bodyPr rtlCol="0" anchor="ctr"/>
+          <a:lstStyle/>
+          <a:p>
+            <a:pPr algn="ctr"/>
+            <a:endParaRPr lang="en-US" b="1" dirty="0">
+              <a:solidFill>
+                <a:srgbClr val="0E4F83"/>
+              </a:solidFill>
+            </a:endParaRPr>
+          </a:p>
+        </p:txBody>
+      </p:sp>
+      <p:sp>
+        <p:nvSpPr>
+          <p:cNvPr id="118" name="Oval 117">
+            <a:extLst>
+              <a:ext uri="{FF2B5EF4-FFF2-40B4-BE49-F238E27FC236}">
+                <a16:creationId xmlns:a16="http://schemas.microsoft.com/office/drawing/2014/main" id="{A0EE7E18-552A-7E53-39DB-612D008E933D}"/>
+              </a:ext>
+            </a:extLst>
+          </p:cNvPr>
+          <p:cNvSpPr/>
+          <p:nvPr/>
+        </p:nvSpPr>
+        <p:spPr>
+          <a:xfrm>
+            <a:off x="5028578" y="2743767"/>
+            <a:ext cx="181077" cy="187869"/>
+          </a:xfrm>
+          <a:prstGeom prst="ellipse">
+            <a:avLst/>
+          </a:prstGeom>
+          <a:solidFill>
+            <a:schemeClr val="accent2"/>
+          </a:solidFill>
+          <a:ln>
+            <a:noFill/>
+          </a:ln>
+        </p:spPr>
+        <p:style>
+          <a:lnRef idx="1">
+            <a:schemeClr val="accent1"/>
+          </a:lnRef>
+          <a:fillRef idx="3">
+            <a:schemeClr val="accent1"/>
+          </a:fillRef>
+          <a:effectRef idx="2">
+            <a:schemeClr val="accent1"/>
+          </a:effectRef>
+          <a:fontRef idx="minor">
+            <a:schemeClr val="lt1"/>
+          </a:fontRef>
+        </p:style>
+        <p:txBody>
+          <a:bodyPr rtlCol="0" anchor="ctr"/>
+          <a:lstStyle/>
+          <a:p>
+            <a:pPr algn="ctr"/>
+            <a:endParaRPr lang="en-US" b="1" dirty="0">
+              <a:solidFill>
+                <a:srgbClr val="0E4F83"/>
+              </a:solidFill>
+            </a:endParaRPr>
+          </a:p>
+        </p:txBody>
+      </p:sp>
+      <p:sp>
+        <p:nvSpPr>
+          <p:cNvPr id="123" name="TextBox 122">
+            <a:extLst>
+              <a:ext uri="{FF2B5EF4-FFF2-40B4-BE49-F238E27FC236}">
+                <a16:creationId xmlns:a16="http://schemas.microsoft.com/office/drawing/2014/main" id="{5C20B89B-623B-A2A5-DDCC-D96A80B563A9}"/>
+              </a:ext>
+            </a:extLst>
+          </p:cNvPr>
+          <p:cNvSpPr txBox="1"/>
+          <p:nvPr/>
+        </p:nvSpPr>
+        <p:spPr>
+          <a:xfrm>
+            <a:off x="4070583" y="1080101"/>
+            <a:ext cx="433137" cy="276999"/>
+          </a:xfrm>
+          <a:prstGeom prst="rect">
+            <a:avLst/>
+          </a:prstGeom>
+          <a:noFill/>
+        </p:spPr>
+        <p:txBody>
+          <a:bodyPr wrap="square" rtlCol="0">
+            <a:spAutoFit/>
+          </a:bodyPr>
+          <a:lstStyle/>
+          <a:p>
+            <a:r>
+              <a:rPr lang="en-US" sz="1200" dirty="0">
+                <a:solidFill>
+                  <a:schemeClr val="tx2"/>
+                </a:solidFill>
+                <a:latin typeface="Calibri" panose="020F0502020204030204" pitchFamily="34" charset="0"/>
+                <a:cs typeface="Calibri" panose="020F0502020204030204" pitchFamily="34" charset="0"/>
+              </a:rPr>
+              <a:t>[32]</a:t>
+            </a:r>
+          </a:p>
+        </p:txBody>
+      </p:sp>
+      <p:sp>
+        <p:nvSpPr>
+          <p:cNvPr id="124" name="TextBox 123">
+            <a:extLst>
+              <a:ext uri="{FF2B5EF4-FFF2-40B4-BE49-F238E27FC236}">
+                <a16:creationId xmlns:a16="http://schemas.microsoft.com/office/drawing/2014/main" id="{5FB641A4-C307-A3EB-DB95-5C31D5F5478F}"/>
+              </a:ext>
+            </a:extLst>
+          </p:cNvPr>
+          <p:cNvSpPr txBox="1"/>
+          <p:nvPr/>
+        </p:nvSpPr>
+        <p:spPr>
+          <a:xfrm>
+            <a:off x="4898238" y="945407"/>
+            <a:ext cx="433137" cy="276999"/>
+          </a:xfrm>
+          <a:prstGeom prst="rect">
+            <a:avLst/>
+          </a:prstGeom>
+          <a:noFill/>
+        </p:spPr>
+        <p:txBody>
+          <a:bodyPr wrap="square" rtlCol="0">
+            <a:spAutoFit/>
+          </a:bodyPr>
+          <a:lstStyle/>
+          <a:p>
+            <a:r>
+              <a:rPr lang="en-US" sz="1200" dirty="0">
+                <a:solidFill>
+                  <a:schemeClr val="tx2"/>
+                </a:solidFill>
+                <a:latin typeface="Calibri" panose="020F0502020204030204" pitchFamily="34" charset="0"/>
+                <a:cs typeface="Calibri" panose="020F0502020204030204" pitchFamily="34" charset="0"/>
+              </a:rPr>
+              <a:t>[64]</a:t>
+            </a:r>
+          </a:p>
+        </p:txBody>
+      </p:sp>
+      <p:sp>
+        <p:nvSpPr>
+          <p:cNvPr id="125" name="TextBox 124">
+            <a:extLst>
+              <a:ext uri="{FF2B5EF4-FFF2-40B4-BE49-F238E27FC236}">
+                <a16:creationId xmlns:a16="http://schemas.microsoft.com/office/drawing/2014/main" id="{BB9AEB79-2CD3-D21E-624E-6EAFCE673A70}"/>
+              </a:ext>
+            </a:extLst>
+          </p:cNvPr>
+          <p:cNvSpPr txBox="1"/>
+          <p:nvPr/>
+        </p:nvSpPr>
+        <p:spPr>
+          <a:xfrm>
+            <a:off x="5891362" y="2177143"/>
+            <a:ext cx="433137" cy="276999"/>
+          </a:xfrm>
+          <a:prstGeom prst="rect">
+            <a:avLst/>
+          </a:prstGeom>
+          <a:noFill/>
+        </p:spPr>
+        <p:txBody>
+          <a:bodyPr wrap="square" rtlCol="0">
+            <a:spAutoFit/>
+          </a:bodyPr>
+          <a:lstStyle/>
+          <a:p>
+            <a:r>
+              <a:rPr lang="en-US" sz="1200" dirty="0">
+                <a:solidFill>
+                  <a:schemeClr val="tx2"/>
+                </a:solidFill>
+                <a:latin typeface="Calibri" panose="020F0502020204030204" pitchFamily="34" charset="0"/>
+                <a:cs typeface="Calibri" panose="020F0502020204030204" pitchFamily="34" charset="0"/>
+              </a:rPr>
+              <a:t>[1]</a:t>
+            </a:r>
+          </a:p>
+        </p:txBody>
+      </p:sp>
+      <p:sp>
+        <p:nvSpPr>
+          <p:cNvPr id="126" name="Oval 125">
+            <a:extLst>
+              <a:ext uri="{FF2B5EF4-FFF2-40B4-BE49-F238E27FC236}">
+                <a16:creationId xmlns:a16="http://schemas.microsoft.com/office/drawing/2014/main" id="{4CC60E3C-BD55-453C-9547-F14152223480}"/>
+              </a:ext>
+            </a:extLst>
+          </p:cNvPr>
+          <p:cNvSpPr/>
+          <p:nvPr/>
+        </p:nvSpPr>
+        <p:spPr>
+          <a:xfrm>
+            <a:off x="4190136" y="1837224"/>
+            <a:ext cx="190748" cy="187869"/>
+          </a:xfrm>
+          <a:prstGeom prst="ellipse">
+            <a:avLst/>
+          </a:prstGeom>
+          <a:solidFill>
+            <a:schemeClr val="accent2"/>
+          </a:solidFill>
+          <a:ln>
+            <a:noFill/>
+          </a:ln>
+        </p:spPr>
+        <p:style>
+          <a:lnRef idx="1">
+            <a:schemeClr val="accent1"/>
+          </a:lnRef>
+          <a:fillRef idx="3">
+            <a:schemeClr val="accent1"/>
+          </a:fillRef>
+          <a:effectRef idx="2">
+            <a:schemeClr val="accent1"/>
+          </a:effectRef>
+          <a:fontRef idx="minor">
+            <a:schemeClr val="lt1"/>
+          </a:fontRef>
+        </p:style>
+        <p:txBody>
+          <a:bodyPr rtlCol="0" anchor="ctr"/>
+          <a:lstStyle/>
+          <a:p>
+            <a:pPr algn="ctr"/>
+            <a:endParaRPr lang="en-US" b="1" dirty="0">
+              <a:solidFill>
+                <a:srgbClr val="0E4F83"/>
+              </a:solidFill>
+            </a:endParaRPr>
+          </a:p>
+        </p:txBody>
+      </p:sp>
+      <p:sp>
+        <p:nvSpPr>
+          <p:cNvPr id="127" name="Oval 126">
+            <a:extLst>
+              <a:ext uri="{FF2B5EF4-FFF2-40B4-BE49-F238E27FC236}">
+                <a16:creationId xmlns:a16="http://schemas.microsoft.com/office/drawing/2014/main" id="{7819F836-6268-D2C6-AE60-991A0FC88524}"/>
+              </a:ext>
+            </a:extLst>
+          </p:cNvPr>
+          <p:cNvSpPr/>
+          <p:nvPr/>
+        </p:nvSpPr>
+        <p:spPr>
+          <a:xfrm>
+            <a:off x="4194754" y="3296561"/>
+            <a:ext cx="190748" cy="187869"/>
+          </a:xfrm>
+          <a:prstGeom prst="ellipse">
+            <a:avLst/>
+          </a:prstGeom>
+          <a:solidFill>
+            <a:schemeClr val="accent2"/>
+          </a:solidFill>
+          <a:ln>
+            <a:noFill/>
+          </a:ln>
+        </p:spPr>
+        <p:style>
+          <a:lnRef idx="1">
+            <a:schemeClr val="accent1"/>
+          </a:lnRef>
+          <a:fillRef idx="3">
+            <a:schemeClr val="accent1"/>
+          </a:fillRef>
+          <a:effectRef idx="2">
+            <a:schemeClr val="accent1"/>
+          </a:effectRef>
+          <a:fontRef idx="minor">
+            <a:schemeClr val="lt1"/>
+          </a:fontRef>
+        </p:style>
+        <p:txBody>
+          <a:bodyPr rtlCol="0" anchor="ctr"/>
+          <a:lstStyle/>
+          <a:p>
+            <a:pPr algn="ctr"/>
+            <a:endParaRPr lang="en-US" b="1" dirty="0">
+              <a:solidFill>
+                <a:srgbClr val="0E4F83"/>
+              </a:solidFill>
+            </a:endParaRPr>
+          </a:p>
+        </p:txBody>
+      </p:sp>
+      <p:sp>
+        <p:nvSpPr>
+          <p:cNvPr id="141" name="Oval 140">
+            <a:extLst>
+              <a:ext uri="{FF2B5EF4-FFF2-40B4-BE49-F238E27FC236}">
+                <a16:creationId xmlns:a16="http://schemas.microsoft.com/office/drawing/2014/main" id="{392A2749-B3B9-0D82-DD0B-5CE09627BB4F}"/>
+              </a:ext>
+            </a:extLst>
+          </p:cNvPr>
+          <p:cNvSpPr/>
+          <p:nvPr/>
+        </p:nvSpPr>
+        <p:spPr>
+          <a:xfrm>
+            <a:off x="4190136" y="2365972"/>
+            <a:ext cx="190748" cy="187869"/>
+          </a:xfrm>
+          <a:prstGeom prst="ellipse">
+            <a:avLst/>
+          </a:prstGeom>
+          <a:solidFill>
+            <a:schemeClr val="accent2"/>
+          </a:solidFill>
+          <a:ln>
+            <a:noFill/>
+          </a:ln>
+        </p:spPr>
+        <p:style>
+          <a:lnRef idx="1">
+            <a:schemeClr val="accent1"/>
+          </a:lnRef>
+          <a:fillRef idx="3">
+            <a:schemeClr val="accent1"/>
+          </a:fillRef>
+          <a:effectRef idx="2">
+            <a:schemeClr val="accent1"/>
+          </a:effectRef>
+          <a:fontRef idx="minor">
+            <a:schemeClr val="lt1"/>
+          </a:fontRef>
+        </p:style>
+        <p:txBody>
+          <a:bodyPr rtlCol="0" anchor="ctr"/>
+          <a:lstStyle/>
+          <a:p>
+            <a:pPr algn="ctr"/>
+            <a:endParaRPr lang="en-US" b="1" dirty="0">
+              <a:solidFill>
+                <a:srgbClr val="0E4F83"/>
+              </a:solidFill>
+            </a:endParaRPr>
+          </a:p>
+        </p:txBody>
+      </p:sp>
+      <p:sp>
+        <p:nvSpPr>
+          <p:cNvPr id="159" name="Oval 158">
+            <a:extLst>
+              <a:ext uri="{FF2B5EF4-FFF2-40B4-BE49-F238E27FC236}">
+                <a16:creationId xmlns:a16="http://schemas.microsoft.com/office/drawing/2014/main" id="{45ED4FDF-B7E6-4039-5E41-1717D1751306}"/>
+              </a:ext>
+            </a:extLst>
+          </p:cNvPr>
+          <p:cNvSpPr/>
+          <p:nvPr/>
+        </p:nvSpPr>
+        <p:spPr>
+          <a:xfrm>
+            <a:off x="4190136" y="3985567"/>
+            <a:ext cx="190748" cy="187869"/>
+          </a:xfrm>
+          <a:prstGeom prst="ellipse">
+            <a:avLst/>
+          </a:prstGeom>
+          <a:solidFill>
+            <a:schemeClr val="accent2"/>
+          </a:solidFill>
+          <a:ln>
+            <a:noFill/>
+          </a:ln>
+        </p:spPr>
+        <p:style>
+          <a:lnRef idx="1">
+            <a:schemeClr val="accent1"/>
+          </a:lnRef>
+          <a:fillRef idx="3">
+            <a:schemeClr val="accent1"/>
+          </a:fillRef>
+          <a:effectRef idx="2">
+            <a:schemeClr val="accent1"/>
+          </a:effectRef>
+          <a:fontRef idx="minor">
+            <a:schemeClr val="lt1"/>
+          </a:fontRef>
+        </p:style>
+        <p:txBody>
+          <a:bodyPr rtlCol="0" anchor="ctr"/>
+          <a:lstStyle/>
+          <a:p>
+            <a:pPr algn="ctr"/>
+            <a:endParaRPr lang="en-US" b="1" dirty="0">
+              <a:solidFill>
+                <a:srgbClr val="0E4F83"/>
+              </a:solidFill>
+            </a:endParaRPr>
+          </a:p>
+        </p:txBody>
+      </p:sp>
+      <p:cxnSp>
+        <p:nvCxnSpPr>
+          <p:cNvPr id="160" name="Straight Connector 159">
+            <a:extLst>
+              <a:ext uri="{FF2B5EF4-FFF2-40B4-BE49-F238E27FC236}">
+                <a16:creationId xmlns:a16="http://schemas.microsoft.com/office/drawing/2014/main" id="{8E4271B6-41C2-82FF-D0DA-F76BD4636283}"/>
+              </a:ext>
+            </a:extLst>
+          </p:cNvPr>
+          <p:cNvCxnSpPr>
+            <a:cxnSpLocks/>
+            <a:stCxn id="41" idx="6"/>
+            <a:endCxn id="159" idx="2"/>
+          </p:cNvCxnSpPr>
+          <p:nvPr/>
+        </p:nvCxnSpPr>
+        <p:spPr>
+          <a:xfrm>
+            <a:off x="3434815" y="4078245"/>
+            <a:ext cx="755321" cy="1257"/>
+          </a:xfrm>
+          <a:prstGeom prst="line">
+            <a:avLst/>
+          </a:prstGeom>
+        </p:spPr>
+        <p:style>
+          <a:lnRef idx="2">
+            <a:schemeClr val="dk1"/>
+          </a:lnRef>
+          <a:fillRef idx="0">
+            <a:schemeClr val="dk1"/>
+          </a:fillRef>
+          <a:effectRef idx="1">
+            <a:schemeClr val="dk1"/>
+          </a:effectRef>
+          <a:fontRef idx="minor">
+            <a:schemeClr val="tx1"/>
+          </a:fontRef>
+        </p:style>
+      </p:cxnSp>
+      <p:sp>
+        <p:nvSpPr>
+          <p:cNvPr id="165" name="Oval 164">
+            <a:extLst>
+              <a:ext uri="{FF2B5EF4-FFF2-40B4-BE49-F238E27FC236}">
+                <a16:creationId xmlns:a16="http://schemas.microsoft.com/office/drawing/2014/main" id="{538BF557-0552-26AF-7790-E5AFD3726184}"/>
+              </a:ext>
+            </a:extLst>
+          </p:cNvPr>
+          <p:cNvSpPr/>
+          <p:nvPr/>
+        </p:nvSpPr>
+        <p:spPr>
+          <a:xfrm>
+            <a:off x="5032747" y="1519472"/>
+            <a:ext cx="181077" cy="187869"/>
+          </a:xfrm>
+          <a:prstGeom prst="ellipse">
+            <a:avLst/>
+          </a:prstGeom>
+          <a:solidFill>
+            <a:schemeClr val="accent2"/>
+          </a:solidFill>
+          <a:ln>
+            <a:noFill/>
+          </a:ln>
+        </p:spPr>
+        <p:style>
+          <a:lnRef idx="1">
+            <a:schemeClr val="accent1"/>
+          </a:lnRef>
+          <a:fillRef idx="3">
+            <a:schemeClr val="accent1"/>
+          </a:fillRef>
+          <a:effectRef idx="2">
+            <a:schemeClr val="accent1"/>
+          </a:effectRef>
+          <a:fontRef idx="minor">
+            <a:schemeClr val="lt1"/>
+          </a:fontRef>
+        </p:style>
+        <p:txBody>
+          <a:bodyPr rtlCol="0" anchor="ctr"/>
+          <a:lstStyle/>
+          <a:p>
+            <a:pPr algn="ctr"/>
+            <a:endParaRPr lang="en-US" b="1" dirty="0">
+              <a:solidFill>
+                <a:srgbClr val="0E4F83"/>
+              </a:solidFill>
+            </a:endParaRPr>
+          </a:p>
+        </p:txBody>
+      </p:sp>
+      <p:sp>
+        <p:nvSpPr>
+          <p:cNvPr id="166" name="Oval 165">
+            <a:extLst>
+              <a:ext uri="{FF2B5EF4-FFF2-40B4-BE49-F238E27FC236}">
+                <a16:creationId xmlns:a16="http://schemas.microsoft.com/office/drawing/2014/main" id="{4B1C0998-6309-F7D4-090D-BBC6BCFF6724}"/>
+              </a:ext>
+            </a:extLst>
+          </p:cNvPr>
+          <p:cNvSpPr/>
+          <p:nvPr/>
+        </p:nvSpPr>
+        <p:spPr>
+          <a:xfrm>
+            <a:off x="5034442" y="1738348"/>
+            <a:ext cx="181077" cy="187869"/>
+          </a:xfrm>
+          <a:prstGeom prst="ellipse">
+            <a:avLst/>
+          </a:prstGeom>
+          <a:solidFill>
+            <a:schemeClr val="accent2"/>
+          </a:solidFill>
+          <a:ln>
+            <a:noFill/>
+          </a:ln>
+        </p:spPr>
+        <p:style>
+          <a:lnRef idx="1">
+            <a:schemeClr val="accent1"/>
+          </a:lnRef>
+          <a:fillRef idx="3">
+            <a:schemeClr val="accent1"/>
+          </a:fillRef>
+          <a:effectRef idx="2">
+            <a:schemeClr val="accent1"/>
+          </a:effectRef>
+          <a:fontRef idx="minor">
+            <a:schemeClr val="lt1"/>
+          </a:fontRef>
+        </p:style>
+        <p:txBody>
+          <a:bodyPr rtlCol="0" anchor="ctr"/>
+          <a:lstStyle/>
+          <a:p>
+            <a:pPr algn="ctr"/>
+            <a:endParaRPr lang="en-US" b="1" dirty="0">
+              <a:solidFill>
+                <a:srgbClr val="0E4F83"/>
+              </a:solidFill>
+            </a:endParaRPr>
+          </a:p>
+        </p:txBody>
+      </p:sp>
+      <p:sp>
+        <p:nvSpPr>
+          <p:cNvPr id="167" name="Oval 166">
+            <a:extLst>
+              <a:ext uri="{FF2B5EF4-FFF2-40B4-BE49-F238E27FC236}">
+                <a16:creationId xmlns:a16="http://schemas.microsoft.com/office/drawing/2014/main" id="{074E2D82-74D7-B9DB-95A3-8E88C467E6AA}"/>
+              </a:ext>
+            </a:extLst>
+          </p:cNvPr>
+          <p:cNvSpPr/>
+          <p:nvPr/>
+        </p:nvSpPr>
+        <p:spPr>
+          <a:xfrm>
+            <a:off x="5035556" y="1991661"/>
+            <a:ext cx="181077" cy="187869"/>
+          </a:xfrm>
+          <a:prstGeom prst="ellipse">
+            <a:avLst/>
+          </a:prstGeom>
+          <a:solidFill>
+            <a:schemeClr val="accent2"/>
+          </a:solidFill>
+          <a:ln>
+            <a:noFill/>
+          </a:ln>
+        </p:spPr>
+        <p:style>
+          <a:lnRef idx="1">
+            <a:schemeClr val="accent1"/>
+          </a:lnRef>
+          <a:fillRef idx="3">
+            <a:schemeClr val="accent1"/>
+          </a:fillRef>
+          <a:effectRef idx="2">
+            <a:schemeClr val="accent1"/>
+          </a:effectRef>
+          <a:fontRef idx="minor">
+            <a:schemeClr val="lt1"/>
+          </a:fontRef>
+        </p:style>
+        <p:txBody>
+          <a:bodyPr rtlCol="0" anchor="ctr"/>
+          <a:lstStyle/>
+          <a:p>
+            <a:pPr algn="ctr"/>
+            <a:endParaRPr lang="en-US" b="1" dirty="0">
+              <a:solidFill>
+                <a:srgbClr val="0E4F83"/>
+              </a:solidFill>
+            </a:endParaRPr>
+          </a:p>
+        </p:txBody>
+      </p:sp>
+      <p:sp>
+        <p:nvSpPr>
+          <p:cNvPr id="168" name="Oval 167">
+            <a:extLst>
+              <a:ext uri="{FF2B5EF4-FFF2-40B4-BE49-F238E27FC236}">
+                <a16:creationId xmlns:a16="http://schemas.microsoft.com/office/drawing/2014/main" id="{DC4EC60D-38C4-902F-1B57-9BE5E36AD679}"/>
+              </a:ext>
+            </a:extLst>
+          </p:cNvPr>
+          <p:cNvSpPr/>
+          <p:nvPr/>
+        </p:nvSpPr>
+        <p:spPr>
+          <a:xfrm>
+            <a:off x="5030982" y="2272038"/>
+            <a:ext cx="181077" cy="187869"/>
+          </a:xfrm>
+          <a:prstGeom prst="ellipse">
+            <a:avLst/>
+          </a:prstGeom>
+          <a:solidFill>
+            <a:schemeClr val="accent2"/>
+          </a:solidFill>
+          <a:ln>
+            <a:noFill/>
+          </a:ln>
+        </p:spPr>
+        <p:style>
+          <a:lnRef idx="1">
+            <a:schemeClr val="accent1"/>
+          </a:lnRef>
+          <a:fillRef idx="3">
+            <a:schemeClr val="accent1"/>
+          </a:fillRef>
+          <a:effectRef idx="2">
+            <a:schemeClr val="accent1"/>
+          </a:effectRef>
+          <a:fontRef idx="minor">
+            <a:schemeClr val="lt1"/>
+          </a:fontRef>
+        </p:style>
+        <p:txBody>
+          <a:bodyPr rtlCol="0" anchor="ctr"/>
+          <a:lstStyle/>
+          <a:p>
+            <a:pPr algn="ctr"/>
+            <a:endParaRPr lang="en-US" b="1" dirty="0">
+              <a:solidFill>
+                <a:srgbClr val="0E4F83"/>
+              </a:solidFill>
+            </a:endParaRPr>
+          </a:p>
+        </p:txBody>
+      </p:sp>
+      <p:sp>
+        <p:nvSpPr>
+          <p:cNvPr id="169" name="Oval 168">
+            <a:extLst>
+              <a:ext uri="{FF2B5EF4-FFF2-40B4-BE49-F238E27FC236}">
+                <a16:creationId xmlns:a16="http://schemas.microsoft.com/office/drawing/2014/main" id="{4CF84112-74A3-727D-C1A1-1D0CD39ABC5C}"/>
+              </a:ext>
+            </a:extLst>
+          </p:cNvPr>
+          <p:cNvSpPr/>
+          <p:nvPr/>
+        </p:nvSpPr>
+        <p:spPr>
+          <a:xfrm>
+            <a:off x="5028856" y="2519083"/>
+            <a:ext cx="181077" cy="187869"/>
+          </a:xfrm>
+          <a:prstGeom prst="ellipse">
+            <a:avLst/>
+          </a:prstGeom>
+          <a:solidFill>
+            <a:schemeClr val="accent2"/>
+          </a:solidFill>
+          <a:ln>
+            <a:noFill/>
+          </a:ln>
+        </p:spPr>
+        <p:style>
+          <a:lnRef idx="1">
+            <a:schemeClr val="accent1"/>
+          </a:lnRef>
+          <a:fillRef idx="3">
+            <a:schemeClr val="accent1"/>
+          </a:fillRef>
+          <a:effectRef idx="2">
+            <a:schemeClr val="accent1"/>
+          </a:effectRef>
+          <a:fontRef idx="minor">
+            <a:schemeClr val="lt1"/>
+          </a:fontRef>
+        </p:style>
+        <p:txBody>
+          <a:bodyPr rtlCol="0" anchor="ctr"/>
+          <a:lstStyle/>
+          <a:p>
+            <a:pPr algn="ctr"/>
+            <a:endParaRPr lang="en-US" b="1" dirty="0">
+              <a:solidFill>
+                <a:srgbClr val="0E4F83"/>
+              </a:solidFill>
+            </a:endParaRPr>
+          </a:p>
+        </p:txBody>
+      </p:sp>
+      <p:sp>
+        <p:nvSpPr>
+          <p:cNvPr id="170" name="Oval 169">
+            <a:extLst>
+              <a:ext uri="{FF2B5EF4-FFF2-40B4-BE49-F238E27FC236}">
+                <a16:creationId xmlns:a16="http://schemas.microsoft.com/office/drawing/2014/main" id="{7B8D32AE-C2FA-214F-40C5-28D69C35253A}"/>
+              </a:ext>
+            </a:extLst>
+          </p:cNvPr>
+          <p:cNvSpPr/>
+          <p:nvPr/>
+        </p:nvSpPr>
+        <p:spPr>
+          <a:xfrm>
+            <a:off x="5028578" y="3004457"/>
+            <a:ext cx="181077" cy="187869"/>
+          </a:xfrm>
+          <a:prstGeom prst="ellipse">
+            <a:avLst/>
+          </a:prstGeom>
+          <a:solidFill>
+            <a:schemeClr val="accent2"/>
+          </a:solidFill>
+          <a:ln>
+            <a:noFill/>
+          </a:ln>
+        </p:spPr>
+        <p:style>
+          <a:lnRef idx="1">
+            <a:schemeClr val="accent1"/>
+          </a:lnRef>
+          <a:fillRef idx="3">
+            <a:schemeClr val="accent1"/>
+          </a:fillRef>
+          <a:effectRef idx="2">
+            <a:schemeClr val="accent1"/>
+          </a:effectRef>
+          <a:fontRef idx="minor">
+            <a:schemeClr val="lt1"/>
+          </a:fontRef>
+        </p:style>
+        <p:txBody>
+          <a:bodyPr rtlCol="0" anchor="ctr"/>
+          <a:lstStyle/>
+          <a:p>
+            <a:pPr algn="ctr"/>
+            <a:endParaRPr lang="en-US" b="1" dirty="0">
+              <a:solidFill>
+                <a:srgbClr val="0E4F83"/>
+              </a:solidFill>
+            </a:endParaRPr>
+          </a:p>
+        </p:txBody>
+      </p:sp>
+      <p:sp>
+        <p:nvSpPr>
+          <p:cNvPr id="171" name="Oval 170">
+            <a:extLst>
+              <a:ext uri="{FF2B5EF4-FFF2-40B4-BE49-F238E27FC236}">
+                <a16:creationId xmlns:a16="http://schemas.microsoft.com/office/drawing/2014/main" id="{F2949128-F8CC-8BD5-55A4-3225F2146097}"/>
+              </a:ext>
+            </a:extLst>
+          </p:cNvPr>
+          <p:cNvSpPr/>
+          <p:nvPr/>
+        </p:nvSpPr>
+        <p:spPr>
+          <a:xfrm>
+            <a:off x="5040010" y="3233888"/>
+            <a:ext cx="181077" cy="187869"/>
+          </a:xfrm>
+          <a:prstGeom prst="ellipse">
+            <a:avLst/>
+          </a:prstGeom>
+          <a:solidFill>
+            <a:schemeClr val="accent2"/>
+          </a:solidFill>
+          <a:ln>
+            <a:noFill/>
+          </a:ln>
+        </p:spPr>
+        <p:style>
+          <a:lnRef idx="1">
+            <a:schemeClr val="accent1"/>
+          </a:lnRef>
+          <a:fillRef idx="3">
+            <a:schemeClr val="accent1"/>
+          </a:fillRef>
+          <a:effectRef idx="2">
+            <a:schemeClr val="accent1"/>
+          </a:effectRef>
+          <a:fontRef idx="minor">
+            <a:schemeClr val="lt1"/>
+          </a:fontRef>
+        </p:style>
+        <p:txBody>
+          <a:bodyPr rtlCol="0" anchor="ctr"/>
+          <a:lstStyle/>
+          <a:p>
+            <a:pPr algn="ctr"/>
+            <a:endParaRPr lang="en-US" b="1" dirty="0">
+              <a:solidFill>
+                <a:srgbClr val="0E4F83"/>
+              </a:solidFill>
+            </a:endParaRPr>
+          </a:p>
+        </p:txBody>
+      </p:sp>
+      <p:sp>
+        <p:nvSpPr>
+          <p:cNvPr id="172" name="Oval 171">
+            <a:extLst>
+              <a:ext uri="{FF2B5EF4-FFF2-40B4-BE49-F238E27FC236}">
+                <a16:creationId xmlns:a16="http://schemas.microsoft.com/office/drawing/2014/main" id="{489BB547-539F-3CA3-567F-149878A553C8}"/>
+              </a:ext>
+            </a:extLst>
+          </p:cNvPr>
+          <p:cNvSpPr/>
+          <p:nvPr/>
+        </p:nvSpPr>
+        <p:spPr>
+          <a:xfrm>
+            <a:off x="5035556" y="3467070"/>
+            <a:ext cx="181077" cy="187869"/>
+          </a:xfrm>
+          <a:prstGeom prst="ellipse">
+            <a:avLst/>
+          </a:prstGeom>
+          <a:solidFill>
+            <a:schemeClr val="accent2"/>
+          </a:solidFill>
+          <a:ln>
+            <a:noFill/>
+          </a:ln>
+        </p:spPr>
+        <p:style>
+          <a:lnRef idx="1">
+            <a:schemeClr val="accent1"/>
+          </a:lnRef>
+          <a:fillRef idx="3">
+            <a:schemeClr val="accent1"/>
+          </a:fillRef>
+          <a:effectRef idx="2">
+            <a:schemeClr val="accent1"/>
+          </a:effectRef>
+          <a:fontRef idx="minor">
+            <a:schemeClr val="lt1"/>
+          </a:fontRef>
+        </p:style>
+        <p:txBody>
+          <a:bodyPr rtlCol="0" anchor="ctr"/>
+          <a:lstStyle/>
+          <a:p>
+            <a:pPr algn="ctr"/>
+            <a:endParaRPr lang="en-US" b="1" dirty="0">
+              <a:solidFill>
+                <a:srgbClr val="0E4F83"/>
+              </a:solidFill>
+            </a:endParaRPr>
+          </a:p>
+        </p:txBody>
+      </p:sp>
+      <p:sp>
+        <p:nvSpPr>
+          <p:cNvPr id="173" name="Oval 172">
+            <a:extLst>
+              <a:ext uri="{FF2B5EF4-FFF2-40B4-BE49-F238E27FC236}">
+                <a16:creationId xmlns:a16="http://schemas.microsoft.com/office/drawing/2014/main" id="{761A8603-43D6-130F-C12C-8EC2D938A21C}"/>
+              </a:ext>
+            </a:extLst>
+          </p:cNvPr>
+          <p:cNvSpPr/>
+          <p:nvPr/>
+        </p:nvSpPr>
+        <p:spPr>
+          <a:xfrm>
+            <a:off x="5037900" y="3926860"/>
+            <a:ext cx="181077" cy="187869"/>
+          </a:xfrm>
+          <a:prstGeom prst="ellipse">
+            <a:avLst/>
+          </a:prstGeom>
+          <a:solidFill>
+            <a:schemeClr val="accent2"/>
+          </a:solidFill>
+          <a:ln>
+            <a:noFill/>
+          </a:ln>
+        </p:spPr>
+        <p:style>
+          <a:lnRef idx="1">
+            <a:schemeClr val="accent1"/>
+          </a:lnRef>
+          <a:fillRef idx="3">
+            <a:schemeClr val="accent1"/>
+          </a:fillRef>
+          <a:effectRef idx="2">
+            <a:schemeClr val="accent1"/>
+          </a:effectRef>
+          <a:fontRef idx="minor">
+            <a:schemeClr val="lt1"/>
+          </a:fontRef>
+        </p:style>
+        <p:txBody>
+          <a:bodyPr rtlCol="0" anchor="ctr"/>
+          <a:lstStyle/>
+          <a:p>
+            <a:pPr algn="ctr"/>
+            <a:endParaRPr lang="en-US" b="1" dirty="0">
+              <a:solidFill>
+                <a:srgbClr val="0E4F83"/>
+              </a:solidFill>
+            </a:endParaRPr>
+          </a:p>
+        </p:txBody>
+      </p:sp>
+      <p:sp>
+        <p:nvSpPr>
+          <p:cNvPr id="174" name="TextBox 173">
+            <a:extLst>
+              <a:ext uri="{FF2B5EF4-FFF2-40B4-BE49-F238E27FC236}">
+                <a16:creationId xmlns:a16="http://schemas.microsoft.com/office/drawing/2014/main" id="{1CC44B0C-13E3-255B-9CBD-714E5D165FF6}"/>
+              </a:ext>
+            </a:extLst>
+          </p:cNvPr>
+          <p:cNvSpPr txBox="1"/>
+          <p:nvPr/>
+        </p:nvSpPr>
+        <p:spPr>
+          <a:xfrm>
+            <a:off x="5028578" y="3569276"/>
+            <a:ext cx="172458" cy="400110"/>
+          </a:xfrm>
+          <a:prstGeom prst="rect">
+            <a:avLst/>
+          </a:prstGeom>
+          <a:noFill/>
+        </p:spPr>
+        <p:txBody>
+          <a:bodyPr wrap="square" rtlCol="0">
+            <a:spAutoFit/>
+          </a:bodyPr>
+          <a:lstStyle/>
+          <a:p>
+            <a:r>
+              <a:rPr lang="en-US" sz="1000" b="1" dirty="0"/>
+              <a:t>.</a:t>
+            </a:r>
+          </a:p>
+          <a:p>
+            <a:r>
+              <a:rPr lang="en-US" sz="1000" b="1" dirty="0"/>
+              <a:t>.</a:t>
+            </a:r>
+          </a:p>
+        </p:txBody>
+      </p:sp>
+      <p:sp>
+        <p:nvSpPr>
+          <p:cNvPr id="175" name="Oval 174">
+            <a:extLst>
+              <a:ext uri="{FF2B5EF4-FFF2-40B4-BE49-F238E27FC236}">
+                <a16:creationId xmlns:a16="http://schemas.microsoft.com/office/drawing/2014/main" id="{C9860EEC-B56D-54F8-4173-5BE100D44A8E}"/>
+              </a:ext>
+            </a:extLst>
+          </p:cNvPr>
+          <p:cNvSpPr/>
+          <p:nvPr/>
+        </p:nvSpPr>
+        <p:spPr>
+          <a:xfrm>
+            <a:off x="5037899" y="4140416"/>
+            <a:ext cx="181077" cy="187869"/>
+          </a:xfrm>
+          <a:prstGeom prst="ellipse">
+            <a:avLst/>
+          </a:prstGeom>
+          <a:solidFill>
+            <a:schemeClr val="accent2"/>
+          </a:solidFill>
+          <a:ln>
+            <a:noFill/>
+          </a:ln>
+        </p:spPr>
+        <p:style>
+          <a:lnRef idx="1">
+            <a:schemeClr val="accent1"/>
+          </a:lnRef>
+          <a:fillRef idx="3">
+            <a:schemeClr val="accent1"/>
+          </a:fillRef>
+          <a:effectRef idx="2">
+            <a:schemeClr val="accent1"/>
+          </a:effectRef>
+          <a:fontRef idx="minor">
+            <a:schemeClr val="lt1"/>
+          </a:fontRef>
+        </p:style>
+        <p:txBody>
+          <a:bodyPr rtlCol="0" anchor="ctr"/>
+          <a:lstStyle/>
+          <a:p>
+            <a:pPr algn="ctr"/>
+            <a:endParaRPr lang="en-US" b="1" dirty="0">
+              <a:solidFill>
+                <a:srgbClr val="0E4F83"/>
+              </a:solidFill>
+            </a:endParaRPr>
+          </a:p>
+        </p:txBody>
+      </p:sp>
+      <p:cxnSp>
+        <p:nvCxnSpPr>
+          <p:cNvPr id="177" name="Straight Connector 176">
+            <a:extLst>
+              <a:ext uri="{FF2B5EF4-FFF2-40B4-BE49-F238E27FC236}">
+                <a16:creationId xmlns:a16="http://schemas.microsoft.com/office/drawing/2014/main" id="{4AC04F07-7980-475C-96DD-1B583049390F}"/>
+              </a:ext>
+            </a:extLst>
+          </p:cNvPr>
+          <p:cNvCxnSpPr>
+            <a:cxnSpLocks/>
+            <a:stCxn id="34" idx="6"/>
+            <a:endCxn id="165" idx="2"/>
+          </p:cNvCxnSpPr>
+          <p:nvPr/>
+        </p:nvCxnSpPr>
+        <p:spPr>
+          <a:xfrm>
+            <a:off x="4383263" y="1459292"/>
+            <a:ext cx="649484" cy="154115"/>
+          </a:xfrm>
+          <a:prstGeom prst="line">
+            <a:avLst/>
+          </a:prstGeom>
+        </p:spPr>
+        <p:style>
+          <a:lnRef idx="2">
+            <a:schemeClr val="dk1"/>
+          </a:lnRef>
+          <a:fillRef idx="0">
+            <a:schemeClr val="dk1"/>
+          </a:fillRef>
+          <a:effectRef idx="1">
+            <a:schemeClr val="dk1"/>
+          </a:effectRef>
+          <a:fontRef idx="minor">
+            <a:schemeClr val="tx1"/>
+          </a:fontRef>
+        </p:style>
+      </p:cxnSp>
+      <p:cxnSp>
+        <p:nvCxnSpPr>
+          <p:cNvPr id="181" name="Straight Connector 180">
+            <a:extLst>
+              <a:ext uri="{FF2B5EF4-FFF2-40B4-BE49-F238E27FC236}">
+                <a16:creationId xmlns:a16="http://schemas.microsoft.com/office/drawing/2014/main" id="{99596450-01E0-E21C-F4D0-6A0D538260F7}"/>
+              </a:ext>
+            </a:extLst>
+          </p:cNvPr>
+          <p:cNvCxnSpPr>
+            <a:cxnSpLocks/>
+            <a:stCxn id="126" idx="6"/>
+            <a:endCxn id="166" idx="2"/>
+          </p:cNvCxnSpPr>
+          <p:nvPr/>
+        </p:nvCxnSpPr>
+        <p:spPr>
+          <a:xfrm flipV="1">
+            <a:off x="4380884" y="1832283"/>
+            <a:ext cx="653558" cy="98876"/>
+          </a:xfrm>
+          <a:prstGeom prst="line">
+            <a:avLst/>
+          </a:prstGeom>
+        </p:spPr>
+        <p:style>
+          <a:lnRef idx="2">
+            <a:schemeClr val="dk1"/>
+          </a:lnRef>
+          <a:fillRef idx="0">
+            <a:schemeClr val="dk1"/>
+          </a:fillRef>
+          <a:effectRef idx="1">
+            <a:schemeClr val="dk1"/>
+          </a:effectRef>
+          <a:fontRef idx="minor">
+            <a:schemeClr val="tx1"/>
+          </a:fontRef>
+        </p:style>
+      </p:cxnSp>
+      <p:cxnSp>
+        <p:nvCxnSpPr>
+          <p:cNvPr id="184" name="Straight Connector 183">
+            <a:extLst>
+              <a:ext uri="{FF2B5EF4-FFF2-40B4-BE49-F238E27FC236}">
+                <a16:creationId xmlns:a16="http://schemas.microsoft.com/office/drawing/2014/main" id="{22E7BFF4-9E89-BE3C-70F1-3F5DFEA00114}"/>
+              </a:ext>
+            </a:extLst>
+          </p:cNvPr>
+          <p:cNvCxnSpPr>
+            <a:cxnSpLocks/>
+            <a:stCxn id="141" idx="6"/>
+            <a:endCxn id="168" idx="2"/>
+          </p:cNvCxnSpPr>
+          <p:nvPr/>
+        </p:nvCxnSpPr>
+        <p:spPr>
+          <a:xfrm flipV="1">
+            <a:off x="4380884" y="2365973"/>
+            <a:ext cx="650098" cy="93934"/>
+          </a:xfrm>
+          <a:prstGeom prst="line">
+            <a:avLst/>
+          </a:prstGeom>
+        </p:spPr>
+        <p:style>
+          <a:lnRef idx="2">
+            <a:schemeClr val="dk1"/>
+          </a:lnRef>
+          <a:fillRef idx="0">
+            <a:schemeClr val="dk1"/>
+          </a:fillRef>
+          <a:effectRef idx="1">
+            <a:schemeClr val="dk1"/>
+          </a:effectRef>
+          <a:fontRef idx="minor">
+            <a:schemeClr val="tx1"/>
+          </a:fontRef>
+        </p:style>
+      </p:cxnSp>
+      <p:cxnSp>
+        <p:nvCxnSpPr>
+          <p:cNvPr id="188" name="Straight Connector 187">
+            <a:extLst>
+              <a:ext uri="{FF2B5EF4-FFF2-40B4-BE49-F238E27FC236}">
+                <a16:creationId xmlns:a16="http://schemas.microsoft.com/office/drawing/2014/main" id="{7C88EAE5-990B-5CE1-EE57-2D3A66C8180D}"/>
+              </a:ext>
+            </a:extLst>
+          </p:cNvPr>
+          <p:cNvCxnSpPr>
+            <a:cxnSpLocks/>
+            <a:stCxn id="126" idx="6"/>
+            <a:endCxn id="167" idx="2"/>
+          </p:cNvCxnSpPr>
+          <p:nvPr/>
+        </p:nvCxnSpPr>
+        <p:spPr>
+          <a:xfrm>
+            <a:off x="4380884" y="1931159"/>
+            <a:ext cx="654672" cy="154437"/>
+          </a:xfrm>
+          <a:prstGeom prst="line">
+            <a:avLst/>
+          </a:prstGeom>
+        </p:spPr>
+        <p:style>
+          <a:lnRef idx="2">
+            <a:schemeClr val="dk1"/>
+          </a:lnRef>
+          <a:fillRef idx="0">
+            <a:schemeClr val="dk1"/>
+          </a:fillRef>
+          <a:effectRef idx="1">
+            <a:schemeClr val="dk1"/>
+          </a:effectRef>
+          <a:fontRef idx="minor">
+            <a:schemeClr val="tx1"/>
+          </a:fontRef>
+        </p:style>
+      </p:cxnSp>
+      <p:cxnSp>
+        <p:nvCxnSpPr>
+          <p:cNvPr id="232" name="Straight Connector 231">
+            <a:extLst>
+              <a:ext uri="{FF2B5EF4-FFF2-40B4-BE49-F238E27FC236}">
+                <a16:creationId xmlns:a16="http://schemas.microsoft.com/office/drawing/2014/main" id="{52CBDC7B-5AD9-19FE-9435-D9686A3AD034}"/>
+              </a:ext>
+            </a:extLst>
+          </p:cNvPr>
+          <p:cNvCxnSpPr>
+            <a:cxnSpLocks/>
+            <a:stCxn id="141" idx="6"/>
+            <a:endCxn id="169" idx="2"/>
+          </p:cNvCxnSpPr>
+          <p:nvPr/>
+        </p:nvCxnSpPr>
+        <p:spPr>
+          <a:xfrm>
+            <a:off x="4380884" y="2459907"/>
+            <a:ext cx="647972" cy="153111"/>
+          </a:xfrm>
+          <a:prstGeom prst="line">
+            <a:avLst/>
+          </a:prstGeom>
+        </p:spPr>
+        <p:style>
+          <a:lnRef idx="2">
+            <a:schemeClr val="dk1"/>
+          </a:lnRef>
+          <a:fillRef idx="0">
+            <a:schemeClr val="dk1"/>
+          </a:fillRef>
+          <a:effectRef idx="1">
+            <a:schemeClr val="dk1"/>
+          </a:effectRef>
+          <a:fontRef idx="minor">
+            <a:schemeClr val="tx1"/>
+          </a:fontRef>
+        </p:style>
+      </p:cxnSp>
+      <p:cxnSp>
+        <p:nvCxnSpPr>
+          <p:cNvPr id="240" name="Straight Connector 239">
+            <a:extLst>
+              <a:ext uri="{FF2B5EF4-FFF2-40B4-BE49-F238E27FC236}">
+                <a16:creationId xmlns:a16="http://schemas.microsoft.com/office/drawing/2014/main" id="{3383FC0A-4E71-904B-B336-C013BB2E9480}"/>
+              </a:ext>
+            </a:extLst>
+          </p:cNvPr>
+          <p:cNvCxnSpPr>
+            <a:cxnSpLocks/>
+            <a:stCxn id="105" idx="6"/>
+            <a:endCxn id="118" idx="2"/>
+          </p:cNvCxnSpPr>
+          <p:nvPr/>
+        </p:nvCxnSpPr>
+        <p:spPr>
+          <a:xfrm flipV="1">
+            <a:off x="4386717" y="2837702"/>
+            <a:ext cx="641861" cy="92867"/>
+          </a:xfrm>
+          <a:prstGeom prst="line">
+            <a:avLst/>
+          </a:prstGeom>
+        </p:spPr>
+        <p:style>
+          <a:lnRef idx="2">
+            <a:schemeClr val="dk1"/>
+          </a:lnRef>
+          <a:fillRef idx="0">
+            <a:schemeClr val="dk1"/>
+          </a:fillRef>
+          <a:effectRef idx="1">
+            <a:schemeClr val="dk1"/>
+          </a:effectRef>
+          <a:fontRef idx="minor">
+            <a:schemeClr val="tx1"/>
+          </a:fontRef>
+        </p:style>
+      </p:cxnSp>
+      <p:cxnSp>
+        <p:nvCxnSpPr>
+          <p:cNvPr id="243" name="Straight Connector 242">
+            <a:extLst>
+              <a:ext uri="{FF2B5EF4-FFF2-40B4-BE49-F238E27FC236}">
+                <a16:creationId xmlns:a16="http://schemas.microsoft.com/office/drawing/2014/main" id="{77F39231-F313-AAEB-9B86-10AFDEB34199}"/>
+              </a:ext>
+            </a:extLst>
+          </p:cNvPr>
+          <p:cNvCxnSpPr>
+            <a:cxnSpLocks/>
+            <a:stCxn id="105" idx="6"/>
+            <a:endCxn id="170" idx="2"/>
+          </p:cNvCxnSpPr>
+          <p:nvPr/>
+        </p:nvCxnSpPr>
+        <p:spPr>
+          <a:xfrm>
+            <a:off x="4386717" y="2930569"/>
+            <a:ext cx="641861" cy="167823"/>
+          </a:xfrm>
+          <a:prstGeom prst="line">
+            <a:avLst/>
+          </a:prstGeom>
+        </p:spPr>
+        <p:style>
+          <a:lnRef idx="2">
+            <a:schemeClr val="dk1"/>
+          </a:lnRef>
+          <a:fillRef idx="0">
+            <a:schemeClr val="dk1"/>
+          </a:fillRef>
+          <a:effectRef idx="1">
+            <a:schemeClr val="dk1"/>
+          </a:effectRef>
+          <a:fontRef idx="minor">
+            <a:schemeClr val="tx1"/>
+          </a:fontRef>
+        </p:style>
+      </p:cxnSp>
+      <p:cxnSp>
+        <p:nvCxnSpPr>
+          <p:cNvPr id="246" name="Straight Connector 245">
+            <a:extLst>
+              <a:ext uri="{FF2B5EF4-FFF2-40B4-BE49-F238E27FC236}">
+                <a16:creationId xmlns:a16="http://schemas.microsoft.com/office/drawing/2014/main" id="{2B0388D5-D4FF-1782-6D42-B6532CDE882B}"/>
+              </a:ext>
+            </a:extLst>
+          </p:cNvPr>
+          <p:cNvCxnSpPr>
+            <a:cxnSpLocks/>
+            <a:stCxn id="127" idx="6"/>
+            <a:endCxn id="171" idx="2"/>
+          </p:cNvCxnSpPr>
+          <p:nvPr/>
+        </p:nvCxnSpPr>
+        <p:spPr>
+          <a:xfrm flipV="1">
+            <a:off x="4385502" y="3327823"/>
+            <a:ext cx="654508" cy="62673"/>
+          </a:xfrm>
+          <a:prstGeom prst="line">
+            <a:avLst/>
+          </a:prstGeom>
+        </p:spPr>
+        <p:style>
+          <a:lnRef idx="2">
+            <a:schemeClr val="dk1"/>
+          </a:lnRef>
+          <a:fillRef idx="0">
+            <a:schemeClr val="dk1"/>
+          </a:fillRef>
+          <a:effectRef idx="1">
+            <a:schemeClr val="dk1"/>
+          </a:effectRef>
+          <a:fontRef idx="minor">
+            <a:schemeClr val="tx1"/>
+          </a:fontRef>
+        </p:style>
+      </p:cxnSp>
+      <p:cxnSp>
+        <p:nvCxnSpPr>
+          <p:cNvPr id="249" name="Straight Connector 248">
+            <a:extLst>
+              <a:ext uri="{FF2B5EF4-FFF2-40B4-BE49-F238E27FC236}">
+                <a16:creationId xmlns:a16="http://schemas.microsoft.com/office/drawing/2014/main" id="{72F6DCD9-4D9A-7D41-C313-C7832207231B}"/>
+              </a:ext>
+            </a:extLst>
+          </p:cNvPr>
+          <p:cNvCxnSpPr>
+            <a:cxnSpLocks/>
+            <a:stCxn id="127" idx="6"/>
+            <a:endCxn id="172" idx="2"/>
+          </p:cNvCxnSpPr>
+          <p:nvPr/>
+        </p:nvCxnSpPr>
+        <p:spPr>
+          <a:xfrm>
+            <a:off x="4385502" y="3390496"/>
+            <a:ext cx="650054" cy="170509"/>
+          </a:xfrm>
+          <a:prstGeom prst="line">
+            <a:avLst/>
+          </a:prstGeom>
+        </p:spPr>
+        <p:style>
+          <a:lnRef idx="2">
+            <a:schemeClr val="dk1"/>
+          </a:lnRef>
+          <a:fillRef idx="0">
+            <a:schemeClr val="dk1"/>
+          </a:fillRef>
+          <a:effectRef idx="1">
+            <a:schemeClr val="dk1"/>
+          </a:effectRef>
+          <a:fontRef idx="minor">
+            <a:schemeClr val="tx1"/>
+          </a:fontRef>
+        </p:style>
+      </p:cxnSp>
+      <p:sp>
+        <p:nvSpPr>
+          <p:cNvPr id="266" name="TextBox 265">
+            <a:extLst>
+              <a:ext uri="{FF2B5EF4-FFF2-40B4-BE49-F238E27FC236}">
+                <a16:creationId xmlns:a16="http://schemas.microsoft.com/office/drawing/2014/main" id="{359744EF-91ED-16DA-6417-2319177547C5}"/>
+              </a:ext>
+            </a:extLst>
+          </p:cNvPr>
+          <p:cNvSpPr txBox="1"/>
+          <p:nvPr/>
+        </p:nvSpPr>
+        <p:spPr>
+          <a:xfrm>
+            <a:off x="3746596" y="3427234"/>
+            <a:ext cx="181669" cy="553998"/>
+          </a:xfrm>
+          <a:prstGeom prst="rect">
+            <a:avLst/>
+          </a:prstGeom>
+          <a:noFill/>
+        </p:spPr>
+        <p:txBody>
+          <a:bodyPr wrap="square" rtlCol="0">
+            <a:spAutoFit/>
+          </a:bodyPr>
+          <a:lstStyle/>
+          <a:p>
+            <a:r>
+              <a:rPr lang="en-US" sz="1000" b="1" dirty="0"/>
+              <a:t>.</a:t>
+            </a:r>
+          </a:p>
+          <a:p>
+            <a:r>
+              <a:rPr lang="en-US" sz="1000" b="1" dirty="0"/>
+              <a:t>.</a:t>
+            </a:r>
+          </a:p>
+          <a:p>
+            <a:r>
+              <a:rPr lang="en-US" sz="1000" b="1" dirty="0"/>
+              <a:t>.</a:t>
+            </a:r>
+          </a:p>
+        </p:txBody>
+      </p:sp>
+      <p:cxnSp>
+        <p:nvCxnSpPr>
+          <p:cNvPr id="267" name="Straight Connector 266">
+            <a:extLst>
+              <a:ext uri="{FF2B5EF4-FFF2-40B4-BE49-F238E27FC236}">
+                <a16:creationId xmlns:a16="http://schemas.microsoft.com/office/drawing/2014/main" id="{1472C971-0043-F3F9-7988-32EED5B8C696}"/>
+              </a:ext>
+            </a:extLst>
+          </p:cNvPr>
+          <p:cNvCxnSpPr>
+            <a:cxnSpLocks/>
+            <a:stCxn id="159" idx="6"/>
+            <a:endCxn id="173" idx="2"/>
+          </p:cNvCxnSpPr>
+          <p:nvPr/>
+        </p:nvCxnSpPr>
+        <p:spPr>
+          <a:xfrm flipV="1">
+            <a:off x="4380884" y="4020795"/>
+            <a:ext cx="657016" cy="58707"/>
+          </a:xfrm>
+          <a:prstGeom prst="line">
+            <a:avLst/>
+          </a:prstGeom>
+        </p:spPr>
+        <p:style>
+          <a:lnRef idx="2">
+            <a:schemeClr val="dk1"/>
+          </a:lnRef>
+          <a:fillRef idx="0">
+            <a:schemeClr val="dk1"/>
+          </a:fillRef>
+          <a:effectRef idx="1">
+            <a:schemeClr val="dk1"/>
+          </a:effectRef>
+          <a:fontRef idx="minor">
+            <a:schemeClr val="tx1"/>
+          </a:fontRef>
+        </p:style>
+      </p:cxnSp>
+      <p:cxnSp>
+        <p:nvCxnSpPr>
+          <p:cNvPr id="270" name="Straight Connector 269">
+            <a:extLst>
+              <a:ext uri="{FF2B5EF4-FFF2-40B4-BE49-F238E27FC236}">
+                <a16:creationId xmlns:a16="http://schemas.microsoft.com/office/drawing/2014/main" id="{DBE3A2F7-95AF-D3AE-ED13-2A720FF34F12}"/>
+              </a:ext>
+            </a:extLst>
+          </p:cNvPr>
+          <p:cNvCxnSpPr>
+            <a:cxnSpLocks/>
+            <a:stCxn id="159" idx="6"/>
+            <a:endCxn id="175" idx="2"/>
+          </p:cNvCxnSpPr>
+          <p:nvPr/>
+        </p:nvCxnSpPr>
+        <p:spPr>
+          <a:xfrm>
+            <a:off x="4380884" y="4079502"/>
+            <a:ext cx="657015" cy="154849"/>
+          </a:xfrm>
+          <a:prstGeom prst="line">
+            <a:avLst/>
+          </a:prstGeom>
+        </p:spPr>
+        <p:style>
+          <a:lnRef idx="2">
+            <a:schemeClr val="dk1"/>
+          </a:lnRef>
+          <a:fillRef idx="0">
+            <a:schemeClr val="dk1"/>
+          </a:fillRef>
+          <a:effectRef idx="1">
+            <a:schemeClr val="dk1"/>
+          </a:effectRef>
+          <a:fontRef idx="minor">
+            <a:schemeClr val="tx1"/>
+          </a:fontRef>
+        </p:style>
+      </p:cxnSp>
+      <p:cxnSp>
+        <p:nvCxnSpPr>
+          <p:cNvPr id="273" name="Straight Connector 272">
+            <a:extLst>
+              <a:ext uri="{FF2B5EF4-FFF2-40B4-BE49-F238E27FC236}">
+                <a16:creationId xmlns:a16="http://schemas.microsoft.com/office/drawing/2014/main" id="{432E716A-5409-480D-840D-9853498F5A46}"/>
+              </a:ext>
+            </a:extLst>
+          </p:cNvPr>
+          <p:cNvCxnSpPr>
+            <a:cxnSpLocks/>
+            <a:stCxn id="165" idx="6"/>
+            <a:endCxn id="45" idx="0"/>
+          </p:cNvCxnSpPr>
+          <p:nvPr/>
+        </p:nvCxnSpPr>
+        <p:spPr>
+          <a:xfrm>
+            <a:off x="5213824" y="1613407"/>
+            <a:ext cx="834224" cy="926727"/>
+          </a:xfrm>
+          <a:prstGeom prst="line">
+            <a:avLst/>
+          </a:prstGeom>
+        </p:spPr>
+        <p:style>
+          <a:lnRef idx="2">
+            <a:schemeClr val="dk1"/>
+          </a:lnRef>
+          <a:fillRef idx="0">
+            <a:schemeClr val="dk1"/>
+          </a:fillRef>
+          <a:effectRef idx="1">
+            <a:schemeClr val="dk1"/>
+          </a:effectRef>
+          <a:fontRef idx="minor">
+            <a:schemeClr val="tx1"/>
+          </a:fontRef>
+        </p:style>
+      </p:cxnSp>
+      <p:cxnSp>
+        <p:nvCxnSpPr>
+          <p:cNvPr id="276" name="Straight Connector 275">
+            <a:extLst>
+              <a:ext uri="{FF2B5EF4-FFF2-40B4-BE49-F238E27FC236}">
+                <a16:creationId xmlns:a16="http://schemas.microsoft.com/office/drawing/2014/main" id="{31AC5291-F076-C1A1-2A20-4DE191CB4207}"/>
+              </a:ext>
+            </a:extLst>
+          </p:cNvPr>
+          <p:cNvCxnSpPr>
+            <a:cxnSpLocks/>
+            <a:stCxn id="166" idx="6"/>
+            <a:endCxn id="45" idx="1"/>
+          </p:cNvCxnSpPr>
+          <p:nvPr/>
+        </p:nvCxnSpPr>
+        <p:spPr>
+          <a:xfrm>
+            <a:off x="5215519" y="1832283"/>
+            <a:ext cx="765089" cy="735364"/>
+          </a:xfrm>
+          <a:prstGeom prst="line">
+            <a:avLst/>
+          </a:prstGeom>
+        </p:spPr>
+        <p:style>
+          <a:lnRef idx="2">
+            <a:schemeClr val="dk1"/>
+          </a:lnRef>
+          <a:fillRef idx="0">
+            <a:schemeClr val="dk1"/>
+          </a:fillRef>
+          <a:effectRef idx="1">
+            <a:schemeClr val="dk1"/>
+          </a:effectRef>
+          <a:fontRef idx="minor">
+            <a:schemeClr val="tx1"/>
+          </a:fontRef>
+        </p:style>
+      </p:cxnSp>
+      <p:cxnSp>
+        <p:nvCxnSpPr>
+          <p:cNvPr id="285" name="Straight Connector 284">
+            <a:extLst>
+              <a:ext uri="{FF2B5EF4-FFF2-40B4-BE49-F238E27FC236}">
+                <a16:creationId xmlns:a16="http://schemas.microsoft.com/office/drawing/2014/main" id="{B1DB0F75-883C-6B20-B195-88AC2C13E3C7}"/>
+              </a:ext>
+            </a:extLst>
+          </p:cNvPr>
+          <p:cNvCxnSpPr>
+            <a:cxnSpLocks/>
+            <a:stCxn id="167" idx="6"/>
+            <a:endCxn id="45" idx="1"/>
+          </p:cNvCxnSpPr>
+          <p:nvPr/>
+        </p:nvCxnSpPr>
+        <p:spPr>
+          <a:xfrm>
+            <a:off x="5216633" y="2085596"/>
+            <a:ext cx="763975" cy="482051"/>
+          </a:xfrm>
+          <a:prstGeom prst="line">
+            <a:avLst/>
+          </a:prstGeom>
+        </p:spPr>
+        <p:style>
+          <a:lnRef idx="2">
+            <a:schemeClr val="dk1"/>
+          </a:lnRef>
+          <a:fillRef idx="0">
+            <a:schemeClr val="dk1"/>
+          </a:fillRef>
+          <a:effectRef idx="1">
+            <a:schemeClr val="dk1"/>
+          </a:effectRef>
+          <a:fontRef idx="minor">
+            <a:schemeClr val="tx1"/>
+          </a:fontRef>
+        </p:style>
+      </p:cxnSp>
+      <p:cxnSp>
+        <p:nvCxnSpPr>
+          <p:cNvPr id="288" name="Straight Connector 287">
+            <a:extLst>
+              <a:ext uri="{FF2B5EF4-FFF2-40B4-BE49-F238E27FC236}">
+                <a16:creationId xmlns:a16="http://schemas.microsoft.com/office/drawing/2014/main" id="{04AB7F38-0696-7411-9F6E-441E4C85885E}"/>
+              </a:ext>
+            </a:extLst>
+          </p:cNvPr>
+          <p:cNvCxnSpPr>
+            <a:cxnSpLocks/>
+            <a:stCxn id="168" idx="6"/>
+            <a:endCxn id="45" idx="2"/>
+          </p:cNvCxnSpPr>
+          <p:nvPr/>
+        </p:nvCxnSpPr>
+        <p:spPr>
+          <a:xfrm>
+            <a:off x="5212059" y="2365973"/>
+            <a:ext cx="740615" cy="268096"/>
+          </a:xfrm>
+          <a:prstGeom prst="line">
+            <a:avLst/>
+          </a:prstGeom>
+        </p:spPr>
+        <p:style>
+          <a:lnRef idx="2">
+            <a:schemeClr val="dk1"/>
+          </a:lnRef>
+          <a:fillRef idx="0">
+            <a:schemeClr val="dk1"/>
+          </a:fillRef>
+          <a:effectRef idx="1">
+            <a:schemeClr val="dk1"/>
+          </a:effectRef>
+          <a:fontRef idx="minor">
+            <a:schemeClr val="tx1"/>
+          </a:fontRef>
+        </p:style>
+      </p:cxnSp>
+      <p:cxnSp>
+        <p:nvCxnSpPr>
+          <p:cNvPr id="291" name="Straight Connector 290">
+            <a:extLst>
+              <a:ext uri="{FF2B5EF4-FFF2-40B4-BE49-F238E27FC236}">
+                <a16:creationId xmlns:a16="http://schemas.microsoft.com/office/drawing/2014/main" id="{267A5811-6426-13C1-F716-A8C0CF13FA7F}"/>
+              </a:ext>
+            </a:extLst>
+          </p:cNvPr>
+          <p:cNvCxnSpPr>
+            <a:cxnSpLocks/>
+            <a:stCxn id="169" idx="6"/>
+            <a:endCxn id="45" idx="2"/>
+          </p:cNvCxnSpPr>
+          <p:nvPr/>
+        </p:nvCxnSpPr>
+        <p:spPr>
+          <a:xfrm>
+            <a:off x="5209933" y="2613018"/>
+            <a:ext cx="742741" cy="21051"/>
+          </a:xfrm>
+          <a:prstGeom prst="line">
+            <a:avLst/>
+          </a:prstGeom>
+        </p:spPr>
+        <p:style>
+          <a:lnRef idx="2">
+            <a:schemeClr val="dk1"/>
+          </a:lnRef>
+          <a:fillRef idx="0">
+            <a:schemeClr val="dk1"/>
+          </a:fillRef>
+          <a:effectRef idx="1">
+            <a:schemeClr val="dk1"/>
+          </a:effectRef>
+          <a:fontRef idx="minor">
+            <a:schemeClr val="tx1"/>
+          </a:fontRef>
+        </p:style>
+      </p:cxnSp>
+      <p:cxnSp>
+        <p:nvCxnSpPr>
+          <p:cNvPr id="302" name="Straight Connector 301">
+            <a:extLst>
+              <a:ext uri="{FF2B5EF4-FFF2-40B4-BE49-F238E27FC236}">
+                <a16:creationId xmlns:a16="http://schemas.microsoft.com/office/drawing/2014/main" id="{316E9D7C-7F95-B200-B350-C227077231C5}"/>
+              </a:ext>
+            </a:extLst>
+          </p:cNvPr>
+          <p:cNvCxnSpPr>
+            <a:cxnSpLocks/>
+            <a:stCxn id="118" idx="6"/>
+            <a:endCxn id="45" idx="2"/>
+          </p:cNvCxnSpPr>
+          <p:nvPr/>
+        </p:nvCxnSpPr>
+        <p:spPr>
+          <a:xfrm flipV="1">
+            <a:off x="5209655" y="2634069"/>
+            <a:ext cx="743019" cy="203633"/>
+          </a:xfrm>
+          <a:prstGeom prst="line">
+            <a:avLst/>
+          </a:prstGeom>
+        </p:spPr>
+        <p:style>
+          <a:lnRef idx="2">
+            <a:schemeClr val="dk1"/>
+          </a:lnRef>
+          <a:fillRef idx="0">
+            <a:schemeClr val="dk1"/>
+          </a:fillRef>
+          <a:effectRef idx="1">
+            <a:schemeClr val="dk1"/>
+          </a:effectRef>
+          <a:fontRef idx="minor">
+            <a:schemeClr val="tx1"/>
+          </a:fontRef>
+        </p:style>
+      </p:cxnSp>
+      <p:cxnSp>
+        <p:nvCxnSpPr>
+          <p:cNvPr id="305" name="Straight Connector 304">
+            <a:extLst>
+              <a:ext uri="{FF2B5EF4-FFF2-40B4-BE49-F238E27FC236}">
+                <a16:creationId xmlns:a16="http://schemas.microsoft.com/office/drawing/2014/main" id="{878FEA7B-CD7D-4674-1B67-543C70ECD2F0}"/>
+              </a:ext>
+            </a:extLst>
+          </p:cNvPr>
+          <p:cNvCxnSpPr>
+            <a:cxnSpLocks/>
+            <a:stCxn id="170" idx="6"/>
+            <a:endCxn id="45" idx="2"/>
+          </p:cNvCxnSpPr>
+          <p:nvPr/>
+        </p:nvCxnSpPr>
+        <p:spPr>
+          <a:xfrm flipV="1">
+            <a:off x="5209655" y="2634069"/>
+            <a:ext cx="743019" cy="464323"/>
+          </a:xfrm>
+          <a:prstGeom prst="line">
+            <a:avLst/>
+          </a:prstGeom>
+        </p:spPr>
+        <p:style>
+          <a:lnRef idx="2">
+            <a:schemeClr val="dk1"/>
+          </a:lnRef>
+          <a:fillRef idx="0">
+            <a:schemeClr val="dk1"/>
+          </a:fillRef>
+          <a:effectRef idx="1">
+            <a:schemeClr val="dk1"/>
+          </a:effectRef>
+          <a:fontRef idx="minor">
+            <a:schemeClr val="tx1"/>
+          </a:fontRef>
+        </p:style>
+      </p:cxnSp>
+      <p:cxnSp>
+        <p:nvCxnSpPr>
+          <p:cNvPr id="308" name="Straight Connector 307">
+            <a:extLst>
+              <a:ext uri="{FF2B5EF4-FFF2-40B4-BE49-F238E27FC236}">
+                <a16:creationId xmlns:a16="http://schemas.microsoft.com/office/drawing/2014/main" id="{08306E87-D1FE-845E-C8E9-A5E30734538B}"/>
+              </a:ext>
+            </a:extLst>
+          </p:cNvPr>
+          <p:cNvCxnSpPr>
+            <a:cxnSpLocks/>
+            <a:stCxn id="171" idx="6"/>
+            <a:endCxn id="45" idx="3"/>
+          </p:cNvCxnSpPr>
+          <p:nvPr/>
+        </p:nvCxnSpPr>
+        <p:spPr>
+          <a:xfrm flipV="1">
+            <a:off x="5221087" y="2700490"/>
+            <a:ext cx="759521" cy="627333"/>
+          </a:xfrm>
+          <a:prstGeom prst="line">
+            <a:avLst/>
+          </a:prstGeom>
+        </p:spPr>
+        <p:style>
+          <a:lnRef idx="2">
+            <a:schemeClr val="dk1"/>
+          </a:lnRef>
+          <a:fillRef idx="0">
+            <a:schemeClr val="dk1"/>
+          </a:fillRef>
+          <a:effectRef idx="1">
+            <a:schemeClr val="dk1"/>
+          </a:effectRef>
+          <a:fontRef idx="minor">
+            <a:schemeClr val="tx1"/>
+          </a:fontRef>
+        </p:style>
+      </p:cxnSp>
+      <p:cxnSp>
+        <p:nvCxnSpPr>
+          <p:cNvPr id="311" name="Straight Connector 310">
+            <a:extLst>
+              <a:ext uri="{FF2B5EF4-FFF2-40B4-BE49-F238E27FC236}">
+                <a16:creationId xmlns:a16="http://schemas.microsoft.com/office/drawing/2014/main" id="{4E6AD0A1-E8AE-0150-0C07-0FA6CBE0DADD}"/>
+              </a:ext>
+            </a:extLst>
+          </p:cNvPr>
+          <p:cNvCxnSpPr>
+            <a:cxnSpLocks/>
+            <a:stCxn id="172" idx="6"/>
+            <a:endCxn id="45" idx="3"/>
+          </p:cNvCxnSpPr>
+          <p:nvPr/>
+        </p:nvCxnSpPr>
+        <p:spPr>
+          <a:xfrm flipV="1">
+            <a:off x="5216633" y="2700490"/>
+            <a:ext cx="763975" cy="860515"/>
+          </a:xfrm>
+          <a:prstGeom prst="line">
+            <a:avLst/>
+          </a:prstGeom>
+        </p:spPr>
+        <p:style>
+          <a:lnRef idx="2">
+            <a:schemeClr val="dk1"/>
+          </a:lnRef>
+          <a:fillRef idx="0">
+            <a:schemeClr val="dk1"/>
+          </a:fillRef>
+          <a:effectRef idx="1">
+            <a:schemeClr val="dk1"/>
+          </a:effectRef>
+          <a:fontRef idx="minor">
+            <a:schemeClr val="tx1"/>
+          </a:fontRef>
+        </p:style>
+      </p:cxnSp>
+      <p:cxnSp>
+        <p:nvCxnSpPr>
+          <p:cNvPr id="315" name="Straight Connector 314">
+            <a:extLst>
+              <a:ext uri="{FF2B5EF4-FFF2-40B4-BE49-F238E27FC236}">
+                <a16:creationId xmlns:a16="http://schemas.microsoft.com/office/drawing/2014/main" id="{8898E4AF-A927-0F10-61CF-32533F526C21}"/>
+              </a:ext>
+            </a:extLst>
+          </p:cNvPr>
+          <p:cNvCxnSpPr>
+            <a:cxnSpLocks/>
+            <a:stCxn id="175" idx="6"/>
+            <a:endCxn id="45" idx="4"/>
+          </p:cNvCxnSpPr>
+          <p:nvPr/>
+        </p:nvCxnSpPr>
+        <p:spPr>
+          <a:xfrm flipV="1">
+            <a:off x="5218976" y="2728003"/>
+            <a:ext cx="829072" cy="1506348"/>
+          </a:xfrm>
+          <a:prstGeom prst="line">
+            <a:avLst/>
+          </a:prstGeom>
+        </p:spPr>
+        <p:style>
+          <a:lnRef idx="2">
+            <a:schemeClr val="dk1"/>
+          </a:lnRef>
+          <a:fillRef idx="0">
+            <a:schemeClr val="dk1"/>
+          </a:fillRef>
+          <a:effectRef idx="1">
+            <a:schemeClr val="dk1"/>
+          </a:effectRef>
+          <a:fontRef idx="minor">
+            <a:schemeClr val="tx1"/>
+          </a:fontRef>
+        </p:style>
+      </p:cxnSp>
     </p:spTree>
     <p:extLst>
       <p:ext uri="{BB962C8B-B14F-4D97-AF65-F5344CB8AC3E}">
@@ -12517,18 +13743,18 @@
 </file>
 
 <file path=customXml/item2.xml><?xml version="1.0" encoding="utf-8"?>
+<p:properties xmlns:p="http://schemas.microsoft.com/office/2006/metadata/properties" xmlns:xsi="http://www.w3.org/2001/XMLSchema-instance" xmlns:pc="http://schemas.microsoft.com/office/infopath/2007/PartnerControls">
+  <documentManagement/>
+</p:properties>
+</file>
+
+<file path=customXml/item3.xml><?xml version="1.0" encoding="utf-8"?>
 <?mso-contentType ?>
 <FormTemplates xmlns="http://schemas.microsoft.com/sharepoint/v3/contenttype/forms">
   <Display>DocumentLibraryForm</Display>
   <Edit>DocumentLibraryForm</Edit>
   <New>DocumentLibraryForm</New>
 </FormTemplates>
-</file>
-
-<file path=customXml/item3.xml><?xml version="1.0" encoding="utf-8"?>
-<p:properties xmlns:p="http://schemas.microsoft.com/office/2006/metadata/properties" xmlns:xsi="http://www.w3.org/2001/XMLSchema-instance" xmlns:pc="http://schemas.microsoft.com/office/infopath/2007/PartnerControls">
-  <documentManagement/>
-</p:properties>
 </file>
 
 <file path=customXml/itemProps1.xml><?xml version="1.0" encoding="utf-8"?>
@@ -12551,14 +13777,6 @@
 </file>
 
 <file path=customXml/itemProps2.xml><?xml version="1.0" encoding="utf-8"?>
-<ds:datastoreItem xmlns:ds="http://schemas.openxmlformats.org/officeDocument/2006/customXml" ds:itemID="{478A104F-5518-4387-A41C-C91F45F51F72}">
-  <ds:schemaRefs>
-    <ds:schemaRef ds:uri="http://schemas.microsoft.com/sharepoint/v3/contenttype/forms"/>
-  </ds:schemaRefs>
-</ds:datastoreItem>
-</file>
-
-<file path=customXml/itemProps3.xml><?xml version="1.0" encoding="utf-8"?>
 <ds:datastoreItem xmlns:ds="http://schemas.openxmlformats.org/officeDocument/2006/customXml" ds:itemID="{10D81E0D-2C63-4EA5-9F60-BC113953F389}">
   <ds:schemaRefs>
     <ds:schemaRef ds:uri="http://www.w3.org/XML/1998/namespace"/>
@@ -12573,4 +13791,12 @@
     <ds:schemaRef ds:uri="http://purl.org/dc/elements/1.1/"/>
   </ds:schemaRefs>
 </ds:datastoreItem>
+</file>
+
+<file path=customXml/itemProps3.xml><?xml version="1.0" encoding="utf-8"?>
+<ds:datastoreItem xmlns:ds="http://schemas.openxmlformats.org/officeDocument/2006/customXml" ds:itemID="{478A104F-5518-4387-A41C-C91F45F51F72}">
+  <ds:schemaRefs>
+    <ds:schemaRef ds:uri="http://schemas.microsoft.com/sharepoint/v3/contenttype/forms"/>
+  </ds:schemaRefs>
+</ds:datastoreItem>
 </file>
--- a/doc/gao_ai_proposal.pptx
+++ b/doc/gao_ai_proposal.pptx
@@ -273,7 +273,7 @@
           <a:p>
             <a:fld id="{9C5B416F-12F7-8245-B7D4-D65FCD72D8E0}" type="datetimeFigureOut">
               <a:rPr lang="en-US" smtClean="0"/>
-              <a:t>8/2/23</a:t>
+              <a:t>8/2/2023</a:t>
             </a:fld>
             <a:endParaRPr lang="en-US"/>
           </a:p>
@@ -439,7 +439,7 @@
           <a:p>
             <a:fld id="{24EA5F54-FBF3-1447-ACC7-2EF23A9C40CC}" type="datetimeFigureOut">
               <a:rPr lang="en-US" smtClean="0"/>
-              <a:t>8/2/23</a:t>
+              <a:t>8/2/2023</a:t>
             </a:fld>
             <a:endParaRPr lang="en-US"/>
           </a:p>
@@ -3932,8 +3932,8 @@
         </p:blipFill>
         <p:spPr>
           <a:xfrm>
-            <a:off x="5347521" y="2934617"/>
-            <a:ext cx="2557948" cy="1743839"/>
+            <a:off x="4877306" y="2817353"/>
+            <a:ext cx="3021604" cy="1844422"/>
           </a:xfrm>
           <a:prstGeom prst="rect">
             <a:avLst/>
@@ -3992,8 +3992,8 @@
         </p:blipFill>
         <p:spPr>
           <a:xfrm>
-            <a:off x="5047871" y="715057"/>
-            <a:ext cx="2857598" cy="2219560"/>
+            <a:off x="4883865" y="715057"/>
+            <a:ext cx="3021604" cy="2094755"/>
           </a:xfrm>
           <a:prstGeom prst="rect">
             <a:avLst/>
@@ -4232,12 +4232,12 @@
           <a:graphicData uri="http://schemas.openxmlformats.org/presentationml/2006/ole">
             <mc:AlternateContent xmlns:mc="http://schemas.openxmlformats.org/markup-compatibility/2006">
               <mc:Choice xmlns:v="urn:schemas-microsoft-com:vml" Requires="v">
-                <p:oleObj name="Bitmap Image" r:id="rId3" imgW="7728120" imgH="9226440" progId="Paint.Picture.1">
+                <p:oleObj spid="_x0000_s4113" name="Bitmap Image" r:id="rId4" imgW="7728120" imgH="9226440" progId="Paint.Picture.1">
                   <p:embed/>
                 </p:oleObj>
               </mc:Choice>
               <mc:Fallback>
-                <p:oleObj name="Bitmap Image" r:id="rId3" imgW="7728120" imgH="9226440" progId="Paint.Picture.1">
+                <p:oleObj name="Bitmap Image" r:id="rId4" imgW="7728120" imgH="9226440" progId="Paint.Picture.1">
                   <p:embed/>
                   <p:pic>
                     <p:nvPicPr>
@@ -4252,7 +4252,7 @@
                       <p:nvPr/>
                     </p:nvPicPr>
                     <p:blipFill>
-                      <a:blip r:embed="rId4">
+                      <a:blip r:embed="rId5">
                         <a:alphaModFix amt="10000"/>
                       </a:blip>
                       <a:stretch>
@@ -4297,12 +4297,12 @@
           <a:graphicData uri="http://schemas.openxmlformats.org/presentationml/2006/ole">
             <mc:AlternateContent xmlns:mc="http://schemas.openxmlformats.org/markup-compatibility/2006">
               <mc:Choice xmlns:v="urn:schemas-microsoft-com:vml" Requires="v">
-                <p:oleObj name="Bitmap Image" r:id="rId5" imgW="6921360" imgH="3054240" progId="Paint.Picture.1">
+                <p:oleObj spid="_x0000_s4114" name="Bitmap Image" r:id="rId6" imgW="6921360" imgH="3054240" progId="Paint.Picture.1">
                   <p:embed/>
                 </p:oleObj>
               </mc:Choice>
               <mc:Fallback>
-                <p:oleObj name="Bitmap Image" r:id="rId5" imgW="6921360" imgH="3054240" progId="Paint.Picture.1">
+                <p:oleObj name="Bitmap Image" r:id="rId6" imgW="6921360" imgH="3054240" progId="Paint.Picture.1">
                   <p:embed/>
                   <p:pic>
                     <p:nvPicPr>
@@ -4317,7 +4317,7 @@
                       <p:nvPr/>
                     </p:nvPicPr>
                     <p:blipFill>
-                      <a:blip r:embed="rId6">
+                      <a:blip r:embed="rId7">
                         <a:alphaModFix amt="20000"/>
                       </a:blip>
                       <a:stretch>
@@ -4524,12 +4524,12 @@
           <a:graphicData uri="http://schemas.openxmlformats.org/presentationml/2006/ole">
             <mc:AlternateContent xmlns:mc="http://schemas.openxmlformats.org/markup-compatibility/2006">
               <mc:Choice xmlns:v="urn:schemas-microsoft-com:vml" Requires="v">
-                <p:oleObj name="Bitmap Image" r:id="rId7" imgW="7677000" imgH="3397320" progId="Paint.Picture.1">
+                <p:oleObj spid="_x0000_s4115" name="Bitmap Image" r:id="rId8" imgW="7677000" imgH="3397320" progId="Paint.Picture.1">
                   <p:embed/>
                 </p:oleObj>
               </mc:Choice>
               <mc:Fallback>
-                <p:oleObj name="Bitmap Image" r:id="rId7" imgW="7677000" imgH="3397320" progId="Paint.Picture.1">
+                <p:oleObj name="Bitmap Image" r:id="rId8" imgW="7677000" imgH="3397320" progId="Paint.Picture.1">
                   <p:embed/>
                   <p:pic>
                     <p:nvPicPr>
@@ -4544,7 +4544,7 @@
                       <p:nvPr/>
                     </p:nvPicPr>
                     <p:blipFill>
-                      <a:blip r:embed="rId8">
+                      <a:blip r:embed="rId9">
                         <a:alphaModFix amt="20000"/>
                       </a:blip>
                       <a:stretch>
@@ -4767,7 +4767,7 @@
           <p:nvPr/>
         </p:nvPicPr>
         <p:blipFill rotWithShape="1">
-          <a:blip r:embed="rId9"/>
+          <a:blip r:embed="rId10"/>
           <a:srcRect t="7724" r="4478"/>
           <a:stretch/>
         </p:blipFill>
@@ -7599,7 +7599,7 @@
                   <a:schemeClr val="bg1"/>
                 </a:solidFill>
               </a:rPr>
-              <a:t>Concept of Operations (cont.)</a:t>
+              <a:t>Concept of Operations</a:t>
             </a:r>
           </a:p>
         </p:txBody>
@@ -7738,12 +7738,12 @@
           <a:graphicData uri="http://schemas.openxmlformats.org/presentationml/2006/ole">
             <mc:AlternateContent xmlns:mc="http://schemas.openxmlformats.org/markup-compatibility/2006">
               <mc:Choice xmlns:v="urn:schemas-microsoft-com:vml" Requires="v">
-                <p:oleObj name="Bitmap Image" r:id="rId3" imgW="7728120" imgH="9226440" progId="Paint.Picture.1">
+                <p:oleObj spid="_x0000_s1036" name="Bitmap Image" r:id="rId4" imgW="7728120" imgH="9226440" progId="Paint.Picture.1">
                   <p:embed/>
                 </p:oleObj>
               </mc:Choice>
               <mc:Fallback>
-                <p:oleObj name="Bitmap Image" r:id="rId3" imgW="7728120" imgH="9226440" progId="Paint.Picture.1">
+                <p:oleObj name="Bitmap Image" r:id="rId4" imgW="7728120" imgH="9226440" progId="Paint.Picture.1">
                   <p:embed/>
                   <p:pic>
                     <p:nvPicPr>
@@ -7758,7 +7758,7 @@
                       <p:nvPr/>
                     </p:nvPicPr>
                     <p:blipFill>
-                      <a:blip r:embed="rId4">
+                      <a:blip r:embed="rId5">
                         <a:alphaModFix amt="50000"/>
                       </a:blip>
                       <a:stretch>
@@ -7809,12 +7809,12 @@
           <a:graphicData uri="http://schemas.openxmlformats.org/presentationml/2006/ole">
             <mc:AlternateContent xmlns:mc="http://schemas.openxmlformats.org/markup-compatibility/2006">
               <mc:Choice xmlns:v="urn:schemas-microsoft-com:vml" Requires="v">
-                <p:oleObj name="Bitmap Image" r:id="rId5" imgW="6921360" imgH="3054240" progId="Paint.Picture.1">
+                <p:oleObj spid="_x0000_s1037" name="Bitmap Image" r:id="rId6" imgW="6921360" imgH="3054240" progId="Paint.Picture.1">
                   <p:embed/>
                 </p:oleObj>
               </mc:Choice>
               <mc:Fallback>
-                <p:oleObj name="Bitmap Image" r:id="rId5" imgW="6921360" imgH="3054240" progId="Paint.Picture.1">
+                <p:oleObj name="Bitmap Image" r:id="rId6" imgW="6921360" imgH="3054240" progId="Paint.Picture.1">
                   <p:embed/>
                   <p:pic>
                     <p:nvPicPr>
@@ -7829,7 +7829,7 @@
                       <p:nvPr/>
                     </p:nvPicPr>
                     <p:blipFill>
-                      <a:blip r:embed="rId6"/>
+                      <a:blip r:embed="rId7"/>
                       <a:stretch>
                         <a:fillRect/>
                       </a:stretch>
@@ -7972,7 +7972,7 @@
                 <a:latin typeface="Calibri" panose="020F0502020204030204" pitchFamily="34" charset="0"/>
                 <a:cs typeface="Calibri" panose="020F0502020204030204" pitchFamily="34" charset="0"/>
               </a:rPr>
-              <a:t>Owner will self-score each of the 93+ audit requirements</a:t>
+              <a:t>Owner will self-score each of the 93 audit requirements</a:t>
             </a:r>
           </a:p>
         </p:txBody>
@@ -8076,12 +8076,12 @@
           <a:graphicData uri="http://schemas.openxmlformats.org/presentationml/2006/ole">
             <mc:AlternateContent xmlns:mc="http://schemas.openxmlformats.org/markup-compatibility/2006">
               <mc:Choice xmlns:v="urn:schemas-microsoft-com:vml" Requires="v">
-                <p:oleObj name="Bitmap Image" r:id="rId3" imgW="7162920" imgH="3187800" progId="Paint.Picture.1">
+                <p:oleObj spid="_x0000_s2055" name="Bitmap Image" r:id="rId4" imgW="7162920" imgH="3187800" progId="Paint.Picture.1">
                   <p:embed/>
                 </p:oleObj>
               </mc:Choice>
               <mc:Fallback>
-                <p:oleObj name="Bitmap Image" r:id="rId3" imgW="7162920" imgH="3187800" progId="Paint.Picture.1">
+                <p:oleObj name="Bitmap Image" r:id="rId4" imgW="7162920" imgH="3187800" progId="Paint.Picture.1">
                   <p:embed/>
                   <p:pic>
                     <p:nvPicPr>
@@ -8096,7 +8096,7 @@
                       <p:nvPr/>
                     </p:nvPicPr>
                     <p:blipFill>
-                      <a:blip r:embed="rId4"/>
+                      <a:blip r:embed="rId5"/>
                       <a:stretch>
                         <a:fillRect/>
                       </a:stretch>
@@ -8472,12 +8472,12 @@
           <a:graphicData uri="http://schemas.openxmlformats.org/presentationml/2006/ole">
             <mc:AlternateContent xmlns:mc="http://schemas.openxmlformats.org/markup-compatibility/2006">
               <mc:Choice xmlns:v="urn:schemas-microsoft-com:vml" Requires="v">
-                <p:oleObj name="Bitmap Image" r:id="rId3" imgW="7728120" imgH="9226440" progId="Paint.Picture.1">
+                <p:oleObj spid="_x0000_s3089" name="Bitmap Image" r:id="rId4" imgW="7728120" imgH="9226440" progId="Paint.Picture.1">
                   <p:embed/>
                 </p:oleObj>
               </mc:Choice>
               <mc:Fallback>
-                <p:oleObj name="Bitmap Image" r:id="rId3" imgW="7728120" imgH="9226440" progId="Paint.Picture.1">
+                <p:oleObj name="Bitmap Image" r:id="rId4" imgW="7728120" imgH="9226440" progId="Paint.Picture.1">
                   <p:embed/>
                   <p:pic>
                     <p:nvPicPr>
@@ -8492,7 +8492,7 @@
                       <p:nvPr/>
                     </p:nvPicPr>
                     <p:blipFill>
-                      <a:blip r:embed="rId4">
+                      <a:blip r:embed="rId5">
                         <a:alphaModFix amt="10000"/>
                       </a:blip>
                       <a:stretch>
@@ -8543,12 +8543,12 @@
           <a:graphicData uri="http://schemas.openxmlformats.org/presentationml/2006/ole">
             <mc:AlternateContent xmlns:mc="http://schemas.openxmlformats.org/markup-compatibility/2006">
               <mc:Choice xmlns:v="urn:schemas-microsoft-com:vml" Requires="v">
-                <p:oleObj name="Bitmap Image" r:id="rId5" imgW="6921360" imgH="3054240" progId="Paint.Picture.1">
+                <p:oleObj spid="_x0000_s3090" name="Bitmap Image" r:id="rId6" imgW="6921360" imgH="3054240" progId="Paint.Picture.1">
                   <p:embed/>
                 </p:oleObj>
               </mc:Choice>
               <mc:Fallback>
-                <p:oleObj name="Bitmap Image" r:id="rId5" imgW="6921360" imgH="3054240" progId="Paint.Picture.1">
+                <p:oleObj name="Bitmap Image" r:id="rId6" imgW="6921360" imgH="3054240" progId="Paint.Picture.1">
                   <p:embed/>
                   <p:pic>
                     <p:nvPicPr>
@@ -8563,7 +8563,7 @@
                       <p:nvPr/>
                     </p:nvPicPr>
                     <p:blipFill>
-                      <a:blip r:embed="rId6">
+                      <a:blip r:embed="rId7">
                         <a:alphaModFix amt="20000"/>
                       </a:blip>
                       <a:stretch>
@@ -8766,12 +8766,12 @@
           <a:graphicData uri="http://schemas.openxmlformats.org/presentationml/2006/ole">
             <mc:AlternateContent xmlns:mc="http://schemas.openxmlformats.org/markup-compatibility/2006">
               <mc:Choice xmlns:v="urn:schemas-microsoft-com:vml" Requires="v">
-                <p:oleObj name="Bitmap Image" r:id="rId7" imgW="7677000" imgH="3397320" progId="Paint.Picture.1">
+                <p:oleObj spid="_x0000_s3091" name="Bitmap Image" r:id="rId8" imgW="7677000" imgH="3397320" progId="Paint.Picture.1">
                   <p:embed/>
                 </p:oleObj>
               </mc:Choice>
               <mc:Fallback>
-                <p:oleObj name="Bitmap Image" r:id="rId7" imgW="7677000" imgH="3397320" progId="Paint.Picture.1">
+                <p:oleObj name="Bitmap Image" r:id="rId8" imgW="7677000" imgH="3397320" progId="Paint.Picture.1">
                   <p:embed/>
                   <p:pic>
                     <p:nvPicPr>
@@ -8786,7 +8786,7 @@
                       <p:nvPr/>
                     </p:nvPicPr>
                     <p:blipFill>
-                      <a:blip r:embed="rId8"/>
+                      <a:blip r:embed="rId9"/>
                       <a:stretch>
                         <a:fillRect/>
                       </a:stretch>
@@ -9082,1133 +9082,626 @@
           </a:p>
         </p:txBody>
       </p:sp>
-      <p:grpSp>
-        <p:nvGrpSpPr>
-          <p:cNvPr id="6" name="Group 5">
-            <a:extLst>
-              <a:ext uri="{FF2B5EF4-FFF2-40B4-BE49-F238E27FC236}">
-                <a16:creationId xmlns:a16="http://schemas.microsoft.com/office/drawing/2014/main" id="{EFA499C2-1E1D-4D13-8DEA-BD3962232875}"/>
-              </a:ext>
-            </a:extLst>
-          </p:cNvPr>
-          <p:cNvGrpSpPr/>
-          <p:nvPr/>
-        </p:nvGrpSpPr>
-        <p:grpSpPr>
+      <p:sp>
+        <p:nvSpPr>
+          <p:cNvPr id="8" name="TextBox 7">
+            <a:extLst>
+              <a:ext uri="{FF2B5EF4-FFF2-40B4-BE49-F238E27FC236}">
+                <a16:creationId xmlns:a16="http://schemas.microsoft.com/office/drawing/2014/main" id="{663012F4-6886-0BC8-9B10-F45AF071C4F1}"/>
+              </a:ext>
+            </a:extLst>
+          </p:cNvPr>
+          <p:cNvSpPr txBox="1"/>
+          <p:nvPr/>
+        </p:nvSpPr>
+        <p:spPr>
           <a:xfrm>
             <a:off x="1867337" y="856051"/>
-            <a:ext cx="7333075" cy="3316128"/>
-            <a:chOff x="1030997" y="658503"/>
-            <a:chExt cx="7333075" cy="3316128"/>
-          </a:xfrm>
-        </p:grpSpPr>
-        <p:sp>
-          <p:nvSpPr>
-            <p:cNvPr id="5" name="Oval 4">
-              <a:extLst>
-                <a:ext uri="{FF2B5EF4-FFF2-40B4-BE49-F238E27FC236}">
-                  <a16:creationId xmlns:a16="http://schemas.microsoft.com/office/drawing/2014/main" id="{58E8FBCC-18D7-E675-B374-9E9B0A0BE234}"/>
-                </a:ext>
-              </a:extLst>
-            </p:cNvPr>
-            <p:cNvSpPr/>
-            <p:nvPr/>
-          </p:nvSpPr>
-          <p:spPr>
-            <a:xfrm>
-              <a:off x="2444098" y="1167809"/>
-              <a:ext cx="190748" cy="187869"/>
-            </a:xfrm>
-            <a:prstGeom prst="ellipse">
-              <a:avLst/>
-            </a:prstGeom>
-            <a:solidFill>
-              <a:schemeClr val="accent2"/>
-            </a:solidFill>
-            <a:ln>
-              <a:noFill/>
-            </a:ln>
-          </p:spPr>
-          <p:style>
-            <a:lnRef idx="1">
-              <a:schemeClr val="accent1"/>
-            </a:lnRef>
-            <a:fillRef idx="3">
-              <a:schemeClr val="accent1"/>
-            </a:fillRef>
-            <a:effectRef idx="2">
-              <a:schemeClr val="accent1"/>
-            </a:effectRef>
-            <a:fontRef idx="minor">
-              <a:schemeClr val="lt1"/>
-            </a:fontRef>
-          </p:style>
-          <p:txBody>
-            <a:bodyPr rtlCol="0" anchor="ctr"/>
-            <a:lstStyle/>
-            <a:p>
-              <a:pPr algn="ctr"/>
-              <a:endParaRPr lang="en-US" b="1" dirty="0">
+            <a:ext cx="1532075" cy="430887"/>
+          </a:xfrm>
+          <a:prstGeom prst="rect">
+            <a:avLst/>
+          </a:prstGeom>
+          <a:noFill/>
+        </p:spPr>
+        <p:txBody>
+          <a:bodyPr wrap="square" rtlCol="0">
+            <a:spAutoFit/>
+          </a:bodyPr>
+          <a:lstStyle/>
+          <a:p>
+            <a:pPr algn="ctr"/>
+            <a:r>
+              <a:rPr lang="en-US" sz="1100" dirty="0">
+                <a:latin typeface="Calibri" panose="020F0502020204030204" pitchFamily="34" charset="0"/>
+                <a:cs typeface="Calibri" panose="020F0502020204030204" pitchFamily="34" charset="0"/>
+              </a:rPr>
+              <a:t>Compliance Scores for Audit Procedures</a:t>
+            </a:r>
+          </a:p>
+        </p:txBody>
+      </p:sp>
+      <p:sp>
+        <p:nvSpPr>
+          <p:cNvPr id="18" name="TextBox 17">
+            <a:extLst>
+              <a:ext uri="{FF2B5EF4-FFF2-40B4-BE49-F238E27FC236}">
+                <a16:creationId xmlns:a16="http://schemas.microsoft.com/office/drawing/2014/main" id="{2EF4D0B7-7212-B2FD-1F35-C77A901A2B48}"/>
+              </a:ext>
+            </a:extLst>
+          </p:cNvPr>
+          <p:cNvSpPr txBox="1"/>
+          <p:nvPr/>
+        </p:nvSpPr>
+        <p:spPr>
+          <a:xfrm>
+            <a:off x="2058290" y="2822847"/>
+            <a:ext cx="1169676" cy="215444"/>
+          </a:xfrm>
+          <a:prstGeom prst="rect">
+            <a:avLst/>
+          </a:prstGeom>
+          <a:noFill/>
+        </p:spPr>
+        <p:txBody>
+          <a:bodyPr wrap="square" rtlCol="0">
+            <a:spAutoFit/>
+          </a:bodyPr>
+          <a:lstStyle/>
+          <a:p>
+            <a:pPr algn="ctr"/>
+            <a:r>
+              <a:rPr lang="en-US" sz="800" dirty="0">
+                <a:latin typeface="Calibri" panose="020F0502020204030204" pitchFamily="34" charset="0"/>
+                <a:cs typeface="Calibri" panose="020F0502020204030204" pitchFamily="34" charset="0"/>
+              </a:rPr>
+              <a:t>Section 1.2.1 = Score 83</a:t>
+            </a:r>
+          </a:p>
+        </p:txBody>
+      </p:sp>
+      <p:sp>
+        <p:nvSpPr>
+          <p:cNvPr id="20" name="TextBox 19">
+            <a:extLst>
+              <a:ext uri="{FF2B5EF4-FFF2-40B4-BE49-F238E27FC236}">
+                <a16:creationId xmlns:a16="http://schemas.microsoft.com/office/drawing/2014/main" id="{C03F99E3-422B-B7B8-D6A0-F8C16B8797FC}"/>
+              </a:ext>
+            </a:extLst>
+          </p:cNvPr>
+          <p:cNvSpPr txBox="1"/>
+          <p:nvPr/>
+        </p:nvSpPr>
+        <p:spPr>
+          <a:xfrm>
+            <a:off x="2052026" y="2348892"/>
+            <a:ext cx="1173197" cy="215444"/>
+          </a:xfrm>
+          <a:prstGeom prst="rect">
+            <a:avLst/>
+          </a:prstGeom>
+          <a:noFill/>
+        </p:spPr>
+        <p:txBody>
+          <a:bodyPr wrap="square" rtlCol="0">
+            <a:spAutoFit/>
+          </a:bodyPr>
+          <a:lstStyle/>
+          <a:p>
+            <a:pPr algn="ctr"/>
+            <a:r>
+              <a:rPr lang="en-US" sz="800" dirty="0">
+                <a:latin typeface="Calibri" panose="020F0502020204030204" pitchFamily="34" charset="0"/>
+                <a:cs typeface="Calibri" panose="020F0502020204030204" pitchFamily="34" charset="0"/>
+              </a:rPr>
+              <a:t>Section 1.1.3 = Score 64</a:t>
+            </a:r>
+          </a:p>
+        </p:txBody>
+      </p:sp>
+      <p:sp>
+        <p:nvSpPr>
+          <p:cNvPr id="21" name="TextBox 20">
+            <a:extLst>
+              <a:ext uri="{FF2B5EF4-FFF2-40B4-BE49-F238E27FC236}">
+                <a16:creationId xmlns:a16="http://schemas.microsoft.com/office/drawing/2014/main" id="{9252995E-3E6A-3851-C43D-8A3FD7C6538D}"/>
+              </a:ext>
+            </a:extLst>
+          </p:cNvPr>
+          <p:cNvSpPr txBox="1"/>
+          <p:nvPr/>
+        </p:nvSpPr>
+        <p:spPr>
+          <a:xfrm>
+            <a:off x="2045127" y="1811153"/>
+            <a:ext cx="1173197" cy="215444"/>
+          </a:xfrm>
+          <a:prstGeom prst="rect">
+            <a:avLst/>
+          </a:prstGeom>
+          <a:noFill/>
+        </p:spPr>
+        <p:txBody>
+          <a:bodyPr wrap="square" rtlCol="0">
+            <a:spAutoFit/>
+          </a:bodyPr>
+          <a:lstStyle/>
+          <a:p>
+            <a:pPr algn="ctr"/>
+            <a:r>
+              <a:rPr lang="en-US" sz="800" dirty="0">
+                <a:latin typeface="Calibri" panose="020F0502020204030204" pitchFamily="34" charset="0"/>
+                <a:cs typeface="Calibri" panose="020F0502020204030204" pitchFamily="34" charset="0"/>
+              </a:rPr>
+              <a:t>Section 1.1.2 = Score 96</a:t>
+            </a:r>
+          </a:p>
+        </p:txBody>
+      </p:sp>
+      <p:sp>
+        <p:nvSpPr>
+          <p:cNvPr id="22" name="TextBox 21">
+            <a:extLst>
+              <a:ext uri="{FF2B5EF4-FFF2-40B4-BE49-F238E27FC236}">
+                <a16:creationId xmlns:a16="http://schemas.microsoft.com/office/drawing/2014/main" id="{84130B35-7014-CDF1-B870-3D3E6077804F}"/>
+              </a:ext>
+            </a:extLst>
+          </p:cNvPr>
+          <p:cNvSpPr txBox="1"/>
+          <p:nvPr/>
+        </p:nvSpPr>
+        <p:spPr>
+          <a:xfrm>
+            <a:off x="2050089" y="1351570"/>
+            <a:ext cx="1186078" cy="215444"/>
+          </a:xfrm>
+          <a:prstGeom prst="rect">
+            <a:avLst/>
+          </a:prstGeom>
+          <a:noFill/>
+        </p:spPr>
+        <p:txBody>
+          <a:bodyPr wrap="square" rtlCol="0">
+            <a:spAutoFit/>
+          </a:bodyPr>
+          <a:lstStyle/>
+          <a:p>
+            <a:pPr algn="ctr"/>
+            <a:r>
+              <a:rPr lang="en-US" sz="800" dirty="0">
+                <a:latin typeface="Calibri" panose="020F0502020204030204" pitchFamily="34" charset="0"/>
+                <a:cs typeface="Calibri" panose="020F0502020204030204" pitchFamily="34" charset="0"/>
+              </a:rPr>
+              <a:t>Section 1.1.1 = Score 85</a:t>
+            </a:r>
+          </a:p>
+        </p:txBody>
+      </p:sp>
+      <p:sp>
+        <p:nvSpPr>
+          <p:cNvPr id="46" name="TextBox 45">
+            <a:extLst>
+              <a:ext uri="{FF2B5EF4-FFF2-40B4-BE49-F238E27FC236}">
+                <a16:creationId xmlns:a16="http://schemas.microsoft.com/office/drawing/2014/main" id="{E838C156-C555-91E2-8DCB-2901782A7598}"/>
+              </a:ext>
+            </a:extLst>
+          </p:cNvPr>
+          <p:cNvSpPr txBox="1"/>
+          <p:nvPr/>
+        </p:nvSpPr>
+        <p:spPr>
+          <a:xfrm>
+            <a:off x="6324499" y="2510957"/>
+            <a:ext cx="2875913" cy="246221"/>
+          </a:xfrm>
+          <a:prstGeom prst="rect">
+            <a:avLst/>
+          </a:prstGeom>
+          <a:noFill/>
+        </p:spPr>
+        <p:txBody>
+          <a:bodyPr wrap="square" rtlCol="0">
+            <a:spAutoFit/>
+          </a:bodyPr>
+          <a:lstStyle/>
+          <a:p>
+            <a:r>
+              <a:rPr lang="en-US" sz="1000" dirty="0">
+                <a:latin typeface="Calibri" panose="020F0502020204030204" pitchFamily="34" charset="0"/>
+                <a:cs typeface="Calibri" panose="020F0502020204030204" pitchFamily="34" charset="0"/>
+              </a:rPr>
+              <a:t>Framework Compliant? </a:t>
+            </a:r>
+            <a:r>
+              <a:rPr lang="en-US" sz="1000" dirty="0">
                 <a:solidFill>
-                  <a:srgbClr val="0E4F83"/>
+                  <a:schemeClr val="accent5"/>
                 </a:solidFill>
-              </a:endParaRPr>
-            </a:p>
-          </p:txBody>
-        </p:sp>
-        <p:sp>
-          <p:nvSpPr>
-            <p:cNvPr id="8" name="TextBox 7">
-              <a:extLst>
-                <a:ext uri="{FF2B5EF4-FFF2-40B4-BE49-F238E27FC236}">
-                  <a16:creationId xmlns:a16="http://schemas.microsoft.com/office/drawing/2014/main" id="{663012F4-6886-0BC8-9B10-F45AF071C4F1}"/>
-                </a:ext>
-              </a:extLst>
-            </p:cNvPr>
-            <p:cNvSpPr txBox="1"/>
-            <p:nvPr/>
-          </p:nvSpPr>
-          <p:spPr>
-            <a:xfrm>
-              <a:off x="1030997" y="658503"/>
-              <a:ext cx="1532075" cy="430887"/>
-            </a:xfrm>
-            <a:prstGeom prst="rect">
-              <a:avLst/>
-            </a:prstGeom>
-            <a:noFill/>
-          </p:spPr>
-          <p:txBody>
-            <a:bodyPr wrap="square" rtlCol="0">
-              <a:spAutoFit/>
-            </a:bodyPr>
-            <a:lstStyle/>
-            <a:p>
-              <a:pPr algn="ctr"/>
-              <a:r>
-                <a:rPr lang="en-US" sz="1100" dirty="0">
-                  <a:latin typeface="Calibri" panose="020F0502020204030204" pitchFamily="34" charset="0"/>
-                  <a:cs typeface="Calibri" panose="020F0502020204030204" pitchFamily="34" charset="0"/>
-                </a:rPr>
-                <a:t>Compliance Scores for Audit Procedures</a:t>
-              </a:r>
-            </a:p>
-          </p:txBody>
-        </p:sp>
-        <p:sp>
-          <p:nvSpPr>
-            <p:cNvPr id="18" name="TextBox 17">
-              <a:extLst>
-                <a:ext uri="{FF2B5EF4-FFF2-40B4-BE49-F238E27FC236}">
-                  <a16:creationId xmlns:a16="http://schemas.microsoft.com/office/drawing/2014/main" id="{2EF4D0B7-7212-B2FD-1F35-C77A901A2B48}"/>
-                </a:ext>
-              </a:extLst>
-            </p:cNvPr>
-            <p:cNvSpPr txBox="1"/>
-            <p:nvPr/>
-          </p:nvSpPr>
-          <p:spPr>
-            <a:xfrm>
-              <a:off x="1221950" y="2625299"/>
-              <a:ext cx="1169676" cy="215444"/>
-            </a:xfrm>
-            <a:prstGeom prst="rect">
-              <a:avLst/>
-            </a:prstGeom>
-            <a:noFill/>
-          </p:spPr>
-          <p:txBody>
-            <a:bodyPr wrap="square" rtlCol="0">
-              <a:spAutoFit/>
-            </a:bodyPr>
-            <a:lstStyle/>
-            <a:p>
-              <a:pPr algn="ctr"/>
-              <a:r>
-                <a:rPr lang="en-US" sz="800" dirty="0">
-                  <a:latin typeface="Calibri" panose="020F0502020204030204" pitchFamily="34" charset="0"/>
-                  <a:cs typeface="Calibri" panose="020F0502020204030204" pitchFamily="34" charset="0"/>
-                </a:rPr>
-                <a:t>Section 1.2.1 = Score 83</a:t>
-              </a:r>
-            </a:p>
-          </p:txBody>
-        </p:sp>
-        <p:sp>
-          <p:nvSpPr>
-            <p:cNvPr id="20" name="TextBox 19">
-              <a:extLst>
-                <a:ext uri="{FF2B5EF4-FFF2-40B4-BE49-F238E27FC236}">
-                  <a16:creationId xmlns:a16="http://schemas.microsoft.com/office/drawing/2014/main" id="{C03F99E3-422B-B7B8-D6A0-F8C16B8797FC}"/>
-                </a:ext>
-              </a:extLst>
-            </p:cNvPr>
-            <p:cNvSpPr txBox="1"/>
-            <p:nvPr/>
-          </p:nvSpPr>
-          <p:spPr>
-            <a:xfrm>
-              <a:off x="1215686" y="2151344"/>
-              <a:ext cx="1173197" cy="215444"/>
-            </a:xfrm>
-            <a:prstGeom prst="rect">
-              <a:avLst/>
-            </a:prstGeom>
-            <a:noFill/>
-          </p:spPr>
-          <p:txBody>
-            <a:bodyPr wrap="square" rtlCol="0">
-              <a:spAutoFit/>
-            </a:bodyPr>
-            <a:lstStyle/>
-            <a:p>
-              <a:pPr algn="ctr"/>
-              <a:r>
-                <a:rPr lang="en-US" sz="800" dirty="0">
-                  <a:latin typeface="Calibri" panose="020F0502020204030204" pitchFamily="34" charset="0"/>
-                  <a:cs typeface="Calibri" panose="020F0502020204030204" pitchFamily="34" charset="0"/>
-                </a:rPr>
-                <a:t>Section 1.1.3 = Score 64</a:t>
-              </a:r>
-            </a:p>
-          </p:txBody>
-        </p:sp>
-        <p:sp>
-          <p:nvSpPr>
-            <p:cNvPr id="21" name="TextBox 20">
-              <a:extLst>
-                <a:ext uri="{FF2B5EF4-FFF2-40B4-BE49-F238E27FC236}">
-                  <a16:creationId xmlns:a16="http://schemas.microsoft.com/office/drawing/2014/main" id="{9252995E-3E6A-3851-C43D-8A3FD7C6538D}"/>
-                </a:ext>
-              </a:extLst>
-            </p:cNvPr>
-            <p:cNvSpPr txBox="1"/>
-            <p:nvPr/>
-          </p:nvSpPr>
-          <p:spPr>
-            <a:xfrm>
-              <a:off x="1208787" y="1613605"/>
-              <a:ext cx="1173197" cy="215444"/>
-            </a:xfrm>
-            <a:prstGeom prst="rect">
-              <a:avLst/>
-            </a:prstGeom>
-            <a:noFill/>
-          </p:spPr>
-          <p:txBody>
-            <a:bodyPr wrap="square" rtlCol="0">
-              <a:spAutoFit/>
-            </a:bodyPr>
-            <a:lstStyle/>
-            <a:p>
-              <a:pPr algn="ctr"/>
-              <a:r>
-                <a:rPr lang="en-US" sz="800" dirty="0">
-                  <a:latin typeface="Calibri" panose="020F0502020204030204" pitchFamily="34" charset="0"/>
-                  <a:cs typeface="Calibri" panose="020F0502020204030204" pitchFamily="34" charset="0"/>
-                </a:rPr>
-                <a:t>Section 1.1.2 = Score 96</a:t>
-              </a:r>
-            </a:p>
-          </p:txBody>
-        </p:sp>
-        <p:sp>
-          <p:nvSpPr>
-            <p:cNvPr id="22" name="TextBox 21">
-              <a:extLst>
-                <a:ext uri="{FF2B5EF4-FFF2-40B4-BE49-F238E27FC236}">
-                  <a16:creationId xmlns:a16="http://schemas.microsoft.com/office/drawing/2014/main" id="{84130B35-7014-CDF1-B870-3D3E6077804F}"/>
-                </a:ext>
-              </a:extLst>
-            </p:cNvPr>
-            <p:cNvSpPr txBox="1"/>
-            <p:nvPr/>
-          </p:nvSpPr>
-          <p:spPr>
-            <a:xfrm>
-              <a:off x="1213749" y="1154022"/>
-              <a:ext cx="1186078" cy="215444"/>
-            </a:xfrm>
-            <a:prstGeom prst="rect">
-              <a:avLst/>
-            </a:prstGeom>
-            <a:noFill/>
-          </p:spPr>
-          <p:txBody>
-            <a:bodyPr wrap="square" rtlCol="0">
-              <a:spAutoFit/>
-            </a:bodyPr>
-            <a:lstStyle/>
-            <a:p>
-              <a:pPr algn="ctr"/>
-              <a:r>
-                <a:rPr lang="en-US" sz="800" dirty="0">
-                  <a:latin typeface="Calibri" panose="020F0502020204030204" pitchFamily="34" charset="0"/>
-                  <a:cs typeface="Calibri" panose="020F0502020204030204" pitchFamily="34" charset="0"/>
-                </a:rPr>
-                <a:t>Section 1.1.1 = Score 85</a:t>
-              </a:r>
-            </a:p>
-          </p:txBody>
-        </p:sp>
-        <p:sp>
-          <p:nvSpPr>
-            <p:cNvPr id="34" name="Oval 33">
-              <a:extLst>
-                <a:ext uri="{FF2B5EF4-FFF2-40B4-BE49-F238E27FC236}">
-                  <a16:creationId xmlns:a16="http://schemas.microsoft.com/office/drawing/2014/main" id="{99897446-8A93-68F7-AEBA-041BD8C5716E}"/>
-                </a:ext>
-              </a:extLst>
-            </p:cNvPr>
-            <p:cNvSpPr/>
-            <p:nvPr/>
-          </p:nvSpPr>
-          <p:spPr>
-            <a:xfrm>
-              <a:off x="3356175" y="1167809"/>
-              <a:ext cx="190748" cy="187869"/>
-            </a:xfrm>
-            <a:prstGeom prst="ellipse">
-              <a:avLst/>
-            </a:prstGeom>
-            <a:solidFill>
-              <a:schemeClr val="accent2"/>
-            </a:solidFill>
-            <a:ln>
-              <a:noFill/>
-            </a:ln>
-          </p:spPr>
-          <p:style>
-            <a:lnRef idx="1">
-              <a:schemeClr val="accent1"/>
-            </a:lnRef>
-            <a:fillRef idx="3">
-              <a:schemeClr val="accent1"/>
-            </a:fillRef>
-            <a:effectRef idx="2">
-              <a:schemeClr val="accent1"/>
-            </a:effectRef>
-            <a:fontRef idx="minor">
-              <a:schemeClr val="lt1"/>
-            </a:fontRef>
-          </p:style>
-          <p:txBody>
-            <a:bodyPr rtlCol="0" anchor="ctr"/>
-            <a:lstStyle/>
-            <a:p>
-              <a:pPr algn="ctr"/>
-              <a:endParaRPr lang="en-US" b="1" dirty="0">
+                <a:latin typeface="Calibri" panose="020F0502020204030204" pitchFamily="34" charset="0"/>
+                <a:cs typeface="Calibri" panose="020F0502020204030204" pitchFamily="34" charset="0"/>
+              </a:rPr>
+              <a:t>0-69% = No</a:t>
+            </a:r>
+            <a:r>
+              <a:rPr lang="en-US" sz="1000" dirty="0">
+                <a:latin typeface="Calibri" panose="020F0502020204030204" pitchFamily="34" charset="0"/>
+                <a:cs typeface="Calibri" panose="020F0502020204030204" pitchFamily="34" charset="0"/>
+              </a:rPr>
+              <a:t>, </a:t>
+            </a:r>
+            <a:r>
+              <a:rPr lang="en-US" sz="1000" dirty="0">
                 <a:solidFill>
-                  <a:srgbClr val="0E4F83"/>
+                  <a:schemeClr val="accent3"/>
                 </a:solidFill>
-              </a:endParaRPr>
-            </a:p>
-          </p:txBody>
-        </p:sp>
-        <p:sp>
-          <p:nvSpPr>
-            <p:cNvPr id="35" name="Oval 34">
-              <a:extLst>
-                <a:ext uri="{FF2B5EF4-FFF2-40B4-BE49-F238E27FC236}">
-                  <a16:creationId xmlns:a16="http://schemas.microsoft.com/office/drawing/2014/main" id="{440F073C-37C1-2740-9DC5-4CB2E7FD430D}"/>
-                </a:ext>
-              </a:extLst>
-            </p:cNvPr>
-            <p:cNvSpPr/>
-            <p:nvPr/>
-          </p:nvSpPr>
-          <p:spPr>
-            <a:xfrm>
-              <a:off x="2448630" y="1639676"/>
-              <a:ext cx="190748" cy="187869"/>
-            </a:xfrm>
-            <a:prstGeom prst="ellipse">
-              <a:avLst/>
-            </a:prstGeom>
-            <a:solidFill>
-              <a:schemeClr val="accent2"/>
-            </a:solidFill>
-            <a:ln>
-              <a:noFill/>
-            </a:ln>
-          </p:spPr>
-          <p:style>
-            <a:lnRef idx="1">
-              <a:schemeClr val="accent1"/>
-            </a:lnRef>
-            <a:fillRef idx="3">
-              <a:schemeClr val="accent1"/>
-            </a:fillRef>
-            <a:effectRef idx="2">
-              <a:schemeClr val="accent1"/>
-            </a:effectRef>
-            <a:fontRef idx="minor">
-              <a:schemeClr val="lt1"/>
-            </a:fontRef>
-          </p:style>
-          <p:txBody>
-            <a:bodyPr rtlCol="0" anchor="ctr"/>
-            <a:lstStyle/>
-            <a:p>
-              <a:pPr algn="ctr"/>
-              <a:endParaRPr lang="en-US" b="1" dirty="0">
-                <a:solidFill>
-                  <a:srgbClr val="0E4F83"/>
-                </a:solidFill>
-              </a:endParaRPr>
-            </a:p>
-          </p:txBody>
-        </p:sp>
-        <p:sp>
-          <p:nvSpPr>
-            <p:cNvPr id="36" name="Oval 35">
-              <a:extLst>
-                <a:ext uri="{FF2B5EF4-FFF2-40B4-BE49-F238E27FC236}">
-                  <a16:creationId xmlns:a16="http://schemas.microsoft.com/office/drawing/2014/main" id="{C94D57C6-3367-AA9F-D6F8-0B84DC671639}"/>
-                </a:ext>
-              </a:extLst>
-            </p:cNvPr>
-            <p:cNvSpPr/>
-            <p:nvPr/>
-          </p:nvSpPr>
-          <p:spPr>
-            <a:xfrm>
-              <a:off x="2441753" y="2165132"/>
-              <a:ext cx="190748" cy="187869"/>
-            </a:xfrm>
-            <a:prstGeom prst="ellipse">
-              <a:avLst/>
-            </a:prstGeom>
-            <a:solidFill>
-              <a:schemeClr val="accent2"/>
-            </a:solidFill>
-            <a:ln>
-              <a:noFill/>
-            </a:ln>
-          </p:spPr>
-          <p:style>
-            <a:lnRef idx="1">
-              <a:schemeClr val="accent1"/>
-            </a:lnRef>
-            <a:fillRef idx="3">
-              <a:schemeClr val="accent1"/>
-            </a:fillRef>
-            <a:effectRef idx="2">
-              <a:schemeClr val="accent1"/>
-            </a:effectRef>
-            <a:fontRef idx="minor">
-              <a:schemeClr val="lt1"/>
-            </a:fontRef>
-          </p:style>
-          <p:txBody>
-            <a:bodyPr rtlCol="0" anchor="ctr"/>
-            <a:lstStyle/>
-            <a:p>
-              <a:pPr algn="ctr"/>
-              <a:endParaRPr lang="en-US" b="1" dirty="0">
-                <a:solidFill>
-                  <a:srgbClr val="0E4F83"/>
-                </a:solidFill>
-              </a:endParaRPr>
-            </a:p>
-          </p:txBody>
-        </p:sp>
-        <p:sp>
-          <p:nvSpPr>
-            <p:cNvPr id="37" name="Oval 36">
-              <a:extLst>
-                <a:ext uri="{FF2B5EF4-FFF2-40B4-BE49-F238E27FC236}">
-                  <a16:creationId xmlns:a16="http://schemas.microsoft.com/office/drawing/2014/main" id="{DE63694B-2C74-98DD-C924-8017D2C4C4D9}"/>
-                </a:ext>
-              </a:extLst>
-            </p:cNvPr>
-            <p:cNvSpPr/>
-            <p:nvPr/>
-          </p:nvSpPr>
-          <p:spPr>
-            <a:xfrm>
-              <a:off x="2434477" y="2641960"/>
-              <a:ext cx="190748" cy="187869"/>
-            </a:xfrm>
-            <a:prstGeom prst="ellipse">
-              <a:avLst/>
-            </a:prstGeom>
-            <a:solidFill>
-              <a:schemeClr val="accent2"/>
-            </a:solidFill>
-            <a:ln>
-              <a:noFill/>
-            </a:ln>
-          </p:spPr>
-          <p:style>
-            <a:lnRef idx="1">
-              <a:schemeClr val="accent1"/>
-            </a:lnRef>
-            <a:fillRef idx="3">
-              <a:schemeClr val="accent1"/>
-            </a:fillRef>
-            <a:effectRef idx="2">
-              <a:schemeClr val="accent1"/>
-            </a:effectRef>
-            <a:fontRef idx="minor">
-              <a:schemeClr val="lt1"/>
-            </a:fontRef>
-          </p:style>
-          <p:txBody>
-            <a:bodyPr rtlCol="0" anchor="ctr"/>
-            <a:lstStyle/>
-            <a:p>
-              <a:pPr algn="ctr"/>
-              <a:endParaRPr lang="en-US" b="1" dirty="0">
-                <a:solidFill>
-                  <a:srgbClr val="0E4F83"/>
-                </a:solidFill>
-              </a:endParaRPr>
-            </a:p>
-          </p:txBody>
-        </p:sp>
-        <p:sp>
-          <p:nvSpPr>
-            <p:cNvPr id="38" name="Oval 37">
-              <a:extLst>
-                <a:ext uri="{FF2B5EF4-FFF2-40B4-BE49-F238E27FC236}">
-                  <a16:creationId xmlns:a16="http://schemas.microsoft.com/office/drawing/2014/main" id="{7BA9F5CF-0241-2A1D-A011-0D7B303D7DD5}"/>
-                </a:ext>
-              </a:extLst>
-            </p:cNvPr>
-            <p:cNvSpPr/>
-            <p:nvPr/>
-          </p:nvSpPr>
-          <p:spPr>
-            <a:xfrm>
-              <a:off x="2445217" y="3099012"/>
-              <a:ext cx="190748" cy="187869"/>
-            </a:xfrm>
-            <a:prstGeom prst="ellipse">
-              <a:avLst/>
-            </a:prstGeom>
-            <a:solidFill>
-              <a:schemeClr val="accent2"/>
-            </a:solidFill>
-            <a:ln>
-              <a:noFill/>
-            </a:ln>
-          </p:spPr>
-          <p:style>
-            <a:lnRef idx="1">
-              <a:schemeClr val="accent1"/>
-            </a:lnRef>
-            <a:fillRef idx="3">
-              <a:schemeClr val="accent1"/>
-            </a:fillRef>
-            <a:effectRef idx="2">
-              <a:schemeClr val="accent1"/>
-            </a:effectRef>
-            <a:fontRef idx="minor">
-              <a:schemeClr val="lt1"/>
-            </a:fontRef>
-          </p:style>
-          <p:txBody>
-            <a:bodyPr rtlCol="0" anchor="ctr"/>
-            <a:lstStyle/>
-            <a:p>
-              <a:pPr algn="ctr"/>
-              <a:endParaRPr lang="en-US" b="1" dirty="0">
-                <a:solidFill>
-                  <a:srgbClr val="0E4F83"/>
-                </a:solidFill>
-              </a:endParaRPr>
-            </a:p>
-          </p:txBody>
-        </p:sp>
-        <p:sp>
-          <p:nvSpPr>
-            <p:cNvPr id="41" name="Oval 40">
-              <a:extLst>
-                <a:ext uri="{FF2B5EF4-FFF2-40B4-BE49-F238E27FC236}">
-                  <a16:creationId xmlns:a16="http://schemas.microsoft.com/office/drawing/2014/main" id="{C2A64087-4FDC-05D5-BF20-EDDE27380868}"/>
-                </a:ext>
-              </a:extLst>
-            </p:cNvPr>
-            <p:cNvSpPr/>
-            <p:nvPr/>
-          </p:nvSpPr>
-          <p:spPr>
-            <a:xfrm>
-              <a:off x="2407727" y="3786762"/>
-              <a:ext cx="190748" cy="187869"/>
-            </a:xfrm>
-            <a:prstGeom prst="ellipse">
-              <a:avLst/>
-            </a:prstGeom>
-            <a:solidFill>
-              <a:schemeClr val="accent2"/>
-            </a:solidFill>
-            <a:ln>
-              <a:noFill/>
-            </a:ln>
-          </p:spPr>
-          <p:style>
-            <a:lnRef idx="1">
-              <a:schemeClr val="accent1"/>
-            </a:lnRef>
-            <a:fillRef idx="3">
-              <a:schemeClr val="accent1"/>
-            </a:fillRef>
-            <a:effectRef idx="2">
-              <a:schemeClr val="accent1"/>
-            </a:effectRef>
-            <a:fontRef idx="minor">
-              <a:schemeClr val="lt1"/>
-            </a:fontRef>
-          </p:style>
-          <p:txBody>
-            <a:bodyPr rtlCol="0" anchor="ctr"/>
-            <a:lstStyle/>
-            <a:p>
-              <a:pPr algn="ctr"/>
-              <a:endParaRPr lang="en-US" b="1" dirty="0">
-                <a:solidFill>
-                  <a:srgbClr val="0E4F83"/>
-                </a:solidFill>
-              </a:endParaRPr>
-            </a:p>
-          </p:txBody>
-        </p:sp>
-        <p:sp>
-          <p:nvSpPr>
-            <p:cNvPr id="42" name="Oval 41">
-              <a:extLst>
-                <a:ext uri="{FF2B5EF4-FFF2-40B4-BE49-F238E27FC236}">
-                  <a16:creationId xmlns:a16="http://schemas.microsoft.com/office/drawing/2014/main" id="{DB402652-A266-7E6F-84A3-19E083E670AF}"/>
-                </a:ext>
-              </a:extLst>
-            </p:cNvPr>
-            <p:cNvSpPr/>
-            <p:nvPr/>
-          </p:nvSpPr>
-          <p:spPr>
-            <a:xfrm>
-              <a:off x="4183093" y="1063966"/>
-              <a:ext cx="190748" cy="187869"/>
-            </a:xfrm>
-            <a:prstGeom prst="ellipse">
-              <a:avLst/>
-            </a:prstGeom>
-            <a:solidFill>
-              <a:schemeClr val="accent2"/>
-            </a:solidFill>
-            <a:ln>
-              <a:noFill/>
-            </a:ln>
-          </p:spPr>
-          <p:style>
-            <a:lnRef idx="1">
-              <a:schemeClr val="accent1"/>
-            </a:lnRef>
-            <a:fillRef idx="3">
-              <a:schemeClr val="accent1"/>
-            </a:fillRef>
-            <a:effectRef idx="2">
-              <a:schemeClr val="accent1"/>
-            </a:effectRef>
-            <a:fontRef idx="minor">
-              <a:schemeClr val="lt1"/>
-            </a:fontRef>
-          </p:style>
-          <p:txBody>
-            <a:bodyPr rtlCol="0" anchor="ctr"/>
-            <a:lstStyle/>
-            <a:p>
-              <a:pPr algn="ctr"/>
-              <a:endParaRPr lang="en-US" b="1" dirty="0">
-                <a:solidFill>
-                  <a:srgbClr val="0E4F83"/>
-                </a:solidFill>
-              </a:endParaRPr>
-            </a:p>
-          </p:txBody>
-        </p:sp>
-        <p:sp>
-          <p:nvSpPr>
-            <p:cNvPr id="45" name="Oval 44">
-              <a:extLst>
-                <a:ext uri="{FF2B5EF4-FFF2-40B4-BE49-F238E27FC236}">
-                  <a16:creationId xmlns:a16="http://schemas.microsoft.com/office/drawing/2014/main" id="{6DE75BE1-BEC1-54DF-0742-27BE0BDAF06D}"/>
-                </a:ext>
-              </a:extLst>
-            </p:cNvPr>
-            <p:cNvSpPr/>
-            <p:nvPr/>
-          </p:nvSpPr>
-          <p:spPr>
-            <a:xfrm>
-              <a:off x="5116334" y="2342586"/>
-              <a:ext cx="190748" cy="187869"/>
-            </a:xfrm>
-            <a:prstGeom prst="ellipse">
-              <a:avLst/>
-            </a:prstGeom>
-            <a:solidFill>
-              <a:schemeClr val="accent2"/>
-            </a:solidFill>
-            <a:ln>
-              <a:noFill/>
-            </a:ln>
-          </p:spPr>
-          <p:style>
-            <a:lnRef idx="1">
-              <a:schemeClr val="accent1"/>
-            </a:lnRef>
-            <a:fillRef idx="3">
-              <a:schemeClr val="accent1"/>
-            </a:fillRef>
-            <a:effectRef idx="2">
-              <a:schemeClr val="accent1"/>
-            </a:effectRef>
-            <a:fontRef idx="minor">
-              <a:schemeClr val="lt1"/>
-            </a:fontRef>
-          </p:style>
-          <p:txBody>
-            <a:bodyPr rtlCol="0" anchor="ctr"/>
-            <a:lstStyle/>
-            <a:p>
-              <a:pPr algn="ctr"/>
-              <a:endParaRPr lang="en-US" b="1" dirty="0">
-                <a:solidFill>
-                  <a:srgbClr val="0E4F83"/>
-                </a:solidFill>
-              </a:endParaRPr>
-            </a:p>
-          </p:txBody>
-        </p:sp>
-        <p:sp>
-          <p:nvSpPr>
-            <p:cNvPr id="46" name="TextBox 45">
-              <a:extLst>
-                <a:ext uri="{FF2B5EF4-FFF2-40B4-BE49-F238E27FC236}">
-                  <a16:creationId xmlns:a16="http://schemas.microsoft.com/office/drawing/2014/main" id="{E838C156-C555-91E2-8DCB-2901782A7598}"/>
-                </a:ext>
-              </a:extLst>
-            </p:cNvPr>
-            <p:cNvSpPr txBox="1"/>
-            <p:nvPr/>
-          </p:nvSpPr>
-          <p:spPr>
-            <a:xfrm>
-              <a:off x="5488159" y="2313409"/>
-              <a:ext cx="2875913" cy="246221"/>
-            </a:xfrm>
-            <a:prstGeom prst="rect">
-              <a:avLst/>
-            </a:prstGeom>
-            <a:noFill/>
-          </p:spPr>
-          <p:txBody>
-            <a:bodyPr wrap="square" rtlCol="0">
-              <a:spAutoFit/>
-            </a:bodyPr>
-            <a:lstStyle/>
-            <a:p>
-              <a:r>
-                <a:rPr lang="en-US" sz="1000" dirty="0">
-                  <a:latin typeface="Calibri" panose="020F0502020204030204" pitchFamily="34" charset="0"/>
-                  <a:cs typeface="Calibri" panose="020F0502020204030204" pitchFamily="34" charset="0"/>
-                </a:rPr>
-                <a:t>Framework Compliant? </a:t>
-              </a:r>
-              <a:r>
-                <a:rPr lang="en-US" sz="1000" dirty="0">
-                  <a:solidFill>
-                    <a:schemeClr val="accent5"/>
-                  </a:solidFill>
-                  <a:latin typeface="Calibri" panose="020F0502020204030204" pitchFamily="34" charset="0"/>
-                  <a:cs typeface="Calibri" panose="020F0502020204030204" pitchFamily="34" charset="0"/>
-                </a:rPr>
-                <a:t>0-69% = No</a:t>
-              </a:r>
-              <a:r>
-                <a:rPr lang="en-US" sz="1000" dirty="0">
-                  <a:latin typeface="Calibri" panose="020F0502020204030204" pitchFamily="34" charset="0"/>
-                  <a:cs typeface="Calibri" panose="020F0502020204030204" pitchFamily="34" charset="0"/>
-                </a:rPr>
-                <a:t>, </a:t>
-              </a:r>
-              <a:r>
-                <a:rPr lang="en-US" sz="1000" dirty="0">
-                  <a:solidFill>
-                    <a:schemeClr val="accent3"/>
-                  </a:solidFill>
-                  <a:latin typeface="Calibri" panose="020F0502020204030204" pitchFamily="34" charset="0"/>
-                  <a:cs typeface="Calibri" panose="020F0502020204030204" pitchFamily="34" charset="0"/>
-                </a:rPr>
-                <a:t>70-100% = Yes</a:t>
-              </a:r>
-            </a:p>
-          </p:txBody>
-        </p:sp>
-        <p:cxnSp>
-          <p:nvCxnSpPr>
-            <p:cNvPr id="50" name="Straight Connector 49">
-              <a:extLst>
-                <a:ext uri="{FF2B5EF4-FFF2-40B4-BE49-F238E27FC236}">
-                  <a16:creationId xmlns:a16="http://schemas.microsoft.com/office/drawing/2014/main" id="{64724FDB-318C-83B8-8310-6573CC18471D}"/>
-                </a:ext>
-              </a:extLst>
-            </p:cNvPr>
-            <p:cNvCxnSpPr>
-              <a:cxnSpLocks/>
-              <a:stCxn id="5" idx="6"/>
-              <a:endCxn id="34" idx="2"/>
-            </p:cNvCxnSpPr>
-            <p:nvPr/>
-          </p:nvCxnSpPr>
-          <p:spPr>
-            <a:xfrm>
-              <a:off x="2634846" y="1261744"/>
-              <a:ext cx="721329" cy="0"/>
-            </a:xfrm>
-            <a:prstGeom prst="line">
-              <a:avLst/>
-            </a:prstGeom>
-          </p:spPr>
-          <p:style>
-            <a:lnRef idx="2">
-              <a:schemeClr val="dk1"/>
-            </a:lnRef>
-            <a:fillRef idx="0">
-              <a:schemeClr val="dk1"/>
-            </a:fillRef>
-            <a:effectRef idx="1">
-              <a:schemeClr val="dk1"/>
-            </a:effectRef>
-            <a:fontRef idx="minor">
-              <a:schemeClr val="tx1"/>
-            </a:fontRef>
-          </p:style>
-        </p:cxnSp>
-        <p:cxnSp>
-          <p:nvCxnSpPr>
-            <p:cNvPr id="53" name="Straight Connector 52">
-              <a:extLst>
-                <a:ext uri="{FF2B5EF4-FFF2-40B4-BE49-F238E27FC236}">
-                  <a16:creationId xmlns:a16="http://schemas.microsoft.com/office/drawing/2014/main" id="{5F154ECD-AFF0-005C-0563-5E27B12EC4E0}"/>
-                </a:ext>
-              </a:extLst>
-            </p:cNvPr>
-            <p:cNvCxnSpPr>
-              <a:cxnSpLocks/>
-              <a:stCxn id="35" idx="6"/>
-              <a:endCxn id="126" idx="2"/>
-            </p:cNvCxnSpPr>
-            <p:nvPr/>
-          </p:nvCxnSpPr>
-          <p:spPr>
-            <a:xfrm>
-              <a:off x="2639378" y="1733611"/>
-              <a:ext cx="714418" cy="0"/>
-            </a:xfrm>
-            <a:prstGeom prst="line">
-              <a:avLst/>
-            </a:prstGeom>
-          </p:spPr>
-          <p:style>
-            <a:lnRef idx="2">
-              <a:schemeClr val="dk1"/>
-            </a:lnRef>
-            <a:fillRef idx="0">
-              <a:schemeClr val="dk1"/>
-            </a:fillRef>
-            <a:effectRef idx="1">
-              <a:schemeClr val="dk1"/>
-            </a:effectRef>
-            <a:fontRef idx="minor">
-              <a:schemeClr val="tx1"/>
-            </a:fontRef>
-          </p:style>
-        </p:cxnSp>
-        <p:cxnSp>
-          <p:nvCxnSpPr>
-            <p:cNvPr id="57" name="Straight Connector 56">
-              <a:extLst>
-                <a:ext uri="{FF2B5EF4-FFF2-40B4-BE49-F238E27FC236}">
-                  <a16:creationId xmlns:a16="http://schemas.microsoft.com/office/drawing/2014/main" id="{632D46EE-D7F1-0CA9-3100-A76E8E71B161}"/>
-                </a:ext>
-              </a:extLst>
-            </p:cNvPr>
-            <p:cNvCxnSpPr>
-              <a:cxnSpLocks/>
-              <a:stCxn id="36" idx="6"/>
-              <a:endCxn id="141" idx="2"/>
-            </p:cNvCxnSpPr>
-            <p:nvPr/>
-          </p:nvCxnSpPr>
-          <p:spPr>
-            <a:xfrm>
-              <a:off x="2632501" y="2259067"/>
-              <a:ext cx="721295" cy="3292"/>
-            </a:xfrm>
-            <a:prstGeom prst="line">
-              <a:avLst/>
-            </a:prstGeom>
-          </p:spPr>
-          <p:style>
-            <a:lnRef idx="2">
-              <a:schemeClr val="dk1"/>
-            </a:lnRef>
-            <a:fillRef idx="0">
-              <a:schemeClr val="dk1"/>
-            </a:fillRef>
-            <a:effectRef idx="1">
-              <a:schemeClr val="dk1"/>
-            </a:effectRef>
-            <a:fontRef idx="minor">
-              <a:schemeClr val="tx1"/>
-            </a:fontRef>
-          </p:style>
-        </p:cxnSp>
-        <p:cxnSp>
-          <p:nvCxnSpPr>
-            <p:cNvPr id="60" name="Straight Connector 59">
-              <a:extLst>
-                <a:ext uri="{FF2B5EF4-FFF2-40B4-BE49-F238E27FC236}">
-                  <a16:creationId xmlns:a16="http://schemas.microsoft.com/office/drawing/2014/main" id="{0CA0305E-ED41-2958-361B-31D237844F0E}"/>
-                </a:ext>
-              </a:extLst>
-            </p:cNvPr>
-            <p:cNvCxnSpPr>
-              <a:cxnSpLocks/>
-              <a:stCxn id="37" idx="6"/>
-              <a:endCxn id="105" idx="2"/>
-            </p:cNvCxnSpPr>
-            <p:nvPr/>
-          </p:nvCxnSpPr>
-          <p:spPr>
-            <a:xfrm flipV="1">
-              <a:off x="2625225" y="2733021"/>
-              <a:ext cx="734404" cy="2874"/>
-            </a:xfrm>
-            <a:prstGeom prst="line">
-              <a:avLst/>
-            </a:prstGeom>
-          </p:spPr>
-          <p:style>
-            <a:lnRef idx="2">
-              <a:schemeClr val="dk1"/>
-            </a:lnRef>
-            <a:fillRef idx="0">
-              <a:schemeClr val="dk1"/>
-            </a:fillRef>
-            <a:effectRef idx="1">
-              <a:schemeClr val="dk1"/>
-            </a:effectRef>
-            <a:fontRef idx="minor">
-              <a:schemeClr val="tx1"/>
-            </a:fontRef>
-          </p:style>
-        </p:cxnSp>
-        <p:cxnSp>
-          <p:nvCxnSpPr>
-            <p:cNvPr id="63" name="Straight Connector 62">
-              <a:extLst>
-                <a:ext uri="{FF2B5EF4-FFF2-40B4-BE49-F238E27FC236}">
-                  <a16:creationId xmlns:a16="http://schemas.microsoft.com/office/drawing/2014/main" id="{3BB454BF-E103-1540-D895-3C410D854335}"/>
-                </a:ext>
-              </a:extLst>
-            </p:cNvPr>
-            <p:cNvCxnSpPr>
-              <a:cxnSpLocks/>
-              <a:stCxn id="38" idx="6"/>
-              <a:endCxn id="127" idx="2"/>
-            </p:cNvCxnSpPr>
-            <p:nvPr/>
-          </p:nvCxnSpPr>
-          <p:spPr>
-            <a:xfrm>
-              <a:off x="2635965" y="3192947"/>
-              <a:ext cx="722449" cy="1"/>
-            </a:xfrm>
-            <a:prstGeom prst="line">
-              <a:avLst/>
-            </a:prstGeom>
-          </p:spPr>
-          <p:style>
-            <a:lnRef idx="2">
-              <a:schemeClr val="dk1"/>
-            </a:lnRef>
-            <a:fillRef idx="0">
-              <a:schemeClr val="dk1"/>
-            </a:fillRef>
-            <a:effectRef idx="1">
-              <a:schemeClr val="dk1"/>
-            </a:effectRef>
-            <a:fontRef idx="minor">
-              <a:schemeClr val="tx1"/>
-            </a:fontRef>
-          </p:style>
-        </p:cxnSp>
-        <p:cxnSp>
-          <p:nvCxnSpPr>
-            <p:cNvPr id="71" name="Straight Connector 70">
-              <a:extLst>
-                <a:ext uri="{FF2B5EF4-FFF2-40B4-BE49-F238E27FC236}">
-                  <a16:creationId xmlns:a16="http://schemas.microsoft.com/office/drawing/2014/main" id="{9C2F1EBF-E1ED-97E4-B5DF-02AF6E3B03CC}"/>
-                </a:ext>
-              </a:extLst>
-            </p:cNvPr>
-            <p:cNvCxnSpPr>
-              <a:cxnSpLocks/>
-              <a:stCxn id="42" idx="6"/>
-              <a:endCxn id="45" idx="0"/>
-            </p:cNvCxnSpPr>
-            <p:nvPr/>
-          </p:nvCxnSpPr>
-          <p:spPr>
-            <a:xfrm>
-              <a:off x="4373841" y="1157901"/>
-              <a:ext cx="837867" cy="1184685"/>
-            </a:xfrm>
-            <a:prstGeom prst="line">
-              <a:avLst/>
-            </a:prstGeom>
-          </p:spPr>
-          <p:style>
-            <a:lnRef idx="2">
-              <a:schemeClr val="dk1"/>
-            </a:lnRef>
-            <a:fillRef idx="0">
-              <a:schemeClr val="dk1"/>
-            </a:fillRef>
-            <a:effectRef idx="1">
-              <a:schemeClr val="dk1"/>
-            </a:effectRef>
-            <a:fontRef idx="minor">
-              <a:schemeClr val="tx1"/>
-            </a:fontRef>
-          </p:style>
-        </p:cxnSp>
-        <p:cxnSp>
-          <p:nvCxnSpPr>
-            <p:cNvPr id="76" name="Straight Connector 75">
-              <a:extLst>
-                <a:ext uri="{FF2B5EF4-FFF2-40B4-BE49-F238E27FC236}">
-                  <a16:creationId xmlns:a16="http://schemas.microsoft.com/office/drawing/2014/main" id="{736A40BE-D625-493E-49DD-D63CEC99670E}"/>
-                </a:ext>
-              </a:extLst>
-            </p:cNvPr>
-            <p:cNvCxnSpPr>
-              <a:cxnSpLocks/>
-              <a:stCxn id="173" idx="6"/>
-              <a:endCxn id="45" idx="4"/>
-            </p:cNvCxnSpPr>
-            <p:nvPr/>
-          </p:nvCxnSpPr>
-          <p:spPr>
-            <a:xfrm flipV="1">
-              <a:off x="4382637" y="2530455"/>
-              <a:ext cx="829071" cy="1292792"/>
-            </a:xfrm>
-            <a:prstGeom prst="line">
-              <a:avLst/>
-            </a:prstGeom>
-          </p:spPr>
-          <p:style>
-            <a:lnRef idx="2">
-              <a:schemeClr val="dk1"/>
-            </a:lnRef>
-            <a:fillRef idx="0">
-              <a:schemeClr val="dk1"/>
-            </a:fillRef>
-            <a:effectRef idx="1">
-              <a:schemeClr val="dk1"/>
-            </a:effectRef>
-            <a:fontRef idx="minor">
-              <a:schemeClr val="tx1"/>
-            </a:fontRef>
-          </p:style>
-        </p:cxnSp>
-        <p:cxnSp>
-          <p:nvCxnSpPr>
-            <p:cNvPr id="82" name="Straight Connector 81">
-              <a:extLst>
-                <a:ext uri="{FF2B5EF4-FFF2-40B4-BE49-F238E27FC236}">
-                  <a16:creationId xmlns:a16="http://schemas.microsoft.com/office/drawing/2014/main" id="{BD5C3014-F31C-023D-4C9A-286D1F7F9741}"/>
-                </a:ext>
-              </a:extLst>
-            </p:cNvPr>
-            <p:cNvCxnSpPr>
-              <a:cxnSpLocks/>
-              <a:stCxn id="45" idx="6"/>
-              <a:endCxn id="46" idx="1"/>
-            </p:cNvCxnSpPr>
-            <p:nvPr/>
-          </p:nvCxnSpPr>
-          <p:spPr>
-            <a:xfrm flipV="1">
-              <a:off x="5307082" y="2436520"/>
-              <a:ext cx="181077" cy="1"/>
-            </a:xfrm>
-            <a:prstGeom prst="line">
-              <a:avLst/>
-            </a:prstGeom>
-          </p:spPr>
-          <p:style>
-            <a:lnRef idx="2">
-              <a:schemeClr val="accent6"/>
-            </a:lnRef>
-            <a:fillRef idx="0">
-              <a:schemeClr val="accent6"/>
-            </a:fillRef>
-            <a:effectRef idx="1">
-              <a:schemeClr val="accent6"/>
-            </a:effectRef>
-            <a:fontRef idx="minor">
-              <a:schemeClr val="tx1"/>
-            </a:fontRef>
-          </p:style>
-        </p:cxnSp>
-        <p:cxnSp>
-          <p:nvCxnSpPr>
-            <p:cNvPr id="7" name="Straight Connector 6">
-              <a:extLst>
-                <a:ext uri="{FF2B5EF4-FFF2-40B4-BE49-F238E27FC236}">
-                  <a16:creationId xmlns:a16="http://schemas.microsoft.com/office/drawing/2014/main" id="{F08AB292-230E-E7E4-2339-CF122F10795C}"/>
-                </a:ext>
-              </a:extLst>
-            </p:cNvPr>
-            <p:cNvCxnSpPr>
-              <a:cxnSpLocks/>
-              <a:stCxn id="34" idx="6"/>
-              <a:endCxn id="42" idx="2"/>
-            </p:cNvCxnSpPr>
-            <p:nvPr/>
-          </p:nvCxnSpPr>
-          <p:spPr>
-            <a:xfrm flipV="1">
-              <a:off x="3546923" y="1157901"/>
-              <a:ext cx="636170" cy="103843"/>
-            </a:xfrm>
-            <a:prstGeom prst="line">
-              <a:avLst/>
-            </a:prstGeom>
-          </p:spPr>
-          <p:style>
-            <a:lnRef idx="2">
-              <a:schemeClr val="dk1"/>
-            </a:lnRef>
-            <a:fillRef idx="0">
-              <a:schemeClr val="dk1"/>
-            </a:fillRef>
-            <a:effectRef idx="1">
-              <a:schemeClr val="dk1"/>
-            </a:effectRef>
-            <a:fontRef idx="minor">
-              <a:schemeClr val="tx1"/>
-            </a:fontRef>
-          </p:style>
-        </p:cxnSp>
-      </p:grpSp>
+                <a:latin typeface="Calibri" panose="020F0502020204030204" pitchFamily="34" charset="0"/>
+                <a:cs typeface="Calibri" panose="020F0502020204030204" pitchFamily="34" charset="0"/>
+              </a:rPr>
+              <a:t>70-100% = Yes</a:t>
+            </a:r>
+          </a:p>
+        </p:txBody>
+      </p:sp>
+      <p:cxnSp>
+        <p:nvCxnSpPr>
+          <p:cNvPr id="50" name="Straight Connector 49">
+            <a:extLst>
+              <a:ext uri="{FF2B5EF4-FFF2-40B4-BE49-F238E27FC236}">
+                <a16:creationId xmlns:a16="http://schemas.microsoft.com/office/drawing/2014/main" id="{64724FDB-318C-83B8-8310-6573CC18471D}"/>
+              </a:ext>
+            </a:extLst>
+          </p:cNvPr>
+          <p:cNvCxnSpPr>
+            <a:cxnSpLocks/>
+            <a:stCxn id="5" idx="6"/>
+            <a:endCxn id="34" idx="2"/>
+          </p:cNvCxnSpPr>
+          <p:nvPr/>
+        </p:nvCxnSpPr>
+        <p:spPr>
+          <a:xfrm>
+            <a:off x="3471186" y="1459292"/>
+            <a:ext cx="721329" cy="0"/>
+          </a:xfrm>
+          <a:prstGeom prst="line">
+            <a:avLst/>
+          </a:prstGeom>
+        </p:spPr>
+        <p:style>
+          <a:lnRef idx="2">
+            <a:schemeClr val="dk1"/>
+          </a:lnRef>
+          <a:fillRef idx="0">
+            <a:schemeClr val="dk1"/>
+          </a:fillRef>
+          <a:effectRef idx="1">
+            <a:schemeClr val="dk1"/>
+          </a:effectRef>
+          <a:fontRef idx="minor">
+            <a:schemeClr val="tx1"/>
+          </a:fontRef>
+        </p:style>
+      </p:cxnSp>
+      <p:cxnSp>
+        <p:nvCxnSpPr>
+          <p:cNvPr id="53" name="Straight Connector 52">
+            <a:extLst>
+              <a:ext uri="{FF2B5EF4-FFF2-40B4-BE49-F238E27FC236}">
+                <a16:creationId xmlns:a16="http://schemas.microsoft.com/office/drawing/2014/main" id="{5F154ECD-AFF0-005C-0563-5E27B12EC4E0}"/>
+              </a:ext>
+            </a:extLst>
+          </p:cNvPr>
+          <p:cNvCxnSpPr>
+            <a:cxnSpLocks/>
+            <a:stCxn id="35" idx="6"/>
+            <a:endCxn id="126" idx="2"/>
+          </p:cNvCxnSpPr>
+          <p:nvPr/>
+        </p:nvCxnSpPr>
+        <p:spPr>
+          <a:xfrm>
+            <a:off x="3475718" y="1931159"/>
+            <a:ext cx="714418" cy="0"/>
+          </a:xfrm>
+          <a:prstGeom prst="line">
+            <a:avLst/>
+          </a:prstGeom>
+        </p:spPr>
+        <p:style>
+          <a:lnRef idx="2">
+            <a:schemeClr val="dk1"/>
+          </a:lnRef>
+          <a:fillRef idx="0">
+            <a:schemeClr val="dk1"/>
+          </a:fillRef>
+          <a:effectRef idx="1">
+            <a:schemeClr val="dk1"/>
+          </a:effectRef>
+          <a:fontRef idx="minor">
+            <a:schemeClr val="tx1"/>
+          </a:fontRef>
+        </p:style>
+      </p:cxnSp>
+      <p:cxnSp>
+        <p:nvCxnSpPr>
+          <p:cNvPr id="57" name="Straight Connector 56">
+            <a:extLst>
+              <a:ext uri="{FF2B5EF4-FFF2-40B4-BE49-F238E27FC236}">
+                <a16:creationId xmlns:a16="http://schemas.microsoft.com/office/drawing/2014/main" id="{632D46EE-D7F1-0CA9-3100-A76E8E71B161}"/>
+              </a:ext>
+            </a:extLst>
+          </p:cNvPr>
+          <p:cNvCxnSpPr>
+            <a:cxnSpLocks/>
+            <a:stCxn id="36" idx="6"/>
+            <a:endCxn id="141" idx="2"/>
+          </p:cNvCxnSpPr>
+          <p:nvPr/>
+        </p:nvCxnSpPr>
+        <p:spPr>
+          <a:xfrm>
+            <a:off x="3468841" y="2456615"/>
+            <a:ext cx="721295" cy="3292"/>
+          </a:xfrm>
+          <a:prstGeom prst="line">
+            <a:avLst/>
+          </a:prstGeom>
+        </p:spPr>
+        <p:style>
+          <a:lnRef idx="2">
+            <a:schemeClr val="dk1"/>
+          </a:lnRef>
+          <a:fillRef idx="0">
+            <a:schemeClr val="dk1"/>
+          </a:fillRef>
+          <a:effectRef idx="1">
+            <a:schemeClr val="dk1"/>
+          </a:effectRef>
+          <a:fontRef idx="minor">
+            <a:schemeClr val="tx1"/>
+          </a:fontRef>
+        </p:style>
+      </p:cxnSp>
+      <p:cxnSp>
+        <p:nvCxnSpPr>
+          <p:cNvPr id="60" name="Straight Connector 59">
+            <a:extLst>
+              <a:ext uri="{FF2B5EF4-FFF2-40B4-BE49-F238E27FC236}">
+                <a16:creationId xmlns:a16="http://schemas.microsoft.com/office/drawing/2014/main" id="{0CA0305E-ED41-2958-361B-31D237844F0E}"/>
+              </a:ext>
+            </a:extLst>
+          </p:cNvPr>
+          <p:cNvCxnSpPr>
+            <a:cxnSpLocks/>
+            <a:stCxn id="37" idx="6"/>
+            <a:endCxn id="105" idx="2"/>
+          </p:cNvCxnSpPr>
+          <p:nvPr/>
+        </p:nvCxnSpPr>
+        <p:spPr>
+          <a:xfrm flipV="1">
+            <a:off x="3461565" y="2930569"/>
+            <a:ext cx="734404" cy="2874"/>
+          </a:xfrm>
+          <a:prstGeom prst="line">
+            <a:avLst/>
+          </a:prstGeom>
+        </p:spPr>
+        <p:style>
+          <a:lnRef idx="2">
+            <a:schemeClr val="dk1"/>
+          </a:lnRef>
+          <a:fillRef idx="0">
+            <a:schemeClr val="dk1"/>
+          </a:fillRef>
+          <a:effectRef idx="1">
+            <a:schemeClr val="dk1"/>
+          </a:effectRef>
+          <a:fontRef idx="minor">
+            <a:schemeClr val="tx1"/>
+          </a:fontRef>
+        </p:style>
+      </p:cxnSp>
+      <p:cxnSp>
+        <p:nvCxnSpPr>
+          <p:cNvPr id="63" name="Straight Connector 62">
+            <a:extLst>
+              <a:ext uri="{FF2B5EF4-FFF2-40B4-BE49-F238E27FC236}">
+                <a16:creationId xmlns:a16="http://schemas.microsoft.com/office/drawing/2014/main" id="{3BB454BF-E103-1540-D895-3C410D854335}"/>
+              </a:ext>
+            </a:extLst>
+          </p:cNvPr>
+          <p:cNvCxnSpPr>
+            <a:cxnSpLocks/>
+            <a:stCxn id="38" idx="6"/>
+            <a:endCxn id="127" idx="2"/>
+          </p:cNvCxnSpPr>
+          <p:nvPr/>
+        </p:nvCxnSpPr>
+        <p:spPr>
+          <a:xfrm>
+            <a:off x="3472305" y="3390495"/>
+            <a:ext cx="722449" cy="1"/>
+          </a:xfrm>
+          <a:prstGeom prst="line">
+            <a:avLst/>
+          </a:prstGeom>
+        </p:spPr>
+        <p:style>
+          <a:lnRef idx="2">
+            <a:schemeClr val="dk1"/>
+          </a:lnRef>
+          <a:fillRef idx="0">
+            <a:schemeClr val="dk1"/>
+          </a:fillRef>
+          <a:effectRef idx="1">
+            <a:schemeClr val="dk1"/>
+          </a:effectRef>
+          <a:fontRef idx="minor">
+            <a:schemeClr val="tx1"/>
+          </a:fontRef>
+        </p:style>
+      </p:cxnSp>
+      <p:cxnSp>
+        <p:nvCxnSpPr>
+          <p:cNvPr id="71" name="Straight Connector 70">
+            <a:extLst>
+              <a:ext uri="{FF2B5EF4-FFF2-40B4-BE49-F238E27FC236}">
+                <a16:creationId xmlns:a16="http://schemas.microsoft.com/office/drawing/2014/main" id="{9C2F1EBF-E1ED-97E4-B5DF-02AF6E3B03CC}"/>
+              </a:ext>
+            </a:extLst>
+          </p:cNvPr>
+          <p:cNvCxnSpPr>
+            <a:cxnSpLocks/>
+            <a:stCxn id="42" idx="6"/>
+            <a:endCxn id="45" idx="2"/>
+          </p:cNvCxnSpPr>
+          <p:nvPr/>
+        </p:nvCxnSpPr>
+        <p:spPr>
+          <a:xfrm>
+            <a:off x="5210181" y="1355449"/>
+            <a:ext cx="742493" cy="1278620"/>
+          </a:xfrm>
+          <a:prstGeom prst="line">
+            <a:avLst/>
+          </a:prstGeom>
+        </p:spPr>
+        <p:style>
+          <a:lnRef idx="2">
+            <a:schemeClr val="dk1"/>
+          </a:lnRef>
+          <a:fillRef idx="0">
+            <a:schemeClr val="dk1"/>
+          </a:fillRef>
+          <a:effectRef idx="1">
+            <a:schemeClr val="dk1"/>
+          </a:effectRef>
+          <a:fontRef idx="minor">
+            <a:schemeClr val="tx1"/>
+          </a:fontRef>
+        </p:style>
+      </p:cxnSp>
+      <p:cxnSp>
+        <p:nvCxnSpPr>
+          <p:cNvPr id="76" name="Straight Connector 75">
+            <a:extLst>
+              <a:ext uri="{FF2B5EF4-FFF2-40B4-BE49-F238E27FC236}">
+                <a16:creationId xmlns:a16="http://schemas.microsoft.com/office/drawing/2014/main" id="{736A40BE-D625-493E-49DD-D63CEC99670E}"/>
+              </a:ext>
+            </a:extLst>
+          </p:cNvPr>
+          <p:cNvCxnSpPr>
+            <a:cxnSpLocks/>
+            <a:stCxn id="173" idx="6"/>
+            <a:endCxn id="45" idx="2"/>
+          </p:cNvCxnSpPr>
+          <p:nvPr/>
+        </p:nvCxnSpPr>
+        <p:spPr>
+          <a:xfrm flipV="1">
+            <a:off x="5218977" y="2634069"/>
+            <a:ext cx="733697" cy="1386726"/>
+          </a:xfrm>
+          <a:prstGeom prst="line">
+            <a:avLst/>
+          </a:prstGeom>
+        </p:spPr>
+        <p:style>
+          <a:lnRef idx="2">
+            <a:schemeClr val="dk1"/>
+          </a:lnRef>
+          <a:fillRef idx="0">
+            <a:schemeClr val="dk1"/>
+          </a:fillRef>
+          <a:effectRef idx="1">
+            <a:schemeClr val="dk1"/>
+          </a:effectRef>
+          <a:fontRef idx="minor">
+            <a:schemeClr val="tx1"/>
+          </a:fontRef>
+        </p:style>
+      </p:cxnSp>
+      <p:cxnSp>
+        <p:nvCxnSpPr>
+          <p:cNvPr id="82" name="Straight Connector 81">
+            <a:extLst>
+              <a:ext uri="{FF2B5EF4-FFF2-40B4-BE49-F238E27FC236}">
+                <a16:creationId xmlns:a16="http://schemas.microsoft.com/office/drawing/2014/main" id="{BD5C3014-F31C-023D-4C9A-286D1F7F9741}"/>
+              </a:ext>
+            </a:extLst>
+          </p:cNvPr>
+          <p:cNvCxnSpPr>
+            <a:cxnSpLocks/>
+            <a:stCxn id="45" idx="6"/>
+            <a:endCxn id="46" idx="1"/>
+          </p:cNvCxnSpPr>
+          <p:nvPr/>
+        </p:nvCxnSpPr>
+        <p:spPr>
+          <a:xfrm flipV="1">
+            <a:off x="6143422" y="2634068"/>
+            <a:ext cx="181077" cy="1"/>
+          </a:xfrm>
+          <a:prstGeom prst="line">
+            <a:avLst/>
+          </a:prstGeom>
+        </p:spPr>
+        <p:style>
+          <a:lnRef idx="2">
+            <a:schemeClr val="accent6"/>
+          </a:lnRef>
+          <a:fillRef idx="0">
+            <a:schemeClr val="accent6"/>
+          </a:fillRef>
+          <a:effectRef idx="1">
+            <a:schemeClr val="accent6"/>
+          </a:effectRef>
+          <a:fontRef idx="minor">
+            <a:schemeClr val="tx1"/>
+          </a:fontRef>
+        </p:style>
+      </p:cxnSp>
+      <p:cxnSp>
+        <p:nvCxnSpPr>
+          <p:cNvPr id="7" name="Straight Connector 6">
+            <a:extLst>
+              <a:ext uri="{FF2B5EF4-FFF2-40B4-BE49-F238E27FC236}">
+                <a16:creationId xmlns:a16="http://schemas.microsoft.com/office/drawing/2014/main" id="{F08AB292-230E-E7E4-2339-CF122F10795C}"/>
+              </a:ext>
+            </a:extLst>
+          </p:cNvPr>
+          <p:cNvCxnSpPr>
+            <a:cxnSpLocks/>
+            <a:stCxn id="34" idx="6"/>
+            <a:endCxn id="42" idx="2"/>
+          </p:cNvCxnSpPr>
+          <p:nvPr/>
+        </p:nvCxnSpPr>
+        <p:spPr>
+          <a:xfrm flipV="1">
+            <a:off x="4383263" y="1355449"/>
+            <a:ext cx="636170" cy="103843"/>
+          </a:xfrm>
+          <a:prstGeom prst="line">
+            <a:avLst/>
+          </a:prstGeom>
+        </p:spPr>
+        <p:style>
+          <a:lnRef idx="2">
+            <a:schemeClr val="dk1"/>
+          </a:lnRef>
+          <a:fillRef idx="0">
+            <a:schemeClr val="dk1"/>
+          </a:fillRef>
+          <a:effectRef idx="1">
+            <a:schemeClr val="dk1"/>
+          </a:effectRef>
+          <a:fontRef idx="minor">
+            <a:schemeClr val="tx1"/>
+          </a:fontRef>
+        </p:style>
+      </p:cxnSp>
       <p:sp>
         <p:nvSpPr>
           <p:cNvPr id="11" name="Rectangle 10">
@@ -10592,10 +10085,2177 @@
       </p:sp>
       <p:sp>
         <p:nvSpPr>
-          <p:cNvPr id="105" name="Oval 104">
-            <a:extLst>
-              <a:ext uri="{FF2B5EF4-FFF2-40B4-BE49-F238E27FC236}">
-                <a16:creationId xmlns:a16="http://schemas.microsoft.com/office/drawing/2014/main" id="{90A6875D-3C4A-9E9D-09AC-7D3EDF78A282}"/>
+          <p:cNvPr id="123" name="TextBox 122">
+            <a:extLst>
+              <a:ext uri="{FF2B5EF4-FFF2-40B4-BE49-F238E27FC236}">
+                <a16:creationId xmlns:a16="http://schemas.microsoft.com/office/drawing/2014/main" id="{5C20B89B-623B-A2A5-DDCC-D96A80B563A9}"/>
+              </a:ext>
+            </a:extLst>
+          </p:cNvPr>
+          <p:cNvSpPr txBox="1"/>
+          <p:nvPr/>
+        </p:nvSpPr>
+        <p:spPr>
+          <a:xfrm>
+            <a:off x="4070583" y="1080101"/>
+            <a:ext cx="433137" cy="276999"/>
+          </a:xfrm>
+          <a:prstGeom prst="rect">
+            <a:avLst/>
+          </a:prstGeom>
+          <a:noFill/>
+        </p:spPr>
+        <p:txBody>
+          <a:bodyPr wrap="square" rtlCol="0">
+            <a:spAutoFit/>
+          </a:bodyPr>
+          <a:lstStyle/>
+          <a:p>
+            <a:r>
+              <a:rPr lang="en-US" sz="1200" dirty="0">
+                <a:solidFill>
+                  <a:schemeClr val="tx2"/>
+                </a:solidFill>
+                <a:latin typeface="Calibri" panose="020F0502020204030204" pitchFamily="34" charset="0"/>
+                <a:cs typeface="Calibri" panose="020F0502020204030204" pitchFamily="34" charset="0"/>
+              </a:rPr>
+              <a:t>[32]</a:t>
+            </a:r>
+          </a:p>
+        </p:txBody>
+      </p:sp>
+      <p:sp>
+        <p:nvSpPr>
+          <p:cNvPr id="124" name="TextBox 123">
+            <a:extLst>
+              <a:ext uri="{FF2B5EF4-FFF2-40B4-BE49-F238E27FC236}">
+                <a16:creationId xmlns:a16="http://schemas.microsoft.com/office/drawing/2014/main" id="{5FB641A4-C307-A3EB-DB95-5C31D5F5478F}"/>
+              </a:ext>
+            </a:extLst>
+          </p:cNvPr>
+          <p:cNvSpPr txBox="1"/>
+          <p:nvPr/>
+        </p:nvSpPr>
+        <p:spPr>
+          <a:xfrm>
+            <a:off x="4898238" y="945407"/>
+            <a:ext cx="433137" cy="276999"/>
+          </a:xfrm>
+          <a:prstGeom prst="rect">
+            <a:avLst/>
+          </a:prstGeom>
+          <a:noFill/>
+        </p:spPr>
+        <p:txBody>
+          <a:bodyPr wrap="square" rtlCol="0">
+            <a:spAutoFit/>
+          </a:bodyPr>
+          <a:lstStyle/>
+          <a:p>
+            <a:r>
+              <a:rPr lang="en-US" sz="1200" dirty="0">
+                <a:solidFill>
+                  <a:schemeClr val="tx2"/>
+                </a:solidFill>
+                <a:latin typeface="Calibri" panose="020F0502020204030204" pitchFamily="34" charset="0"/>
+                <a:cs typeface="Calibri" panose="020F0502020204030204" pitchFamily="34" charset="0"/>
+              </a:rPr>
+              <a:t>[64]</a:t>
+            </a:r>
+          </a:p>
+        </p:txBody>
+      </p:sp>
+      <p:sp>
+        <p:nvSpPr>
+          <p:cNvPr id="125" name="TextBox 124">
+            <a:extLst>
+              <a:ext uri="{FF2B5EF4-FFF2-40B4-BE49-F238E27FC236}">
+                <a16:creationId xmlns:a16="http://schemas.microsoft.com/office/drawing/2014/main" id="{BB9AEB79-2CD3-D21E-624E-6EAFCE673A70}"/>
+              </a:ext>
+            </a:extLst>
+          </p:cNvPr>
+          <p:cNvSpPr txBox="1"/>
+          <p:nvPr/>
+        </p:nvSpPr>
+        <p:spPr>
+          <a:xfrm>
+            <a:off x="5891362" y="2177143"/>
+            <a:ext cx="433137" cy="276999"/>
+          </a:xfrm>
+          <a:prstGeom prst="rect">
+            <a:avLst/>
+          </a:prstGeom>
+          <a:noFill/>
+        </p:spPr>
+        <p:txBody>
+          <a:bodyPr wrap="square" rtlCol="0">
+            <a:spAutoFit/>
+          </a:bodyPr>
+          <a:lstStyle/>
+          <a:p>
+            <a:r>
+              <a:rPr lang="en-US" sz="1200" dirty="0">
+                <a:solidFill>
+                  <a:schemeClr val="tx2"/>
+                </a:solidFill>
+                <a:latin typeface="Calibri" panose="020F0502020204030204" pitchFamily="34" charset="0"/>
+                <a:cs typeface="Calibri" panose="020F0502020204030204" pitchFamily="34" charset="0"/>
+              </a:rPr>
+              <a:t>[1]</a:t>
+            </a:r>
+          </a:p>
+        </p:txBody>
+      </p:sp>
+      <p:cxnSp>
+        <p:nvCxnSpPr>
+          <p:cNvPr id="160" name="Straight Connector 159">
+            <a:extLst>
+              <a:ext uri="{FF2B5EF4-FFF2-40B4-BE49-F238E27FC236}">
+                <a16:creationId xmlns:a16="http://schemas.microsoft.com/office/drawing/2014/main" id="{8E4271B6-41C2-82FF-D0DA-F76BD4636283}"/>
+              </a:ext>
+            </a:extLst>
+          </p:cNvPr>
+          <p:cNvCxnSpPr>
+            <a:cxnSpLocks/>
+            <a:stCxn id="41" idx="6"/>
+            <a:endCxn id="159" idx="2"/>
+          </p:cNvCxnSpPr>
+          <p:nvPr/>
+        </p:nvCxnSpPr>
+        <p:spPr>
+          <a:xfrm>
+            <a:off x="3475241" y="4079502"/>
+            <a:ext cx="714895" cy="0"/>
+          </a:xfrm>
+          <a:prstGeom prst="line">
+            <a:avLst/>
+          </a:prstGeom>
+        </p:spPr>
+        <p:style>
+          <a:lnRef idx="2">
+            <a:schemeClr val="dk1"/>
+          </a:lnRef>
+          <a:fillRef idx="0">
+            <a:schemeClr val="dk1"/>
+          </a:fillRef>
+          <a:effectRef idx="1">
+            <a:schemeClr val="dk1"/>
+          </a:effectRef>
+          <a:fontRef idx="minor">
+            <a:schemeClr val="tx1"/>
+          </a:fontRef>
+        </p:style>
+      </p:cxnSp>
+      <p:cxnSp>
+        <p:nvCxnSpPr>
+          <p:cNvPr id="177" name="Straight Connector 176">
+            <a:extLst>
+              <a:ext uri="{FF2B5EF4-FFF2-40B4-BE49-F238E27FC236}">
+                <a16:creationId xmlns:a16="http://schemas.microsoft.com/office/drawing/2014/main" id="{4AC04F07-7980-475C-96DD-1B583049390F}"/>
+              </a:ext>
+            </a:extLst>
+          </p:cNvPr>
+          <p:cNvCxnSpPr>
+            <a:cxnSpLocks/>
+            <a:stCxn id="34" idx="6"/>
+            <a:endCxn id="165" idx="2"/>
+          </p:cNvCxnSpPr>
+          <p:nvPr/>
+        </p:nvCxnSpPr>
+        <p:spPr>
+          <a:xfrm>
+            <a:off x="4383263" y="1459292"/>
+            <a:ext cx="649484" cy="154115"/>
+          </a:xfrm>
+          <a:prstGeom prst="line">
+            <a:avLst/>
+          </a:prstGeom>
+        </p:spPr>
+        <p:style>
+          <a:lnRef idx="2">
+            <a:schemeClr val="dk1"/>
+          </a:lnRef>
+          <a:fillRef idx="0">
+            <a:schemeClr val="dk1"/>
+          </a:fillRef>
+          <a:effectRef idx="1">
+            <a:schemeClr val="dk1"/>
+          </a:effectRef>
+          <a:fontRef idx="minor">
+            <a:schemeClr val="tx1"/>
+          </a:fontRef>
+        </p:style>
+      </p:cxnSp>
+      <p:cxnSp>
+        <p:nvCxnSpPr>
+          <p:cNvPr id="181" name="Straight Connector 180">
+            <a:extLst>
+              <a:ext uri="{FF2B5EF4-FFF2-40B4-BE49-F238E27FC236}">
+                <a16:creationId xmlns:a16="http://schemas.microsoft.com/office/drawing/2014/main" id="{99596450-01E0-E21C-F4D0-6A0D538260F7}"/>
+              </a:ext>
+            </a:extLst>
+          </p:cNvPr>
+          <p:cNvCxnSpPr>
+            <a:cxnSpLocks/>
+            <a:stCxn id="126" idx="6"/>
+            <a:endCxn id="166" idx="2"/>
+          </p:cNvCxnSpPr>
+          <p:nvPr/>
+        </p:nvCxnSpPr>
+        <p:spPr>
+          <a:xfrm flipV="1">
+            <a:off x="4380884" y="1832283"/>
+            <a:ext cx="653558" cy="98876"/>
+          </a:xfrm>
+          <a:prstGeom prst="line">
+            <a:avLst/>
+          </a:prstGeom>
+        </p:spPr>
+        <p:style>
+          <a:lnRef idx="2">
+            <a:schemeClr val="dk1"/>
+          </a:lnRef>
+          <a:fillRef idx="0">
+            <a:schemeClr val="dk1"/>
+          </a:fillRef>
+          <a:effectRef idx="1">
+            <a:schemeClr val="dk1"/>
+          </a:effectRef>
+          <a:fontRef idx="minor">
+            <a:schemeClr val="tx1"/>
+          </a:fontRef>
+        </p:style>
+      </p:cxnSp>
+      <p:cxnSp>
+        <p:nvCxnSpPr>
+          <p:cNvPr id="184" name="Straight Connector 183">
+            <a:extLst>
+              <a:ext uri="{FF2B5EF4-FFF2-40B4-BE49-F238E27FC236}">
+                <a16:creationId xmlns:a16="http://schemas.microsoft.com/office/drawing/2014/main" id="{22E7BFF4-9E89-BE3C-70F1-3F5DFEA00114}"/>
+              </a:ext>
+            </a:extLst>
+          </p:cNvPr>
+          <p:cNvCxnSpPr>
+            <a:cxnSpLocks/>
+            <a:stCxn id="141" idx="6"/>
+            <a:endCxn id="168" idx="2"/>
+          </p:cNvCxnSpPr>
+          <p:nvPr/>
+        </p:nvCxnSpPr>
+        <p:spPr>
+          <a:xfrm flipV="1">
+            <a:off x="4380884" y="2365973"/>
+            <a:ext cx="650098" cy="93934"/>
+          </a:xfrm>
+          <a:prstGeom prst="line">
+            <a:avLst/>
+          </a:prstGeom>
+        </p:spPr>
+        <p:style>
+          <a:lnRef idx="2">
+            <a:schemeClr val="dk1"/>
+          </a:lnRef>
+          <a:fillRef idx="0">
+            <a:schemeClr val="dk1"/>
+          </a:fillRef>
+          <a:effectRef idx="1">
+            <a:schemeClr val="dk1"/>
+          </a:effectRef>
+          <a:fontRef idx="minor">
+            <a:schemeClr val="tx1"/>
+          </a:fontRef>
+        </p:style>
+      </p:cxnSp>
+      <p:cxnSp>
+        <p:nvCxnSpPr>
+          <p:cNvPr id="188" name="Straight Connector 187">
+            <a:extLst>
+              <a:ext uri="{FF2B5EF4-FFF2-40B4-BE49-F238E27FC236}">
+                <a16:creationId xmlns:a16="http://schemas.microsoft.com/office/drawing/2014/main" id="{7C88EAE5-990B-5CE1-EE57-2D3A66C8180D}"/>
+              </a:ext>
+            </a:extLst>
+          </p:cNvPr>
+          <p:cNvCxnSpPr>
+            <a:cxnSpLocks/>
+            <a:stCxn id="126" idx="6"/>
+            <a:endCxn id="167" idx="2"/>
+          </p:cNvCxnSpPr>
+          <p:nvPr/>
+        </p:nvCxnSpPr>
+        <p:spPr>
+          <a:xfrm>
+            <a:off x="4380884" y="1931159"/>
+            <a:ext cx="654672" cy="154437"/>
+          </a:xfrm>
+          <a:prstGeom prst="line">
+            <a:avLst/>
+          </a:prstGeom>
+        </p:spPr>
+        <p:style>
+          <a:lnRef idx="2">
+            <a:schemeClr val="dk1"/>
+          </a:lnRef>
+          <a:fillRef idx="0">
+            <a:schemeClr val="dk1"/>
+          </a:fillRef>
+          <a:effectRef idx="1">
+            <a:schemeClr val="dk1"/>
+          </a:effectRef>
+          <a:fontRef idx="minor">
+            <a:schemeClr val="tx1"/>
+          </a:fontRef>
+        </p:style>
+      </p:cxnSp>
+      <p:cxnSp>
+        <p:nvCxnSpPr>
+          <p:cNvPr id="232" name="Straight Connector 231">
+            <a:extLst>
+              <a:ext uri="{FF2B5EF4-FFF2-40B4-BE49-F238E27FC236}">
+                <a16:creationId xmlns:a16="http://schemas.microsoft.com/office/drawing/2014/main" id="{52CBDC7B-5AD9-19FE-9435-D9686A3AD034}"/>
+              </a:ext>
+            </a:extLst>
+          </p:cNvPr>
+          <p:cNvCxnSpPr>
+            <a:cxnSpLocks/>
+            <a:stCxn id="141" idx="6"/>
+            <a:endCxn id="169" idx="2"/>
+          </p:cNvCxnSpPr>
+          <p:nvPr/>
+        </p:nvCxnSpPr>
+        <p:spPr>
+          <a:xfrm>
+            <a:off x="4380884" y="2459907"/>
+            <a:ext cx="647972" cy="153111"/>
+          </a:xfrm>
+          <a:prstGeom prst="line">
+            <a:avLst/>
+          </a:prstGeom>
+        </p:spPr>
+        <p:style>
+          <a:lnRef idx="2">
+            <a:schemeClr val="dk1"/>
+          </a:lnRef>
+          <a:fillRef idx="0">
+            <a:schemeClr val="dk1"/>
+          </a:fillRef>
+          <a:effectRef idx="1">
+            <a:schemeClr val="dk1"/>
+          </a:effectRef>
+          <a:fontRef idx="minor">
+            <a:schemeClr val="tx1"/>
+          </a:fontRef>
+        </p:style>
+      </p:cxnSp>
+      <p:cxnSp>
+        <p:nvCxnSpPr>
+          <p:cNvPr id="240" name="Straight Connector 239">
+            <a:extLst>
+              <a:ext uri="{FF2B5EF4-FFF2-40B4-BE49-F238E27FC236}">
+                <a16:creationId xmlns:a16="http://schemas.microsoft.com/office/drawing/2014/main" id="{3383FC0A-4E71-904B-B336-C013BB2E9480}"/>
+              </a:ext>
+            </a:extLst>
+          </p:cNvPr>
+          <p:cNvCxnSpPr>
+            <a:cxnSpLocks/>
+            <a:stCxn id="105" idx="6"/>
+            <a:endCxn id="118" idx="2"/>
+          </p:cNvCxnSpPr>
+          <p:nvPr/>
+        </p:nvCxnSpPr>
+        <p:spPr>
+          <a:xfrm flipV="1">
+            <a:off x="4386717" y="2837702"/>
+            <a:ext cx="641861" cy="92867"/>
+          </a:xfrm>
+          <a:prstGeom prst="line">
+            <a:avLst/>
+          </a:prstGeom>
+        </p:spPr>
+        <p:style>
+          <a:lnRef idx="2">
+            <a:schemeClr val="dk1"/>
+          </a:lnRef>
+          <a:fillRef idx="0">
+            <a:schemeClr val="dk1"/>
+          </a:fillRef>
+          <a:effectRef idx="1">
+            <a:schemeClr val="dk1"/>
+          </a:effectRef>
+          <a:fontRef idx="minor">
+            <a:schemeClr val="tx1"/>
+          </a:fontRef>
+        </p:style>
+      </p:cxnSp>
+      <p:cxnSp>
+        <p:nvCxnSpPr>
+          <p:cNvPr id="243" name="Straight Connector 242">
+            <a:extLst>
+              <a:ext uri="{FF2B5EF4-FFF2-40B4-BE49-F238E27FC236}">
+                <a16:creationId xmlns:a16="http://schemas.microsoft.com/office/drawing/2014/main" id="{77F39231-F313-AAEB-9B86-10AFDEB34199}"/>
+              </a:ext>
+            </a:extLst>
+          </p:cNvPr>
+          <p:cNvCxnSpPr>
+            <a:cxnSpLocks/>
+            <a:stCxn id="105" idx="6"/>
+            <a:endCxn id="170" idx="2"/>
+          </p:cNvCxnSpPr>
+          <p:nvPr/>
+        </p:nvCxnSpPr>
+        <p:spPr>
+          <a:xfrm>
+            <a:off x="4386717" y="2930569"/>
+            <a:ext cx="641861" cy="167823"/>
+          </a:xfrm>
+          <a:prstGeom prst="line">
+            <a:avLst/>
+          </a:prstGeom>
+        </p:spPr>
+        <p:style>
+          <a:lnRef idx="2">
+            <a:schemeClr val="dk1"/>
+          </a:lnRef>
+          <a:fillRef idx="0">
+            <a:schemeClr val="dk1"/>
+          </a:fillRef>
+          <a:effectRef idx="1">
+            <a:schemeClr val="dk1"/>
+          </a:effectRef>
+          <a:fontRef idx="minor">
+            <a:schemeClr val="tx1"/>
+          </a:fontRef>
+        </p:style>
+      </p:cxnSp>
+      <p:cxnSp>
+        <p:nvCxnSpPr>
+          <p:cNvPr id="246" name="Straight Connector 245">
+            <a:extLst>
+              <a:ext uri="{FF2B5EF4-FFF2-40B4-BE49-F238E27FC236}">
+                <a16:creationId xmlns:a16="http://schemas.microsoft.com/office/drawing/2014/main" id="{2B0388D5-D4FF-1782-6D42-B6532CDE882B}"/>
+              </a:ext>
+            </a:extLst>
+          </p:cNvPr>
+          <p:cNvCxnSpPr>
+            <a:cxnSpLocks/>
+            <a:stCxn id="127" idx="6"/>
+            <a:endCxn id="171" idx="2"/>
+          </p:cNvCxnSpPr>
+          <p:nvPr/>
+        </p:nvCxnSpPr>
+        <p:spPr>
+          <a:xfrm flipV="1">
+            <a:off x="4385502" y="3327823"/>
+            <a:ext cx="654508" cy="62673"/>
+          </a:xfrm>
+          <a:prstGeom prst="line">
+            <a:avLst/>
+          </a:prstGeom>
+        </p:spPr>
+        <p:style>
+          <a:lnRef idx="2">
+            <a:schemeClr val="dk1"/>
+          </a:lnRef>
+          <a:fillRef idx="0">
+            <a:schemeClr val="dk1"/>
+          </a:fillRef>
+          <a:effectRef idx="1">
+            <a:schemeClr val="dk1"/>
+          </a:effectRef>
+          <a:fontRef idx="minor">
+            <a:schemeClr val="tx1"/>
+          </a:fontRef>
+        </p:style>
+      </p:cxnSp>
+      <p:sp>
+        <p:nvSpPr>
+          <p:cNvPr id="266" name="TextBox 265">
+            <a:extLst>
+              <a:ext uri="{FF2B5EF4-FFF2-40B4-BE49-F238E27FC236}">
+                <a16:creationId xmlns:a16="http://schemas.microsoft.com/office/drawing/2014/main" id="{359744EF-91ED-16DA-6417-2319177547C5}"/>
+              </a:ext>
+            </a:extLst>
+          </p:cNvPr>
+          <p:cNvSpPr txBox="1"/>
+          <p:nvPr/>
+        </p:nvSpPr>
+        <p:spPr>
+          <a:xfrm>
+            <a:off x="3273033" y="3413758"/>
+            <a:ext cx="181669" cy="553998"/>
+          </a:xfrm>
+          <a:prstGeom prst="rect">
+            <a:avLst/>
+          </a:prstGeom>
+          <a:noFill/>
+        </p:spPr>
+        <p:txBody>
+          <a:bodyPr wrap="square" rtlCol="0">
+            <a:spAutoFit/>
+          </a:bodyPr>
+          <a:lstStyle/>
+          <a:p>
+            <a:r>
+              <a:rPr lang="en-US" sz="1000" b="1" dirty="0"/>
+              <a:t>.</a:t>
+            </a:r>
+          </a:p>
+          <a:p>
+            <a:r>
+              <a:rPr lang="en-US" sz="1000" b="1" dirty="0"/>
+              <a:t>.</a:t>
+            </a:r>
+          </a:p>
+          <a:p>
+            <a:r>
+              <a:rPr lang="en-US" sz="1000" b="1" dirty="0"/>
+              <a:t>.</a:t>
+            </a:r>
+          </a:p>
+        </p:txBody>
+      </p:sp>
+      <p:cxnSp>
+        <p:nvCxnSpPr>
+          <p:cNvPr id="267" name="Straight Connector 266">
+            <a:extLst>
+              <a:ext uri="{FF2B5EF4-FFF2-40B4-BE49-F238E27FC236}">
+                <a16:creationId xmlns:a16="http://schemas.microsoft.com/office/drawing/2014/main" id="{1472C971-0043-F3F9-7988-32EED5B8C696}"/>
+              </a:ext>
+            </a:extLst>
+          </p:cNvPr>
+          <p:cNvCxnSpPr>
+            <a:cxnSpLocks/>
+            <a:stCxn id="159" idx="6"/>
+            <a:endCxn id="173" idx="2"/>
+          </p:cNvCxnSpPr>
+          <p:nvPr/>
+        </p:nvCxnSpPr>
+        <p:spPr>
+          <a:xfrm flipV="1">
+            <a:off x="4380884" y="4020795"/>
+            <a:ext cx="657016" cy="58707"/>
+          </a:xfrm>
+          <a:prstGeom prst="line">
+            <a:avLst/>
+          </a:prstGeom>
+        </p:spPr>
+        <p:style>
+          <a:lnRef idx="2">
+            <a:schemeClr val="dk1"/>
+          </a:lnRef>
+          <a:fillRef idx="0">
+            <a:schemeClr val="dk1"/>
+          </a:fillRef>
+          <a:effectRef idx="1">
+            <a:schemeClr val="dk1"/>
+          </a:effectRef>
+          <a:fontRef idx="minor">
+            <a:schemeClr val="tx1"/>
+          </a:fontRef>
+        </p:style>
+      </p:cxnSp>
+      <p:cxnSp>
+        <p:nvCxnSpPr>
+          <p:cNvPr id="270" name="Straight Connector 269">
+            <a:extLst>
+              <a:ext uri="{FF2B5EF4-FFF2-40B4-BE49-F238E27FC236}">
+                <a16:creationId xmlns:a16="http://schemas.microsoft.com/office/drawing/2014/main" id="{DBE3A2F7-95AF-D3AE-ED13-2A720FF34F12}"/>
+              </a:ext>
+            </a:extLst>
+          </p:cNvPr>
+          <p:cNvCxnSpPr>
+            <a:cxnSpLocks/>
+            <a:stCxn id="159" idx="6"/>
+            <a:endCxn id="175" idx="2"/>
+          </p:cNvCxnSpPr>
+          <p:nvPr/>
+        </p:nvCxnSpPr>
+        <p:spPr>
+          <a:xfrm>
+            <a:off x="4380884" y="4079502"/>
+            <a:ext cx="657015" cy="154849"/>
+          </a:xfrm>
+          <a:prstGeom prst="line">
+            <a:avLst/>
+          </a:prstGeom>
+        </p:spPr>
+        <p:style>
+          <a:lnRef idx="2">
+            <a:schemeClr val="dk1"/>
+          </a:lnRef>
+          <a:fillRef idx="0">
+            <a:schemeClr val="dk1"/>
+          </a:fillRef>
+          <a:effectRef idx="1">
+            <a:schemeClr val="dk1"/>
+          </a:effectRef>
+          <a:fontRef idx="minor">
+            <a:schemeClr val="tx1"/>
+          </a:fontRef>
+        </p:style>
+      </p:cxnSp>
+      <p:cxnSp>
+        <p:nvCxnSpPr>
+          <p:cNvPr id="273" name="Straight Connector 272">
+            <a:extLst>
+              <a:ext uri="{FF2B5EF4-FFF2-40B4-BE49-F238E27FC236}">
+                <a16:creationId xmlns:a16="http://schemas.microsoft.com/office/drawing/2014/main" id="{432E716A-5409-480D-840D-9853498F5A46}"/>
+              </a:ext>
+            </a:extLst>
+          </p:cNvPr>
+          <p:cNvCxnSpPr>
+            <a:cxnSpLocks/>
+            <a:stCxn id="165" idx="6"/>
+            <a:endCxn id="45" idx="2"/>
+          </p:cNvCxnSpPr>
+          <p:nvPr/>
+        </p:nvCxnSpPr>
+        <p:spPr>
+          <a:xfrm>
+            <a:off x="5213824" y="1613407"/>
+            <a:ext cx="738850" cy="1020662"/>
+          </a:xfrm>
+          <a:prstGeom prst="line">
+            <a:avLst/>
+          </a:prstGeom>
+        </p:spPr>
+        <p:style>
+          <a:lnRef idx="2">
+            <a:schemeClr val="dk1"/>
+          </a:lnRef>
+          <a:fillRef idx="0">
+            <a:schemeClr val="dk1"/>
+          </a:fillRef>
+          <a:effectRef idx="1">
+            <a:schemeClr val="dk1"/>
+          </a:effectRef>
+          <a:fontRef idx="minor">
+            <a:schemeClr val="tx1"/>
+          </a:fontRef>
+        </p:style>
+      </p:cxnSp>
+      <p:cxnSp>
+        <p:nvCxnSpPr>
+          <p:cNvPr id="276" name="Straight Connector 275">
+            <a:extLst>
+              <a:ext uri="{FF2B5EF4-FFF2-40B4-BE49-F238E27FC236}">
+                <a16:creationId xmlns:a16="http://schemas.microsoft.com/office/drawing/2014/main" id="{31AC5291-F076-C1A1-2A20-4DE191CB4207}"/>
+              </a:ext>
+            </a:extLst>
+          </p:cNvPr>
+          <p:cNvCxnSpPr>
+            <a:cxnSpLocks/>
+            <a:stCxn id="166" idx="6"/>
+            <a:endCxn id="45" idx="2"/>
+          </p:cNvCxnSpPr>
+          <p:nvPr/>
+        </p:nvCxnSpPr>
+        <p:spPr>
+          <a:xfrm>
+            <a:off x="5215519" y="1832283"/>
+            <a:ext cx="737155" cy="801786"/>
+          </a:xfrm>
+          <a:prstGeom prst="line">
+            <a:avLst/>
+          </a:prstGeom>
+        </p:spPr>
+        <p:style>
+          <a:lnRef idx="2">
+            <a:schemeClr val="dk1"/>
+          </a:lnRef>
+          <a:fillRef idx="0">
+            <a:schemeClr val="dk1"/>
+          </a:fillRef>
+          <a:effectRef idx="1">
+            <a:schemeClr val="dk1"/>
+          </a:effectRef>
+          <a:fontRef idx="minor">
+            <a:schemeClr val="tx1"/>
+          </a:fontRef>
+        </p:style>
+      </p:cxnSp>
+      <p:cxnSp>
+        <p:nvCxnSpPr>
+          <p:cNvPr id="285" name="Straight Connector 284">
+            <a:extLst>
+              <a:ext uri="{FF2B5EF4-FFF2-40B4-BE49-F238E27FC236}">
+                <a16:creationId xmlns:a16="http://schemas.microsoft.com/office/drawing/2014/main" id="{B1DB0F75-883C-6B20-B195-88AC2C13E3C7}"/>
+              </a:ext>
+            </a:extLst>
+          </p:cNvPr>
+          <p:cNvCxnSpPr>
+            <a:cxnSpLocks/>
+            <a:stCxn id="167" idx="6"/>
+            <a:endCxn id="45" idx="2"/>
+          </p:cNvCxnSpPr>
+          <p:nvPr/>
+        </p:nvCxnSpPr>
+        <p:spPr>
+          <a:xfrm>
+            <a:off x="5216633" y="2085596"/>
+            <a:ext cx="736041" cy="548473"/>
+          </a:xfrm>
+          <a:prstGeom prst="line">
+            <a:avLst/>
+          </a:prstGeom>
+        </p:spPr>
+        <p:style>
+          <a:lnRef idx="2">
+            <a:schemeClr val="dk1"/>
+          </a:lnRef>
+          <a:fillRef idx="0">
+            <a:schemeClr val="dk1"/>
+          </a:fillRef>
+          <a:effectRef idx="1">
+            <a:schemeClr val="dk1"/>
+          </a:effectRef>
+          <a:fontRef idx="minor">
+            <a:schemeClr val="tx1"/>
+          </a:fontRef>
+        </p:style>
+      </p:cxnSp>
+      <p:cxnSp>
+        <p:nvCxnSpPr>
+          <p:cNvPr id="288" name="Straight Connector 287">
+            <a:extLst>
+              <a:ext uri="{FF2B5EF4-FFF2-40B4-BE49-F238E27FC236}">
+                <a16:creationId xmlns:a16="http://schemas.microsoft.com/office/drawing/2014/main" id="{04AB7F38-0696-7411-9F6E-441E4C85885E}"/>
+              </a:ext>
+            </a:extLst>
+          </p:cNvPr>
+          <p:cNvCxnSpPr>
+            <a:cxnSpLocks/>
+            <a:stCxn id="168" idx="6"/>
+            <a:endCxn id="45" idx="2"/>
+          </p:cNvCxnSpPr>
+          <p:nvPr/>
+        </p:nvCxnSpPr>
+        <p:spPr>
+          <a:xfrm>
+            <a:off x="5212059" y="2365973"/>
+            <a:ext cx="740615" cy="268096"/>
+          </a:xfrm>
+          <a:prstGeom prst="line">
+            <a:avLst/>
+          </a:prstGeom>
+        </p:spPr>
+        <p:style>
+          <a:lnRef idx="2">
+            <a:schemeClr val="dk1"/>
+          </a:lnRef>
+          <a:fillRef idx="0">
+            <a:schemeClr val="dk1"/>
+          </a:fillRef>
+          <a:effectRef idx="1">
+            <a:schemeClr val="dk1"/>
+          </a:effectRef>
+          <a:fontRef idx="minor">
+            <a:schemeClr val="tx1"/>
+          </a:fontRef>
+        </p:style>
+      </p:cxnSp>
+      <p:cxnSp>
+        <p:nvCxnSpPr>
+          <p:cNvPr id="291" name="Straight Connector 290">
+            <a:extLst>
+              <a:ext uri="{FF2B5EF4-FFF2-40B4-BE49-F238E27FC236}">
+                <a16:creationId xmlns:a16="http://schemas.microsoft.com/office/drawing/2014/main" id="{267A5811-6426-13C1-F716-A8C0CF13FA7F}"/>
+              </a:ext>
+            </a:extLst>
+          </p:cNvPr>
+          <p:cNvCxnSpPr>
+            <a:cxnSpLocks/>
+            <a:stCxn id="169" idx="6"/>
+            <a:endCxn id="45" idx="2"/>
+          </p:cNvCxnSpPr>
+          <p:nvPr/>
+        </p:nvCxnSpPr>
+        <p:spPr>
+          <a:xfrm>
+            <a:off x="5209933" y="2613018"/>
+            <a:ext cx="742741" cy="21051"/>
+          </a:xfrm>
+          <a:prstGeom prst="line">
+            <a:avLst/>
+          </a:prstGeom>
+        </p:spPr>
+        <p:style>
+          <a:lnRef idx="2">
+            <a:schemeClr val="dk1"/>
+          </a:lnRef>
+          <a:fillRef idx="0">
+            <a:schemeClr val="dk1"/>
+          </a:fillRef>
+          <a:effectRef idx="1">
+            <a:schemeClr val="dk1"/>
+          </a:effectRef>
+          <a:fontRef idx="minor">
+            <a:schemeClr val="tx1"/>
+          </a:fontRef>
+        </p:style>
+      </p:cxnSp>
+      <p:cxnSp>
+        <p:nvCxnSpPr>
+          <p:cNvPr id="302" name="Straight Connector 301">
+            <a:extLst>
+              <a:ext uri="{FF2B5EF4-FFF2-40B4-BE49-F238E27FC236}">
+                <a16:creationId xmlns:a16="http://schemas.microsoft.com/office/drawing/2014/main" id="{316E9D7C-7F95-B200-B350-C227077231C5}"/>
+              </a:ext>
+            </a:extLst>
+          </p:cNvPr>
+          <p:cNvCxnSpPr>
+            <a:cxnSpLocks/>
+            <a:stCxn id="118" idx="6"/>
+            <a:endCxn id="45" idx="2"/>
+          </p:cNvCxnSpPr>
+          <p:nvPr/>
+        </p:nvCxnSpPr>
+        <p:spPr>
+          <a:xfrm flipV="1">
+            <a:off x="5209655" y="2634069"/>
+            <a:ext cx="743019" cy="203633"/>
+          </a:xfrm>
+          <a:prstGeom prst="line">
+            <a:avLst/>
+          </a:prstGeom>
+        </p:spPr>
+        <p:style>
+          <a:lnRef idx="2">
+            <a:schemeClr val="dk1"/>
+          </a:lnRef>
+          <a:fillRef idx="0">
+            <a:schemeClr val="dk1"/>
+          </a:fillRef>
+          <a:effectRef idx="1">
+            <a:schemeClr val="dk1"/>
+          </a:effectRef>
+          <a:fontRef idx="minor">
+            <a:schemeClr val="tx1"/>
+          </a:fontRef>
+        </p:style>
+      </p:cxnSp>
+      <p:cxnSp>
+        <p:nvCxnSpPr>
+          <p:cNvPr id="305" name="Straight Connector 304">
+            <a:extLst>
+              <a:ext uri="{FF2B5EF4-FFF2-40B4-BE49-F238E27FC236}">
+                <a16:creationId xmlns:a16="http://schemas.microsoft.com/office/drawing/2014/main" id="{878FEA7B-CD7D-4674-1B67-543C70ECD2F0}"/>
+              </a:ext>
+            </a:extLst>
+          </p:cNvPr>
+          <p:cNvCxnSpPr>
+            <a:cxnSpLocks/>
+            <a:stCxn id="170" idx="6"/>
+            <a:endCxn id="45" idx="2"/>
+          </p:cNvCxnSpPr>
+          <p:nvPr/>
+        </p:nvCxnSpPr>
+        <p:spPr>
+          <a:xfrm flipV="1">
+            <a:off x="5209655" y="2634069"/>
+            <a:ext cx="743019" cy="464323"/>
+          </a:xfrm>
+          <a:prstGeom prst="line">
+            <a:avLst/>
+          </a:prstGeom>
+        </p:spPr>
+        <p:style>
+          <a:lnRef idx="2">
+            <a:schemeClr val="dk1"/>
+          </a:lnRef>
+          <a:fillRef idx="0">
+            <a:schemeClr val="dk1"/>
+          </a:fillRef>
+          <a:effectRef idx="1">
+            <a:schemeClr val="dk1"/>
+          </a:effectRef>
+          <a:fontRef idx="minor">
+            <a:schemeClr val="tx1"/>
+          </a:fontRef>
+        </p:style>
+      </p:cxnSp>
+      <p:cxnSp>
+        <p:nvCxnSpPr>
+          <p:cNvPr id="308" name="Straight Connector 307">
+            <a:extLst>
+              <a:ext uri="{FF2B5EF4-FFF2-40B4-BE49-F238E27FC236}">
+                <a16:creationId xmlns:a16="http://schemas.microsoft.com/office/drawing/2014/main" id="{08306E87-D1FE-845E-C8E9-A5E30734538B}"/>
+              </a:ext>
+            </a:extLst>
+          </p:cNvPr>
+          <p:cNvCxnSpPr>
+            <a:cxnSpLocks/>
+            <a:stCxn id="171" idx="6"/>
+            <a:endCxn id="45" idx="2"/>
+          </p:cNvCxnSpPr>
+          <p:nvPr/>
+        </p:nvCxnSpPr>
+        <p:spPr>
+          <a:xfrm flipV="1">
+            <a:off x="5221087" y="2634069"/>
+            <a:ext cx="731587" cy="693754"/>
+          </a:xfrm>
+          <a:prstGeom prst="line">
+            <a:avLst/>
+          </a:prstGeom>
+        </p:spPr>
+        <p:style>
+          <a:lnRef idx="2">
+            <a:schemeClr val="dk1"/>
+          </a:lnRef>
+          <a:fillRef idx="0">
+            <a:schemeClr val="dk1"/>
+          </a:fillRef>
+          <a:effectRef idx="1">
+            <a:schemeClr val="dk1"/>
+          </a:effectRef>
+          <a:fontRef idx="minor">
+            <a:schemeClr val="tx1"/>
+          </a:fontRef>
+        </p:style>
+      </p:cxnSp>
+      <p:cxnSp>
+        <p:nvCxnSpPr>
+          <p:cNvPr id="315" name="Straight Connector 314">
+            <a:extLst>
+              <a:ext uri="{FF2B5EF4-FFF2-40B4-BE49-F238E27FC236}">
+                <a16:creationId xmlns:a16="http://schemas.microsoft.com/office/drawing/2014/main" id="{8898E4AF-A927-0F10-61CF-32533F526C21}"/>
+              </a:ext>
+            </a:extLst>
+          </p:cNvPr>
+          <p:cNvCxnSpPr>
+            <a:cxnSpLocks/>
+            <a:stCxn id="175" idx="6"/>
+            <a:endCxn id="45" idx="2"/>
+          </p:cNvCxnSpPr>
+          <p:nvPr/>
+        </p:nvCxnSpPr>
+        <p:spPr>
+          <a:xfrm flipV="1">
+            <a:off x="5218976" y="2634069"/>
+            <a:ext cx="733698" cy="1600282"/>
+          </a:xfrm>
+          <a:prstGeom prst="line">
+            <a:avLst/>
+          </a:prstGeom>
+        </p:spPr>
+        <p:style>
+          <a:lnRef idx="2">
+            <a:schemeClr val="dk1"/>
+          </a:lnRef>
+          <a:fillRef idx="0">
+            <a:schemeClr val="dk1"/>
+          </a:fillRef>
+          <a:effectRef idx="1">
+            <a:schemeClr val="dk1"/>
+          </a:effectRef>
+          <a:fontRef idx="minor">
+            <a:schemeClr val="tx1"/>
+          </a:fontRef>
+        </p:style>
+      </p:cxnSp>
+      <p:cxnSp>
+        <p:nvCxnSpPr>
+          <p:cNvPr id="83" name="Straight Connector 82">
+            <a:extLst>
+              <a:ext uri="{FF2B5EF4-FFF2-40B4-BE49-F238E27FC236}">
+                <a16:creationId xmlns:a16="http://schemas.microsoft.com/office/drawing/2014/main" id="{6FEDA0E5-2DD4-4CA2-B2AC-B6FAF24E212F}"/>
+              </a:ext>
+            </a:extLst>
+          </p:cNvPr>
+          <p:cNvCxnSpPr>
+            <a:cxnSpLocks/>
+            <a:stCxn id="5" idx="6"/>
+            <a:endCxn id="126" idx="2"/>
+          </p:cNvCxnSpPr>
+          <p:nvPr/>
+        </p:nvCxnSpPr>
+        <p:spPr>
+          <a:xfrm>
+            <a:off x="3471186" y="1459292"/>
+            <a:ext cx="718950" cy="471867"/>
+          </a:xfrm>
+          <a:prstGeom prst="line">
+            <a:avLst/>
+          </a:prstGeom>
+        </p:spPr>
+        <p:style>
+          <a:lnRef idx="2">
+            <a:schemeClr val="dk1"/>
+          </a:lnRef>
+          <a:fillRef idx="0">
+            <a:schemeClr val="dk1"/>
+          </a:fillRef>
+          <a:effectRef idx="1">
+            <a:schemeClr val="dk1"/>
+          </a:effectRef>
+          <a:fontRef idx="minor">
+            <a:schemeClr val="tx1"/>
+          </a:fontRef>
+        </p:style>
+      </p:cxnSp>
+      <p:cxnSp>
+        <p:nvCxnSpPr>
+          <p:cNvPr id="86" name="Straight Connector 85">
+            <a:extLst>
+              <a:ext uri="{FF2B5EF4-FFF2-40B4-BE49-F238E27FC236}">
+                <a16:creationId xmlns:a16="http://schemas.microsoft.com/office/drawing/2014/main" id="{512E81A8-E521-41DA-BB3F-2BA2FC32BDA4}"/>
+              </a:ext>
+            </a:extLst>
+          </p:cNvPr>
+          <p:cNvCxnSpPr>
+            <a:cxnSpLocks/>
+            <a:stCxn id="5" idx="6"/>
+            <a:endCxn id="141" idx="2"/>
+          </p:cNvCxnSpPr>
+          <p:nvPr/>
+        </p:nvCxnSpPr>
+        <p:spPr>
+          <a:xfrm>
+            <a:off x="3471186" y="1459292"/>
+            <a:ext cx="718950" cy="1000615"/>
+          </a:xfrm>
+          <a:prstGeom prst="line">
+            <a:avLst/>
+          </a:prstGeom>
+        </p:spPr>
+        <p:style>
+          <a:lnRef idx="2">
+            <a:schemeClr val="dk1"/>
+          </a:lnRef>
+          <a:fillRef idx="0">
+            <a:schemeClr val="dk1"/>
+          </a:fillRef>
+          <a:effectRef idx="1">
+            <a:schemeClr val="dk1"/>
+          </a:effectRef>
+          <a:fontRef idx="minor">
+            <a:schemeClr val="tx1"/>
+          </a:fontRef>
+        </p:style>
+      </p:cxnSp>
+      <p:cxnSp>
+        <p:nvCxnSpPr>
+          <p:cNvPr id="89" name="Straight Connector 88">
+            <a:extLst>
+              <a:ext uri="{FF2B5EF4-FFF2-40B4-BE49-F238E27FC236}">
+                <a16:creationId xmlns:a16="http://schemas.microsoft.com/office/drawing/2014/main" id="{983E7CAD-D7AE-4217-B954-A8AB8E0E0B96}"/>
+              </a:ext>
+            </a:extLst>
+          </p:cNvPr>
+          <p:cNvCxnSpPr>
+            <a:cxnSpLocks/>
+            <a:stCxn id="5" idx="6"/>
+            <a:endCxn id="105" idx="2"/>
+          </p:cNvCxnSpPr>
+          <p:nvPr/>
+        </p:nvCxnSpPr>
+        <p:spPr>
+          <a:xfrm>
+            <a:off x="3471186" y="1459292"/>
+            <a:ext cx="724783" cy="1471277"/>
+          </a:xfrm>
+          <a:prstGeom prst="line">
+            <a:avLst/>
+          </a:prstGeom>
+        </p:spPr>
+        <p:style>
+          <a:lnRef idx="2">
+            <a:schemeClr val="dk1"/>
+          </a:lnRef>
+          <a:fillRef idx="0">
+            <a:schemeClr val="dk1"/>
+          </a:fillRef>
+          <a:effectRef idx="1">
+            <a:schemeClr val="dk1"/>
+          </a:effectRef>
+          <a:fontRef idx="minor">
+            <a:schemeClr val="tx1"/>
+          </a:fontRef>
+        </p:style>
+      </p:cxnSp>
+      <p:cxnSp>
+        <p:nvCxnSpPr>
+          <p:cNvPr id="92" name="Straight Connector 91">
+            <a:extLst>
+              <a:ext uri="{FF2B5EF4-FFF2-40B4-BE49-F238E27FC236}">
+                <a16:creationId xmlns:a16="http://schemas.microsoft.com/office/drawing/2014/main" id="{BD4C097C-DD33-4910-A647-15A8CF9B7F30}"/>
+              </a:ext>
+            </a:extLst>
+          </p:cNvPr>
+          <p:cNvCxnSpPr>
+            <a:cxnSpLocks/>
+            <a:stCxn id="5" idx="6"/>
+            <a:endCxn id="127" idx="2"/>
+          </p:cNvCxnSpPr>
+          <p:nvPr/>
+        </p:nvCxnSpPr>
+        <p:spPr>
+          <a:xfrm>
+            <a:off x="3471186" y="1459292"/>
+            <a:ext cx="723568" cy="1931204"/>
+          </a:xfrm>
+          <a:prstGeom prst="line">
+            <a:avLst/>
+          </a:prstGeom>
+        </p:spPr>
+        <p:style>
+          <a:lnRef idx="2">
+            <a:schemeClr val="dk1"/>
+          </a:lnRef>
+          <a:fillRef idx="0">
+            <a:schemeClr val="dk1"/>
+          </a:fillRef>
+          <a:effectRef idx="1">
+            <a:schemeClr val="dk1"/>
+          </a:effectRef>
+          <a:fontRef idx="minor">
+            <a:schemeClr val="tx1"/>
+          </a:fontRef>
+        </p:style>
+      </p:cxnSp>
+      <p:cxnSp>
+        <p:nvCxnSpPr>
+          <p:cNvPr id="95" name="Straight Connector 94">
+            <a:extLst>
+              <a:ext uri="{FF2B5EF4-FFF2-40B4-BE49-F238E27FC236}">
+                <a16:creationId xmlns:a16="http://schemas.microsoft.com/office/drawing/2014/main" id="{E347F744-A1EF-43FB-9F74-546FD74BD3F9}"/>
+              </a:ext>
+            </a:extLst>
+          </p:cNvPr>
+          <p:cNvCxnSpPr>
+            <a:cxnSpLocks/>
+            <a:stCxn id="5" idx="6"/>
+            <a:endCxn id="159" idx="2"/>
+          </p:cNvCxnSpPr>
+          <p:nvPr/>
+        </p:nvCxnSpPr>
+        <p:spPr>
+          <a:xfrm>
+            <a:off x="3471186" y="1459292"/>
+            <a:ext cx="718950" cy="2620210"/>
+          </a:xfrm>
+          <a:prstGeom prst="line">
+            <a:avLst/>
+          </a:prstGeom>
+        </p:spPr>
+        <p:style>
+          <a:lnRef idx="2">
+            <a:schemeClr val="dk1"/>
+          </a:lnRef>
+          <a:fillRef idx="0">
+            <a:schemeClr val="dk1"/>
+          </a:fillRef>
+          <a:effectRef idx="1">
+            <a:schemeClr val="dk1"/>
+          </a:effectRef>
+          <a:fontRef idx="minor">
+            <a:schemeClr val="tx1"/>
+          </a:fontRef>
+        </p:style>
+      </p:cxnSp>
+      <p:cxnSp>
+        <p:nvCxnSpPr>
+          <p:cNvPr id="98" name="Straight Connector 97">
+            <a:extLst>
+              <a:ext uri="{FF2B5EF4-FFF2-40B4-BE49-F238E27FC236}">
+                <a16:creationId xmlns:a16="http://schemas.microsoft.com/office/drawing/2014/main" id="{FDBAD923-5D85-4AEA-A116-91AAF11726D7}"/>
+              </a:ext>
+            </a:extLst>
+          </p:cNvPr>
+          <p:cNvCxnSpPr>
+            <a:cxnSpLocks/>
+            <a:stCxn id="35" idx="6"/>
+            <a:endCxn id="34" idx="2"/>
+          </p:cNvCxnSpPr>
+          <p:nvPr/>
+        </p:nvCxnSpPr>
+        <p:spPr>
+          <a:xfrm flipV="1">
+            <a:off x="3475718" y="1459292"/>
+            <a:ext cx="716797" cy="471867"/>
+          </a:xfrm>
+          <a:prstGeom prst="line">
+            <a:avLst/>
+          </a:prstGeom>
+        </p:spPr>
+        <p:style>
+          <a:lnRef idx="2">
+            <a:schemeClr val="dk1"/>
+          </a:lnRef>
+          <a:fillRef idx="0">
+            <a:schemeClr val="dk1"/>
+          </a:fillRef>
+          <a:effectRef idx="1">
+            <a:schemeClr val="dk1"/>
+          </a:effectRef>
+          <a:fontRef idx="minor">
+            <a:schemeClr val="tx1"/>
+          </a:fontRef>
+        </p:style>
+      </p:cxnSp>
+      <p:cxnSp>
+        <p:nvCxnSpPr>
+          <p:cNvPr id="101" name="Straight Connector 100">
+            <a:extLst>
+              <a:ext uri="{FF2B5EF4-FFF2-40B4-BE49-F238E27FC236}">
+                <a16:creationId xmlns:a16="http://schemas.microsoft.com/office/drawing/2014/main" id="{682854FE-FFDB-41E2-90BB-36D2A552904B}"/>
+              </a:ext>
+            </a:extLst>
+          </p:cNvPr>
+          <p:cNvCxnSpPr>
+            <a:cxnSpLocks/>
+            <a:stCxn id="35" idx="6"/>
+            <a:endCxn id="141" idx="2"/>
+          </p:cNvCxnSpPr>
+          <p:nvPr/>
+        </p:nvCxnSpPr>
+        <p:spPr>
+          <a:xfrm>
+            <a:off x="3475718" y="1931159"/>
+            <a:ext cx="714418" cy="528748"/>
+          </a:xfrm>
+          <a:prstGeom prst="line">
+            <a:avLst/>
+          </a:prstGeom>
+        </p:spPr>
+        <p:style>
+          <a:lnRef idx="2">
+            <a:schemeClr val="dk1"/>
+          </a:lnRef>
+          <a:fillRef idx="0">
+            <a:schemeClr val="dk1"/>
+          </a:fillRef>
+          <a:effectRef idx="1">
+            <a:schemeClr val="dk1"/>
+          </a:effectRef>
+          <a:fontRef idx="minor">
+            <a:schemeClr val="tx1"/>
+          </a:fontRef>
+        </p:style>
+      </p:cxnSp>
+      <p:cxnSp>
+        <p:nvCxnSpPr>
+          <p:cNvPr id="104" name="Straight Connector 103">
+            <a:extLst>
+              <a:ext uri="{FF2B5EF4-FFF2-40B4-BE49-F238E27FC236}">
+                <a16:creationId xmlns:a16="http://schemas.microsoft.com/office/drawing/2014/main" id="{4A7BEAF8-6F29-4AA9-9F07-2C9B7CC136F2}"/>
+              </a:ext>
+            </a:extLst>
+          </p:cNvPr>
+          <p:cNvCxnSpPr>
+            <a:cxnSpLocks/>
+            <a:stCxn id="35" idx="6"/>
+            <a:endCxn id="105" idx="2"/>
+          </p:cNvCxnSpPr>
+          <p:nvPr/>
+        </p:nvCxnSpPr>
+        <p:spPr>
+          <a:xfrm>
+            <a:off x="3475718" y="1931159"/>
+            <a:ext cx="720251" cy="999410"/>
+          </a:xfrm>
+          <a:prstGeom prst="line">
+            <a:avLst/>
+          </a:prstGeom>
+        </p:spPr>
+        <p:style>
+          <a:lnRef idx="2">
+            <a:schemeClr val="dk1"/>
+          </a:lnRef>
+          <a:fillRef idx="0">
+            <a:schemeClr val="dk1"/>
+          </a:fillRef>
+          <a:effectRef idx="1">
+            <a:schemeClr val="dk1"/>
+          </a:effectRef>
+          <a:fontRef idx="minor">
+            <a:schemeClr val="tx1"/>
+          </a:fontRef>
+        </p:style>
+      </p:cxnSp>
+      <p:cxnSp>
+        <p:nvCxnSpPr>
+          <p:cNvPr id="107" name="Straight Connector 106">
+            <a:extLst>
+              <a:ext uri="{FF2B5EF4-FFF2-40B4-BE49-F238E27FC236}">
+                <a16:creationId xmlns:a16="http://schemas.microsoft.com/office/drawing/2014/main" id="{414D9D24-44CA-4EAA-8FB4-617EBF5F3D97}"/>
+              </a:ext>
+            </a:extLst>
+          </p:cNvPr>
+          <p:cNvCxnSpPr>
+            <a:cxnSpLocks/>
+            <a:stCxn id="35" idx="6"/>
+            <a:endCxn id="127" idx="2"/>
+          </p:cNvCxnSpPr>
+          <p:nvPr/>
+        </p:nvCxnSpPr>
+        <p:spPr>
+          <a:xfrm>
+            <a:off x="3475718" y="1931159"/>
+            <a:ext cx="719036" cy="1459337"/>
+          </a:xfrm>
+          <a:prstGeom prst="line">
+            <a:avLst/>
+          </a:prstGeom>
+        </p:spPr>
+        <p:style>
+          <a:lnRef idx="2">
+            <a:schemeClr val="dk1"/>
+          </a:lnRef>
+          <a:fillRef idx="0">
+            <a:schemeClr val="dk1"/>
+          </a:fillRef>
+          <a:effectRef idx="1">
+            <a:schemeClr val="dk1"/>
+          </a:effectRef>
+          <a:fontRef idx="minor">
+            <a:schemeClr val="tx1"/>
+          </a:fontRef>
+        </p:style>
+      </p:cxnSp>
+      <p:cxnSp>
+        <p:nvCxnSpPr>
+          <p:cNvPr id="110" name="Straight Connector 109">
+            <a:extLst>
+              <a:ext uri="{FF2B5EF4-FFF2-40B4-BE49-F238E27FC236}">
+                <a16:creationId xmlns:a16="http://schemas.microsoft.com/office/drawing/2014/main" id="{307A334D-63C1-4DDE-B2E9-57B327978060}"/>
+              </a:ext>
+            </a:extLst>
+          </p:cNvPr>
+          <p:cNvCxnSpPr>
+            <a:cxnSpLocks/>
+            <a:stCxn id="35" idx="6"/>
+            <a:endCxn id="159" idx="2"/>
+          </p:cNvCxnSpPr>
+          <p:nvPr/>
+        </p:nvCxnSpPr>
+        <p:spPr>
+          <a:xfrm>
+            <a:off x="3475718" y="1931159"/>
+            <a:ext cx="714418" cy="2148343"/>
+          </a:xfrm>
+          <a:prstGeom prst="line">
+            <a:avLst/>
+          </a:prstGeom>
+        </p:spPr>
+        <p:style>
+          <a:lnRef idx="2">
+            <a:schemeClr val="dk1"/>
+          </a:lnRef>
+          <a:fillRef idx="0">
+            <a:schemeClr val="dk1"/>
+          </a:fillRef>
+          <a:effectRef idx="1">
+            <a:schemeClr val="dk1"/>
+          </a:effectRef>
+          <a:fontRef idx="minor">
+            <a:schemeClr val="tx1"/>
+          </a:fontRef>
+        </p:style>
+      </p:cxnSp>
+      <p:cxnSp>
+        <p:nvCxnSpPr>
+          <p:cNvPr id="113" name="Straight Connector 112">
+            <a:extLst>
+              <a:ext uri="{FF2B5EF4-FFF2-40B4-BE49-F238E27FC236}">
+                <a16:creationId xmlns:a16="http://schemas.microsoft.com/office/drawing/2014/main" id="{D5662F36-AB99-452A-92C8-C922F77BBA82}"/>
+              </a:ext>
+            </a:extLst>
+          </p:cNvPr>
+          <p:cNvCxnSpPr>
+            <a:cxnSpLocks/>
+            <a:stCxn id="36" idx="6"/>
+            <a:endCxn id="34" idx="2"/>
+          </p:cNvCxnSpPr>
+          <p:nvPr/>
+        </p:nvCxnSpPr>
+        <p:spPr>
+          <a:xfrm flipV="1">
+            <a:off x="3468841" y="1459292"/>
+            <a:ext cx="723674" cy="997323"/>
+          </a:xfrm>
+          <a:prstGeom prst="line">
+            <a:avLst/>
+          </a:prstGeom>
+        </p:spPr>
+        <p:style>
+          <a:lnRef idx="2">
+            <a:schemeClr val="dk1"/>
+          </a:lnRef>
+          <a:fillRef idx="0">
+            <a:schemeClr val="dk1"/>
+          </a:fillRef>
+          <a:effectRef idx="1">
+            <a:schemeClr val="dk1"/>
+          </a:effectRef>
+          <a:fontRef idx="minor">
+            <a:schemeClr val="tx1"/>
+          </a:fontRef>
+        </p:style>
+      </p:cxnSp>
+      <p:cxnSp>
+        <p:nvCxnSpPr>
+          <p:cNvPr id="116" name="Straight Connector 115">
+            <a:extLst>
+              <a:ext uri="{FF2B5EF4-FFF2-40B4-BE49-F238E27FC236}">
+                <a16:creationId xmlns:a16="http://schemas.microsoft.com/office/drawing/2014/main" id="{156C38E8-59B2-4BC9-86F6-21E1B60CAC3F}"/>
+              </a:ext>
+            </a:extLst>
+          </p:cNvPr>
+          <p:cNvCxnSpPr>
+            <a:cxnSpLocks/>
+            <a:stCxn id="36" idx="6"/>
+            <a:endCxn id="126" idx="2"/>
+          </p:cNvCxnSpPr>
+          <p:nvPr/>
+        </p:nvCxnSpPr>
+        <p:spPr>
+          <a:xfrm flipV="1">
+            <a:off x="3468841" y="1931159"/>
+            <a:ext cx="721295" cy="525456"/>
+          </a:xfrm>
+          <a:prstGeom prst="line">
+            <a:avLst/>
+          </a:prstGeom>
+        </p:spPr>
+        <p:style>
+          <a:lnRef idx="2">
+            <a:schemeClr val="dk1"/>
+          </a:lnRef>
+          <a:fillRef idx="0">
+            <a:schemeClr val="dk1"/>
+          </a:fillRef>
+          <a:effectRef idx="1">
+            <a:schemeClr val="dk1"/>
+          </a:effectRef>
+          <a:fontRef idx="minor">
+            <a:schemeClr val="tx1"/>
+          </a:fontRef>
+        </p:style>
+      </p:cxnSp>
+      <p:cxnSp>
+        <p:nvCxnSpPr>
+          <p:cNvPr id="119" name="Straight Connector 118">
+            <a:extLst>
+              <a:ext uri="{FF2B5EF4-FFF2-40B4-BE49-F238E27FC236}">
+                <a16:creationId xmlns:a16="http://schemas.microsoft.com/office/drawing/2014/main" id="{057FE8C0-A2DC-4121-B9AC-1987E9BC0469}"/>
+              </a:ext>
+            </a:extLst>
+          </p:cNvPr>
+          <p:cNvCxnSpPr>
+            <a:cxnSpLocks/>
+            <a:stCxn id="36" idx="6"/>
+            <a:endCxn id="105" idx="2"/>
+          </p:cNvCxnSpPr>
+          <p:nvPr/>
+        </p:nvCxnSpPr>
+        <p:spPr>
+          <a:xfrm>
+            <a:off x="3468841" y="2456615"/>
+            <a:ext cx="727128" cy="473954"/>
+          </a:xfrm>
+          <a:prstGeom prst="line">
+            <a:avLst/>
+          </a:prstGeom>
+        </p:spPr>
+        <p:style>
+          <a:lnRef idx="2">
+            <a:schemeClr val="dk1"/>
+          </a:lnRef>
+          <a:fillRef idx="0">
+            <a:schemeClr val="dk1"/>
+          </a:fillRef>
+          <a:effectRef idx="1">
+            <a:schemeClr val="dk1"/>
+          </a:effectRef>
+          <a:fontRef idx="minor">
+            <a:schemeClr val="tx1"/>
+          </a:fontRef>
+        </p:style>
+      </p:cxnSp>
+      <p:cxnSp>
+        <p:nvCxnSpPr>
+          <p:cNvPr id="122" name="Straight Connector 121">
+            <a:extLst>
+              <a:ext uri="{FF2B5EF4-FFF2-40B4-BE49-F238E27FC236}">
+                <a16:creationId xmlns:a16="http://schemas.microsoft.com/office/drawing/2014/main" id="{E0878C74-D607-4808-A1EF-73F87D35E834}"/>
+              </a:ext>
+            </a:extLst>
+          </p:cNvPr>
+          <p:cNvCxnSpPr>
+            <a:cxnSpLocks/>
+            <a:stCxn id="36" idx="6"/>
+            <a:endCxn id="127" idx="2"/>
+          </p:cNvCxnSpPr>
+          <p:nvPr/>
+        </p:nvCxnSpPr>
+        <p:spPr>
+          <a:xfrm>
+            <a:off x="3468841" y="2456615"/>
+            <a:ext cx="725913" cy="933881"/>
+          </a:xfrm>
+          <a:prstGeom prst="line">
+            <a:avLst/>
+          </a:prstGeom>
+        </p:spPr>
+        <p:style>
+          <a:lnRef idx="2">
+            <a:schemeClr val="dk1"/>
+          </a:lnRef>
+          <a:fillRef idx="0">
+            <a:schemeClr val="dk1"/>
+          </a:fillRef>
+          <a:effectRef idx="1">
+            <a:schemeClr val="dk1"/>
+          </a:effectRef>
+          <a:fontRef idx="minor">
+            <a:schemeClr val="tx1"/>
+          </a:fontRef>
+        </p:style>
+      </p:cxnSp>
+      <p:cxnSp>
+        <p:nvCxnSpPr>
+          <p:cNvPr id="128" name="Straight Connector 127">
+            <a:extLst>
+              <a:ext uri="{FF2B5EF4-FFF2-40B4-BE49-F238E27FC236}">
+                <a16:creationId xmlns:a16="http://schemas.microsoft.com/office/drawing/2014/main" id="{46536D65-5ECB-4C60-9128-C8C7C7028018}"/>
+              </a:ext>
+            </a:extLst>
+          </p:cNvPr>
+          <p:cNvCxnSpPr>
+            <a:cxnSpLocks/>
+            <a:endCxn id="159" idx="2"/>
+          </p:cNvCxnSpPr>
+          <p:nvPr/>
+        </p:nvCxnSpPr>
+        <p:spPr>
+          <a:xfrm>
+            <a:off x="3484345" y="2473693"/>
+            <a:ext cx="705791" cy="1605809"/>
+          </a:xfrm>
+          <a:prstGeom prst="line">
+            <a:avLst/>
+          </a:prstGeom>
+        </p:spPr>
+        <p:style>
+          <a:lnRef idx="2">
+            <a:schemeClr val="dk1"/>
+          </a:lnRef>
+          <a:fillRef idx="0">
+            <a:schemeClr val="dk1"/>
+          </a:fillRef>
+          <a:effectRef idx="1">
+            <a:schemeClr val="dk1"/>
+          </a:effectRef>
+          <a:fontRef idx="minor">
+            <a:schemeClr val="tx1"/>
+          </a:fontRef>
+        </p:style>
+      </p:cxnSp>
+      <p:cxnSp>
+        <p:nvCxnSpPr>
+          <p:cNvPr id="129" name="Straight Connector 128">
+            <a:extLst>
+              <a:ext uri="{FF2B5EF4-FFF2-40B4-BE49-F238E27FC236}">
+                <a16:creationId xmlns:a16="http://schemas.microsoft.com/office/drawing/2014/main" id="{C741987B-7A85-4265-8277-2DBD8ACD0756}"/>
+              </a:ext>
+            </a:extLst>
+          </p:cNvPr>
+          <p:cNvCxnSpPr>
+            <a:cxnSpLocks/>
+            <a:stCxn id="37" idx="6"/>
+            <a:endCxn id="34" idx="2"/>
+          </p:cNvCxnSpPr>
+          <p:nvPr/>
+        </p:nvCxnSpPr>
+        <p:spPr>
+          <a:xfrm flipV="1">
+            <a:off x="3461565" y="1459292"/>
+            <a:ext cx="730950" cy="1474151"/>
+          </a:xfrm>
+          <a:prstGeom prst="line">
+            <a:avLst/>
+          </a:prstGeom>
+        </p:spPr>
+        <p:style>
+          <a:lnRef idx="2">
+            <a:schemeClr val="dk1"/>
+          </a:lnRef>
+          <a:fillRef idx="0">
+            <a:schemeClr val="dk1"/>
+          </a:fillRef>
+          <a:effectRef idx="1">
+            <a:schemeClr val="dk1"/>
+          </a:effectRef>
+          <a:fontRef idx="minor">
+            <a:schemeClr val="tx1"/>
+          </a:fontRef>
+        </p:style>
+      </p:cxnSp>
+      <p:cxnSp>
+        <p:nvCxnSpPr>
+          <p:cNvPr id="131" name="Straight Connector 130">
+            <a:extLst>
+              <a:ext uri="{FF2B5EF4-FFF2-40B4-BE49-F238E27FC236}">
+                <a16:creationId xmlns:a16="http://schemas.microsoft.com/office/drawing/2014/main" id="{B6297709-9EE9-4B11-8189-07DBFE45D7AE}"/>
+              </a:ext>
+            </a:extLst>
+          </p:cNvPr>
+          <p:cNvCxnSpPr>
+            <a:cxnSpLocks/>
+            <a:stCxn id="37" idx="6"/>
+            <a:endCxn id="126" idx="2"/>
+          </p:cNvCxnSpPr>
+          <p:nvPr/>
+        </p:nvCxnSpPr>
+        <p:spPr>
+          <a:xfrm flipV="1">
+            <a:off x="3461565" y="1931159"/>
+            <a:ext cx="728571" cy="1002284"/>
+          </a:xfrm>
+          <a:prstGeom prst="line">
+            <a:avLst/>
+          </a:prstGeom>
+        </p:spPr>
+        <p:style>
+          <a:lnRef idx="2">
+            <a:schemeClr val="dk1"/>
+          </a:lnRef>
+          <a:fillRef idx="0">
+            <a:schemeClr val="dk1"/>
+          </a:fillRef>
+          <a:effectRef idx="1">
+            <a:schemeClr val="dk1"/>
+          </a:effectRef>
+          <a:fontRef idx="minor">
+            <a:schemeClr val="tx1"/>
+          </a:fontRef>
+        </p:style>
+      </p:cxnSp>
+      <p:cxnSp>
+        <p:nvCxnSpPr>
+          <p:cNvPr id="134" name="Straight Connector 133">
+            <a:extLst>
+              <a:ext uri="{FF2B5EF4-FFF2-40B4-BE49-F238E27FC236}">
+                <a16:creationId xmlns:a16="http://schemas.microsoft.com/office/drawing/2014/main" id="{5BBA6B6A-723F-453B-A228-83067BA01290}"/>
+              </a:ext>
+            </a:extLst>
+          </p:cNvPr>
+          <p:cNvCxnSpPr>
+            <a:cxnSpLocks/>
+            <a:stCxn id="37" idx="6"/>
+            <a:endCxn id="141" idx="2"/>
+          </p:cNvCxnSpPr>
+          <p:nvPr/>
+        </p:nvCxnSpPr>
+        <p:spPr>
+          <a:xfrm flipV="1">
+            <a:off x="3461565" y="2459907"/>
+            <a:ext cx="728571" cy="473536"/>
+          </a:xfrm>
+          <a:prstGeom prst="line">
+            <a:avLst/>
+          </a:prstGeom>
+        </p:spPr>
+        <p:style>
+          <a:lnRef idx="2">
+            <a:schemeClr val="dk1"/>
+          </a:lnRef>
+          <a:fillRef idx="0">
+            <a:schemeClr val="dk1"/>
+          </a:fillRef>
+          <a:effectRef idx="1">
+            <a:schemeClr val="dk1"/>
+          </a:effectRef>
+          <a:fontRef idx="minor">
+            <a:schemeClr val="tx1"/>
+          </a:fontRef>
+        </p:style>
+      </p:cxnSp>
+      <p:cxnSp>
+        <p:nvCxnSpPr>
+          <p:cNvPr id="137" name="Straight Connector 136">
+            <a:extLst>
+              <a:ext uri="{FF2B5EF4-FFF2-40B4-BE49-F238E27FC236}">
+                <a16:creationId xmlns:a16="http://schemas.microsoft.com/office/drawing/2014/main" id="{D18CFEB5-E4CF-4D4C-A8D0-D72E690B0177}"/>
+              </a:ext>
+            </a:extLst>
+          </p:cNvPr>
+          <p:cNvCxnSpPr>
+            <a:cxnSpLocks/>
+            <a:stCxn id="37" idx="6"/>
+            <a:endCxn id="127" idx="2"/>
+          </p:cNvCxnSpPr>
+          <p:nvPr/>
+        </p:nvCxnSpPr>
+        <p:spPr>
+          <a:xfrm>
+            <a:off x="3461565" y="2933443"/>
+            <a:ext cx="733189" cy="457053"/>
+          </a:xfrm>
+          <a:prstGeom prst="line">
+            <a:avLst/>
+          </a:prstGeom>
+        </p:spPr>
+        <p:style>
+          <a:lnRef idx="2">
+            <a:schemeClr val="dk1"/>
+          </a:lnRef>
+          <a:fillRef idx="0">
+            <a:schemeClr val="dk1"/>
+          </a:fillRef>
+          <a:effectRef idx="1">
+            <a:schemeClr val="dk1"/>
+          </a:effectRef>
+          <a:fontRef idx="minor">
+            <a:schemeClr val="tx1"/>
+          </a:fontRef>
+        </p:style>
+      </p:cxnSp>
+      <p:cxnSp>
+        <p:nvCxnSpPr>
+          <p:cNvPr id="140" name="Straight Connector 139">
+            <a:extLst>
+              <a:ext uri="{FF2B5EF4-FFF2-40B4-BE49-F238E27FC236}">
+                <a16:creationId xmlns:a16="http://schemas.microsoft.com/office/drawing/2014/main" id="{A2F6E746-269E-4080-B02C-309A55E5B6A0}"/>
+              </a:ext>
+            </a:extLst>
+          </p:cNvPr>
+          <p:cNvCxnSpPr>
+            <a:cxnSpLocks/>
+            <a:stCxn id="37" idx="6"/>
+            <a:endCxn id="159" idx="2"/>
+          </p:cNvCxnSpPr>
+          <p:nvPr/>
+        </p:nvCxnSpPr>
+        <p:spPr>
+          <a:xfrm>
+            <a:off x="3461565" y="2933443"/>
+            <a:ext cx="728571" cy="1146059"/>
+          </a:xfrm>
+          <a:prstGeom prst="line">
+            <a:avLst/>
+          </a:prstGeom>
+        </p:spPr>
+        <p:style>
+          <a:lnRef idx="2">
+            <a:schemeClr val="dk1"/>
+          </a:lnRef>
+          <a:fillRef idx="0">
+            <a:schemeClr val="dk1"/>
+          </a:fillRef>
+          <a:effectRef idx="1">
+            <a:schemeClr val="dk1"/>
+          </a:effectRef>
+          <a:fontRef idx="minor">
+            <a:schemeClr val="tx1"/>
+          </a:fontRef>
+        </p:style>
+      </p:cxnSp>
+      <p:cxnSp>
+        <p:nvCxnSpPr>
+          <p:cNvPr id="143" name="Straight Connector 142">
+            <a:extLst>
+              <a:ext uri="{FF2B5EF4-FFF2-40B4-BE49-F238E27FC236}">
+                <a16:creationId xmlns:a16="http://schemas.microsoft.com/office/drawing/2014/main" id="{D0A4DC34-6C0C-41CC-A236-FB0BBE81399C}"/>
+              </a:ext>
+            </a:extLst>
+          </p:cNvPr>
+          <p:cNvCxnSpPr>
+            <a:cxnSpLocks/>
+            <a:stCxn id="38" idx="6"/>
+            <a:endCxn id="34" idx="2"/>
+          </p:cNvCxnSpPr>
+          <p:nvPr/>
+        </p:nvCxnSpPr>
+        <p:spPr>
+          <a:xfrm flipV="1">
+            <a:off x="3472305" y="1459292"/>
+            <a:ext cx="720210" cy="1931203"/>
+          </a:xfrm>
+          <a:prstGeom prst="line">
+            <a:avLst/>
+          </a:prstGeom>
+        </p:spPr>
+        <p:style>
+          <a:lnRef idx="2">
+            <a:schemeClr val="dk1"/>
+          </a:lnRef>
+          <a:fillRef idx="0">
+            <a:schemeClr val="dk1"/>
+          </a:fillRef>
+          <a:effectRef idx="1">
+            <a:schemeClr val="dk1"/>
+          </a:effectRef>
+          <a:fontRef idx="minor">
+            <a:schemeClr val="tx1"/>
+          </a:fontRef>
+        </p:style>
+      </p:cxnSp>
+      <p:cxnSp>
+        <p:nvCxnSpPr>
+          <p:cNvPr id="146" name="Straight Connector 145">
+            <a:extLst>
+              <a:ext uri="{FF2B5EF4-FFF2-40B4-BE49-F238E27FC236}">
+                <a16:creationId xmlns:a16="http://schemas.microsoft.com/office/drawing/2014/main" id="{717CF032-BC6F-4D48-B502-E6DC29DC1458}"/>
+              </a:ext>
+            </a:extLst>
+          </p:cNvPr>
+          <p:cNvCxnSpPr>
+            <a:cxnSpLocks/>
+            <a:stCxn id="38" idx="6"/>
+            <a:endCxn id="126" idx="2"/>
+          </p:cNvCxnSpPr>
+          <p:nvPr/>
+        </p:nvCxnSpPr>
+        <p:spPr>
+          <a:xfrm flipV="1">
+            <a:off x="3472305" y="1931159"/>
+            <a:ext cx="717831" cy="1459336"/>
+          </a:xfrm>
+          <a:prstGeom prst="line">
+            <a:avLst/>
+          </a:prstGeom>
+        </p:spPr>
+        <p:style>
+          <a:lnRef idx="2">
+            <a:schemeClr val="dk1"/>
+          </a:lnRef>
+          <a:fillRef idx="0">
+            <a:schemeClr val="dk1"/>
+          </a:fillRef>
+          <a:effectRef idx="1">
+            <a:schemeClr val="dk1"/>
+          </a:effectRef>
+          <a:fontRef idx="minor">
+            <a:schemeClr val="tx1"/>
+          </a:fontRef>
+        </p:style>
+      </p:cxnSp>
+      <p:cxnSp>
+        <p:nvCxnSpPr>
+          <p:cNvPr id="149" name="Straight Connector 148">
+            <a:extLst>
+              <a:ext uri="{FF2B5EF4-FFF2-40B4-BE49-F238E27FC236}">
+                <a16:creationId xmlns:a16="http://schemas.microsoft.com/office/drawing/2014/main" id="{7B74278A-3F6A-478F-8125-BA117DB842E8}"/>
+              </a:ext>
+            </a:extLst>
+          </p:cNvPr>
+          <p:cNvCxnSpPr>
+            <a:cxnSpLocks/>
+            <a:stCxn id="38" idx="6"/>
+            <a:endCxn id="141" idx="2"/>
+          </p:cNvCxnSpPr>
+          <p:nvPr/>
+        </p:nvCxnSpPr>
+        <p:spPr>
+          <a:xfrm flipV="1">
+            <a:off x="3472305" y="2459907"/>
+            <a:ext cx="717831" cy="930588"/>
+          </a:xfrm>
+          <a:prstGeom prst="line">
+            <a:avLst/>
+          </a:prstGeom>
+        </p:spPr>
+        <p:style>
+          <a:lnRef idx="2">
+            <a:schemeClr val="dk1"/>
+          </a:lnRef>
+          <a:fillRef idx="0">
+            <a:schemeClr val="dk1"/>
+          </a:fillRef>
+          <a:effectRef idx="1">
+            <a:schemeClr val="dk1"/>
+          </a:effectRef>
+          <a:fontRef idx="minor">
+            <a:schemeClr val="tx1"/>
+          </a:fontRef>
+        </p:style>
+      </p:cxnSp>
+      <p:cxnSp>
+        <p:nvCxnSpPr>
+          <p:cNvPr id="152" name="Straight Connector 151">
+            <a:extLst>
+              <a:ext uri="{FF2B5EF4-FFF2-40B4-BE49-F238E27FC236}">
+                <a16:creationId xmlns:a16="http://schemas.microsoft.com/office/drawing/2014/main" id="{05EF95F8-FC68-43DA-B42D-5516843037C8}"/>
+              </a:ext>
+            </a:extLst>
+          </p:cNvPr>
+          <p:cNvCxnSpPr>
+            <a:cxnSpLocks/>
+            <a:stCxn id="38" idx="6"/>
+            <a:endCxn id="105" idx="2"/>
+          </p:cNvCxnSpPr>
+          <p:nvPr/>
+        </p:nvCxnSpPr>
+        <p:spPr>
+          <a:xfrm flipV="1">
+            <a:off x="3472305" y="2930569"/>
+            <a:ext cx="723664" cy="459926"/>
+          </a:xfrm>
+          <a:prstGeom prst="line">
+            <a:avLst/>
+          </a:prstGeom>
+        </p:spPr>
+        <p:style>
+          <a:lnRef idx="2">
+            <a:schemeClr val="dk1"/>
+          </a:lnRef>
+          <a:fillRef idx="0">
+            <a:schemeClr val="dk1"/>
+          </a:fillRef>
+          <a:effectRef idx="1">
+            <a:schemeClr val="dk1"/>
+          </a:effectRef>
+          <a:fontRef idx="minor">
+            <a:schemeClr val="tx1"/>
+          </a:fontRef>
+        </p:style>
+      </p:cxnSp>
+      <p:cxnSp>
+        <p:nvCxnSpPr>
+          <p:cNvPr id="155" name="Straight Connector 154">
+            <a:extLst>
+              <a:ext uri="{FF2B5EF4-FFF2-40B4-BE49-F238E27FC236}">
+                <a16:creationId xmlns:a16="http://schemas.microsoft.com/office/drawing/2014/main" id="{114DD8FB-3677-4DBB-9111-94778AD76845}"/>
+              </a:ext>
+            </a:extLst>
+          </p:cNvPr>
+          <p:cNvCxnSpPr>
+            <a:cxnSpLocks/>
+            <a:stCxn id="38" idx="6"/>
+            <a:endCxn id="159" idx="2"/>
+          </p:cNvCxnSpPr>
+          <p:nvPr/>
+        </p:nvCxnSpPr>
+        <p:spPr>
+          <a:xfrm>
+            <a:off x="3472305" y="3390495"/>
+            <a:ext cx="717831" cy="689007"/>
+          </a:xfrm>
+          <a:prstGeom prst="line">
+            <a:avLst/>
+          </a:prstGeom>
+        </p:spPr>
+        <p:style>
+          <a:lnRef idx="2">
+            <a:schemeClr val="dk1"/>
+          </a:lnRef>
+          <a:fillRef idx="0">
+            <a:schemeClr val="dk1"/>
+          </a:fillRef>
+          <a:effectRef idx="1">
+            <a:schemeClr val="dk1"/>
+          </a:effectRef>
+          <a:fontRef idx="minor">
+            <a:schemeClr val="tx1"/>
+          </a:fontRef>
+        </p:style>
+      </p:cxnSp>
+      <p:cxnSp>
+        <p:nvCxnSpPr>
+          <p:cNvPr id="161" name="Straight Connector 160">
+            <a:extLst>
+              <a:ext uri="{FF2B5EF4-FFF2-40B4-BE49-F238E27FC236}">
+                <a16:creationId xmlns:a16="http://schemas.microsoft.com/office/drawing/2014/main" id="{6A6E47BC-3BB5-4F65-AB92-C83BF567CFD9}"/>
+              </a:ext>
+            </a:extLst>
+          </p:cNvPr>
+          <p:cNvCxnSpPr>
+            <a:cxnSpLocks/>
+            <a:stCxn id="41" idx="6"/>
+          </p:cNvCxnSpPr>
+          <p:nvPr/>
+        </p:nvCxnSpPr>
+        <p:spPr>
+          <a:xfrm flipV="1">
+            <a:off x="3475241" y="1478440"/>
+            <a:ext cx="700198" cy="2601062"/>
+          </a:xfrm>
+          <a:prstGeom prst="line">
+            <a:avLst/>
+          </a:prstGeom>
+        </p:spPr>
+        <p:style>
+          <a:lnRef idx="2">
+            <a:schemeClr val="dk1"/>
+          </a:lnRef>
+          <a:fillRef idx="0">
+            <a:schemeClr val="dk1"/>
+          </a:fillRef>
+          <a:effectRef idx="1">
+            <a:schemeClr val="dk1"/>
+          </a:effectRef>
+          <a:fontRef idx="minor">
+            <a:schemeClr val="tx1"/>
+          </a:fontRef>
+        </p:style>
+      </p:cxnSp>
+      <p:cxnSp>
+        <p:nvCxnSpPr>
+          <p:cNvPr id="163" name="Straight Connector 162">
+            <a:extLst>
+              <a:ext uri="{FF2B5EF4-FFF2-40B4-BE49-F238E27FC236}">
+                <a16:creationId xmlns:a16="http://schemas.microsoft.com/office/drawing/2014/main" id="{0E6886DB-07F7-4E88-951A-B1F01B2098AD}"/>
+              </a:ext>
+            </a:extLst>
+          </p:cNvPr>
+          <p:cNvCxnSpPr>
+            <a:cxnSpLocks/>
+            <a:stCxn id="41" idx="6"/>
+          </p:cNvCxnSpPr>
+          <p:nvPr/>
+        </p:nvCxnSpPr>
+        <p:spPr>
+          <a:xfrm flipV="1">
+            <a:off x="3475241" y="1921203"/>
+            <a:ext cx="698273" cy="2158299"/>
+          </a:xfrm>
+          <a:prstGeom prst="line">
+            <a:avLst/>
+          </a:prstGeom>
+        </p:spPr>
+        <p:style>
+          <a:lnRef idx="2">
+            <a:schemeClr val="dk1"/>
+          </a:lnRef>
+          <a:fillRef idx="0">
+            <a:schemeClr val="dk1"/>
+          </a:fillRef>
+          <a:effectRef idx="1">
+            <a:schemeClr val="dk1"/>
+          </a:effectRef>
+          <a:fontRef idx="minor">
+            <a:schemeClr val="tx1"/>
+          </a:fontRef>
+        </p:style>
+      </p:cxnSp>
+      <p:cxnSp>
+        <p:nvCxnSpPr>
+          <p:cNvPr id="176" name="Straight Connector 175">
+            <a:extLst>
+              <a:ext uri="{FF2B5EF4-FFF2-40B4-BE49-F238E27FC236}">
+                <a16:creationId xmlns:a16="http://schemas.microsoft.com/office/drawing/2014/main" id="{C7B5BA38-887C-41B4-A778-2CCF84D6A041}"/>
+              </a:ext>
+            </a:extLst>
+          </p:cNvPr>
+          <p:cNvCxnSpPr>
+            <a:cxnSpLocks/>
+            <a:stCxn id="41" idx="6"/>
+            <a:endCxn id="141" idx="2"/>
+          </p:cNvCxnSpPr>
+          <p:nvPr/>
+        </p:nvCxnSpPr>
+        <p:spPr>
+          <a:xfrm flipV="1">
+            <a:off x="3475241" y="2459907"/>
+            <a:ext cx="714895" cy="1619595"/>
+          </a:xfrm>
+          <a:prstGeom prst="line">
+            <a:avLst/>
+          </a:prstGeom>
+        </p:spPr>
+        <p:style>
+          <a:lnRef idx="2">
+            <a:schemeClr val="dk1"/>
+          </a:lnRef>
+          <a:fillRef idx="0">
+            <a:schemeClr val="dk1"/>
+          </a:fillRef>
+          <a:effectRef idx="1">
+            <a:schemeClr val="dk1"/>
+          </a:effectRef>
+          <a:fontRef idx="minor">
+            <a:schemeClr val="tx1"/>
+          </a:fontRef>
+        </p:style>
+      </p:cxnSp>
+      <p:cxnSp>
+        <p:nvCxnSpPr>
+          <p:cNvPr id="178" name="Straight Connector 177">
+            <a:extLst>
+              <a:ext uri="{FF2B5EF4-FFF2-40B4-BE49-F238E27FC236}">
+                <a16:creationId xmlns:a16="http://schemas.microsoft.com/office/drawing/2014/main" id="{F97C2567-1464-4629-9B07-479E36D77946}"/>
+              </a:ext>
+            </a:extLst>
+          </p:cNvPr>
+          <p:cNvCxnSpPr>
+            <a:cxnSpLocks/>
+            <a:stCxn id="41" idx="6"/>
+            <a:endCxn id="105" idx="2"/>
+          </p:cNvCxnSpPr>
+          <p:nvPr/>
+        </p:nvCxnSpPr>
+        <p:spPr>
+          <a:xfrm flipV="1">
+            <a:off x="3475241" y="2930569"/>
+            <a:ext cx="720728" cy="1148933"/>
+          </a:xfrm>
+          <a:prstGeom prst="line">
+            <a:avLst/>
+          </a:prstGeom>
+        </p:spPr>
+        <p:style>
+          <a:lnRef idx="2">
+            <a:schemeClr val="dk1"/>
+          </a:lnRef>
+          <a:fillRef idx="0">
+            <a:schemeClr val="dk1"/>
+          </a:fillRef>
+          <a:effectRef idx="1">
+            <a:schemeClr val="dk1"/>
+          </a:effectRef>
+          <a:fontRef idx="minor">
+            <a:schemeClr val="tx1"/>
+          </a:fontRef>
+        </p:style>
+      </p:cxnSp>
+      <p:cxnSp>
+        <p:nvCxnSpPr>
+          <p:cNvPr id="179" name="Straight Connector 178">
+            <a:extLst>
+              <a:ext uri="{FF2B5EF4-FFF2-40B4-BE49-F238E27FC236}">
+                <a16:creationId xmlns:a16="http://schemas.microsoft.com/office/drawing/2014/main" id="{3A6B690B-4F2B-46F3-B6B8-634D59227099}"/>
+              </a:ext>
+            </a:extLst>
+          </p:cNvPr>
+          <p:cNvCxnSpPr>
+            <a:cxnSpLocks/>
+            <a:stCxn id="41" idx="6"/>
+            <a:endCxn id="127" idx="2"/>
+          </p:cNvCxnSpPr>
+          <p:nvPr/>
+        </p:nvCxnSpPr>
+        <p:spPr>
+          <a:xfrm flipV="1">
+            <a:off x="3475241" y="3390496"/>
+            <a:ext cx="719513" cy="689006"/>
+          </a:xfrm>
+          <a:prstGeom prst="line">
+            <a:avLst/>
+          </a:prstGeom>
+        </p:spPr>
+        <p:style>
+          <a:lnRef idx="2">
+            <a:schemeClr val="dk1"/>
+          </a:lnRef>
+          <a:fillRef idx="0">
+            <a:schemeClr val="dk1"/>
+          </a:fillRef>
+          <a:effectRef idx="1">
+            <a:schemeClr val="dk1"/>
+          </a:effectRef>
+          <a:fontRef idx="minor">
+            <a:schemeClr val="tx1"/>
+          </a:fontRef>
+        </p:style>
+      </p:cxnSp>
+      <p:sp>
+        <p:nvSpPr>
+          <p:cNvPr id="5" name="Oval 4">
+            <a:extLst>
+              <a:ext uri="{FF2B5EF4-FFF2-40B4-BE49-F238E27FC236}">
+                <a16:creationId xmlns:a16="http://schemas.microsoft.com/office/drawing/2014/main" id="{58E8FBCC-18D7-E675-B374-9E9B0A0BE234}"/>
               </a:ext>
             </a:extLst>
           </p:cNvPr>
@@ -10604,7 +12264,7 @@
         </p:nvSpPr>
         <p:spPr>
           <a:xfrm>
-            <a:off x="4195969" y="2836634"/>
+            <a:off x="3280438" y="1365357"/>
             <a:ext cx="190748" cy="187869"/>
           </a:xfrm>
           <a:prstGeom prst="ellipse">
@@ -10646,10 +12306,10 @@
       </p:sp>
       <p:sp>
         <p:nvSpPr>
-          <p:cNvPr id="118" name="Oval 117">
-            <a:extLst>
-              <a:ext uri="{FF2B5EF4-FFF2-40B4-BE49-F238E27FC236}">
-                <a16:creationId xmlns:a16="http://schemas.microsoft.com/office/drawing/2014/main" id="{A0EE7E18-552A-7E53-39DB-612D008E933D}"/>
+          <p:cNvPr id="35" name="Oval 34">
+            <a:extLst>
+              <a:ext uri="{FF2B5EF4-FFF2-40B4-BE49-F238E27FC236}">
+                <a16:creationId xmlns:a16="http://schemas.microsoft.com/office/drawing/2014/main" id="{440F073C-37C1-2740-9DC5-4CB2E7FD430D}"/>
               </a:ext>
             </a:extLst>
           </p:cNvPr>
@@ -10658,8 +12318,8 @@
         </p:nvSpPr>
         <p:spPr>
           <a:xfrm>
-            <a:off x="5028578" y="2743767"/>
-            <a:ext cx="181077" cy="187869"/>
+            <a:off x="3284970" y="1837224"/>
+            <a:ext cx="190748" cy="187869"/>
           </a:xfrm>
           <a:prstGeom prst="ellipse">
             <a:avLst/>
@@ -10700,142 +12360,19 @@
       </p:sp>
       <p:sp>
         <p:nvSpPr>
-          <p:cNvPr id="123" name="TextBox 122">
-            <a:extLst>
-              <a:ext uri="{FF2B5EF4-FFF2-40B4-BE49-F238E27FC236}">
-                <a16:creationId xmlns:a16="http://schemas.microsoft.com/office/drawing/2014/main" id="{5C20B89B-623B-A2A5-DDCC-D96A80B563A9}"/>
-              </a:ext>
-            </a:extLst>
-          </p:cNvPr>
-          <p:cNvSpPr txBox="1"/>
+          <p:cNvPr id="36" name="Oval 35">
+            <a:extLst>
+              <a:ext uri="{FF2B5EF4-FFF2-40B4-BE49-F238E27FC236}">
+                <a16:creationId xmlns:a16="http://schemas.microsoft.com/office/drawing/2014/main" id="{C94D57C6-3367-AA9F-D6F8-0B84DC671639}"/>
+              </a:ext>
+            </a:extLst>
+          </p:cNvPr>
+          <p:cNvSpPr/>
           <p:nvPr/>
         </p:nvSpPr>
         <p:spPr>
           <a:xfrm>
-            <a:off x="4070583" y="1080101"/>
-            <a:ext cx="433137" cy="276999"/>
-          </a:xfrm>
-          <a:prstGeom prst="rect">
-            <a:avLst/>
-          </a:prstGeom>
-          <a:noFill/>
-        </p:spPr>
-        <p:txBody>
-          <a:bodyPr wrap="square" rtlCol="0">
-            <a:spAutoFit/>
-          </a:bodyPr>
-          <a:lstStyle/>
-          <a:p>
-            <a:r>
-              <a:rPr lang="en-US" sz="1200" dirty="0">
-                <a:solidFill>
-                  <a:schemeClr val="tx2"/>
-                </a:solidFill>
-                <a:latin typeface="Calibri" panose="020F0502020204030204" pitchFamily="34" charset="0"/>
-                <a:cs typeface="Calibri" panose="020F0502020204030204" pitchFamily="34" charset="0"/>
-              </a:rPr>
-              <a:t>[32]</a:t>
-            </a:r>
-          </a:p>
-        </p:txBody>
-      </p:sp>
-      <p:sp>
-        <p:nvSpPr>
-          <p:cNvPr id="124" name="TextBox 123">
-            <a:extLst>
-              <a:ext uri="{FF2B5EF4-FFF2-40B4-BE49-F238E27FC236}">
-                <a16:creationId xmlns:a16="http://schemas.microsoft.com/office/drawing/2014/main" id="{5FB641A4-C307-A3EB-DB95-5C31D5F5478F}"/>
-              </a:ext>
-            </a:extLst>
-          </p:cNvPr>
-          <p:cNvSpPr txBox="1"/>
-          <p:nvPr/>
-        </p:nvSpPr>
-        <p:spPr>
-          <a:xfrm>
-            <a:off x="4898238" y="945407"/>
-            <a:ext cx="433137" cy="276999"/>
-          </a:xfrm>
-          <a:prstGeom prst="rect">
-            <a:avLst/>
-          </a:prstGeom>
-          <a:noFill/>
-        </p:spPr>
-        <p:txBody>
-          <a:bodyPr wrap="square" rtlCol="0">
-            <a:spAutoFit/>
-          </a:bodyPr>
-          <a:lstStyle/>
-          <a:p>
-            <a:r>
-              <a:rPr lang="en-US" sz="1200" dirty="0">
-                <a:solidFill>
-                  <a:schemeClr val="tx2"/>
-                </a:solidFill>
-                <a:latin typeface="Calibri" panose="020F0502020204030204" pitchFamily="34" charset="0"/>
-                <a:cs typeface="Calibri" panose="020F0502020204030204" pitchFamily="34" charset="0"/>
-              </a:rPr>
-              <a:t>[64]</a:t>
-            </a:r>
-          </a:p>
-        </p:txBody>
-      </p:sp>
-      <p:sp>
-        <p:nvSpPr>
-          <p:cNvPr id="125" name="TextBox 124">
-            <a:extLst>
-              <a:ext uri="{FF2B5EF4-FFF2-40B4-BE49-F238E27FC236}">
-                <a16:creationId xmlns:a16="http://schemas.microsoft.com/office/drawing/2014/main" id="{BB9AEB79-2CD3-D21E-624E-6EAFCE673A70}"/>
-              </a:ext>
-            </a:extLst>
-          </p:cNvPr>
-          <p:cNvSpPr txBox="1"/>
-          <p:nvPr/>
-        </p:nvSpPr>
-        <p:spPr>
-          <a:xfrm>
-            <a:off x="5891362" y="2177143"/>
-            <a:ext cx="433137" cy="276999"/>
-          </a:xfrm>
-          <a:prstGeom prst="rect">
-            <a:avLst/>
-          </a:prstGeom>
-          <a:noFill/>
-        </p:spPr>
-        <p:txBody>
-          <a:bodyPr wrap="square" rtlCol="0">
-            <a:spAutoFit/>
-          </a:bodyPr>
-          <a:lstStyle/>
-          <a:p>
-            <a:r>
-              <a:rPr lang="en-US" sz="1200" dirty="0">
-                <a:solidFill>
-                  <a:schemeClr val="tx2"/>
-                </a:solidFill>
-                <a:latin typeface="Calibri" panose="020F0502020204030204" pitchFamily="34" charset="0"/>
-                <a:cs typeface="Calibri" panose="020F0502020204030204" pitchFamily="34" charset="0"/>
-              </a:rPr>
-              <a:t>[1]</a:t>
-            </a:r>
-          </a:p>
-        </p:txBody>
-      </p:sp>
-      <p:sp>
-        <p:nvSpPr>
-          <p:cNvPr id="126" name="Oval 125">
-            <a:extLst>
-              <a:ext uri="{FF2B5EF4-FFF2-40B4-BE49-F238E27FC236}">
-                <a16:creationId xmlns:a16="http://schemas.microsoft.com/office/drawing/2014/main" id="{4CC60E3C-BD55-453C-9547-F14152223480}"/>
-              </a:ext>
-            </a:extLst>
-          </p:cNvPr>
-          <p:cNvSpPr/>
-          <p:nvPr/>
-        </p:nvSpPr>
-        <p:spPr>
-          <a:xfrm>
-            <a:off x="4190136" y="1837224"/>
+            <a:off x="3278093" y="2362680"/>
             <a:ext cx="190748" cy="187869"/>
           </a:xfrm>
           <a:prstGeom prst="ellipse">
@@ -10877,10 +12414,10 @@
       </p:sp>
       <p:sp>
         <p:nvSpPr>
-          <p:cNvPr id="127" name="Oval 126">
-            <a:extLst>
-              <a:ext uri="{FF2B5EF4-FFF2-40B4-BE49-F238E27FC236}">
-                <a16:creationId xmlns:a16="http://schemas.microsoft.com/office/drawing/2014/main" id="{7819F836-6268-D2C6-AE60-991A0FC88524}"/>
+          <p:cNvPr id="37" name="Oval 36">
+            <a:extLst>
+              <a:ext uri="{FF2B5EF4-FFF2-40B4-BE49-F238E27FC236}">
+                <a16:creationId xmlns:a16="http://schemas.microsoft.com/office/drawing/2014/main" id="{DE63694B-2C74-98DD-C924-8017D2C4C4D9}"/>
               </a:ext>
             </a:extLst>
           </p:cNvPr>
@@ -10889,7 +12426,7 @@
         </p:nvSpPr>
         <p:spPr>
           <a:xfrm>
-            <a:off x="4194754" y="3296561"/>
+            <a:off x="3270817" y="2839508"/>
             <a:ext cx="190748" cy="187869"/>
           </a:xfrm>
           <a:prstGeom prst="ellipse">
@@ -10931,10 +12468,10 @@
       </p:sp>
       <p:sp>
         <p:nvSpPr>
-          <p:cNvPr id="141" name="Oval 140">
-            <a:extLst>
-              <a:ext uri="{FF2B5EF4-FFF2-40B4-BE49-F238E27FC236}">
-                <a16:creationId xmlns:a16="http://schemas.microsoft.com/office/drawing/2014/main" id="{392A2749-B3B9-0D82-DD0B-5CE09627BB4F}"/>
+          <p:cNvPr id="38" name="Oval 37">
+            <a:extLst>
+              <a:ext uri="{FF2B5EF4-FFF2-40B4-BE49-F238E27FC236}">
+                <a16:creationId xmlns:a16="http://schemas.microsoft.com/office/drawing/2014/main" id="{7BA9F5CF-0241-2A1D-A011-0D7B303D7DD5}"/>
               </a:ext>
             </a:extLst>
           </p:cNvPr>
@@ -10943,7 +12480,7 @@
         </p:nvSpPr>
         <p:spPr>
           <a:xfrm>
-            <a:off x="4190136" y="2365972"/>
+            <a:off x="3281557" y="3296560"/>
             <a:ext cx="190748" cy="187869"/>
           </a:xfrm>
           <a:prstGeom prst="ellipse">
@@ -10985,10 +12522,10 @@
       </p:sp>
       <p:sp>
         <p:nvSpPr>
-          <p:cNvPr id="159" name="Oval 158">
-            <a:extLst>
-              <a:ext uri="{FF2B5EF4-FFF2-40B4-BE49-F238E27FC236}">
-                <a16:creationId xmlns:a16="http://schemas.microsoft.com/office/drawing/2014/main" id="{45ED4FDF-B7E6-4039-5E41-1717D1751306}"/>
+          <p:cNvPr id="41" name="Oval 40">
+            <a:extLst>
+              <a:ext uri="{FF2B5EF4-FFF2-40B4-BE49-F238E27FC236}">
+                <a16:creationId xmlns:a16="http://schemas.microsoft.com/office/drawing/2014/main" id="{C2A64087-4FDC-05D5-BF20-EDDE27380868}"/>
               </a:ext>
             </a:extLst>
           </p:cNvPr>
@@ -10997,7 +12534,7 @@
         </p:nvSpPr>
         <p:spPr>
           <a:xfrm>
-            <a:off x="4190136" y="3985567"/>
+            <a:off x="3284493" y="3985567"/>
             <a:ext cx="190748" cy="187869"/>
           </a:xfrm>
           <a:prstGeom prst="ellipse">
@@ -11039,24 +12576,624 @@
       </p:sp>
       <p:cxnSp>
         <p:nvCxnSpPr>
-          <p:cNvPr id="160" name="Straight Connector 159">
-            <a:extLst>
-              <a:ext uri="{FF2B5EF4-FFF2-40B4-BE49-F238E27FC236}">
-                <a16:creationId xmlns:a16="http://schemas.microsoft.com/office/drawing/2014/main" id="{8E4271B6-41C2-82FF-D0DA-F76BD4636283}"/>
+          <p:cNvPr id="180" name="Straight Connector 179">
+            <a:extLst>
+              <a:ext uri="{FF2B5EF4-FFF2-40B4-BE49-F238E27FC236}">
+                <a16:creationId xmlns:a16="http://schemas.microsoft.com/office/drawing/2014/main" id="{F2727A1D-C626-44C0-9626-DC8B749AA590}"/>
               </a:ext>
             </a:extLst>
           </p:cNvPr>
           <p:cNvCxnSpPr>
             <a:cxnSpLocks/>
-            <a:stCxn id="41" idx="6"/>
-            <a:endCxn id="159" idx="2"/>
+            <a:stCxn id="34" idx="6"/>
+            <a:endCxn id="166" idx="2"/>
           </p:cNvCxnSpPr>
           <p:nvPr/>
         </p:nvCxnSpPr>
         <p:spPr>
           <a:xfrm>
-            <a:off x="3434815" y="4078245"/>
-            <a:ext cx="755321" cy="1257"/>
+            <a:off x="4383263" y="1459292"/>
+            <a:ext cx="651179" cy="372991"/>
+          </a:xfrm>
+          <a:prstGeom prst="line">
+            <a:avLst/>
+          </a:prstGeom>
+        </p:spPr>
+        <p:style>
+          <a:lnRef idx="2">
+            <a:schemeClr val="dk1"/>
+          </a:lnRef>
+          <a:fillRef idx="0">
+            <a:schemeClr val="dk1"/>
+          </a:fillRef>
+          <a:effectRef idx="1">
+            <a:schemeClr val="dk1"/>
+          </a:effectRef>
+          <a:fontRef idx="minor">
+            <a:schemeClr val="tx1"/>
+          </a:fontRef>
+        </p:style>
+      </p:cxnSp>
+      <p:cxnSp>
+        <p:nvCxnSpPr>
+          <p:cNvPr id="182" name="Straight Connector 181">
+            <a:extLst>
+              <a:ext uri="{FF2B5EF4-FFF2-40B4-BE49-F238E27FC236}">
+                <a16:creationId xmlns:a16="http://schemas.microsoft.com/office/drawing/2014/main" id="{2DB8005E-3B27-4FEC-95BE-A641FB9ECFF7}"/>
+              </a:ext>
+            </a:extLst>
+          </p:cNvPr>
+          <p:cNvCxnSpPr>
+            <a:cxnSpLocks/>
+            <a:stCxn id="34" idx="6"/>
+            <a:endCxn id="167" idx="2"/>
+          </p:cNvCxnSpPr>
+          <p:nvPr/>
+        </p:nvCxnSpPr>
+        <p:spPr>
+          <a:xfrm>
+            <a:off x="4383263" y="1459292"/>
+            <a:ext cx="652293" cy="626304"/>
+          </a:xfrm>
+          <a:prstGeom prst="line">
+            <a:avLst/>
+          </a:prstGeom>
+        </p:spPr>
+        <p:style>
+          <a:lnRef idx="2">
+            <a:schemeClr val="dk1"/>
+          </a:lnRef>
+          <a:fillRef idx="0">
+            <a:schemeClr val="dk1"/>
+          </a:fillRef>
+          <a:effectRef idx="1">
+            <a:schemeClr val="dk1"/>
+          </a:effectRef>
+          <a:fontRef idx="minor">
+            <a:schemeClr val="tx1"/>
+          </a:fontRef>
+        </p:style>
+      </p:cxnSp>
+      <p:cxnSp>
+        <p:nvCxnSpPr>
+          <p:cNvPr id="183" name="Straight Connector 182">
+            <a:extLst>
+              <a:ext uri="{FF2B5EF4-FFF2-40B4-BE49-F238E27FC236}">
+                <a16:creationId xmlns:a16="http://schemas.microsoft.com/office/drawing/2014/main" id="{44AB72B4-D8BB-487F-B5BA-2E532C97B428}"/>
+              </a:ext>
+            </a:extLst>
+          </p:cNvPr>
+          <p:cNvCxnSpPr>
+            <a:cxnSpLocks/>
+            <a:stCxn id="34" idx="6"/>
+            <a:endCxn id="168" idx="2"/>
+          </p:cNvCxnSpPr>
+          <p:nvPr/>
+        </p:nvCxnSpPr>
+        <p:spPr>
+          <a:xfrm>
+            <a:off x="4383263" y="1459292"/>
+            <a:ext cx="647719" cy="906681"/>
+          </a:xfrm>
+          <a:prstGeom prst="line">
+            <a:avLst/>
+          </a:prstGeom>
+        </p:spPr>
+        <p:style>
+          <a:lnRef idx="2">
+            <a:schemeClr val="dk1"/>
+          </a:lnRef>
+          <a:fillRef idx="0">
+            <a:schemeClr val="dk1"/>
+          </a:fillRef>
+          <a:effectRef idx="1">
+            <a:schemeClr val="dk1"/>
+          </a:effectRef>
+          <a:fontRef idx="minor">
+            <a:schemeClr val="tx1"/>
+          </a:fontRef>
+        </p:style>
+      </p:cxnSp>
+      <p:cxnSp>
+        <p:nvCxnSpPr>
+          <p:cNvPr id="185" name="Straight Connector 184">
+            <a:extLst>
+              <a:ext uri="{FF2B5EF4-FFF2-40B4-BE49-F238E27FC236}">
+                <a16:creationId xmlns:a16="http://schemas.microsoft.com/office/drawing/2014/main" id="{F08217D2-4FD5-4917-9E54-06508C0BF39E}"/>
+              </a:ext>
+            </a:extLst>
+          </p:cNvPr>
+          <p:cNvCxnSpPr>
+            <a:cxnSpLocks/>
+            <a:stCxn id="34" idx="6"/>
+            <a:endCxn id="169" idx="2"/>
+          </p:cNvCxnSpPr>
+          <p:nvPr/>
+        </p:nvCxnSpPr>
+        <p:spPr>
+          <a:xfrm>
+            <a:off x="4383263" y="1459292"/>
+            <a:ext cx="645593" cy="1153726"/>
+          </a:xfrm>
+          <a:prstGeom prst="line">
+            <a:avLst/>
+          </a:prstGeom>
+        </p:spPr>
+        <p:style>
+          <a:lnRef idx="2">
+            <a:schemeClr val="dk1"/>
+          </a:lnRef>
+          <a:fillRef idx="0">
+            <a:schemeClr val="dk1"/>
+          </a:fillRef>
+          <a:effectRef idx="1">
+            <a:schemeClr val="dk1"/>
+          </a:effectRef>
+          <a:fontRef idx="minor">
+            <a:schemeClr val="tx1"/>
+          </a:fontRef>
+        </p:style>
+      </p:cxnSp>
+      <p:cxnSp>
+        <p:nvCxnSpPr>
+          <p:cNvPr id="187" name="Straight Connector 186">
+            <a:extLst>
+              <a:ext uri="{FF2B5EF4-FFF2-40B4-BE49-F238E27FC236}">
+                <a16:creationId xmlns:a16="http://schemas.microsoft.com/office/drawing/2014/main" id="{F120C584-0762-4476-95D6-9152EB7E71B9}"/>
+              </a:ext>
+            </a:extLst>
+          </p:cNvPr>
+          <p:cNvCxnSpPr>
+            <a:cxnSpLocks/>
+            <a:stCxn id="34" idx="6"/>
+            <a:endCxn id="118" idx="2"/>
+          </p:cNvCxnSpPr>
+          <p:nvPr/>
+        </p:nvCxnSpPr>
+        <p:spPr>
+          <a:xfrm>
+            <a:off x="4383263" y="1459292"/>
+            <a:ext cx="645315" cy="1378410"/>
+          </a:xfrm>
+          <a:prstGeom prst="line">
+            <a:avLst/>
+          </a:prstGeom>
+        </p:spPr>
+        <p:style>
+          <a:lnRef idx="2">
+            <a:schemeClr val="dk1"/>
+          </a:lnRef>
+          <a:fillRef idx="0">
+            <a:schemeClr val="dk1"/>
+          </a:fillRef>
+          <a:effectRef idx="1">
+            <a:schemeClr val="dk1"/>
+          </a:effectRef>
+          <a:fontRef idx="minor">
+            <a:schemeClr val="tx1"/>
+          </a:fontRef>
+        </p:style>
+      </p:cxnSp>
+      <p:cxnSp>
+        <p:nvCxnSpPr>
+          <p:cNvPr id="190" name="Straight Connector 189">
+            <a:extLst>
+              <a:ext uri="{FF2B5EF4-FFF2-40B4-BE49-F238E27FC236}">
+                <a16:creationId xmlns:a16="http://schemas.microsoft.com/office/drawing/2014/main" id="{6679B11F-6A4C-4E46-97C1-B121EA4CA3DC}"/>
+              </a:ext>
+            </a:extLst>
+          </p:cNvPr>
+          <p:cNvCxnSpPr>
+            <a:cxnSpLocks/>
+            <a:stCxn id="34" idx="6"/>
+            <a:endCxn id="170" idx="2"/>
+          </p:cNvCxnSpPr>
+          <p:nvPr/>
+        </p:nvCxnSpPr>
+        <p:spPr>
+          <a:xfrm>
+            <a:off x="4383263" y="1459292"/>
+            <a:ext cx="645315" cy="1639100"/>
+          </a:xfrm>
+          <a:prstGeom prst="line">
+            <a:avLst/>
+          </a:prstGeom>
+        </p:spPr>
+        <p:style>
+          <a:lnRef idx="2">
+            <a:schemeClr val="dk1"/>
+          </a:lnRef>
+          <a:fillRef idx="0">
+            <a:schemeClr val="dk1"/>
+          </a:fillRef>
+          <a:effectRef idx="1">
+            <a:schemeClr val="dk1"/>
+          </a:effectRef>
+          <a:fontRef idx="minor">
+            <a:schemeClr val="tx1"/>
+          </a:fontRef>
+        </p:style>
+      </p:cxnSp>
+      <p:cxnSp>
+        <p:nvCxnSpPr>
+          <p:cNvPr id="193" name="Straight Connector 192">
+            <a:extLst>
+              <a:ext uri="{FF2B5EF4-FFF2-40B4-BE49-F238E27FC236}">
+                <a16:creationId xmlns:a16="http://schemas.microsoft.com/office/drawing/2014/main" id="{EA21F844-103A-48DF-992C-04C357AA2742}"/>
+              </a:ext>
+            </a:extLst>
+          </p:cNvPr>
+          <p:cNvCxnSpPr>
+            <a:cxnSpLocks/>
+            <a:stCxn id="34" idx="6"/>
+            <a:endCxn id="171" idx="2"/>
+          </p:cNvCxnSpPr>
+          <p:nvPr/>
+        </p:nvCxnSpPr>
+        <p:spPr>
+          <a:xfrm>
+            <a:off x="4383263" y="1459292"/>
+            <a:ext cx="656747" cy="1868531"/>
+          </a:xfrm>
+          <a:prstGeom prst="line">
+            <a:avLst/>
+          </a:prstGeom>
+        </p:spPr>
+        <p:style>
+          <a:lnRef idx="2">
+            <a:schemeClr val="dk1"/>
+          </a:lnRef>
+          <a:fillRef idx="0">
+            <a:schemeClr val="dk1"/>
+          </a:fillRef>
+          <a:effectRef idx="1">
+            <a:schemeClr val="dk1"/>
+          </a:effectRef>
+          <a:fontRef idx="minor">
+            <a:schemeClr val="tx1"/>
+          </a:fontRef>
+        </p:style>
+      </p:cxnSp>
+      <p:cxnSp>
+        <p:nvCxnSpPr>
+          <p:cNvPr id="199" name="Straight Connector 198">
+            <a:extLst>
+              <a:ext uri="{FF2B5EF4-FFF2-40B4-BE49-F238E27FC236}">
+                <a16:creationId xmlns:a16="http://schemas.microsoft.com/office/drawing/2014/main" id="{8A6E25DF-7FE5-42C7-8B32-A2E5589E21FF}"/>
+              </a:ext>
+            </a:extLst>
+          </p:cNvPr>
+          <p:cNvCxnSpPr>
+            <a:cxnSpLocks/>
+            <a:stCxn id="34" idx="6"/>
+            <a:endCxn id="173" idx="2"/>
+          </p:cNvCxnSpPr>
+          <p:nvPr/>
+        </p:nvCxnSpPr>
+        <p:spPr>
+          <a:xfrm>
+            <a:off x="4383263" y="1459292"/>
+            <a:ext cx="654637" cy="2561503"/>
+          </a:xfrm>
+          <a:prstGeom prst="line">
+            <a:avLst/>
+          </a:prstGeom>
+        </p:spPr>
+        <p:style>
+          <a:lnRef idx="2">
+            <a:schemeClr val="dk1"/>
+          </a:lnRef>
+          <a:fillRef idx="0">
+            <a:schemeClr val="dk1"/>
+          </a:fillRef>
+          <a:effectRef idx="1">
+            <a:schemeClr val="dk1"/>
+          </a:effectRef>
+          <a:fontRef idx="minor">
+            <a:schemeClr val="tx1"/>
+          </a:fontRef>
+        </p:style>
+      </p:cxnSp>
+      <p:cxnSp>
+        <p:nvCxnSpPr>
+          <p:cNvPr id="202" name="Straight Connector 201">
+            <a:extLst>
+              <a:ext uri="{FF2B5EF4-FFF2-40B4-BE49-F238E27FC236}">
+                <a16:creationId xmlns:a16="http://schemas.microsoft.com/office/drawing/2014/main" id="{8823BDA1-5833-4725-B566-0C22F3E77C4E}"/>
+              </a:ext>
+            </a:extLst>
+          </p:cNvPr>
+          <p:cNvCxnSpPr>
+            <a:cxnSpLocks/>
+            <a:stCxn id="34" idx="6"/>
+            <a:endCxn id="175" idx="2"/>
+          </p:cNvCxnSpPr>
+          <p:nvPr/>
+        </p:nvCxnSpPr>
+        <p:spPr>
+          <a:xfrm>
+            <a:off x="4383263" y="1459292"/>
+            <a:ext cx="654636" cy="2775059"/>
+          </a:xfrm>
+          <a:prstGeom prst="line">
+            <a:avLst/>
+          </a:prstGeom>
+        </p:spPr>
+        <p:style>
+          <a:lnRef idx="2">
+            <a:schemeClr val="dk1"/>
+          </a:lnRef>
+          <a:fillRef idx="0">
+            <a:schemeClr val="dk1"/>
+          </a:fillRef>
+          <a:effectRef idx="1">
+            <a:schemeClr val="dk1"/>
+          </a:effectRef>
+          <a:fontRef idx="minor">
+            <a:schemeClr val="tx1"/>
+          </a:fontRef>
+        </p:style>
+      </p:cxnSp>
+      <p:cxnSp>
+        <p:nvCxnSpPr>
+          <p:cNvPr id="205" name="Straight Connector 204">
+            <a:extLst>
+              <a:ext uri="{FF2B5EF4-FFF2-40B4-BE49-F238E27FC236}">
+                <a16:creationId xmlns:a16="http://schemas.microsoft.com/office/drawing/2014/main" id="{5E3B3EE9-9BB6-4472-B40C-AF5DD6D0D571}"/>
+              </a:ext>
+            </a:extLst>
+          </p:cNvPr>
+          <p:cNvCxnSpPr>
+            <a:cxnSpLocks/>
+            <a:stCxn id="126" idx="6"/>
+            <a:endCxn id="42" idx="2"/>
+          </p:cNvCxnSpPr>
+          <p:nvPr/>
+        </p:nvCxnSpPr>
+        <p:spPr>
+          <a:xfrm flipV="1">
+            <a:off x="4380884" y="1355449"/>
+            <a:ext cx="638549" cy="575710"/>
+          </a:xfrm>
+          <a:prstGeom prst="line">
+            <a:avLst/>
+          </a:prstGeom>
+        </p:spPr>
+        <p:style>
+          <a:lnRef idx="2">
+            <a:schemeClr val="dk1"/>
+          </a:lnRef>
+          <a:fillRef idx="0">
+            <a:schemeClr val="dk1"/>
+          </a:fillRef>
+          <a:effectRef idx="1">
+            <a:schemeClr val="dk1"/>
+          </a:effectRef>
+          <a:fontRef idx="minor">
+            <a:schemeClr val="tx1"/>
+          </a:fontRef>
+        </p:style>
+      </p:cxnSp>
+      <p:cxnSp>
+        <p:nvCxnSpPr>
+          <p:cNvPr id="208" name="Straight Connector 207">
+            <a:extLst>
+              <a:ext uri="{FF2B5EF4-FFF2-40B4-BE49-F238E27FC236}">
+                <a16:creationId xmlns:a16="http://schemas.microsoft.com/office/drawing/2014/main" id="{FA8CAA41-92A3-4EAF-9EBE-B330703A70CE}"/>
+              </a:ext>
+            </a:extLst>
+          </p:cNvPr>
+          <p:cNvCxnSpPr>
+            <a:cxnSpLocks/>
+            <a:stCxn id="126" idx="6"/>
+            <a:endCxn id="165" idx="2"/>
+          </p:cNvCxnSpPr>
+          <p:nvPr/>
+        </p:nvCxnSpPr>
+        <p:spPr>
+          <a:xfrm flipV="1">
+            <a:off x="4380884" y="1613407"/>
+            <a:ext cx="651863" cy="317752"/>
+          </a:xfrm>
+          <a:prstGeom prst="line">
+            <a:avLst/>
+          </a:prstGeom>
+        </p:spPr>
+        <p:style>
+          <a:lnRef idx="2">
+            <a:schemeClr val="dk1"/>
+          </a:lnRef>
+          <a:fillRef idx="0">
+            <a:schemeClr val="dk1"/>
+          </a:fillRef>
+          <a:effectRef idx="1">
+            <a:schemeClr val="dk1"/>
+          </a:effectRef>
+          <a:fontRef idx="minor">
+            <a:schemeClr val="tx1"/>
+          </a:fontRef>
+        </p:style>
+      </p:cxnSp>
+      <p:cxnSp>
+        <p:nvCxnSpPr>
+          <p:cNvPr id="211" name="Straight Connector 210">
+            <a:extLst>
+              <a:ext uri="{FF2B5EF4-FFF2-40B4-BE49-F238E27FC236}">
+                <a16:creationId xmlns:a16="http://schemas.microsoft.com/office/drawing/2014/main" id="{C739D5C7-EB9E-452D-ADEA-C8A1297CCBD7}"/>
+              </a:ext>
+            </a:extLst>
+          </p:cNvPr>
+          <p:cNvCxnSpPr>
+            <a:cxnSpLocks/>
+            <a:stCxn id="126" idx="6"/>
+            <a:endCxn id="168" idx="2"/>
+          </p:cNvCxnSpPr>
+          <p:nvPr/>
+        </p:nvCxnSpPr>
+        <p:spPr>
+          <a:xfrm>
+            <a:off x="4380884" y="1931159"/>
+            <a:ext cx="650098" cy="434814"/>
+          </a:xfrm>
+          <a:prstGeom prst="line">
+            <a:avLst/>
+          </a:prstGeom>
+        </p:spPr>
+        <p:style>
+          <a:lnRef idx="2">
+            <a:schemeClr val="dk1"/>
+          </a:lnRef>
+          <a:fillRef idx="0">
+            <a:schemeClr val="dk1"/>
+          </a:fillRef>
+          <a:effectRef idx="1">
+            <a:schemeClr val="dk1"/>
+          </a:effectRef>
+          <a:fontRef idx="minor">
+            <a:schemeClr val="tx1"/>
+          </a:fontRef>
+        </p:style>
+      </p:cxnSp>
+      <p:cxnSp>
+        <p:nvCxnSpPr>
+          <p:cNvPr id="214" name="Straight Connector 213">
+            <a:extLst>
+              <a:ext uri="{FF2B5EF4-FFF2-40B4-BE49-F238E27FC236}">
+                <a16:creationId xmlns:a16="http://schemas.microsoft.com/office/drawing/2014/main" id="{5EB32CB3-74C6-4FCE-AC4B-30A94927B6AF}"/>
+              </a:ext>
+            </a:extLst>
+          </p:cNvPr>
+          <p:cNvCxnSpPr>
+            <a:cxnSpLocks/>
+            <a:stCxn id="126" idx="6"/>
+            <a:endCxn id="169" idx="2"/>
+          </p:cNvCxnSpPr>
+          <p:nvPr/>
+        </p:nvCxnSpPr>
+        <p:spPr>
+          <a:xfrm>
+            <a:off x="4380884" y="1931159"/>
+            <a:ext cx="647972" cy="681859"/>
+          </a:xfrm>
+          <a:prstGeom prst="line">
+            <a:avLst/>
+          </a:prstGeom>
+        </p:spPr>
+        <p:style>
+          <a:lnRef idx="2">
+            <a:schemeClr val="dk1"/>
+          </a:lnRef>
+          <a:fillRef idx="0">
+            <a:schemeClr val="dk1"/>
+          </a:fillRef>
+          <a:effectRef idx="1">
+            <a:schemeClr val="dk1"/>
+          </a:effectRef>
+          <a:fontRef idx="minor">
+            <a:schemeClr val="tx1"/>
+          </a:fontRef>
+        </p:style>
+      </p:cxnSp>
+      <p:cxnSp>
+        <p:nvCxnSpPr>
+          <p:cNvPr id="217" name="Straight Connector 216">
+            <a:extLst>
+              <a:ext uri="{FF2B5EF4-FFF2-40B4-BE49-F238E27FC236}">
+                <a16:creationId xmlns:a16="http://schemas.microsoft.com/office/drawing/2014/main" id="{0456BEF8-8448-4EB3-B31C-76104A19B946}"/>
+              </a:ext>
+            </a:extLst>
+          </p:cNvPr>
+          <p:cNvCxnSpPr>
+            <a:cxnSpLocks/>
+            <a:stCxn id="126" idx="6"/>
+            <a:endCxn id="118" idx="2"/>
+          </p:cNvCxnSpPr>
+          <p:nvPr/>
+        </p:nvCxnSpPr>
+        <p:spPr>
+          <a:xfrm>
+            <a:off x="4380884" y="1931159"/>
+            <a:ext cx="647694" cy="906543"/>
+          </a:xfrm>
+          <a:prstGeom prst="line">
+            <a:avLst/>
+          </a:prstGeom>
+        </p:spPr>
+        <p:style>
+          <a:lnRef idx="2">
+            <a:schemeClr val="dk1"/>
+          </a:lnRef>
+          <a:fillRef idx="0">
+            <a:schemeClr val="dk1"/>
+          </a:fillRef>
+          <a:effectRef idx="1">
+            <a:schemeClr val="dk1"/>
+          </a:effectRef>
+          <a:fontRef idx="minor">
+            <a:schemeClr val="tx1"/>
+          </a:fontRef>
+        </p:style>
+      </p:cxnSp>
+      <p:cxnSp>
+        <p:nvCxnSpPr>
+          <p:cNvPr id="220" name="Straight Connector 219">
+            <a:extLst>
+              <a:ext uri="{FF2B5EF4-FFF2-40B4-BE49-F238E27FC236}">
+                <a16:creationId xmlns:a16="http://schemas.microsoft.com/office/drawing/2014/main" id="{66A356EF-A968-4566-96F1-7A97CEA68BF2}"/>
+              </a:ext>
+            </a:extLst>
+          </p:cNvPr>
+          <p:cNvCxnSpPr>
+            <a:cxnSpLocks/>
+            <a:stCxn id="126" idx="6"/>
+            <a:endCxn id="170" idx="2"/>
+          </p:cNvCxnSpPr>
+          <p:nvPr/>
+        </p:nvCxnSpPr>
+        <p:spPr>
+          <a:xfrm>
+            <a:off x="4380884" y="1931159"/>
+            <a:ext cx="647694" cy="1167233"/>
+          </a:xfrm>
+          <a:prstGeom prst="line">
+            <a:avLst/>
+          </a:prstGeom>
+        </p:spPr>
+        <p:style>
+          <a:lnRef idx="2">
+            <a:schemeClr val="dk1"/>
+          </a:lnRef>
+          <a:fillRef idx="0">
+            <a:schemeClr val="dk1"/>
+          </a:fillRef>
+          <a:effectRef idx="1">
+            <a:schemeClr val="dk1"/>
+          </a:effectRef>
+          <a:fontRef idx="minor">
+            <a:schemeClr val="tx1"/>
+          </a:fontRef>
+        </p:style>
+      </p:cxnSp>
+      <p:cxnSp>
+        <p:nvCxnSpPr>
+          <p:cNvPr id="223" name="Straight Connector 222">
+            <a:extLst>
+              <a:ext uri="{FF2B5EF4-FFF2-40B4-BE49-F238E27FC236}">
+                <a16:creationId xmlns:a16="http://schemas.microsoft.com/office/drawing/2014/main" id="{FC4CCE69-5EEC-4C93-B2E8-3C0AB840285C}"/>
+              </a:ext>
+            </a:extLst>
+          </p:cNvPr>
+          <p:cNvCxnSpPr>
+            <a:cxnSpLocks/>
+            <a:stCxn id="126" idx="6"/>
+            <a:endCxn id="171" idx="2"/>
+          </p:cNvCxnSpPr>
+          <p:nvPr/>
+        </p:nvCxnSpPr>
+        <p:spPr>
+          <a:xfrm>
+            <a:off x="4380884" y="1931159"/>
+            <a:ext cx="659126" cy="1396664"/>
           </a:xfrm>
           <a:prstGeom prst="line">
             <a:avLst/>
@@ -11079,10 +13216,1583 @@
       </p:cxnSp>
       <p:sp>
         <p:nvSpPr>
-          <p:cNvPr id="165" name="Oval 164">
-            <a:extLst>
-              <a:ext uri="{FF2B5EF4-FFF2-40B4-BE49-F238E27FC236}">
-                <a16:creationId xmlns:a16="http://schemas.microsoft.com/office/drawing/2014/main" id="{538BF557-0552-26AF-7790-E5AFD3726184}"/>
+          <p:cNvPr id="227" name="TextBox 226">
+            <a:extLst>
+              <a:ext uri="{FF2B5EF4-FFF2-40B4-BE49-F238E27FC236}">
+                <a16:creationId xmlns:a16="http://schemas.microsoft.com/office/drawing/2014/main" id="{D78A3AA8-AA30-4E5D-801F-7316CC408091}"/>
+              </a:ext>
+            </a:extLst>
+          </p:cNvPr>
+          <p:cNvSpPr txBox="1"/>
+          <p:nvPr/>
+        </p:nvSpPr>
+        <p:spPr>
+          <a:xfrm>
+            <a:off x="4188248" y="3407238"/>
+            <a:ext cx="181669" cy="553998"/>
+          </a:xfrm>
+          <a:prstGeom prst="rect">
+            <a:avLst/>
+          </a:prstGeom>
+          <a:noFill/>
+        </p:spPr>
+        <p:txBody>
+          <a:bodyPr wrap="square" rtlCol="0">
+            <a:spAutoFit/>
+          </a:bodyPr>
+          <a:lstStyle/>
+          <a:p>
+            <a:r>
+              <a:rPr lang="en-US" sz="1000" b="1" dirty="0"/>
+              <a:t>.</a:t>
+            </a:r>
+          </a:p>
+          <a:p>
+            <a:r>
+              <a:rPr lang="en-US" sz="1000" b="1" dirty="0"/>
+              <a:t>.</a:t>
+            </a:r>
+          </a:p>
+          <a:p>
+            <a:r>
+              <a:rPr lang="en-US" sz="1000" b="1" dirty="0"/>
+              <a:t>.</a:t>
+            </a:r>
+          </a:p>
+        </p:txBody>
+      </p:sp>
+      <p:sp>
+        <p:nvSpPr>
+          <p:cNvPr id="234" name="TextBox 233">
+            <a:extLst>
+              <a:ext uri="{FF2B5EF4-FFF2-40B4-BE49-F238E27FC236}">
+                <a16:creationId xmlns:a16="http://schemas.microsoft.com/office/drawing/2014/main" id="{495C0E16-10AF-4028-80E2-E59F5DD4529D}"/>
+              </a:ext>
+            </a:extLst>
+          </p:cNvPr>
+          <p:cNvSpPr txBox="1"/>
+          <p:nvPr/>
+        </p:nvSpPr>
+        <p:spPr>
+          <a:xfrm>
+            <a:off x="5018698" y="3406423"/>
+            <a:ext cx="181669" cy="553998"/>
+          </a:xfrm>
+          <a:prstGeom prst="rect">
+            <a:avLst/>
+          </a:prstGeom>
+          <a:noFill/>
+        </p:spPr>
+        <p:txBody>
+          <a:bodyPr wrap="square" rtlCol="0">
+            <a:spAutoFit/>
+          </a:bodyPr>
+          <a:lstStyle/>
+          <a:p>
+            <a:r>
+              <a:rPr lang="en-US" sz="1000" b="1" dirty="0"/>
+              <a:t>.</a:t>
+            </a:r>
+          </a:p>
+          <a:p>
+            <a:r>
+              <a:rPr lang="en-US" sz="1000" b="1" dirty="0"/>
+              <a:t>.</a:t>
+            </a:r>
+          </a:p>
+          <a:p>
+            <a:r>
+              <a:rPr lang="en-US" sz="1000" b="1" dirty="0"/>
+              <a:t>.</a:t>
+            </a:r>
+          </a:p>
+        </p:txBody>
+      </p:sp>
+      <p:cxnSp>
+        <p:nvCxnSpPr>
+          <p:cNvPr id="235" name="Straight Connector 234">
+            <a:extLst>
+              <a:ext uri="{FF2B5EF4-FFF2-40B4-BE49-F238E27FC236}">
+                <a16:creationId xmlns:a16="http://schemas.microsoft.com/office/drawing/2014/main" id="{2C82DEBE-2478-4A10-A22D-ACA3C4D18C45}"/>
+              </a:ext>
+            </a:extLst>
+          </p:cNvPr>
+          <p:cNvCxnSpPr>
+            <a:cxnSpLocks/>
+            <a:stCxn id="141" idx="6"/>
+            <a:endCxn id="42" idx="2"/>
+          </p:cNvCxnSpPr>
+          <p:nvPr/>
+        </p:nvCxnSpPr>
+        <p:spPr>
+          <a:xfrm flipV="1">
+            <a:off x="4380884" y="1355449"/>
+            <a:ext cx="638549" cy="1104458"/>
+          </a:xfrm>
+          <a:prstGeom prst="line">
+            <a:avLst/>
+          </a:prstGeom>
+        </p:spPr>
+        <p:style>
+          <a:lnRef idx="2">
+            <a:schemeClr val="dk1"/>
+          </a:lnRef>
+          <a:fillRef idx="0">
+            <a:schemeClr val="dk1"/>
+          </a:fillRef>
+          <a:effectRef idx="1">
+            <a:schemeClr val="dk1"/>
+          </a:effectRef>
+          <a:fontRef idx="minor">
+            <a:schemeClr val="tx1"/>
+          </a:fontRef>
+        </p:style>
+      </p:cxnSp>
+      <p:cxnSp>
+        <p:nvCxnSpPr>
+          <p:cNvPr id="238" name="Straight Connector 237">
+            <a:extLst>
+              <a:ext uri="{FF2B5EF4-FFF2-40B4-BE49-F238E27FC236}">
+                <a16:creationId xmlns:a16="http://schemas.microsoft.com/office/drawing/2014/main" id="{EED794E9-5A61-4285-A694-F14FE091277B}"/>
+              </a:ext>
+            </a:extLst>
+          </p:cNvPr>
+          <p:cNvCxnSpPr>
+            <a:cxnSpLocks/>
+            <a:stCxn id="141" idx="6"/>
+            <a:endCxn id="165" idx="2"/>
+          </p:cNvCxnSpPr>
+          <p:nvPr/>
+        </p:nvCxnSpPr>
+        <p:spPr>
+          <a:xfrm flipV="1">
+            <a:off x="4380884" y="1613407"/>
+            <a:ext cx="651863" cy="846500"/>
+          </a:xfrm>
+          <a:prstGeom prst="line">
+            <a:avLst/>
+          </a:prstGeom>
+        </p:spPr>
+        <p:style>
+          <a:lnRef idx="2">
+            <a:schemeClr val="dk1"/>
+          </a:lnRef>
+          <a:fillRef idx="0">
+            <a:schemeClr val="dk1"/>
+          </a:fillRef>
+          <a:effectRef idx="1">
+            <a:schemeClr val="dk1"/>
+          </a:effectRef>
+          <a:fontRef idx="minor">
+            <a:schemeClr val="tx1"/>
+          </a:fontRef>
+        </p:style>
+      </p:cxnSp>
+      <p:cxnSp>
+        <p:nvCxnSpPr>
+          <p:cNvPr id="241" name="Straight Connector 240">
+            <a:extLst>
+              <a:ext uri="{FF2B5EF4-FFF2-40B4-BE49-F238E27FC236}">
+                <a16:creationId xmlns:a16="http://schemas.microsoft.com/office/drawing/2014/main" id="{AA5D5276-61A6-4B3E-BB5F-7946078FC275}"/>
+              </a:ext>
+            </a:extLst>
+          </p:cNvPr>
+          <p:cNvCxnSpPr>
+            <a:cxnSpLocks/>
+            <a:stCxn id="141" idx="6"/>
+            <a:endCxn id="166" idx="2"/>
+          </p:cNvCxnSpPr>
+          <p:nvPr/>
+        </p:nvCxnSpPr>
+        <p:spPr>
+          <a:xfrm flipV="1">
+            <a:off x="4380884" y="1832283"/>
+            <a:ext cx="653558" cy="627624"/>
+          </a:xfrm>
+          <a:prstGeom prst="line">
+            <a:avLst/>
+          </a:prstGeom>
+        </p:spPr>
+        <p:style>
+          <a:lnRef idx="2">
+            <a:schemeClr val="dk1"/>
+          </a:lnRef>
+          <a:fillRef idx="0">
+            <a:schemeClr val="dk1"/>
+          </a:fillRef>
+          <a:effectRef idx="1">
+            <a:schemeClr val="dk1"/>
+          </a:effectRef>
+          <a:fontRef idx="minor">
+            <a:schemeClr val="tx1"/>
+          </a:fontRef>
+        </p:style>
+      </p:cxnSp>
+      <p:cxnSp>
+        <p:nvCxnSpPr>
+          <p:cNvPr id="244" name="Straight Connector 243">
+            <a:extLst>
+              <a:ext uri="{FF2B5EF4-FFF2-40B4-BE49-F238E27FC236}">
+                <a16:creationId xmlns:a16="http://schemas.microsoft.com/office/drawing/2014/main" id="{4904D041-608A-4059-B738-A07CA3770949}"/>
+              </a:ext>
+            </a:extLst>
+          </p:cNvPr>
+          <p:cNvCxnSpPr>
+            <a:cxnSpLocks/>
+            <a:stCxn id="141" idx="6"/>
+            <a:endCxn id="167" idx="2"/>
+          </p:cNvCxnSpPr>
+          <p:nvPr/>
+        </p:nvCxnSpPr>
+        <p:spPr>
+          <a:xfrm flipV="1">
+            <a:off x="4380884" y="2085596"/>
+            <a:ext cx="654672" cy="374311"/>
+          </a:xfrm>
+          <a:prstGeom prst="line">
+            <a:avLst/>
+          </a:prstGeom>
+        </p:spPr>
+        <p:style>
+          <a:lnRef idx="2">
+            <a:schemeClr val="dk1"/>
+          </a:lnRef>
+          <a:fillRef idx="0">
+            <a:schemeClr val="dk1"/>
+          </a:fillRef>
+          <a:effectRef idx="1">
+            <a:schemeClr val="dk1"/>
+          </a:effectRef>
+          <a:fontRef idx="minor">
+            <a:schemeClr val="tx1"/>
+          </a:fontRef>
+        </p:style>
+      </p:cxnSp>
+      <p:cxnSp>
+        <p:nvCxnSpPr>
+          <p:cNvPr id="247" name="Straight Connector 246">
+            <a:extLst>
+              <a:ext uri="{FF2B5EF4-FFF2-40B4-BE49-F238E27FC236}">
+                <a16:creationId xmlns:a16="http://schemas.microsoft.com/office/drawing/2014/main" id="{C5479FF2-E093-432C-8EE9-D6EA025FB997}"/>
+              </a:ext>
+            </a:extLst>
+          </p:cNvPr>
+          <p:cNvCxnSpPr>
+            <a:cxnSpLocks/>
+            <a:stCxn id="141" idx="6"/>
+            <a:endCxn id="118" idx="2"/>
+          </p:cNvCxnSpPr>
+          <p:nvPr/>
+        </p:nvCxnSpPr>
+        <p:spPr>
+          <a:xfrm>
+            <a:off x="4380884" y="2459907"/>
+            <a:ext cx="647694" cy="377795"/>
+          </a:xfrm>
+          <a:prstGeom prst="line">
+            <a:avLst/>
+          </a:prstGeom>
+        </p:spPr>
+        <p:style>
+          <a:lnRef idx="2">
+            <a:schemeClr val="dk1"/>
+          </a:lnRef>
+          <a:fillRef idx="0">
+            <a:schemeClr val="dk1"/>
+          </a:fillRef>
+          <a:effectRef idx="1">
+            <a:schemeClr val="dk1"/>
+          </a:effectRef>
+          <a:fontRef idx="minor">
+            <a:schemeClr val="tx1"/>
+          </a:fontRef>
+        </p:style>
+      </p:cxnSp>
+      <p:cxnSp>
+        <p:nvCxnSpPr>
+          <p:cNvPr id="250" name="Straight Connector 249">
+            <a:extLst>
+              <a:ext uri="{FF2B5EF4-FFF2-40B4-BE49-F238E27FC236}">
+                <a16:creationId xmlns:a16="http://schemas.microsoft.com/office/drawing/2014/main" id="{1E446501-BF4C-4530-99E1-BC4897482B0D}"/>
+              </a:ext>
+            </a:extLst>
+          </p:cNvPr>
+          <p:cNvCxnSpPr>
+            <a:cxnSpLocks/>
+            <a:stCxn id="141" idx="6"/>
+            <a:endCxn id="170" idx="2"/>
+          </p:cNvCxnSpPr>
+          <p:nvPr/>
+        </p:nvCxnSpPr>
+        <p:spPr>
+          <a:xfrm>
+            <a:off x="4380884" y="2459907"/>
+            <a:ext cx="647694" cy="638485"/>
+          </a:xfrm>
+          <a:prstGeom prst="line">
+            <a:avLst/>
+          </a:prstGeom>
+        </p:spPr>
+        <p:style>
+          <a:lnRef idx="2">
+            <a:schemeClr val="dk1"/>
+          </a:lnRef>
+          <a:fillRef idx="0">
+            <a:schemeClr val="dk1"/>
+          </a:fillRef>
+          <a:effectRef idx="1">
+            <a:schemeClr val="dk1"/>
+          </a:effectRef>
+          <a:fontRef idx="minor">
+            <a:schemeClr val="tx1"/>
+          </a:fontRef>
+        </p:style>
+      </p:cxnSp>
+      <p:cxnSp>
+        <p:nvCxnSpPr>
+          <p:cNvPr id="253" name="Straight Connector 252">
+            <a:extLst>
+              <a:ext uri="{FF2B5EF4-FFF2-40B4-BE49-F238E27FC236}">
+                <a16:creationId xmlns:a16="http://schemas.microsoft.com/office/drawing/2014/main" id="{04389274-99FC-4C59-BAB5-0539EF5F8340}"/>
+              </a:ext>
+            </a:extLst>
+          </p:cNvPr>
+          <p:cNvCxnSpPr>
+            <a:cxnSpLocks/>
+            <a:stCxn id="141" idx="6"/>
+            <a:endCxn id="171" idx="2"/>
+          </p:cNvCxnSpPr>
+          <p:nvPr/>
+        </p:nvCxnSpPr>
+        <p:spPr>
+          <a:xfrm>
+            <a:off x="4380884" y="2459907"/>
+            <a:ext cx="659126" cy="867916"/>
+          </a:xfrm>
+          <a:prstGeom prst="line">
+            <a:avLst/>
+          </a:prstGeom>
+        </p:spPr>
+        <p:style>
+          <a:lnRef idx="2">
+            <a:schemeClr val="dk1"/>
+          </a:lnRef>
+          <a:fillRef idx="0">
+            <a:schemeClr val="dk1"/>
+          </a:fillRef>
+          <a:effectRef idx="1">
+            <a:schemeClr val="dk1"/>
+          </a:effectRef>
+          <a:fontRef idx="minor">
+            <a:schemeClr val="tx1"/>
+          </a:fontRef>
+        </p:style>
+      </p:cxnSp>
+      <p:cxnSp>
+        <p:nvCxnSpPr>
+          <p:cNvPr id="256" name="Straight Connector 255">
+            <a:extLst>
+              <a:ext uri="{FF2B5EF4-FFF2-40B4-BE49-F238E27FC236}">
+                <a16:creationId xmlns:a16="http://schemas.microsoft.com/office/drawing/2014/main" id="{364DC226-CD89-4EA1-85FA-7F680F86DDD5}"/>
+              </a:ext>
+            </a:extLst>
+          </p:cNvPr>
+          <p:cNvCxnSpPr>
+            <a:cxnSpLocks/>
+            <a:stCxn id="141" idx="6"/>
+            <a:endCxn id="173" idx="2"/>
+          </p:cNvCxnSpPr>
+          <p:nvPr/>
+        </p:nvCxnSpPr>
+        <p:spPr>
+          <a:xfrm>
+            <a:off x="4380884" y="2459907"/>
+            <a:ext cx="657016" cy="1560888"/>
+          </a:xfrm>
+          <a:prstGeom prst="line">
+            <a:avLst/>
+          </a:prstGeom>
+        </p:spPr>
+        <p:style>
+          <a:lnRef idx="2">
+            <a:schemeClr val="dk1"/>
+          </a:lnRef>
+          <a:fillRef idx="0">
+            <a:schemeClr val="dk1"/>
+          </a:fillRef>
+          <a:effectRef idx="1">
+            <a:schemeClr val="dk1"/>
+          </a:effectRef>
+          <a:fontRef idx="minor">
+            <a:schemeClr val="tx1"/>
+          </a:fontRef>
+        </p:style>
+      </p:cxnSp>
+      <p:cxnSp>
+        <p:nvCxnSpPr>
+          <p:cNvPr id="259" name="Straight Connector 258">
+            <a:extLst>
+              <a:ext uri="{FF2B5EF4-FFF2-40B4-BE49-F238E27FC236}">
+                <a16:creationId xmlns:a16="http://schemas.microsoft.com/office/drawing/2014/main" id="{B8CA579C-C298-4503-9138-5DA74E3EB072}"/>
+              </a:ext>
+            </a:extLst>
+          </p:cNvPr>
+          <p:cNvCxnSpPr>
+            <a:cxnSpLocks/>
+            <a:stCxn id="141" idx="6"/>
+            <a:endCxn id="175" idx="2"/>
+          </p:cNvCxnSpPr>
+          <p:nvPr/>
+        </p:nvCxnSpPr>
+        <p:spPr>
+          <a:xfrm>
+            <a:off x="4380884" y="2459907"/>
+            <a:ext cx="657015" cy="1774444"/>
+          </a:xfrm>
+          <a:prstGeom prst="line">
+            <a:avLst/>
+          </a:prstGeom>
+        </p:spPr>
+        <p:style>
+          <a:lnRef idx="2">
+            <a:schemeClr val="dk1"/>
+          </a:lnRef>
+          <a:fillRef idx="0">
+            <a:schemeClr val="dk1"/>
+          </a:fillRef>
+          <a:effectRef idx="1">
+            <a:schemeClr val="dk1"/>
+          </a:effectRef>
+          <a:fontRef idx="minor">
+            <a:schemeClr val="tx1"/>
+          </a:fontRef>
+        </p:style>
+      </p:cxnSp>
+      <p:cxnSp>
+        <p:nvCxnSpPr>
+          <p:cNvPr id="262" name="Straight Connector 261">
+            <a:extLst>
+              <a:ext uri="{FF2B5EF4-FFF2-40B4-BE49-F238E27FC236}">
+                <a16:creationId xmlns:a16="http://schemas.microsoft.com/office/drawing/2014/main" id="{6DFA51C4-D8E5-4DF2-85C3-7D00F5D583F5}"/>
+              </a:ext>
+            </a:extLst>
+          </p:cNvPr>
+          <p:cNvCxnSpPr>
+            <a:cxnSpLocks/>
+            <a:stCxn id="105" idx="6"/>
+            <a:endCxn id="42" idx="2"/>
+          </p:cNvCxnSpPr>
+          <p:nvPr/>
+        </p:nvCxnSpPr>
+        <p:spPr>
+          <a:xfrm flipV="1">
+            <a:off x="4386717" y="1355449"/>
+            <a:ext cx="632716" cy="1575120"/>
+          </a:xfrm>
+          <a:prstGeom prst="line">
+            <a:avLst/>
+          </a:prstGeom>
+        </p:spPr>
+        <p:style>
+          <a:lnRef idx="2">
+            <a:schemeClr val="dk1"/>
+          </a:lnRef>
+          <a:fillRef idx="0">
+            <a:schemeClr val="dk1"/>
+          </a:fillRef>
+          <a:effectRef idx="1">
+            <a:schemeClr val="dk1"/>
+          </a:effectRef>
+          <a:fontRef idx="minor">
+            <a:schemeClr val="tx1"/>
+          </a:fontRef>
+        </p:style>
+      </p:cxnSp>
+      <p:cxnSp>
+        <p:nvCxnSpPr>
+          <p:cNvPr id="265" name="Straight Connector 264">
+            <a:extLst>
+              <a:ext uri="{FF2B5EF4-FFF2-40B4-BE49-F238E27FC236}">
+                <a16:creationId xmlns:a16="http://schemas.microsoft.com/office/drawing/2014/main" id="{91031EBE-8D18-4E87-A0B3-182ABFFB2303}"/>
+              </a:ext>
+            </a:extLst>
+          </p:cNvPr>
+          <p:cNvCxnSpPr>
+            <a:cxnSpLocks/>
+            <a:stCxn id="105" idx="6"/>
+            <a:endCxn id="165" idx="2"/>
+          </p:cNvCxnSpPr>
+          <p:nvPr/>
+        </p:nvCxnSpPr>
+        <p:spPr>
+          <a:xfrm flipV="1">
+            <a:off x="4386717" y="1613407"/>
+            <a:ext cx="646030" cy="1317162"/>
+          </a:xfrm>
+          <a:prstGeom prst="line">
+            <a:avLst/>
+          </a:prstGeom>
+        </p:spPr>
+        <p:style>
+          <a:lnRef idx="2">
+            <a:schemeClr val="dk1"/>
+          </a:lnRef>
+          <a:fillRef idx="0">
+            <a:schemeClr val="dk1"/>
+          </a:fillRef>
+          <a:effectRef idx="1">
+            <a:schemeClr val="dk1"/>
+          </a:effectRef>
+          <a:fontRef idx="minor">
+            <a:schemeClr val="tx1"/>
+          </a:fontRef>
+        </p:style>
+      </p:cxnSp>
+      <p:cxnSp>
+        <p:nvCxnSpPr>
+          <p:cNvPr id="268" name="Straight Connector 267">
+            <a:extLst>
+              <a:ext uri="{FF2B5EF4-FFF2-40B4-BE49-F238E27FC236}">
+                <a16:creationId xmlns:a16="http://schemas.microsoft.com/office/drawing/2014/main" id="{8AFA12BC-B46B-4B6C-832D-4071DF76D69E}"/>
+              </a:ext>
+            </a:extLst>
+          </p:cNvPr>
+          <p:cNvCxnSpPr>
+            <a:cxnSpLocks/>
+            <a:stCxn id="105" idx="6"/>
+            <a:endCxn id="166" idx="2"/>
+          </p:cNvCxnSpPr>
+          <p:nvPr/>
+        </p:nvCxnSpPr>
+        <p:spPr>
+          <a:xfrm flipV="1">
+            <a:off x="4386717" y="1832283"/>
+            <a:ext cx="647725" cy="1098286"/>
+          </a:xfrm>
+          <a:prstGeom prst="line">
+            <a:avLst/>
+          </a:prstGeom>
+        </p:spPr>
+        <p:style>
+          <a:lnRef idx="2">
+            <a:schemeClr val="dk1"/>
+          </a:lnRef>
+          <a:fillRef idx="0">
+            <a:schemeClr val="dk1"/>
+          </a:fillRef>
+          <a:effectRef idx="1">
+            <a:schemeClr val="dk1"/>
+          </a:effectRef>
+          <a:fontRef idx="minor">
+            <a:schemeClr val="tx1"/>
+          </a:fontRef>
+        </p:style>
+      </p:cxnSp>
+      <p:cxnSp>
+        <p:nvCxnSpPr>
+          <p:cNvPr id="271" name="Straight Connector 270">
+            <a:extLst>
+              <a:ext uri="{FF2B5EF4-FFF2-40B4-BE49-F238E27FC236}">
+                <a16:creationId xmlns:a16="http://schemas.microsoft.com/office/drawing/2014/main" id="{4E89B75D-5E3A-44E0-A53F-DDDF013331D4}"/>
+              </a:ext>
+            </a:extLst>
+          </p:cNvPr>
+          <p:cNvCxnSpPr>
+            <a:cxnSpLocks/>
+            <a:stCxn id="105" idx="6"/>
+            <a:endCxn id="167" idx="2"/>
+          </p:cNvCxnSpPr>
+          <p:nvPr/>
+        </p:nvCxnSpPr>
+        <p:spPr>
+          <a:xfrm flipV="1">
+            <a:off x="4386717" y="2085596"/>
+            <a:ext cx="648839" cy="844973"/>
+          </a:xfrm>
+          <a:prstGeom prst="line">
+            <a:avLst/>
+          </a:prstGeom>
+        </p:spPr>
+        <p:style>
+          <a:lnRef idx="2">
+            <a:schemeClr val="dk1"/>
+          </a:lnRef>
+          <a:fillRef idx="0">
+            <a:schemeClr val="dk1"/>
+          </a:fillRef>
+          <a:effectRef idx="1">
+            <a:schemeClr val="dk1"/>
+          </a:effectRef>
+          <a:fontRef idx="minor">
+            <a:schemeClr val="tx1"/>
+          </a:fontRef>
+        </p:style>
+      </p:cxnSp>
+      <p:cxnSp>
+        <p:nvCxnSpPr>
+          <p:cNvPr id="274" name="Straight Connector 273">
+            <a:extLst>
+              <a:ext uri="{FF2B5EF4-FFF2-40B4-BE49-F238E27FC236}">
+                <a16:creationId xmlns:a16="http://schemas.microsoft.com/office/drawing/2014/main" id="{8ECCB24D-8E56-4345-AD81-0653B4721C34}"/>
+              </a:ext>
+            </a:extLst>
+          </p:cNvPr>
+          <p:cNvCxnSpPr>
+            <a:cxnSpLocks/>
+            <a:stCxn id="105" idx="6"/>
+            <a:endCxn id="168" idx="2"/>
+          </p:cNvCxnSpPr>
+          <p:nvPr/>
+        </p:nvCxnSpPr>
+        <p:spPr>
+          <a:xfrm flipV="1">
+            <a:off x="4386717" y="2365973"/>
+            <a:ext cx="644265" cy="564596"/>
+          </a:xfrm>
+          <a:prstGeom prst="line">
+            <a:avLst/>
+          </a:prstGeom>
+        </p:spPr>
+        <p:style>
+          <a:lnRef idx="2">
+            <a:schemeClr val="dk1"/>
+          </a:lnRef>
+          <a:fillRef idx="0">
+            <a:schemeClr val="dk1"/>
+          </a:fillRef>
+          <a:effectRef idx="1">
+            <a:schemeClr val="dk1"/>
+          </a:effectRef>
+          <a:fontRef idx="minor">
+            <a:schemeClr val="tx1"/>
+          </a:fontRef>
+        </p:style>
+      </p:cxnSp>
+      <p:cxnSp>
+        <p:nvCxnSpPr>
+          <p:cNvPr id="277" name="Straight Connector 276">
+            <a:extLst>
+              <a:ext uri="{FF2B5EF4-FFF2-40B4-BE49-F238E27FC236}">
+                <a16:creationId xmlns:a16="http://schemas.microsoft.com/office/drawing/2014/main" id="{3AE44E05-EC60-4B73-95BD-3E88AC928EB7}"/>
+              </a:ext>
+            </a:extLst>
+          </p:cNvPr>
+          <p:cNvCxnSpPr>
+            <a:cxnSpLocks/>
+            <a:stCxn id="105" idx="6"/>
+            <a:endCxn id="169" idx="2"/>
+          </p:cNvCxnSpPr>
+          <p:nvPr/>
+        </p:nvCxnSpPr>
+        <p:spPr>
+          <a:xfrm flipV="1">
+            <a:off x="4386717" y="2613018"/>
+            <a:ext cx="642139" cy="317551"/>
+          </a:xfrm>
+          <a:prstGeom prst="line">
+            <a:avLst/>
+          </a:prstGeom>
+        </p:spPr>
+        <p:style>
+          <a:lnRef idx="2">
+            <a:schemeClr val="dk1"/>
+          </a:lnRef>
+          <a:fillRef idx="0">
+            <a:schemeClr val="dk1"/>
+          </a:fillRef>
+          <a:effectRef idx="1">
+            <a:schemeClr val="dk1"/>
+          </a:effectRef>
+          <a:fontRef idx="minor">
+            <a:schemeClr val="tx1"/>
+          </a:fontRef>
+        </p:style>
+      </p:cxnSp>
+      <p:cxnSp>
+        <p:nvCxnSpPr>
+          <p:cNvPr id="280" name="Straight Connector 279">
+            <a:extLst>
+              <a:ext uri="{FF2B5EF4-FFF2-40B4-BE49-F238E27FC236}">
+                <a16:creationId xmlns:a16="http://schemas.microsoft.com/office/drawing/2014/main" id="{AD82934A-91EF-437D-8D28-268E7800209C}"/>
+              </a:ext>
+            </a:extLst>
+          </p:cNvPr>
+          <p:cNvCxnSpPr>
+            <a:cxnSpLocks/>
+            <a:stCxn id="105" idx="6"/>
+            <a:endCxn id="171" idx="2"/>
+          </p:cNvCxnSpPr>
+          <p:nvPr/>
+        </p:nvCxnSpPr>
+        <p:spPr>
+          <a:xfrm>
+            <a:off x="4386717" y="2930569"/>
+            <a:ext cx="653293" cy="397254"/>
+          </a:xfrm>
+          <a:prstGeom prst="line">
+            <a:avLst/>
+          </a:prstGeom>
+        </p:spPr>
+        <p:style>
+          <a:lnRef idx="2">
+            <a:schemeClr val="dk1"/>
+          </a:lnRef>
+          <a:fillRef idx="0">
+            <a:schemeClr val="dk1"/>
+          </a:fillRef>
+          <a:effectRef idx="1">
+            <a:schemeClr val="dk1"/>
+          </a:effectRef>
+          <a:fontRef idx="minor">
+            <a:schemeClr val="tx1"/>
+          </a:fontRef>
+        </p:style>
+      </p:cxnSp>
+      <p:cxnSp>
+        <p:nvCxnSpPr>
+          <p:cNvPr id="283" name="Straight Connector 282">
+            <a:extLst>
+              <a:ext uri="{FF2B5EF4-FFF2-40B4-BE49-F238E27FC236}">
+                <a16:creationId xmlns:a16="http://schemas.microsoft.com/office/drawing/2014/main" id="{60BC6E0A-C0B2-4DA5-B029-A17ADE56B3FB}"/>
+              </a:ext>
+            </a:extLst>
+          </p:cNvPr>
+          <p:cNvCxnSpPr>
+            <a:cxnSpLocks/>
+            <a:stCxn id="105" idx="6"/>
+            <a:endCxn id="173" idx="2"/>
+          </p:cNvCxnSpPr>
+          <p:nvPr/>
+        </p:nvCxnSpPr>
+        <p:spPr>
+          <a:xfrm>
+            <a:off x="4386717" y="2930569"/>
+            <a:ext cx="651183" cy="1090226"/>
+          </a:xfrm>
+          <a:prstGeom prst="line">
+            <a:avLst/>
+          </a:prstGeom>
+        </p:spPr>
+        <p:style>
+          <a:lnRef idx="2">
+            <a:schemeClr val="dk1"/>
+          </a:lnRef>
+          <a:fillRef idx="0">
+            <a:schemeClr val="dk1"/>
+          </a:fillRef>
+          <a:effectRef idx="1">
+            <a:schemeClr val="dk1"/>
+          </a:effectRef>
+          <a:fontRef idx="minor">
+            <a:schemeClr val="tx1"/>
+          </a:fontRef>
+        </p:style>
+      </p:cxnSp>
+      <p:cxnSp>
+        <p:nvCxnSpPr>
+          <p:cNvPr id="286" name="Straight Connector 285">
+            <a:extLst>
+              <a:ext uri="{FF2B5EF4-FFF2-40B4-BE49-F238E27FC236}">
+                <a16:creationId xmlns:a16="http://schemas.microsoft.com/office/drawing/2014/main" id="{1438DA7F-32D5-4D9B-A43B-68A3F3E03882}"/>
+              </a:ext>
+            </a:extLst>
+          </p:cNvPr>
+          <p:cNvCxnSpPr>
+            <a:cxnSpLocks/>
+            <a:stCxn id="105" idx="6"/>
+            <a:endCxn id="175" idx="2"/>
+          </p:cNvCxnSpPr>
+          <p:nvPr/>
+        </p:nvCxnSpPr>
+        <p:spPr>
+          <a:xfrm>
+            <a:off x="4386717" y="2930569"/>
+            <a:ext cx="651182" cy="1303782"/>
+          </a:xfrm>
+          <a:prstGeom prst="line">
+            <a:avLst/>
+          </a:prstGeom>
+        </p:spPr>
+        <p:style>
+          <a:lnRef idx="2">
+            <a:schemeClr val="dk1"/>
+          </a:lnRef>
+          <a:fillRef idx="0">
+            <a:schemeClr val="dk1"/>
+          </a:fillRef>
+          <a:effectRef idx="1">
+            <a:schemeClr val="dk1"/>
+          </a:effectRef>
+          <a:fontRef idx="minor">
+            <a:schemeClr val="tx1"/>
+          </a:fontRef>
+        </p:style>
+      </p:cxnSp>
+      <p:cxnSp>
+        <p:nvCxnSpPr>
+          <p:cNvPr id="289" name="Straight Connector 288">
+            <a:extLst>
+              <a:ext uri="{FF2B5EF4-FFF2-40B4-BE49-F238E27FC236}">
+                <a16:creationId xmlns:a16="http://schemas.microsoft.com/office/drawing/2014/main" id="{C72E1C9E-7613-4D13-B9A8-B90F0F5205E2}"/>
+              </a:ext>
+            </a:extLst>
+          </p:cNvPr>
+          <p:cNvCxnSpPr>
+            <a:cxnSpLocks/>
+            <a:stCxn id="127" idx="6"/>
+            <a:endCxn id="42" idx="2"/>
+          </p:cNvCxnSpPr>
+          <p:nvPr/>
+        </p:nvCxnSpPr>
+        <p:spPr>
+          <a:xfrm flipV="1">
+            <a:off x="4385502" y="1355449"/>
+            <a:ext cx="633931" cy="2035047"/>
+          </a:xfrm>
+          <a:prstGeom prst="line">
+            <a:avLst/>
+          </a:prstGeom>
+        </p:spPr>
+        <p:style>
+          <a:lnRef idx="2">
+            <a:schemeClr val="dk1"/>
+          </a:lnRef>
+          <a:fillRef idx="0">
+            <a:schemeClr val="dk1"/>
+          </a:fillRef>
+          <a:effectRef idx="1">
+            <a:schemeClr val="dk1"/>
+          </a:effectRef>
+          <a:fontRef idx="minor">
+            <a:schemeClr val="tx1"/>
+          </a:fontRef>
+        </p:style>
+      </p:cxnSp>
+      <p:cxnSp>
+        <p:nvCxnSpPr>
+          <p:cNvPr id="292" name="Straight Connector 291">
+            <a:extLst>
+              <a:ext uri="{FF2B5EF4-FFF2-40B4-BE49-F238E27FC236}">
+                <a16:creationId xmlns:a16="http://schemas.microsoft.com/office/drawing/2014/main" id="{1283BC5D-44C0-4F69-875B-242532232DBC}"/>
+              </a:ext>
+            </a:extLst>
+          </p:cNvPr>
+          <p:cNvCxnSpPr>
+            <a:cxnSpLocks/>
+            <a:stCxn id="127" idx="6"/>
+            <a:endCxn id="165" idx="2"/>
+          </p:cNvCxnSpPr>
+          <p:nvPr/>
+        </p:nvCxnSpPr>
+        <p:spPr>
+          <a:xfrm flipV="1">
+            <a:off x="4385502" y="1613407"/>
+            <a:ext cx="647245" cy="1777089"/>
+          </a:xfrm>
+          <a:prstGeom prst="line">
+            <a:avLst/>
+          </a:prstGeom>
+        </p:spPr>
+        <p:style>
+          <a:lnRef idx="2">
+            <a:schemeClr val="dk1"/>
+          </a:lnRef>
+          <a:fillRef idx="0">
+            <a:schemeClr val="dk1"/>
+          </a:fillRef>
+          <a:effectRef idx="1">
+            <a:schemeClr val="dk1"/>
+          </a:effectRef>
+          <a:fontRef idx="minor">
+            <a:schemeClr val="tx1"/>
+          </a:fontRef>
+        </p:style>
+      </p:cxnSp>
+      <p:cxnSp>
+        <p:nvCxnSpPr>
+          <p:cNvPr id="295" name="Straight Connector 294">
+            <a:extLst>
+              <a:ext uri="{FF2B5EF4-FFF2-40B4-BE49-F238E27FC236}">
+                <a16:creationId xmlns:a16="http://schemas.microsoft.com/office/drawing/2014/main" id="{82E8A846-D6DD-4B00-817C-BD30C7A42059}"/>
+              </a:ext>
+            </a:extLst>
+          </p:cNvPr>
+          <p:cNvCxnSpPr>
+            <a:cxnSpLocks/>
+            <a:stCxn id="127" idx="6"/>
+          </p:cNvCxnSpPr>
+          <p:nvPr/>
+        </p:nvCxnSpPr>
+        <p:spPr>
+          <a:xfrm flipV="1">
+            <a:off x="4385502" y="1845202"/>
+            <a:ext cx="631397" cy="1545294"/>
+          </a:xfrm>
+          <a:prstGeom prst="line">
+            <a:avLst/>
+          </a:prstGeom>
+        </p:spPr>
+        <p:style>
+          <a:lnRef idx="2">
+            <a:schemeClr val="dk1"/>
+          </a:lnRef>
+          <a:fillRef idx="0">
+            <a:schemeClr val="dk1"/>
+          </a:fillRef>
+          <a:effectRef idx="1">
+            <a:schemeClr val="dk1"/>
+          </a:effectRef>
+          <a:fontRef idx="minor">
+            <a:schemeClr val="tx1"/>
+          </a:fontRef>
+        </p:style>
+      </p:cxnSp>
+      <p:cxnSp>
+        <p:nvCxnSpPr>
+          <p:cNvPr id="298" name="Straight Connector 297">
+            <a:extLst>
+              <a:ext uri="{FF2B5EF4-FFF2-40B4-BE49-F238E27FC236}">
+                <a16:creationId xmlns:a16="http://schemas.microsoft.com/office/drawing/2014/main" id="{152623F7-5B3C-4F31-AA22-77D01DBBAC0D}"/>
+              </a:ext>
+            </a:extLst>
+          </p:cNvPr>
+          <p:cNvCxnSpPr>
+            <a:cxnSpLocks/>
+            <a:stCxn id="127" idx="6"/>
+            <a:endCxn id="167" idx="2"/>
+          </p:cNvCxnSpPr>
+          <p:nvPr/>
+        </p:nvCxnSpPr>
+        <p:spPr>
+          <a:xfrm flipV="1">
+            <a:off x="4385502" y="2085596"/>
+            <a:ext cx="650054" cy="1304900"/>
+          </a:xfrm>
+          <a:prstGeom prst="line">
+            <a:avLst/>
+          </a:prstGeom>
+        </p:spPr>
+        <p:style>
+          <a:lnRef idx="2">
+            <a:schemeClr val="dk1"/>
+          </a:lnRef>
+          <a:fillRef idx="0">
+            <a:schemeClr val="dk1"/>
+          </a:fillRef>
+          <a:effectRef idx="1">
+            <a:schemeClr val="dk1"/>
+          </a:effectRef>
+          <a:fontRef idx="minor">
+            <a:schemeClr val="tx1"/>
+          </a:fontRef>
+        </p:style>
+      </p:cxnSp>
+      <p:cxnSp>
+        <p:nvCxnSpPr>
+          <p:cNvPr id="301" name="Straight Connector 300">
+            <a:extLst>
+              <a:ext uri="{FF2B5EF4-FFF2-40B4-BE49-F238E27FC236}">
+                <a16:creationId xmlns:a16="http://schemas.microsoft.com/office/drawing/2014/main" id="{29AA699B-DD8D-44E9-BB1F-474D3163F6BF}"/>
+              </a:ext>
+            </a:extLst>
+          </p:cNvPr>
+          <p:cNvCxnSpPr>
+            <a:cxnSpLocks/>
+            <a:stCxn id="127" idx="6"/>
+            <a:endCxn id="168" idx="2"/>
+          </p:cNvCxnSpPr>
+          <p:nvPr/>
+        </p:nvCxnSpPr>
+        <p:spPr>
+          <a:xfrm flipV="1">
+            <a:off x="4385502" y="2365973"/>
+            <a:ext cx="645480" cy="1024523"/>
+          </a:xfrm>
+          <a:prstGeom prst="line">
+            <a:avLst/>
+          </a:prstGeom>
+        </p:spPr>
+        <p:style>
+          <a:lnRef idx="2">
+            <a:schemeClr val="dk1"/>
+          </a:lnRef>
+          <a:fillRef idx="0">
+            <a:schemeClr val="dk1"/>
+          </a:fillRef>
+          <a:effectRef idx="1">
+            <a:schemeClr val="dk1"/>
+          </a:effectRef>
+          <a:fontRef idx="minor">
+            <a:schemeClr val="tx1"/>
+          </a:fontRef>
+        </p:style>
+      </p:cxnSp>
+      <p:cxnSp>
+        <p:nvCxnSpPr>
+          <p:cNvPr id="304" name="Straight Connector 303">
+            <a:extLst>
+              <a:ext uri="{FF2B5EF4-FFF2-40B4-BE49-F238E27FC236}">
+                <a16:creationId xmlns:a16="http://schemas.microsoft.com/office/drawing/2014/main" id="{76073E67-3EB5-414D-AB5D-F916520A6F27}"/>
+              </a:ext>
+            </a:extLst>
+          </p:cNvPr>
+          <p:cNvCxnSpPr>
+            <a:cxnSpLocks/>
+            <a:stCxn id="127" idx="6"/>
+            <a:endCxn id="169" idx="2"/>
+          </p:cNvCxnSpPr>
+          <p:nvPr/>
+        </p:nvCxnSpPr>
+        <p:spPr>
+          <a:xfrm flipV="1">
+            <a:off x="4385502" y="2613018"/>
+            <a:ext cx="643354" cy="777478"/>
+          </a:xfrm>
+          <a:prstGeom prst="line">
+            <a:avLst/>
+          </a:prstGeom>
+        </p:spPr>
+        <p:style>
+          <a:lnRef idx="2">
+            <a:schemeClr val="dk1"/>
+          </a:lnRef>
+          <a:fillRef idx="0">
+            <a:schemeClr val="dk1"/>
+          </a:fillRef>
+          <a:effectRef idx="1">
+            <a:schemeClr val="dk1"/>
+          </a:effectRef>
+          <a:fontRef idx="minor">
+            <a:schemeClr val="tx1"/>
+          </a:fontRef>
+        </p:style>
+      </p:cxnSp>
+      <p:cxnSp>
+        <p:nvCxnSpPr>
+          <p:cNvPr id="309" name="Straight Connector 308">
+            <a:extLst>
+              <a:ext uri="{FF2B5EF4-FFF2-40B4-BE49-F238E27FC236}">
+                <a16:creationId xmlns:a16="http://schemas.microsoft.com/office/drawing/2014/main" id="{39ABFB11-BB43-40A2-B396-55DC37798D37}"/>
+              </a:ext>
+            </a:extLst>
+          </p:cNvPr>
+          <p:cNvCxnSpPr>
+            <a:cxnSpLocks/>
+            <a:stCxn id="127" idx="6"/>
+            <a:endCxn id="118" idx="2"/>
+          </p:cNvCxnSpPr>
+          <p:nvPr/>
+        </p:nvCxnSpPr>
+        <p:spPr>
+          <a:xfrm flipV="1">
+            <a:off x="4385502" y="2837702"/>
+            <a:ext cx="643076" cy="552794"/>
+          </a:xfrm>
+          <a:prstGeom prst="line">
+            <a:avLst/>
+          </a:prstGeom>
+        </p:spPr>
+        <p:style>
+          <a:lnRef idx="2">
+            <a:schemeClr val="dk1"/>
+          </a:lnRef>
+          <a:fillRef idx="0">
+            <a:schemeClr val="dk1"/>
+          </a:fillRef>
+          <a:effectRef idx="1">
+            <a:schemeClr val="dk1"/>
+          </a:effectRef>
+          <a:fontRef idx="minor">
+            <a:schemeClr val="tx1"/>
+          </a:fontRef>
+        </p:style>
+      </p:cxnSp>
+      <p:cxnSp>
+        <p:nvCxnSpPr>
+          <p:cNvPr id="312" name="Straight Connector 311">
+            <a:extLst>
+              <a:ext uri="{FF2B5EF4-FFF2-40B4-BE49-F238E27FC236}">
+                <a16:creationId xmlns:a16="http://schemas.microsoft.com/office/drawing/2014/main" id="{CF866BEF-A968-43F9-8525-03CA2106856B}"/>
+              </a:ext>
+            </a:extLst>
+          </p:cNvPr>
+          <p:cNvCxnSpPr>
+            <a:cxnSpLocks/>
+            <a:stCxn id="127" idx="6"/>
+            <a:endCxn id="170" idx="2"/>
+          </p:cNvCxnSpPr>
+          <p:nvPr/>
+        </p:nvCxnSpPr>
+        <p:spPr>
+          <a:xfrm flipV="1">
+            <a:off x="4385502" y="3098392"/>
+            <a:ext cx="643076" cy="292104"/>
+          </a:xfrm>
+          <a:prstGeom prst="line">
+            <a:avLst/>
+          </a:prstGeom>
+        </p:spPr>
+        <p:style>
+          <a:lnRef idx="2">
+            <a:schemeClr val="dk1"/>
+          </a:lnRef>
+          <a:fillRef idx="0">
+            <a:schemeClr val="dk1"/>
+          </a:fillRef>
+          <a:effectRef idx="1">
+            <a:schemeClr val="dk1"/>
+          </a:effectRef>
+          <a:fontRef idx="minor">
+            <a:schemeClr val="tx1"/>
+          </a:fontRef>
+        </p:style>
+      </p:cxnSp>
+      <p:cxnSp>
+        <p:nvCxnSpPr>
+          <p:cNvPr id="314" name="Straight Connector 313">
+            <a:extLst>
+              <a:ext uri="{FF2B5EF4-FFF2-40B4-BE49-F238E27FC236}">
+                <a16:creationId xmlns:a16="http://schemas.microsoft.com/office/drawing/2014/main" id="{C2CE193F-8C3B-4B65-B388-BA5C6B8471D8}"/>
+              </a:ext>
+            </a:extLst>
+          </p:cNvPr>
+          <p:cNvCxnSpPr>
+            <a:cxnSpLocks/>
+            <a:stCxn id="127" idx="6"/>
+            <a:endCxn id="173" idx="2"/>
+          </p:cNvCxnSpPr>
+          <p:nvPr/>
+        </p:nvCxnSpPr>
+        <p:spPr>
+          <a:xfrm>
+            <a:off x="4385502" y="3390496"/>
+            <a:ext cx="652398" cy="630299"/>
+          </a:xfrm>
+          <a:prstGeom prst="line">
+            <a:avLst/>
+          </a:prstGeom>
+        </p:spPr>
+        <p:style>
+          <a:lnRef idx="2">
+            <a:schemeClr val="dk1"/>
+          </a:lnRef>
+          <a:fillRef idx="0">
+            <a:schemeClr val="dk1"/>
+          </a:fillRef>
+          <a:effectRef idx="1">
+            <a:schemeClr val="dk1"/>
+          </a:effectRef>
+          <a:fontRef idx="minor">
+            <a:schemeClr val="tx1"/>
+          </a:fontRef>
+        </p:style>
+      </p:cxnSp>
+      <p:cxnSp>
+        <p:nvCxnSpPr>
+          <p:cNvPr id="318" name="Straight Connector 317">
+            <a:extLst>
+              <a:ext uri="{FF2B5EF4-FFF2-40B4-BE49-F238E27FC236}">
+                <a16:creationId xmlns:a16="http://schemas.microsoft.com/office/drawing/2014/main" id="{88BC0CC7-98EF-49D1-8168-33FEED3A4488}"/>
+              </a:ext>
+            </a:extLst>
+          </p:cNvPr>
+          <p:cNvCxnSpPr>
+            <a:cxnSpLocks/>
+            <a:stCxn id="127" idx="6"/>
+            <a:endCxn id="175" idx="2"/>
+          </p:cNvCxnSpPr>
+          <p:nvPr/>
+        </p:nvCxnSpPr>
+        <p:spPr>
+          <a:xfrm>
+            <a:off x="4385502" y="3390496"/>
+            <a:ext cx="652397" cy="843855"/>
+          </a:xfrm>
+          <a:prstGeom prst="line">
+            <a:avLst/>
+          </a:prstGeom>
+        </p:spPr>
+        <p:style>
+          <a:lnRef idx="2">
+            <a:schemeClr val="dk1"/>
+          </a:lnRef>
+          <a:fillRef idx="0">
+            <a:schemeClr val="dk1"/>
+          </a:fillRef>
+          <a:effectRef idx="1">
+            <a:schemeClr val="dk1"/>
+          </a:effectRef>
+          <a:fontRef idx="minor">
+            <a:schemeClr val="tx1"/>
+          </a:fontRef>
+        </p:style>
+      </p:cxnSp>
+      <p:cxnSp>
+        <p:nvCxnSpPr>
+          <p:cNvPr id="321" name="Straight Connector 320">
+            <a:extLst>
+              <a:ext uri="{FF2B5EF4-FFF2-40B4-BE49-F238E27FC236}">
+                <a16:creationId xmlns:a16="http://schemas.microsoft.com/office/drawing/2014/main" id="{A63FA5D5-8EEC-4185-BCA5-05C6D993D97E}"/>
+              </a:ext>
+            </a:extLst>
+          </p:cNvPr>
+          <p:cNvCxnSpPr>
+            <a:cxnSpLocks/>
+            <a:stCxn id="159" idx="6"/>
+            <a:endCxn id="42" idx="2"/>
+          </p:cNvCxnSpPr>
+          <p:nvPr/>
+        </p:nvCxnSpPr>
+        <p:spPr>
+          <a:xfrm flipV="1">
+            <a:off x="4380884" y="1355449"/>
+            <a:ext cx="638549" cy="2724053"/>
+          </a:xfrm>
+          <a:prstGeom prst="line">
+            <a:avLst/>
+          </a:prstGeom>
+        </p:spPr>
+        <p:style>
+          <a:lnRef idx="2">
+            <a:schemeClr val="dk1"/>
+          </a:lnRef>
+          <a:fillRef idx="0">
+            <a:schemeClr val="dk1"/>
+          </a:fillRef>
+          <a:effectRef idx="1">
+            <a:schemeClr val="dk1"/>
+          </a:effectRef>
+          <a:fontRef idx="minor">
+            <a:schemeClr val="tx1"/>
+          </a:fontRef>
+        </p:style>
+      </p:cxnSp>
+      <p:cxnSp>
+        <p:nvCxnSpPr>
+          <p:cNvPr id="324" name="Straight Connector 323">
+            <a:extLst>
+              <a:ext uri="{FF2B5EF4-FFF2-40B4-BE49-F238E27FC236}">
+                <a16:creationId xmlns:a16="http://schemas.microsoft.com/office/drawing/2014/main" id="{42798204-0883-43BB-ABCF-F1C3E2DC5B8B}"/>
+              </a:ext>
+            </a:extLst>
+          </p:cNvPr>
+          <p:cNvCxnSpPr>
+            <a:cxnSpLocks/>
+            <a:stCxn id="159" idx="6"/>
+            <a:endCxn id="165" idx="2"/>
+          </p:cNvCxnSpPr>
+          <p:nvPr/>
+        </p:nvCxnSpPr>
+        <p:spPr>
+          <a:xfrm flipV="1">
+            <a:off x="4380884" y="1613407"/>
+            <a:ext cx="651863" cy="2466095"/>
+          </a:xfrm>
+          <a:prstGeom prst="line">
+            <a:avLst/>
+          </a:prstGeom>
+        </p:spPr>
+        <p:style>
+          <a:lnRef idx="2">
+            <a:schemeClr val="dk1"/>
+          </a:lnRef>
+          <a:fillRef idx="0">
+            <a:schemeClr val="dk1"/>
+          </a:fillRef>
+          <a:effectRef idx="1">
+            <a:schemeClr val="dk1"/>
+          </a:effectRef>
+          <a:fontRef idx="minor">
+            <a:schemeClr val="tx1"/>
+          </a:fontRef>
+        </p:style>
+      </p:cxnSp>
+      <p:cxnSp>
+        <p:nvCxnSpPr>
+          <p:cNvPr id="327" name="Straight Connector 326">
+            <a:extLst>
+              <a:ext uri="{FF2B5EF4-FFF2-40B4-BE49-F238E27FC236}">
+                <a16:creationId xmlns:a16="http://schemas.microsoft.com/office/drawing/2014/main" id="{7FA61D60-ADBA-4EB1-B6AE-6384CCC65859}"/>
+              </a:ext>
+            </a:extLst>
+          </p:cNvPr>
+          <p:cNvCxnSpPr>
+            <a:cxnSpLocks/>
+            <a:stCxn id="159" idx="6"/>
+            <a:endCxn id="166" idx="2"/>
+          </p:cNvCxnSpPr>
+          <p:nvPr/>
+        </p:nvCxnSpPr>
+        <p:spPr>
+          <a:xfrm flipV="1">
+            <a:off x="4380884" y="1832283"/>
+            <a:ext cx="653558" cy="2247219"/>
+          </a:xfrm>
+          <a:prstGeom prst="line">
+            <a:avLst/>
+          </a:prstGeom>
+        </p:spPr>
+        <p:style>
+          <a:lnRef idx="2">
+            <a:schemeClr val="dk1"/>
+          </a:lnRef>
+          <a:fillRef idx="0">
+            <a:schemeClr val="dk1"/>
+          </a:fillRef>
+          <a:effectRef idx="1">
+            <a:schemeClr val="dk1"/>
+          </a:effectRef>
+          <a:fontRef idx="minor">
+            <a:schemeClr val="tx1"/>
+          </a:fontRef>
+        </p:style>
+      </p:cxnSp>
+      <p:cxnSp>
+        <p:nvCxnSpPr>
+          <p:cNvPr id="330" name="Straight Connector 329">
+            <a:extLst>
+              <a:ext uri="{FF2B5EF4-FFF2-40B4-BE49-F238E27FC236}">
+                <a16:creationId xmlns:a16="http://schemas.microsoft.com/office/drawing/2014/main" id="{94AAE5EA-0BA5-4D4B-A2B1-2E48A0ABBFF1}"/>
+              </a:ext>
+            </a:extLst>
+          </p:cNvPr>
+          <p:cNvCxnSpPr>
+            <a:cxnSpLocks/>
+            <a:stCxn id="159" idx="6"/>
+            <a:endCxn id="167" idx="2"/>
+          </p:cNvCxnSpPr>
+          <p:nvPr/>
+        </p:nvCxnSpPr>
+        <p:spPr>
+          <a:xfrm flipV="1">
+            <a:off x="4380884" y="2085596"/>
+            <a:ext cx="654672" cy="1993906"/>
+          </a:xfrm>
+          <a:prstGeom prst="line">
+            <a:avLst/>
+          </a:prstGeom>
+        </p:spPr>
+        <p:style>
+          <a:lnRef idx="2">
+            <a:schemeClr val="dk1"/>
+          </a:lnRef>
+          <a:fillRef idx="0">
+            <a:schemeClr val="dk1"/>
+          </a:fillRef>
+          <a:effectRef idx="1">
+            <a:schemeClr val="dk1"/>
+          </a:effectRef>
+          <a:fontRef idx="minor">
+            <a:schemeClr val="tx1"/>
+          </a:fontRef>
+        </p:style>
+      </p:cxnSp>
+      <p:cxnSp>
+        <p:nvCxnSpPr>
+          <p:cNvPr id="333" name="Straight Connector 332">
+            <a:extLst>
+              <a:ext uri="{FF2B5EF4-FFF2-40B4-BE49-F238E27FC236}">
+                <a16:creationId xmlns:a16="http://schemas.microsoft.com/office/drawing/2014/main" id="{F089D725-A025-4345-8C46-0445052DCE67}"/>
+              </a:ext>
+            </a:extLst>
+          </p:cNvPr>
+          <p:cNvCxnSpPr>
+            <a:cxnSpLocks/>
+            <a:stCxn id="159" idx="6"/>
+            <a:endCxn id="168" idx="2"/>
+          </p:cNvCxnSpPr>
+          <p:nvPr/>
+        </p:nvCxnSpPr>
+        <p:spPr>
+          <a:xfrm flipV="1">
+            <a:off x="4380884" y="2365973"/>
+            <a:ext cx="650098" cy="1713529"/>
+          </a:xfrm>
+          <a:prstGeom prst="line">
+            <a:avLst/>
+          </a:prstGeom>
+        </p:spPr>
+        <p:style>
+          <a:lnRef idx="2">
+            <a:schemeClr val="dk1"/>
+          </a:lnRef>
+          <a:fillRef idx="0">
+            <a:schemeClr val="dk1"/>
+          </a:fillRef>
+          <a:effectRef idx="1">
+            <a:schemeClr val="dk1"/>
+          </a:effectRef>
+          <a:fontRef idx="minor">
+            <a:schemeClr val="tx1"/>
+          </a:fontRef>
+        </p:style>
+      </p:cxnSp>
+      <p:cxnSp>
+        <p:nvCxnSpPr>
+          <p:cNvPr id="336" name="Straight Connector 335">
+            <a:extLst>
+              <a:ext uri="{FF2B5EF4-FFF2-40B4-BE49-F238E27FC236}">
+                <a16:creationId xmlns:a16="http://schemas.microsoft.com/office/drawing/2014/main" id="{E8A418CB-2B52-41AB-9133-4B2825515BC9}"/>
+              </a:ext>
+            </a:extLst>
+          </p:cNvPr>
+          <p:cNvCxnSpPr>
+            <a:cxnSpLocks/>
+            <a:stCxn id="159" idx="6"/>
+            <a:endCxn id="169" idx="2"/>
+          </p:cNvCxnSpPr>
+          <p:nvPr/>
+        </p:nvCxnSpPr>
+        <p:spPr>
+          <a:xfrm flipV="1">
+            <a:off x="4380884" y="2613018"/>
+            <a:ext cx="647972" cy="1466484"/>
+          </a:xfrm>
+          <a:prstGeom prst="line">
+            <a:avLst/>
+          </a:prstGeom>
+        </p:spPr>
+        <p:style>
+          <a:lnRef idx="2">
+            <a:schemeClr val="dk1"/>
+          </a:lnRef>
+          <a:fillRef idx="0">
+            <a:schemeClr val="dk1"/>
+          </a:fillRef>
+          <a:effectRef idx="1">
+            <a:schemeClr val="dk1"/>
+          </a:effectRef>
+          <a:fontRef idx="minor">
+            <a:schemeClr val="tx1"/>
+          </a:fontRef>
+        </p:style>
+      </p:cxnSp>
+      <p:cxnSp>
+        <p:nvCxnSpPr>
+          <p:cNvPr id="339" name="Straight Connector 338">
+            <a:extLst>
+              <a:ext uri="{FF2B5EF4-FFF2-40B4-BE49-F238E27FC236}">
+                <a16:creationId xmlns:a16="http://schemas.microsoft.com/office/drawing/2014/main" id="{C0BCC1FE-557D-459F-B129-069741847F32}"/>
+              </a:ext>
+            </a:extLst>
+          </p:cNvPr>
+          <p:cNvCxnSpPr>
+            <a:cxnSpLocks/>
+            <a:stCxn id="159" idx="6"/>
+            <a:endCxn id="118" idx="2"/>
+          </p:cNvCxnSpPr>
+          <p:nvPr/>
+        </p:nvCxnSpPr>
+        <p:spPr>
+          <a:xfrm flipV="1">
+            <a:off x="4380884" y="2837702"/>
+            <a:ext cx="647694" cy="1241800"/>
+          </a:xfrm>
+          <a:prstGeom prst="line">
+            <a:avLst/>
+          </a:prstGeom>
+        </p:spPr>
+        <p:style>
+          <a:lnRef idx="2">
+            <a:schemeClr val="dk1"/>
+          </a:lnRef>
+          <a:fillRef idx="0">
+            <a:schemeClr val="dk1"/>
+          </a:fillRef>
+          <a:effectRef idx="1">
+            <a:schemeClr val="dk1"/>
+          </a:effectRef>
+          <a:fontRef idx="minor">
+            <a:schemeClr val="tx1"/>
+          </a:fontRef>
+        </p:style>
+      </p:cxnSp>
+      <p:cxnSp>
+        <p:nvCxnSpPr>
+          <p:cNvPr id="342" name="Straight Connector 341">
+            <a:extLst>
+              <a:ext uri="{FF2B5EF4-FFF2-40B4-BE49-F238E27FC236}">
+                <a16:creationId xmlns:a16="http://schemas.microsoft.com/office/drawing/2014/main" id="{106D46EA-17EA-4A82-B818-490F39D6E4A3}"/>
+              </a:ext>
+            </a:extLst>
+          </p:cNvPr>
+          <p:cNvCxnSpPr>
+            <a:cxnSpLocks/>
+            <a:stCxn id="159" idx="6"/>
+            <a:endCxn id="170" idx="2"/>
+          </p:cNvCxnSpPr>
+          <p:nvPr/>
+        </p:nvCxnSpPr>
+        <p:spPr>
+          <a:xfrm flipV="1">
+            <a:off x="4380884" y="3098392"/>
+            <a:ext cx="647694" cy="981110"/>
+          </a:xfrm>
+          <a:prstGeom prst="line">
+            <a:avLst/>
+          </a:prstGeom>
+        </p:spPr>
+        <p:style>
+          <a:lnRef idx="2">
+            <a:schemeClr val="dk1"/>
+          </a:lnRef>
+          <a:fillRef idx="0">
+            <a:schemeClr val="dk1"/>
+          </a:fillRef>
+          <a:effectRef idx="1">
+            <a:schemeClr val="dk1"/>
+          </a:effectRef>
+          <a:fontRef idx="minor">
+            <a:schemeClr val="tx1"/>
+          </a:fontRef>
+        </p:style>
+      </p:cxnSp>
+      <p:cxnSp>
+        <p:nvCxnSpPr>
+          <p:cNvPr id="345" name="Straight Connector 344">
+            <a:extLst>
+              <a:ext uri="{FF2B5EF4-FFF2-40B4-BE49-F238E27FC236}">
+                <a16:creationId xmlns:a16="http://schemas.microsoft.com/office/drawing/2014/main" id="{53192BBB-E144-425C-99EE-977443B6E6C4}"/>
+              </a:ext>
+            </a:extLst>
+          </p:cNvPr>
+          <p:cNvCxnSpPr>
+            <a:cxnSpLocks/>
+            <a:stCxn id="159" idx="6"/>
+            <a:endCxn id="171" idx="2"/>
+          </p:cNvCxnSpPr>
+          <p:nvPr/>
+        </p:nvCxnSpPr>
+        <p:spPr>
+          <a:xfrm flipV="1">
+            <a:off x="4380884" y="3327823"/>
+            <a:ext cx="659126" cy="751679"/>
+          </a:xfrm>
+          <a:prstGeom prst="line">
+            <a:avLst/>
+          </a:prstGeom>
+        </p:spPr>
+        <p:style>
+          <a:lnRef idx="2">
+            <a:schemeClr val="dk1"/>
+          </a:lnRef>
+          <a:fillRef idx="0">
+            <a:schemeClr val="dk1"/>
+          </a:fillRef>
+          <a:effectRef idx="1">
+            <a:schemeClr val="dk1"/>
+          </a:effectRef>
+          <a:fontRef idx="minor">
+            <a:schemeClr val="tx1"/>
+          </a:fontRef>
+        </p:style>
+      </p:cxnSp>
+      <p:sp>
+        <p:nvSpPr>
+          <p:cNvPr id="42" name="Oval 41">
+            <a:extLst>
+              <a:ext uri="{FF2B5EF4-FFF2-40B4-BE49-F238E27FC236}">
+                <a16:creationId xmlns:a16="http://schemas.microsoft.com/office/drawing/2014/main" id="{DB402652-A266-7E6F-84A3-19E083E670AF}"/>
               </a:ext>
             </a:extLst>
           </p:cNvPr>
@@ -11091,8 +14801,8 @@
         </p:nvSpPr>
         <p:spPr>
           <a:xfrm>
-            <a:off x="5032747" y="1519472"/>
-            <a:ext cx="181077" cy="187869"/>
+            <a:off x="5019433" y="1261514"/>
+            <a:ext cx="190748" cy="187869"/>
           </a:xfrm>
           <a:prstGeom prst="ellipse">
             <a:avLst/>
@@ -11133,10 +14843,10 @@
       </p:sp>
       <p:sp>
         <p:nvSpPr>
-          <p:cNvPr id="166" name="Oval 165">
-            <a:extLst>
-              <a:ext uri="{FF2B5EF4-FFF2-40B4-BE49-F238E27FC236}">
-                <a16:creationId xmlns:a16="http://schemas.microsoft.com/office/drawing/2014/main" id="{4B1C0998-6309-F7D4-090D-BBC6BCFF6724}"/>
+          <p:cNvPr id="118" name="Oval 117">
+            <a:extLst>
+              <a:ext uri="{FF2B5EF4-FFF2-40B4-BE49-F238E27FC236}">
+                <a16:creationId xmlns:a16="http://schemas.microsoft.com/office/drawing/2014/main" id="{A0EE7E18-552A-7E53-39DB-612D008E933D}"/>
               </a:ext>
             </a:extLst>
           </p:cNvPr>
@@ -11145,7 +14855,7 @@
         </p:nvSpPr>
         <p:spPr>
           <a:xfrm>
-            <a:off x="5034442" y="1738348"/>
+            <a:off x="5028578" y="2743767"/>
             <a:ext cx="181077" cy="187869"/>
           </a:xfrm>
           <a:prstGeom prst="ellipse">
@@ -11187,10 +14897,10 @@
       </p:sp>
       <p:sp>
         <p:nvSpPr>
-          <p:cNvPr id="167" name="Oval 166">
-            <a:extLst>
-              <a:ext uri="{FF2B5EF4-FFF2-40B4-BE49-F238E27FC236}">
-                <a16:creationId xmlns:a16="http://schemas.microsoft.com/office/drawing/2014/main" id="{074E2D82-74D7-B9DB-95A3-8E88C467E6AA}"/>
+          <p:cNvPr id="165" name="Oval 164">
+            <a:extLst>
+              <a:ext uri="{FF2B5EF4-FFF2-40B4-BE49-F238E27FC236}">
+                <a16:creationId xmlns:a16="http://schemas.microsoft.com/office/drawing/2014/main" id="{538BF557-0552-26AF-7790-E5AFD3726184}"/>
               </a:ext>
             </a:extLst>
           </p:cNvPr>
@@ -11199,7 +14909,7 @@
         </p:nvSpPr>
         <p:spPr>
           <a:xfrm>
-            <a:off x="5035556" y="1991661"/>
+            <a:off x="5032747" y="1519472"/>
             <a:ext cx="181077" cy="187869"/>
           </a:xfrm>
           <a:prstGeom prst="ellipse">
@@ -11241,10 +14951,10 @@
       </p:sp>
       <p:sp>
         <p:nvSpPr>
-          <p:cNvPr id="168" name="Oval 167">
-            <a:extLst>
-              <a:ext uri="{FF2B5EF4-FFF2-40B4-BE49-F238E27FC236}">
-                <a16:creationId xmlns:a16="http://schemas.microsoft.com/office/drawing/2014/main" id="{DC4EC60D-38C4-902F-1B57-9BE5E36AD679}"/>
+          <p:cNvPr id="166" name="Oval 165">
+            <a:extLst>
+              <a:ext uri="{FF2B5EF4-FFF2-40B4-BE49-F238E27FC236}">
+                <a16:creationId xmlns:a16="http://schemas.microsoft.com/office/drawing/2014/main" id="{4B1C0998-6309-F7D4-090D-BBC6BCFF6724}"/>
               </a:ext>
             </a:extLst>
           </p:cNvPr>
@@ -11253,7 +14963,7 @@
         </p:nvSpPr>
         <p:spPr>
           <a:xfrm>
-            <a:off x="5030982" y="2272038"/>
+            <a:off x="5034442" y="1738348"/>
             <a:ext cx="181077" cy="187869"/>
           </a:xfrm>
           <a:prstGeom prst="ellipse">
@@ -11295,10 +15005,10 @@
       </p:sp>
       <p:sp>
         <p:nvSpPr>
-          <p:cNvPr id="169" name="Oval 168">
-            <a:extLst>
-              <a:ext uri="{FF2B5EF4-FFF2-40B4-BE49-F238E27FC236}">
-                <a16:creationId xmlns:a16="http://schemas.microsoft.com/office/drawing/2014/main" id="{4CF84112-74A3-727D-C1A1-1D0CD39ABC5C}"/>
+          <p:cNvPr id="167" name="Oval 166">
+            <a:extLst>
+              <a:ext uri="{FF2B5EF4-FFF2-40B4-BE49-F238E27FC236}">
+                <a16:creationId xmlns:a16="http://schemas.microsoft.com/office/drawing/2014/main" id="{074E2D82-74D7-B9DB-95A3-8E88C467E6AA}"/>
               </a:ext>
             </a:extLst>
           </p:cNvPr>
@@ -11307,7 +15017,7 @@
         </p:nvSpPr>
         <p:spPr>
           <a:xfrm>
-            <a:off x="5028856" y="2519083"/>
+            <a:off x="5035556" y="1991661"/>
             <a:ext cx="181077" cy="187869"/>
           </a:xfrm>
           <a:prstGeom prst="ellipse">
@@ -11349,10 +15059,10 @@
       </p:sp>
       <p:sp>
         <p:nvSpPr>
-          <p:cNvPr id="170" name="Oval 169">
-            <a:extLst>
-              <a:ext uri="{FF2B5EF4-FFF2-40B4-BE49-F238E27FC236}">
-                <a16:creationId xmlns:a16="http://schemas.microsoft.com/office/drawing/2014/main" id="{7B8D32AE-C2FA-214F-40C5-28D69C35253A}"/>
+          <p:cNvPr id="168" name="Oval 167">
+            <a:extLst>
+              <a:ext uri="{FF2B5EF4-FFF2-40B4-BE49-F238E27FC236}">
+                <a16:creationId xmlns:a16="http://schemas.microsoft.com/office/drawing/2014/main" id="{DC4EC60D-38C4-902F-1B57-9BE5E36AD679}"/>
               </a:ext>
             </a:extLst>
           </p:cNvPr>
@@ -11361,7 +15071,7 @@
         </p:nvSpPr>
         <p:spPr>
           <a:xfrm>
-            <a:off x="5028578" y="3004457"/>
+            <a:off x="5030982" y="2272038"/>
             <a:ext cx="181077" cy="187869"/>
           </a:xfrm>
           <a:prstGeom prst="ellipse">
@@ -11403,10 +15113,10 @@
       </p:sp>
       <p:sp>
         <p:nvSpPr>
-          <p:cNvPr id="171" name="Oval 170">
-            <a:extLst>
-              <a:ext uri="{FF2B5EF4-FFF2-40B4-BE49-F238E27FC236}">
-                <a16:creationId xmlns:a16="http://schemas.microsoft.com/office/drawing/2014/main" id="{F2949128-F8CC-8BD5-55A4-3225F2146097}"/>
+          <p:cNvPr id="169" name="Oval 168">
+            <a:extLst>
+              <a:ext uri="{FF2B5EF4-FFF2-40B4-BE49-F238E27FC236}">
+                <a16:creationId xmlns:a16="http://schemas.microsoft.com/office/drawing/2014/main" id="{4CF84112-74A3-727D-C1A1-1D0CD39ABC5C}"/>
               </a:ext>
             </a:extLst>
           </p:cNvPr>
@@ -11415,7 +15125,7 @@
         </p:nvSpPr>
         <p:spPr>
           <a:xfrm>
-            <a:off x="5040010" y="3233888"/>
+            <a:off x="5028856" y="2519083"/>
             <a:ext cx="181077" cy="187869"/>
           </a:xfrm>
           <a:prstGeom prst="ellipse">
@@ -11457,10 +15167,10 @@
       </p:sp>
       <p:sp>
         <p:nvSpPr>
-          <p:cNvPr id="172" name="Oval 171">
-            <a:extLst>
-              <a:ext uri="{FF2B5EF4-FFF2-40B4-BE49-F238E27FC236}">
-                <a16:creationId xmlns:a16="http://schemas.microsoft.com/office/drawing/2014/main" id="{489BB547-539F-3CA3-567F-149878A553C8}"/>
+          <p:cNvPr id="170" name="Oval 169">
+            <a:extLst>
+              <a:ext uri="{FF2B5EF4-FFF2-40B4-BE49-F238E27FC236}">
+                <a16:creationId xmlns:a16="http://schemas.microsoft.com/office/drawing/2014/main" id="{7B8D32AE-C2FA-214F-40C5-28D69C35253A}"/>
               </a:ext>
             </a:extLst>
           </p:cNvPr>
@@ -11469,7 +15179,7 @@
         </p:nvSpPr>
         <p:spPr>
           <a:xfrm>
-            <a:off x="5035556" y="3467070"/>
+            <a:off x="5028578" y="3004457"/>
             <a:ext cx="181077" cy="187869"/>
           </a:xfrm>
           <a:prstGeom prst="ellipse">
@@ -11511,10 +15221,10 @@
       </p:sp>
       <p:sp>
         <p:nvSpPr>
-          <p:cNvPr id="173" name="Oval 172">
-            <a:extLst>
-              <a:ext uri="{FF2B5EF4-FFF2-40B4-BE49-F238E27FC236}">
-                <a16:creationId xmlns:a16="http://schemas.microsoft.com/office/drawing/2014/main" id="{761A8603-43D6-130F-C12C-8EC2D938A21C}"/>
+          <p:cNvPr id="171" name="Oval 170">
+            <a:extLst>
+              <a:ext uri="{FF2B5EF4-FFF2-40B4-BE49-F238E27FC236}">
+                <a16:creationId xmlns:a16="http://schemas.microsoft.com/office/drawing/2014/main" id="{F2949128-F8CC-8BD5-55A4-3225F2146097}"/>
               </a:ext>
             </a:extLst>
           </p:cNvPr>
@@ -11523,7 +15233,7 @@
         </p:nvSpPr>
         <p:spPr>
           <a:xfrm>
-            <a:off x="5037900" y="3926860"/>
+            <a:off x="5040010" y="3233888"/>
             <a:ext cx="181077" cy="187869"/>
           </a:xfrm>
           <a:prstGeom prst="ellipse">
@@ -11565,60 +15275,19 @@
       </p:sp>
       <p:sp>
         <p:nvSpPr>
-          <p:cNvPr id="174" name="TextBox 173">
-            <a:extLst>
-              <a:ext uri="{FF2B5EF4-FFF2-40B4-BE49-F238E27FC236}">
-                <a16:creationId xmlns:a16="http://schemas.microsoft.com/office/drawing/2014/main" id="{1CC44B0C-13E3-255B-9CBD-714E5D165FF6}"/>
-              </a:ext>
-            </a:extLst>
-          </p:cNvPr>
-          <p:cNvSpPr txBox="1"/>
+          <p:cNvPr id="173" name="Oval 172">
+            <a:extLst>
+              <a:ext uri="{FF2B5EF4-FFF2-40B4-BE49-F238E27FC236}">
+                <a16:creationId xmlns:a16="http://schemas.microsoft.com/office/drawing/2014/main" id="{761A8603-43D6-130F-C12C-8EC2D938A21C}"/>
+              </a:ext>
+            </a:extLst>
+          </p:cNvPr>
+          <p:cNvSpPr/>
           <p:nvPr/>
         </p:nvSpPr>
         <p:spPr>
           <a:xfrm>
-            <a:off x="5028578" y="3569276"/>
-            <a:ext cx="172458" cy="400110"/>
-          </a:xfrm>
-          <a:prstGeom prst="rect">
-            <a:avLst/>
-          </a:prstGeom>
-          <a:noFill/>
-        </p:spPr>
-        <p:txBody>
-          <a:bodyPr wrap="square" rtlCol="0">
-            <a:spAutoFit/>
-          </a:bodyPr>
-          <a:lstStyle/>
-          <a:p>
-            <a:r>
-              <a:rPr lang="en-US" sz="1000" b="1" dirty="0"/>
-              <a:t>.</a:t>
-            </a:r>
-          </a:p>
-          <a:p>
-            <a:r>
-              <a:rPr lang="en-US" sz="1000" b="1" dirty="0"/>
-              <a:t>.</a:t>
-            </a:r>
-          </a:p>
-        </p:txBody>
-      </p:sp>
-      <p:sp>
-        <p:nvSpPr>
-          <p:cNvPr id="175" name="Oval 174">
-            <a:extLst>
-              <a:ext uri="{FF2B5EF4-FFF2-40B4-BE49-F238E27FC236}">
-                <a16:creationId xmlns:a16="http://schemas.microsoft.com/office/drawing/2014/main" id="{C9860EEC-B56D-54F8-4173-5BE100D44A8E}"/>
-              </a:ext>
-            </a:extLst>
-          </p:cNvPr>
-          <p:cNvSpPr/>
-          <p:nvPr/>
-        </p:nvSpPr>
-        <p:spPr>
-          <a:xfrm>
-            <a:off x="5037899" y="4140416"/>
+            <a:off x="5037900" y="3926860"/>
             <a:ext cx="181077" cy="187869"/>
           </a:xfrm>
           <a:prstGeom prst="ellipse">
@@ -11658,893 +15327,438 @@
           </a:p>
         </p:txBody>
       </p:sp>
-      <p:cxnSp>
-        <p:nvCxnSpPr>
-          <p:cNvPr id="177" name="Straight Connector 176">
-            <a:extLst>
-              <a:ext uri="{FF2B5EF4-FFF2-40B4-BE49-F238E27FC236}">
-                <a16:creationId xmlns:a16="http://schemas.microsoft.com/office/drawing/2014/main" id="{4AC04F07-7980-475C-96DD-1B583049390F}"/>
-              </a:ext>
-            </a:extLst>
-          </p:cNvPr>
-          <p:cNvCxnSpPr>
-            <a:cxnSpLocks/>
-            <a:stCxn id="34" idx="6"/>
-            <a:endCxn id="165" idx="2"/>
-          </p:cNvCxnSpPr>
-          <p:nvPr/>
-        </p:nvCxnSpPr>
-        <p:spPr>
-          <a:xfrm>
-            <a:off x="4383263" y="1459292"/>
-            <a:ext cx="649484" cy="154115"/>
-          </a:xfrm>
-          <a:prstGeom prst="line">
-            <a:avLst/>
-          </a:prstGeom>
+      <p:sp>
+        <p:nvSpPr>
+          <p:cNvPr id="175" name="Oval 174">
+            <a:extLst>
+              <a:ext uri="{FF2B5EF4-FFF2-40B4-BE49-F238E27FC236}">
+                <a16:creationId xmlns:a16="http://schemas.microsoft.com/office/drawing/2014/main" id="{C9860EEC-B56D-54F8-4173-5BE100D44A8E}"/>
+              </a:ext>
+            </a:extLst>
+          </p:cNvPr>
+          <p:cNvSpPr/>
+          <p:nvPr/>
+        </p:nvSpPr>
+        <p:spPr>
+          <a:xfrm>
+            <a:off x="5037899" y="4140416"/>
+            <a:ext cx="181077" cy="187869"/>
+          </a:xfrm>
+          <a:prstGeom prst="ellipse">
+            <a:avLst/>
+          </a:prstGeom>
+          <a:solidFill>
+            <a:schemeClr val="accent2"/>
+          </a:solidFill>
+          <a:ln>
+            <a:noFill/>
+          </a:ln>
         </p:spPr>
         <p:style>
-          <a:lnRef idx="2">
-            <a:schemeClr val="dk1"/>
+          <a:lnRef idx="1">
+            <a:schemeClr val="accent1"/>
           </a:lnRef>
-          <a:fillRef idx="0">
-            <a:schemeClr val="dk1"/>
+          <a:fillRef idx="3">
+            <a:schemeClr val="accent1"/>
           </a:fillRef>
-          <a:effectRef idx="1">
-            <a:schemeClr val="dk1"/>
+          <a:effectRef idx="2">
+            <a:schemeClr val="accent1"/>
           </a:effectRef>
           <a:fontRef idx="minor">
-            <a:schemeClr val="tx1"/>
+            <a:schemeClr val="lt1"/>
           </a:fontRef>
         </p:style>
-      </p:cxnSp>
-      <p:cxnSp>
-        <p:nvCxnSpPr>
-          <p:cNvPr id="181" name="Straight Connector 180">
-            <a:extLst>
-              <a:ext uri="{FF2B5EF4-FFF2-40B4-BE49-F238E27FC236}">
-                <a16:creationId xmlns:a16="http://schemas.microsoft.com/office/drawing/2014/main" id="{99596450-01E0-E21C-F4D0-6A0D538260F7}"/>
-              </a:ext>
-            </a:extLst>
-          </p:cNvPr>
-          <p:cNvCxnSpPr>
-            <a:cxnSpLocks/>
-            <a:stCxn id="126" idx="6"/>
-            <a:endCxn id="166" idx="2"/>
-          </p:cNvCxnSpPr>
-          <p:nvPr/>
-        </p:nvCxnSpPr>
-        <p:spPr>
-          <a:xfrm flipV="1">
-            <a:off x="4380884" y="1832283"/>
-            <a:ext cx="653558" cy="98876"/>
-          </a:xfrm>
-          <a:prstGeom prst="line">
-            <a:avLst/>
-          </a:prstGeom>
+        <p:txBody>
+          <a:bodyPr rtlCol="0" anchor="ctr"/>
+          <a:lstStyle/>
+          <a:p>
+            <a:pPr algn="ctr"/>
+            <a:endParaRPr lang="en-US" b="1" dirty="0">
+              <a:solidFill>
+                <a:srgbClr val="0E4F83"/>
+              </a:solidFill>
+            </a:endParaRPr>
+          </a:p>
+        </p:txBody>
+      </p:sp>
+      <p:sp>
+        <p:nvSpPr>
+          <p:cNvPr id="34" name="Oval 33">
+            <a:extLst>
+              <a:ext uri="{FF2B5EF4-FFF2-40B4-BE49-F238E27FC236}">
+                <a16:creationId xmlns:a16="http://schemas.microsoft.com/office/drawing/2014/main" id="{99897446-8A93-68F7-AEBA-041BD8C5716E}"/>
+              </a:ext>
+            </a:extLst>
+          </p:cNvPr>
+          <p:cNvSpPr/>
+          <p:nvPr/>
+        </p:nvSpPr>
+        <p:spPr>
+          <a:xfrm>
+            <a:off x="4192515" y="1365357"/>
+            <a:ext cx="190748" cy="187869"/>
+          </a:xfrm>
+          <a:prstGeom prst="ellipse">
+            <a:avLst/>
+          </a:prstGeom>
+          <a:solidFill>
+            <a:schemeClr val="accent2"/>
+          </a:solidFill>
+          <a:ln>
+            <a:noFill/>
+          </a:ln>
         </p:spPr>
         <p:style>
-          <a:lnRef idx="2">
-            <a:schemeClr val="dk1"/>
+          <a:lnRef idx="1">
+            <a:schemeClr val="accent1"/>
           </a:lnRef>
-          <a:fillRef idx="0">
-            <a:schemeClr val="dk1"/>
+          <a:fillRef idx="3">
+            <a:schemeClr val="accent1"/>
           </a:fillRef>
-          <a:effectRef idx="1">
-            <a:schemeClr val="dk1"/>
+          <a:effectRef idx="2">
+            <a:schemeClr val="accent1"/>
           </a:effectRef>
           <a:fontRef idx="minor">
-            <a:schemeClr val="tx1"/>
+            <a:schemeClr val="lt1"/>
           </a:fontRef>
         </p:style>
-      </p:cxnSp>
-      <p:cxnSp>
-        <p:nvCxnSpPr>
-          <p:cNvPr id="184" name="Straight Connector 183">
-            <a:extLst>
-              <a:ext uri="{FF2B5EF4-FFF2-40B4-BE49-F238E27FC236}">
-                <a16:creationId xmlns:a16="http://schemas.microsoft.com/office/drawing/2014/main" id="{22E7BFF4-9E89-BE3C-70F1-3F5DFEA00114}"/>
-              </a:ext>
-            </a:extLst>
-          </p:cNvPr>
-          <p:cNvCxnSpPr>
-            <a:cxnSpLocks/>
-            <a:stCxn id="141" idx="6"/>
-            <a:endCxn id="168" idx="2"/>
-          </p:cNvCxnSpPr>
-          <p:nvPr/>
-        </p:nvCxnSpPr>
-        <p:spPr>
-          <a:xfrm flipV="1">
-            <a:off x="4380884" y="2365973"/>
-            <a:ext cx="650098" cy="93934"/>
-          </a:xfrm>
-          <a:prstGeom prst="line">
-            <a:avLst/>
-          </a:prstGeom>
+        <p:txBody>
+          <a:bodyPr rtlCol="0" anchor="ctr"/>
+          <a:lstStyle/>
+          <a:p>
+            <a:pPr algn="ctr"/>
+            <a:endParaRPr lang="en-US" b="1" dirty="0">
+              <a:solidFill>
+                <a:srgbClr val="0E4F83"/>
+              </a:solidFill>
+            </a:endParaRPr>
+          </a:p>
+        </p:txBody>
+      </p:sp>
+      <p:sp>
+        <p:nvSpPr>
+          <p:cNvPr id="105" name="Oval 104">
+            <a:extLst>
+              <a:ext uri="{FF2B5EF4-FFF2-40B4-BE49-F238E27FC236}">
+                <a16:creationId xmlns:a16="http://schemas.microsoft.com/office/drawing/2014/main" id="{90A6875D-3C4A-9E9D-09AC-7D3EDF78A282}"/>
+              </a:ext>
+            </a:extLst>
+          </p:cNvPr>
+          <p:cNvSpPr/>
+          <p:nvPr/>
+        </p:nvSpPr>
+        <p:spPr>
+          <a:xfrm>
+            <a:off x="4195969" y="2836634"/>
+            <a:ext cx="190748" cy="187869"/>
+          </a:xfrm>
+          <a:prstGeom prst="ellipse">
+            <a:avLst/>
+          </a:prstGeom>
+          <a:solidFill>
+            <a:schemeClr val="accent2"/>
+          </a:solidFill>
+          <a:ln>
+            <a:noFill/>
+          </a:ln>
         </p:spPr>
         <p:style>
-          <a:lnRef idx="2">
-            <a:schemeClr val="dk1"/>
+          <a:lnRef idx="1">
+            <a:schemeClr val="accent1"/>
           </a:lnRef>
-          <a:fillRef idx="0">
-            <a:schemeClr val="dk1"/>
+          <a:fillRef idx="3">
+            <a:schemeClr val="accent1"/>
           </a:fillRef>
-          <a:effectRef idx="1">
-            <a:schemeClr val="dk1"/>
+          <a:effectRef idx="2">
+            <a:schemeClr val="accent1"/>
           </a:effectRef>
           <a:fontRef idx="minor">
-            <a:schemeClr val="tx1"/>
+            <a:schemeClr val="lt1"/>
           </a:fontRef>
         </p:style>
-      </p:cxnSp>
-      <p:cxnSp>
-        <p:nvCxnSpPr>
-          <p:cNvPr id="188" name="Straight Connector 187">
-            <a:extLst>
-              <a:ext uri="{FF2B5EF4-FFF2-40B4-BE49-F238E27FC236}">
-                <a16:creationId xmlns:a16="http://schemas.microsoft.com/office/drawing/2014/main" id="{7C88EAE5-990B-5CE1-EE57-2D3A66C8180D}"/>
-              </a:ext>
-            </a:extLst>
-          </p:cNvPr>
-          <p:cNvCxnSpPr>
-            <a:cxnSpLocks/>
-            <a:stCxn id="126" idx="6"/>
-            <a:endCxn id="167" idx="2"/>
-          </p:cNvCxnSpPr>
-          <p:nvPr/>
-        </p:nvCxnSpPr>
-        <p:spPr>
-          <a:xfrm>
-            <a:off x="4380884" y="1931159"/>
-            <a:ext cx="654672" cy="154437"/>
-          </a:xfrm>
-          <a:prstGeom prst="line">
-            <a:avLst/>
-          </a:prstGeom>
+        <p:txBody>
+          <a:bodyPr rtlCol="0" anchor="ctr"/>
+          <a:lstStyle/>
+          <a:p>
+            <a:pPr algn="ctr"/>
+            <a:endParaRPr lang="en-US" b="1" dirty="0">
+              <a:solidFill>
+                <a:srgbClr val="0E4F83"/>
+              </a:solidFill>
+            </a:endParaRPr>
+          </a:p>
+        </p:txBody>
+      </p:sp>
+      <p:sp>
+        <p:nvSpPr>
+          <p:cNvPr id="126" name="Oval 125">
+            <a:extLst>
+              <a:ext uri="{FF2B5EF4-FFF2-40B4-BE49-F238E27FC236}">
+                <a16:creationId xmlns:a16="http://schemas.microsoft.com/office/drawing/2014/main" id="{4CC60E3C-BD55-453C-9547-F14152223480}"/>
+              </a:ext>
+            </a:extLst>
+          </p:cNvPr>
+          <p:cNvSpPr/>
+          <p:nvPr/>
+        </p:nvSpPr>
+        <p:spPr>
+          <a:xfrm>
+            <a:off x="4190136" y="1837224"/>
+            <a:ext cx="190748" cy="187869"/>
+          </a:xfrm>
+          <a:prstGeom prst="ellipse">
+            <a:avLst/>
+          </a:prstGeom>
+          <a:solidFill>
+            <a:schemeClr val="accent2"/>
+          </a:solidFill>
+          <a:ln>
+            <a:noFill/>
+          </a:ln>
         </p:spPr>
         <p:style>
-          <a:lnRef idx="2">
-            <a:schemeClr val="dk1"/>
+          <a:lnRef idx="1">
+            <a:schemeClr val="accent1"/>
           </a:lnRef>
-          <a:fillRef idx="0">
-            <a:schemeClr val="dk1"/>
+          <a:fillRef idx="3">
+            <a:schemeClr val="accent1"/>
           </a:fillRef>
-          <a:effectRef idx="1">
-            <a:schemeClr val="dk1"/>
+          <a:effectRef idx="2">
+            <a:schemeClr val="accent1"/>
           </a:effectRef>
           <a:fontRef idx="minor">
-            <a:schemeClr val="tx1"/>
+            <a:schemeClr val="lt1"/>
           </a:fontRef>
         </p:style>
-      </p:cxnSp>
-      <p:cxnSp>
-        <p:nvCxnSpPr>
-          <p:cNvPr id="232" name="Straight Connector 231">
-            <a:extLst>
-              <a:ext uri="{FF2B5EF4-FFF2-40B4-BE49-F238E27FC236}">
-                <a16:creationId xmlns:a16="http://schemas.microsoft.com/office/drawing/2014/main" id="{52CBDC7B-5AD9-19FE-9435-D9686A3AD034}"/>
-              </a:ext>
-            </a:extLst>
-          </p:cNvPr>
-          <p:cNvCxnSpPr>
-            <a:cxnSpLocks/>
-            <a:stCxn id="141" idx="6"/>
-            <a:endCxn id="169" idx="2"/>
-          </p:cNvCxnSpPr>
-          <p:nvPr/>
-        </p:nvCxnSpPr>
-        <p:spPr>
-          <a:xfrm>
-            <a:off x="4380884" y="2459907"/>
-            <a:ext cx="647972" cy="153111"/>
-          </a:xfrm>
-          <a:prstGeom prst="line">
-            <a:avLst/>
-          </a:prstGeom>
+        <p:txBody>
+          <a:bodyPr rtlCol="0" anchor="ctr"/>
+          <a:lstStyle/>
+          <a:p>
+            <a:pPr algn="ctr"/>
+            <a:endParaRPr lang="en-US" b="1" dirty="0">
+              <a:solidFill>
+                <a:srgbClr val="0E4F83"/>
+              </a:solidFill>
+            </a:endParaRPr>
+          </a:p>
+        </p:txBody>
+      </p:sp>
+      <p:sp>
+        <p:nvSpPr>
+          <p:cNvPr id="127" name="Oval 126">
+            <a:extLst>
+              <a:ext uri="{FF2B5EF4-FFF2-40B4-BE49-F238E27FC236}">
+                <a16:creationId xmlns:a16="http://schemas.microsoft.com/office/drawing/2014/main" id="{7819F836-6268-D2C6-AE60-991A0FC88524}"/>
+              </a:ext>
+            </a:extLst>
+          </p:cNvPr>
+          <p:cNvSpPr/>
+          <p:nvPr/>
+        </p:nvSpPr>
+        <p:spPr>
+          <a:xfrm>
+            <a:off x="4194754" y="3296561"/>
+            <a:ext cx="190748" cy="187869"/>
+          </a:xfrm>
+          <a:prstGeom prst="ellipse">
+            <a:avLst/>
+          </a:prstGeom>
+          <a:solidFill>
+            <a:schemeClr val="accent2"/>
+          </a:solidFill>
+          <a:ln>
+            <a:noFill/>
+          </a:ln>
         </p:spPr>
         <p:style>
-          <a:lnRef idx="2">
-            <a:schemeClr val="dk1"/>
+          <a:lnRef idx="1">
+            <a:schemeClr val="accent1"/>
           </a:lnRef>
-          <a:fillRef idx="0">
-            <a:schemeClr val="dk1"/>
+          <a:fillRef idx="3">
+            <a:schemeClr val="accent1"/>
           </a:fillRef>
-          <a:effectRef idx="1">
-            <a:schemeClr val="dk1"/>
+          <a:effectRef idx="2">
+            <a:schemeClr val="accent1"/>
           </a:effectRef>
           <a:fontRef idx="minor">
-            <a:schemeClr val="tx1"/>
+            <a:schemeClr val="lt1"/>
           </a:fontRef>
         </p:style>
-      </p:cxnSp>
-      <p:cxnSp>
-        <p:nvCxnSpPr>
-          <p:cNvPr id="240" name="Straight Connector 239">
-            <a:extLst>
-              <a:ext uri="{FF2B5EF4-FFF2-40B4-BE49-F238E27FC236}">
-                <a16:creationId xmlns:a16="http://schemas.microsoft.com/office/drawing/2014/main" id="{3383FC0A-4E71-904B-B336-C013BB2E9480}"/>
-              </a:ext>
-            </a:extLst>
-          </p:cNvPr>
-          <p:cNvCxnSpPr>
-            <a:cxnSpLocks/>
-            <a:stCxn id="105" idx="6"/>
-            <a:endCxn id="118" idx="2"/>
-          </p:cNvCxnSpPr>
-          <p:nvPr/>
-        </p:nvCxnSpPr>
-        <p:spPr>
-          <a:xfrm flipV="1">
-            <a:off x="4386717" y="2837702"/>
-            <a:ext cx="641861" cy="92867"/>
-          </a:xfrm>
-          <a:prstGeom prst="line">
-            <a:avLst/>
-          </a:prstGeom>
+        <p:txBody>
+          <a:bodyPr rtlCol="0" anchor="ctr"/>
+          <a:lstStyle/>
+          <a:p>
+            <a:pPr algn="ctr"/>
+            <a:endParaRPr lang="en-US" b="1" dirty="0">
+              <a:solidFill>
+                <a:srgbClr val="0E4F83"/>
+              </a:solidFill>
+            </a:endParaRPr>
+          </a:p>
+        </p:txBody>
+      </p:sp>
+      <p:sp>
+        <p:nvSpPr>
+          <p:cNvPr id="141" name="Oval 140">
+            <a:extLst>
+              <a:ext uri="{FF2B5EF4-FFF2-40B4-BE49-F238E27FC236}">
+                <a16:creationId xmlns:a16="http://schemas.microsoft.com/office/drawing/2014/main" id="{392A2749-B3B9-0D82-DD0B-5CE09627BB4F}"/>
+              </a:ext>
+            </a:extLst>
+          </p:cNvPr>
+          <p:cNvSpPr/>
+          <p:nvPr/>
+        </p:nvSpPr>
+        <p:spPr>
+          <a:xfrm>
+            <a:off x="4190136" y="2365972"/>
+            <a:ext cx="190748" cy="187869"/>
+          </a:xfrm>
+          <a:prstGeom prst="ellipse">
+            <a:avLst/>
+          </a:prstGeom>
+          <a:solidFill>
+            <a:schemeClr val="accent2"/>
+          </a:solidFill>
+          <a:ln>
+            <a:noFill/>
+          </a:ln>
         </p:spPr>
         <p:style>
-          <a:lnRef idx="2">
-            <a:schemeClr val="dk1"/>
+          <a:lnRef idx="1">
+            <a:schemeClr val="accent1"/>
           </a:lnRef>
-          <a:fillRef idx="0">
-            <a:schemeClr val="dk1"/>
+          <a:fillRef idx="3">
+            <a:schemeClr val="accent1"/>
           </a:fillRef>
-          <a:effectRef idx="1">
-            <a:schemeClr val="dk1"/>
+          <a:effectRef idx="2">
+            <a:schemeClr val="accent1"/>
           </a:effectRef>
           <a:fontRef idx="minor">
-            <a:schemeClr val="tx1"/>
+            <a:schemeClr val="lt1"/>
           </a:fontRef>
         </p:style>
-      </p:cxnSp>
-      <p:cxnSp>
-        <p:nvCxnSpPr>
-          <p:cNvPr id="243" name="Straight Connector 242">
-            <a:extLst>
-              <a:ext uri="{FF2B5EF4-FFF2-40B4-BE49-F238E27FC236}">
-                <a16:creationId xmlns:a16="http://schemas.microsoft.com/office/drawing/2014/main" id="{77F39231-F313-AAEB-9B86-10AFDEB34199}"/>
-              </a:ext>
-            </a:extLst>
-          </p:cNvPr>
-          <p:cNvCxnSpPr>
-            <a:cxnSpLocks/>
-            <a:stCxn id="105" idx="6"/>
-            <a:endCxn id="170" idx="2"/>
-          </p:cNvCxnSpPr>
-          <p:nvPr/>
-        </p:nvCxnSpPr>
-        <p:spPr>
-          <a:xfrm>
-            <a:off x="4386717" y="2930569"/>
-            <a:ext cx="641861" cy="167823"/>
-          </a:xfrm>
-          <a:prstGeom prst="line">
-            <a:avLst/>
-          </a:prstGeom>
+        <p:txBody>
+          <a:bodyPr rtlCol="0" anchor="ctr"/>
+          <a:lstStyle/>
+          <a:p>
+            <a:pPr algn="ctr"/>
+            <a:endParaRPr lang="en-US" b="1" dirty="0">
+              <a:solidFill>
+                <a:srgbClr val="0E4F83"/>
+              </a:solidFill>
+            </a:endParaRPr>
+          </a:p>
+        </p:txBody>
+      </p:sp>
+      <p:sp>
+        <p:nvSpPr>
+          <p:cNvPr id="159" name="Oval 158">
+            <a:extLst>
+              <a:ext uri="{FF2B5EF4-FFF2-40B4-BE49-F238E27FC236}">
+                <a16:creationId xmlns:a16="http://schemas.microsoft.com/office/drawing/2014/main" id="{45ED4FDF-B7E6-4039-5E41-1717D1751306}"/>
+              </a:ext>
+            </a:extLst>
+          </p:cNvPr>
+          <p:cNvSpPr/>
+          <p:nvPr/>
+        </p:nvSpPr>
+        <p:spPr>
+          <a:xfrm>
+            <a:off x="4190136" y="3985567"/>
+            <a:ext cx="190748" cy="187869"/>
+          </a:xfrm>
+          <a:prstGeom prst="ellipse">
+            <a:avLst/>
+          </a:prstGeom>
+          <a:solidFill>
+            <a:schemeClr val="accent2"/>
+          </a:solidFill>
+          <a:ln>
+            <a:noFill/>
+          </a:ln>
         </p:spPr>
         <p:style>
-          <a:lnRef idx="2">
-            <a:schemeClr val="dk1"/>
+          <a:lnRef idx="1">
+            <a:schemeClr val="accent1"/>
           </a:lnRef>
-          <a:fillRef idx="0">
-            <a:schemeClr val="dk1"/>
+          <a:fillRef idx="3">
+            <a:schemeClr val="accent1"/>
           </a:fillRef>
-          <a:effectRef idx="1">
-            <a:schemeClr val="dk1"/>
+          <a:effectRef idx="2">
+            <a:schemeClr val="accent1"/>
           </a:effectRef>
           <a:fontRef idx="minor">
-            <a:schemeClr val="tx1"/>
+            <a:schemeClr val="lt1"/>
           </a:fontRef>
         </p:style>
-      </p:cxnSp>
-      <p:cxnSp>
-        <p:nvCxnSpPr>
-          <p:cNvPr id="246" name="Straight Connector 245">
-            <a:extLst>
-              <a:ext uri="{FF2B5EF4-FFF2-40B4-BE49-F238E27FC236}">
-                <a16:creationId xmlns:a16="http://schemas.microsoft.com/office/drawing/2014/main" id="{2B0388D5-D4FF-1782-6D42-B6532CDE882B}"/>
-              </a:ext>
-            </a:extLst>
-          </p:cNvPr>
-          <p:cNvCxnSpPr>
-            <a:cxnSpLocks/>
-            <a:stCxn id="127" idx="6"/>
-            <a:endCxn id="171" idx="2"/>
-          </p:cNvCxnSpPr>
-          <p:nvPr/>
-        </p:nvCxnSpPr>
-        <p:spPr>
-          <a:xfrm flipV="1">
-            <a:off x="4385502" y="3327823"/>
-            <a:ext cx="654508" cy="62673"/>
-          </a:xfrm>
-          <a:prstGeom prst="line">
-            <a:avLst/>
-          </a:prstGeom>
+        <p:txBody>
+          <a:bodyPr rtlCol="0" anchor="ctr"/>
+          <a:lstStyle/>
+          <a:p>
+            <a:pPr algn="ctr"/>
+            <a:endParaRPr lang="en-US" b="1" dirty="0">
+              <a:solidFill>
+                <a:srgbClr val="0E4F83"/>
+              </a:solidFill>
+            </a:endParaRPr>
+          </a:p>
+        </p:txBody>
+      </p:sp>
+      <p:sp>
+        <p:nvSpPr>
+          <p:cNvPr id="45" name="Oval 44">
+            <a:extLst>
+              <a:ext uri="{FF2B5EF4-FFF2-40B4-BE49-F238E27FC236}">
+                <a16:creationId xmlns:a16="http://schemas.microsoft.com/office/drawing/2014/main" id="{6DE75BE1-BEC1-54DF-0742-27BE0BDAF06D}"/>
+              </a:ext>
+            </a:extLst>
+          </p:cNvPr>
+          <p:cNvSpPr/>
+          <p:nvPr/>
+        </p:nvSpPr>
+        <p:spPr>
+          <a:xfrm>
+            <a:off x="5952674" y="2540134"/>
+            <a:ext cx="190748" cy="187869"/>
+          </a:xfrm>
+          <a:prstGeom prst="ellipse">
+            <a:avLst/>
+          </a:prstGeom>
+          <a:solidFill>
+            <a:schemeClr val="accent2"/>
+          </a:solidFill>
+          <a:ln>
+            <a:noFill/>
+          </a:ln>
         </p:spPr>
         <p:style>
-          <a:lnRef idx="2">
-            <a:schemeClr val="dk1"/>
+          <a:lnRef idx="1">
+            <a:schemeClr val="accent1"/>
           </a:lnRef>
-          <a:fillRef idx="0">
-            <a:schemeClr val="dk1"/>
+          <a:fillRef idx="3">
+            <a:schemeClr val="accent1"/>
           </a:fillRef>
-          <a:effectRef idx="1">
-            <a:schemeClr val="dk1"/>
+          <a:effectRef idx="2">
+            <a:schemeClr val="accent1"/>
           </a:effectRef>
           <a:fontRef idx="minor">
-            <a:schemeClr val="tx1"/>
+            <a:schemeClr val="lt1"/>
           </a:fontRef>
         </p:style>
-      </p:cxnSp>
-      <p:cxnSp>
-        <p:nvCxnSpPr>
-          <p:cNvPr id="249" name="Straight Connector 248">
-            <a:extLst>
-              <a:ext uri="{FF2B5EF4-FFF2-40B4-BE49-F238E27FC236}">
-                <a16:creationId xmlns:a16="http://schemas.microsoft.com/office/drawing/2014/main" id="{72F6DCD9-4D9A-7D41-C313-C7832207231B}"/>
-              </a:ext>
-            </a:extLst>
-          </p:cNvPr>
-          <p:cNvCxnSpPr>
-            <a:cxnSpLocks/>
-            <a:stCxn id="127" idx="6"/>
-            <a:endCxn id="172" idx="2"/>
-          </p:cNvCxnSpPr>
-          <p:nvPr/>
-        </p:nvCxnSpPr>
-        <p:spPr>
-          <a:xfrm>
-            <a:off x="4385502" y="3390496"/>
-            <a:ext cx="650054" cy="170509"/>
-          </a:xfrm>
-          <a:prstGeom prst="line">
-            <a:avLst/>
-          </a:prstGeom>
-        </p:spPr>
-        <p:style>
-          <a:lnRef idx="2">
-            <a:schemeClr val="dk1"/>
-          </a:lnRef>
-          <a:fillRef idx="0">
-            <a:schemeClr val="dk1"/>
-          </a:fillRef>
-          <a:effectRef idx="1">
-            <a:schemeClr val="dk1"/>
-          </a:effectRef>
-          <a:fontRef idx="minor">
-            <a:schemeClr val="tx1"/>
-          </a:fontRef>
-        </p:style>
-      </p:cxnSp>
-      <p:sp>
-        <p:nvSpPr>
-          <p:cNvPr id="266" name="TextBox 265">
-            <a:extLst>
-              <a:ext uri="{FF2B5EF4-FFF2-40B4-BE49-F238E27FC236}">
-                <a16:creationId xmlns:a16="http://schemas.microsoft.com/office/drawing/2014/main" id="{359744EF-91ED-16DA-6417-2319177547C5}"/>
-              </a:ext>
-            </a:extLst>
-          </p:cNvPr>
-          <p:cNvSpPr txBox="1"/>
-          <p:nvPr/>
-        </p:nvSpPr>
-        <p:spPr>
-          <a:xfrm>
-            <a:off x="3746596" y="3427234"/>
-            <a:ext cx="181669" cy="553998"/>
-          </a:xfrm>
-          <a:prstGeom prst="rect">
-            <a:avLst/>
-          </a:prstGeom>
-          <a:noFill/>
-        </p:spPr>
         <p:txBody>
-          <a:bodyPr wrap="square" rtlCol="0">
-            <a:spAutoFit/>
-          </a:bodyPr>
+          <a:bodyPr rtlCol="0" anchor="ctr"/>
           <a:lstStyle/>
           <a:p>
-            <a:r>
-              <a:rPr lang="en-US" sz="1000" b="1" dirty="0"/>
-              <a:t>.</a:t>
-            </a:r>
-          </a:p>
-          <a:p>
-            <a:r>
-              <a:rPr lang="en-US" sz="1000" b="1" dirty="0"/>
-              <a:t>.</a:t>
-            </a:r>
-          </a:p>
-          <a:p>
-            <a:r>
-              <a:rPr lang="en-US" sz="1000" b="1" dirty="0"/>
-              <a:t>.</a:t>
-            </a:r>
+            <a:pPr algn="ctr"/>
+            <a:endParaRPr lang="en-US" b="1" dirty="0">
+              <a:solidFill>
+                <a:srgbClr val="0E4F83"/>
+              </a:solidFill>
+            </a:endParaRPr>
           </a:p>
         </p:txBody>
       </p:sp>
-      <p:cxnSp>
-        <p:nvCxnSpPr>
-          <p:cNvPr id="267" name="Straight Connector 266">
-            <a:extLst>
-              <a:ext uri="{FF2B5EF4-FFF2-40B4-BE49-F238E27FC236}">
-                <a16:creationId xmlns:a16="http://schemas.microsoft.com/office/drawing/2014/main" id="{1472C971-0043-F3F9-7988-32EED5B8C696}"/>
-              </a:ext>
-            </a:extLst>
-          </p:cNvPr>
-          <p:cNvCxnSpPr>
-            <a:cxnSpLocks/>
-            <a:stCxn id="159" idx="6"/>
-            <a:endCxn id="173" idx="2"/>
-          </p:cNvCxnSpPr>
-          <p:nvPr/>
-        </p:nvCxnSpPr>
-        <p:spPr>
-          <a:xfrm flipV="1">
-            <a:off x="4380884" y="4020795"/>
-            <a:ext cx="657016" cy="58707"/>
-          </a:xfrm>
-          <a:prstGeom prst="line">
-            <a:avLst/>
-          </a:prstGeom>
-        </p:spPr>
-        <p:style>
-          <a:lnRef idx="2">
-            <a:schemeClr val="dk1"/>
-          </a:lnRef>
-          <a:fillRef idx="0">
-            <a:schemeClr val="dk1"/>
-          </a:fillRef>
-          <a:effectRef idx="1">
-            <a:schemeClr val="dk1"/>
-          </a:effectRef>
-          <a:fontRef idx="minor">
-            <a:schemeClr val="tx1"/>
-          </a:fontRef>
-        </p:style>
-      </p:cxnSp>
-      <p:cxnSp>
-        <p:nvCxnSpPr>
-          <p:cNvPr id="270" name="Straight Connector 269">
-            <a:extLst>
-              <a:ext uri="{FF2B5EF4-FFF2-40B4-BE49-F238E27FC236}">
-                <a16:creationId xmlns:a16="http://schemas.microsoft.com/office/drawing/2014/main" id="{DBE3A2F7-95AF-D3AE-ED13-2A720FF34F12}"/>
-              </a:ext>
-            </a:extLst>
-          </p:cNvPr>
-          <p:cNvCxnSpPr>
-            <a:cxnSpLocks/>
-            <a:stCxn id="159" idx="6"/>
-            <a:endCxn id="175" idx="2"/>
-          </p:cNvCxnSpPr>
-          <p:nvPr/>
-        </p:nvCxnSpPr>
-        <p:spPr>
-          <a:xfrm>
-            <a:off x="4380884" y="4079502"/>
-            <a:ext cx="657015" cy="154849"/>
-          </a:xfrm>
-          <a:prstGeom prst="line">
-            <a:avLst/>
-          </a:prstGeom>
-        </p:spPr>
-        <p:style>
-          <a:lnRef idx="2">
-            <a:schemeClr val="dk1"/>
-          </a:lnRef>
-          <a:fillRef idx="0">
-            <a:schemeClr val="dk1"/>
-          </a:fillRef>
-          <a:effectRef idx="1">
-            <a:schemeClr val="dk1"/>
-          </a:effectRef>
-          <a:fontRef idx="minor">
-            <a:schemeClr val="tx1"/>
-          </a:fontRef>
-        </p:style>
-      </p:cxnSp>
-      <p:cxnSp>
-        <p:nvCxnSpPr>
-          <p:cNvPr id="273" name="Straight Connector 272">
-            <a:extLst>
-              <a:ext uri="{FF2B5EF4-FFF2-40B4-BE49-F238E27FC236}">
-                <a16:creationId xmlns:a16="http://schemas.microsoft.com/office/drawing/2014/main" id="{432E716A-5409-480D-840D-9853498F5A46}"/>
-              </a:ext>
-            </a:extLst>
-          </p:cNvPr>
-          <p:cNvCxnSpPr>
-            <a:cxnSpLocks/>
-            <a:stCxn id="165" idx="6"/>
-            <a:endCxn id="45" idx="0"/>
-          </p:cNvCxnSpPr>
-          <p:nvPr/>
-        </p:nvCxnSpPr>
-        <p:spPr>
-          <a:xfrm>
-            <a:off x="5213824" y="1613407"/>
-            <a:ext cx="834224" cy="926727"/>
-          </a:xfrm>
-          <a:prstGeom prst="line">
-            <a:avLst/>
-          </a:prstGeom>
-        </p:spPr>
-        <p:style>
-          <a:lnRef idx="2">
-            <a:schemeClr val="dk1"/>
-          </a:lnRef>
-          <a:fillRef idx="0">
-            <a:schemeClr val="dk1"/>
-          </a:fillRef>
-          <a:effectRef idx="1">
-            <a:schemeClr val="dk1"/>
-          </a:effectRef>
-          <a:fontRef idx="minor">
-            <a:schemeClr val="tx1"/>
-          </a:fontRef>
-        </p:style>
-      </p:cxnSp>
-      <p:cxnSp>
-        <p:nvCxnSpPr>
-          <p:cNvPr id="276" name="Straight Connector 275">
-            <a:extLst>
-              <a:ext uri="{FF2B5EF4-FFF2-40B4-BE49-F238E27FC236}">
-                <a16:creationId xmlns:a16="http://schemas.microsoft.com/office/drawing/2014/main" id="{31AC5291-F076-C1A1-2A20-4DE191CB4207}"/>
-              </a:ext>
-            </a:extLst>
-          </p:cNvPr>
-          <p:cNvCxnSpPr>
-            <a:cxnSpLocks/>
-            <a:stCxn id="166" idx="6"/>
-            <a:endCxn id="45" idx="1"/>
-          </p:cNvCxnSpPr>
-          <p:nvPr/>
-        </p:nvCxnSpPr>
-        <p:spPr>
-          <a:xfrm>
-            <a:off x="5215519" y="1832283"/>
-            <a:ext cx="765089" cy="735364"/>
-          </a:xfrm>
-          <a:prstGeom prst="line">
-            <a:avLst/>
-          </a:prstGeom>
-        </p:spPr>
-        <p:style>
-          <a:lnRef idx="2">
-            <a:schemeClr val="dk1"/>
-          </a:lnRef>
-          <a:fillRef idx="0">
-            <a:schemeClr val="dk1"/>
-          </a:fillRef>
-          <a:effectRef idx="1">
-            <a:schemeClr val="dk1"/>
-          </a:effectRef>
-          <a:fontRef idx="minor">
-            <a:schemeClr val="tx1"/>
-          </a:fontRef>
-        </p:style>
-      </p:cxnSp>
-      <p:cxnSp>
-        <p:nvCxnSpPr>
-          <p:cNvPr id="285" name="Straight Connector 284">
-            <a:extLst>
-              <a:ext uri="{FF2B5EF4-FFF2-40B4-BE49-F238E27FC236}">
-                <a16:creationId xmlns:a16="http://schemas.microsoft.com/office/drawing/2014/main" id="{B1DB0F75-883C-6B20-B195-88AC2C13E3C7}"/>
-              </a:ext>
-            </a:extLst>
-          </p:cNvPr>
-          <p:cNvCxnSpPr>
-            <a:cxnSpLocks/>
-            <a:stCxn id="167" idx="6"/>
-            <a:endCxn id="45" idx="1"/>
-          </p:cNvCxnSpPr>
-          <p:nvPr/>
-        </p:nvCxnSpPr>
-        <p:spPr>
-          <a:xfrm>
-            <a:off x="5216633" y="2085596"/>
-            <a:ext cx="763975" cy="482051"/>
-          </a:xfrm>
-          <a:prstGeom prst="line">
-            <a:avLst/>
-          </a:prstGeom>
-        </p:spPr>
-        <p:style>
-          <a:lnRef idx="2">
-            <a:schemeClr val="dk1"/>
-          </a:lnRef>
-          <a:fillRef idx="0">
-            <a:schemeClr val="dk1"/>
-          </a:fillRef>
-          <a:effectRef idx="1">
-            <a:schemeClr val="dk1"/>
-          </a:effectRef>
-          <a:fontRef idx="minor">
-            <a:schemeClr val="tx1"/>
-          </a:fontRef>
-        </p:style>
-      </p:cxnSp>
-      <p:cxnSp>
-        <p:nvCxnSpPr>
-          <p:cNvPr id="288" name="Straight Connector 287">
-            <a:extLst>
-              <a:ext uri="{FF2B5EF4-FFF2-40B4-BE49-F238E27FC236}">
-                <a16:creationId xmlns:a16="http://schemas.microsoft.com/office/drawing/2014/main" id="{04AB7F38-0696-7411-9F6E-441E4C85885E}"/>
-              </a:ext>
-            </a:extLst>
-          </p:cNvPr>
-          <p:cNvCxnSpPr>
-            <a:cxnSpLocks/>
-            <a:stCxn id="168" idx="6"/>
-            <a:endCxn id="45" idx="2"/>
-          </p:cNvCxnSpPr>
-          <p:nvPr/>
-        </p:nvCxnSpPr>
-        <p:spPr>
-          <a:xfrm>
-            <a:off x="5212059" y="2365973"/>
-            <a:ext cx="740615" cy="268096"/>
-          </a:xfrm>
-          <a:prstGeom prst="line">
-            <a:avLst/>
-          </a:prstGeom>
-        </p:spPr>
-        <p:style>
-          <a:lnRef idx="2">
-            <a:schemeClr val="dk1"/>
-          </a:lnRef>
-          <a:fillRef idx="0">
-            <a:schemeClr val="dk1"/>
-          </a:fillRef>
-          <a:effectRef idx="1">
-            <a:schemeClr val="dk1"/>
-          </a:effectRef>
-          <a:fontRef idx="minor">
-            <a:schemeClr val="tx1"/>
-          </a:fontRef>
-        </p:style>
-      </p:cxnSp>
-      <p:cxnSp>
-        <p:nvCxnSpPr>
-          <p:cNvPr id="291" name="Straight Connector 290">
-            <a:extLst>
-              <a:ext uri="{FF2B5EF4-FFF2-40B4-BE49-F238E27FC236}">
-                <a16:creationId xmlns:a16="http://schemas.microsoft.com/office/drawing/2014/main" id="{267A5811-6426-13C1-F716-A8C0CF13FA7F}"/>
-              </a:ext>
-            </a:extLst>
-          </p:cNvPr>
-          <p:cNvCxnSpPr>
-            <a:cxnSpLocks/>
-            <a:stCxn id="169" idx="6"/>
-            <a:endCxn id="45" idx="2"/>
-          </p:cNvCxnSpPr>
-          <p:nvPr/>
-        </p:nvCxnSpPr>
-        <p:spPr>
-          <a:xfrm>
-            <a:off x="5209933" y="2613018"/>
-            <a:ext cx="742741" cy="21051"/>
-          </a:xfrm>
-          <a:prstGeom prst="line">
-            <a:avLst/>
-          </a:prstGeom>
-        </p:spPr>
-        <p:style>
-          <a:lnRef idx="2">
-            <a:schemeClr val="dk1"/>
-          </a:lnRef>
-          <a:fillRef idx="0">
-            <a:schemeClr val="dk1"/>
-          </a:fillRef>
-          <a:effectRef idx="1">
-            <a:schemeClr val="dk1"/>
-          </a:effectRef>
-          <a:fontRef idx="minor">
-            <a:schemeClr val="tx1"/>
-          </a:fontRef>
-        </p:style>
-      </p:cxnSp>
-      <p:cxnSp>
-        <p:nvCxnSpPr>
-          <p:cNvPr id="302" name="Straight Connector 301">
-            <a:extLst>
-              <a:ext uri="{FF2B5EF4-FFF2-40B4-BE49-F238E27FC236}">
-                <a16:creationId xmlns:a16="http://schemas.microsoft.com/office/drawing/2014/main" id="{316E9D7C-7F95-B200-B350-C227077231C5}"/>
-              </a:ext>
-            </a:extLst>
-          </p:cNvPr>
-          <p:cNvCxnSpPr>
-            <a:cxnSpLocks/>
-            <a:stCxn id="118" idx="6"/>
-            <a:endCxn id="45" idx="2"/>
-          </p:cNvCxnSpPr>
-          <p:nvPr/>
-        </p:nvCxnSpPr>
-        <p:spPr>
-          <a:xfrm flipV="1">
-            <a:off x="5209655" y="2634069"/>
-            <a:ext cx="743019" cy="203633"/>
-          </a:xfrm>
-          <a:prstGeom prst="line">
-            <a:avLst/>
-          </a:prstGeom>
-        </p:spPr>
-        <p:style>
-          <a:lnRef idx="2">
-            <a:schemeClr val="dk1"/>
-          </a:lnRef>
-          <a:fillRef idx="0">
-            <a:schemeClr val="dk1"/>
-          </a:fillRef>
-          <a:effectRef idx="1">
-            <a:schemeClr val="dk1"/>
-          </a:effectRef>
-          <a:fontRef idx="minor">
-            <a:schemeClr val="tx1"/>
-          </a:fontRef>
-        </p:style>
-      </p:cxnSp>
-      <p:cxnSp>
-        <p:nvCxnSpPr>
-          <p:cNvPr id="305" name="Straight Connector 304">
-            <a:extLst>
-              <a:ext uri="{FF2B5EF4-FFF2-40B4-BE49-F238E27FC236}">
-                <a16:creationId xmlns:a16="http://schemas.microsoft.com/office/drawing/2014/main" id="{878FEA7B-CD7D-4674-1B67-543C70ECD2F0}"/>
-              </a:ext>
-            </a:extLst>
-          </p:cNvPr>
-          <p:cNvCxnSpPr>
-            <a:cxnSpLocks/>
-            <a:stCxn id="170" idx="6"/>
-            <a:endCxn id="45" idx="2"/>
-          </p:cNvCxnSpPr>
-          <p:nvPr/>
-        </p:nvCxnSpPr>
-        <p:spPr>
-          <a:xfrm flipV="1">
-            <a:off x="5209655" y="2634069"/>
-            <a:ext cx="743019" cy="464323"/>
-          </a:xfrm>
-          <a:prstGeom prst="line">
-            <a:avLst/>
-          </a:prstGeom>
-        </p:spPr>
-        <p:style>
-          <a:lnRef idx="2">
-            <a:schemeClr val="dk1"/>
-          </a:lnRef>
-          <a:fillRef idx="0">
-            <a:schemeClr val="dk1"/>
-          </a:fillRef>
-          <a:effectRef idx="1">
-            <a:schemeClr val="dk1"/>
-          </a:effectRef>
-          <a:fontRef idx="minor">
-            <a:schemeClr val="tx1"/>
-          </a:fontRef>
-        </p:style>
-      </p:cxnSp>
-      <p:cxnSp>
-        <p:nvCxnSpPr>
-          <p:cNvPr id="308" name="Straight Connector 307">
-            <a:extLst>
-              <a:ext uri="{FF2B5EF4-FFF2-40B4-BE49-F238E27FC236}">
-                <a16:creationId xmlns:a16="http://schemas.microsoft.com/office/drawing/2014/main" id="{08306E87-D1FE-845E-C8E9-A5E30734538B}"/>
-              </a:ext>
-            </a:extLst>
-          </p:cNvPr>
-          <p:cNvCxnSpPr>
-            <a:cxnSpLocks/>
-            <a:stCxn id="171" idx="6"/>
-            <a:endCxn id="45" idx="3"/>
-          </p:cNvCxnSpPr>
-          <p:nvPr/>
-        </p:nvCxnSpPr>
-        <p:spPr>
-          <a:xfrm flipV="1">
-            <a:off x="5221087" y="2700490"/>
-            <a:ext cx="759521" cy="627333"/>
-          </a:xfrm>
-          <a:prstGeom prst="line">
-            <a:avLst/>
-          </a:prstGeom>
-        </p:spPr>
-        <p:style>
-          <a:lnRef idx="2">
-            <a:schemeClr val="dk1"/>
-          </a:lnRef>
-          <a:fillRef idx="0">
-            <a:schemeClr val="dk1"/>
-          </a:fillRef>
-          <a:effectRef idx="1">
-            <a:schemeClr val="dk1"/>
-          </a:effectRef>
-          <a:fontRef idx="minor">
-            <a:schemeClr val="tx1"/>
-          </a:fontRef>
-        </p:style>
-      </p:cxnSp>
-      <p:cxnSp>
-        <p:nvCxnSpPr>
-          <p:cNvPr id="311" name="Straight Connector 310">
-            <a:extLst>
-              <a:ext uri="{FF2B5EF4-FFF2-40B4-BE49-F238E27FC236}">
-                <a16:creationId xmlns:a16="http://schemas.microsoft.com/office/drawing/2014/main" id="{4E6AD0A1-E8AE-0150-0C07-0FA6CBE0DADD}"/>
-              </a:ext>
-            </a:extLst>
-          </p:cNvPr>
-          <p:cNvCxnSpPr>
-            <a:cxnSpLocks/>
-            <a:stCxn id="172" idx="6"/>
-            <a:endCxn id="45" idx="3"/>
-          </p:cNvCxnSpPr>
-          <p:nvPr/>
-        </p:nvCxnSpPr>
-        <p:spPr>
-          <a:xfrm flipV="1">
-            <a:off x="5216633" y="2700490"/>
-            <a:ext cx="763975" cy="860515"/>
-          </a:xfrm>
-          <a:prstGeom prst="line">
-            <a:avLst/>
-          </a:prstGeom>
-        </p:spPr>
-        <p:style>
-          <a:lnRef idx="2">
-            <a:schemeClr val="dk1"/>
-          </a:lnRef>
-          <a:fillRef idx="0">
-            <a:schemeClr val="dk1"/>
-          </a:fillRef>
-          <a:effectRef idx="1">
-            <a:schemeClr val="dk1"/>
-          </a:effectRef>
-          <a:fontRef idx="minor">
-            <a:schemeClr val="tx1"/>
-          </a:fontRef>
-        </p:style>
-      </p:cxnSp>
-      <p:cxnSp>
-        <p:nvCxnSpPr>
-          <p:cNvPr id="315" name="Straight Connector 314">
-            <a:extLst>
-              <a:ext uri="{FF2B5EF4-FFF2-40B4-BE49-F238E27FC236}">
-                <a16:creationId xmlns:a16="http://schemas.microsoft.com/office/drawing/2014/main" id="{8898E4AF-A927-0F10-61CF-32533F526C21}"/>
-              </a:ext>
-            </a:extLst>
-          </p:cNvPr>
-          <p:cNvCxnSpPr>
-            <a:cxnSpLocks/>
-            <a:stCxn id="175" idx="6"/>
-            <a:endCxn id="45" idx="4"/>
-          </p:cNvCxnSpPr>
-          <p:nvPr/>
-        </p:nvCxnSpPr>
-        <p:spPr>
-          <a:xfrm flipV="1">
-            <a:off x="5218976" y="2728003"/>
-            <a:ext cx="829072" cy="1506348"/>
-          </a:xfrm>
-          <a:prstGeom prst="line">
-            <a:avLst/>
-          </a:prstGeom>
-        </p:spPr>
-        <p:style>
-          <a:lnRef idx="2">
-            <a:schemeClr val="dk1"/>
-          </a:lnRef>
-          <a:fillRef idx="0">
-            <a:schemeClr val="dk1"/>
-          </a:fillRef>
-          <a:effectRef idx="1">
-            <a:schemeClr val="dk1"/>
-          </a:effectRef>
-          <a:fontRef idx="minor">
-            <a:schemeClr val="tx1"/>
-          </a:fontRef>
-        </p:style>
-      </p:cxnSp>
     </p:spTree>
     <p:extLst>
       <p:ext uri="{BB962C8B-B14F-4D97-AF65-F5344CB8AC3E}">
@@ -13534,6 +16748,12 @@
 </file>
 
 <file path=customXml/item1.xml><?xml version="1.0" encoding="utf-8"?>
+<p:properties xmlns:p="http://schemas.microsoft.com/office/2006/metadata/properties" xmlns:xsi="http://www.w3.org/2001/XMLSchema-instance" xmlns:pc="http://schemas.microsoft.com/office/infopath/2007/PartnerControls">
+  <documentManagement/>
+</p:properties>
+</file>
+
+<file path=customXml/item2.xml><?xml version="1.0" encoding="utf-8"?>
 <ct:contentTypeSchema xmlns:ct="http://schemas.microsoft.com/office/2006/metadata/contentType" xmlns:ma="http://schemas.microsoft.com/office/2006/metadata/properties/metaAttributes" ct:_="" ma:_="" ma:contentTypeName="Document" ma:contentTypeID="0x010100C11066598DA2094897C17F025BEB5C33" ma:contentTypeVersion="11" ma:contentTypeDescription="Create a new document." ma:contentTypeScope="" ma:versionID="c132620416a636482ab79dc02cb4beda">
   <xsd:schema xmlns:xsd="http://www.w3.org/2001/XMLSchema" xmlns:xs="http://www.w3.org/2001/XMLSchema" xmlns:p="http://schemas.microsoft.com/office/2006/metadata/properties" xmlns:ns2="cc02a9f5-0e8f-478d-ae46-fce6cd025606" xmlns:ns3="5ed103a9-c213-4e89-b04a-978a9c9d0ecb" targetNamespace="http://schemas.microsoft.com/office/2006/metadata/properties" ma:root="true" ma:fieldsID="25d1ba42b03243f6fad1194b6d2737ac" ns2:_="" ns3:_="">
     <xsd:import namespace="cc02a9f5-0e8f-478d-ae46-fce6cd025606"/>
@@ -13742,12 +16962,6 @@
 </ct:contentTypeSchema>
 </file>
 
-<file path=customXml/item2.xml><?xml version="1.0" encoding="utf-8"?>
-<p:properties xmlns:p="http://schemas.microsoft.com/office/2006/metadata/properties" xmlns:xsi="http://www.w3.org/2001/XMLSchema-instance" xmlns:pc="http://schemas.microsoft.com/office/infopath/2007/PartnerControls">
-  <documentManagement/>
-</p:properties>
-</file>
-
 <file path=customXml/item3.xml><?xml version="1.0" encoding="utf-8"?>
 <?mso-contentType ?>
 <FormTemplates xmlns="http://schemas.microsoft.com/sharepoint/v3/contenttype/forms">
@@ -13758,6 +16972,23 @@
 </file>
 
 <file path=customXml/itemProps1.xml><?xml version="1.0" encoding="utf-8"?>
+<ds:datastoreItem xmlns:ds="http://schemas.openxmlformats.org/officeDocument/2006/customXml" ds:itemID="{10D81E0D-2C63-4EA5-9F60-BC113953F389}">
+  <ds:schemaRefs>
+    <ds:schemaRef ds:uri="http://www.w3.org/XML/1998/namespace"/>
+    <ds:schemaRef ds:uri="http://schemas.microsoft.com/office/infopath/2007/PartnerControls"/>
+    <ds:schemaRef ds:uri="http://schemas.microsoft.com/office/2006/documentManagement/types"/>
+    <ds:schemaRef ds:uri="http://purl.org/dc/dcmitype/"/>
+    <ds:schemaRef ds:uri="cc02a9f5-0e8f-478d-ae46-fce6cd025606"/>
+    <ds:schemaRef ds:uri="http://schemas.openxmlformats.org/package/2006/metadata/core-properties"/>
+    <ds:schemaRef ds:uri="http://schemas.microsoft.com/office/2006/metadata/properties"/>
+    <ds:schemaRef ds:uri="5ed103a9-c213-4e89-b04a-978a9c9d0ecb"/>
+    <ds:schemaRef ds:uri="http://purl.org/dc/terms/"/>
+    <ds:schemaRef ds:uri="http://purl.org/dc/elements/1.1/"/>
+  </ds:schemaRefs>
+</ds:datastoreItem>
+</file>
+
+<file path=customXml/itemProps2.xml><?xml version="1.0" encoding="utf-8"?>
 <ds:datastoreItem xmlns:ds="http://schemas.openxmlformats.org/officeDocument/2006/customXml" ds:itemID="{048D89ED-6A25-4B9D-BC75-65054FB7685E}">
   <ds:schemaRefs>
     <ds:schemaRef ds:uri="http://schemas.microsoft.com/office/2006/metadata/contentType"/>
@@ -13776,23 +17007,6 @@
 </ds:datastoreItem>
 </file>
 
-<file path=customXml/itemProps2.xml><?xml version="1.0" encoding="utf-8"?>
-<ds:datastoreItem xmlns:ds="http://schemas.openxmlformats.org/officeDocument/2006/customXml" ds:itemID="{10D81E0D-2C63-4EA5-9F60-BC113953F389}">
-  <ds:schemaRefs>
-    <ds:schemaRef ds:uri="http://www.w3.org/XML/1998/namespace"/>
-    <ds:schemaRef ds:uri="http://schemas.microsoft.com/office/infopath/2007/PartnerControls"/>
-    <ds:schemaRef ds:uri="http://schemas.microsoft.com/office/2006/documentManagement/types"/>
-    <ds:schemaRef ds:uri="http://purl.org/dc/dcmitype/"/>
-    <ds:schemaRef ds:uri="cc02a9f5-0e8f-478d-ae46-fce6cd025606"/>
-    <ds:schemaRef ds:uri="http://schemas.openxmlformats.org/package/2006/metadata/core-properties"/>
-    <ds:schemaRef ds:uri="http://schemas.microsoft.com/office/2006/metadata/properties"/>
-    <ds:schemaRef ds:uri="5ed103a9-c213-4e89-b04a-978a9c9d0ecb"/>
-    <ds:schemaRef ds:uri="http://purl.org/dc/terms/"/>
-    <ds:schemaRef ds:uri="http://purl.org/dc/elements/1.1/"/>
-  </ds:schemaRefs>
-</ds:datastoreItem>
-</file>
-
 <file path=customXml/itemProps3.xml><?xml version="1.0" encoding="utf-8"?>
 <ds:datastoreItem xmlns:ds="http://schemas.openxmlformats.org/officeDocument/2006/customXml" ds:itemID="{478A104F-5518-4387-A41C-C91F45F51F72}">
   <ds:schemaRefs>
